--- a/Progress Reports CIFRE & Workplans/PhD Interim Report/presentation/Self-Service Data Provisioning through Semantic Enrichment of Data - Updated.pptx
+++ b/Progress Reports CIFRE & Workplans/PhD Interim Report/presentation/Self-Service Data Provisioning through Semantic Enrichment of Data - Updated.pptx
@@ -307,11 +307,11 @@
           <c:showBubbleSize val="0"/>
         </c:dLbls>
         <c:gapWidth val="150"/>
-        <c:axId val="186229888"/>
-        <c:axId val="186231424"/>
+        <c:axId val="170288640"/>
+        <c:axId val="170290176"/>
       </c:barChart>
       <c:catAx>
-        <c:axId val="186229888"/>
+        <c:axId val="170288640"/>
         <c:scaling>
           <c:orientation val="minMax"/>
         </c:scaling>
@@ -320,7 +320,7 @@
         <c:majorTickMark val="out"/>
         <c:minorTickMark val="none"/>
         <c:tickLblPos val="nextTo"/>
-        <c:crossAx val="186231424"/>
+        <c:crossAx val="170290176"/>
         <c:crosses val="autoZero"/>
         <c:auto val="1"/>
         <c:lblAlgn val="ctr"/>
@@ -328,7 +328,7 @@
         <c:noMultiLvlLbl val="0"/>
       </c:catAx>
       <c:valAx>
-        <c:axId val="186231424"/>
+        <c:axId val="170290176"/>
         <c:scaling>
           <c:orientation val="minMax"/>
         </c:scaling>
@@ -339,7 +339,7 @@
         <c:majorTickMark val="out"/>
         <c:minorTickMark val="none"/>
         <c:tickLblPos val="nextTo"/>
-        <c:crossAx val="186229888"/>
+        <c:crossAx val="170288640"/>
         <c:crosses val="autoZero"/>
         <c:crossBetween val="between"/>
       </c:valAx>
@@ -8590,7 +8590,13 @@
               <a:rPr lang="en-US" sz="1600" dirty="0" smtClean="0">
                 <a:latin typeface="Segoe UI Light" panose="020B0502040204020203" pitchFamily="34" charset="0"/>
               </a:rPr>
-              <a:t>March 13, 2014</a:t>
+              <a:t>April 21, </a:t>
+            </a:r>
+            <a:r>
+              <a:rPr lang="en-US" sz="1600" dirty="0" smtClean="0">
+                <a:latin typeface="Segoe UI Light" panose="020B0502040204020203" pitchFamily="34" charset="0"/>
+              </a:rPr>
+              <a:t>2014</a:t>
             </a:r>
             <a:endParaRPr lang="en-US" sz="1600" dirty="0">
               <a:latin typeface="Segoe UI Light" panose="020B0502040204020203" pitchFamily="34" charset="0"/>
@@ -8810,25 +8816,7 @@
               <a:rPr lang="en-US" dirty="0" smtClean="0">
                 <a:latin typeface="Segoe UI Light" panose="020B0502040204020203" pitchFamily="34" charset="0"/>
               </a:rPr>
-              <a:t>Increased the </a:t>
-            </a:r>
-            <a:r>
-              <a:rPr lang="en-US" dirty="0" smtClean="0">
-                <a:latin typeface="Segoe UI Light" panose="020B0502040204020203" pitchFamily="34" charset="0"/>
-              </a:rPr>
-              <a:t>overall confidence score with an average of 11% </a:t>
-            </a:r>
-            <a:r>
-              <a:rPr lang="en-US" dirty="0" smtClean="0">
-                <a:latin typeface="Segoe UI Light" panose="020B0502040204020203" pitchFamily="34" charset="0"/>
-              </a:rPr>
-              <a:t>and </a:t>
-            </a:r>
-            <a:r>
-              <a:rPr lang="en-US" dirty="0" smtClean="0">
-                <a:latin typeface="Segoe UI Light" panose="020B0502040204020203" pitchFamily="34" charset="0"/>
-              </a:rPr>
-              <a:t>the number of valid matches found with an average of 10%</a:t>
+              <a:t>Increased the overall confidence score with an average of 11% and the number of valid matches found with an average of 10%</a:t>
             </a:r>
           </a:p>
           <a:p>
@@ -9201,13 +9189,7 @@
               <a:rPr lang="en-US" dirty="0" smtClean="0">
                 <a:latin typeface="Segoe UI Light" panose="020B0502040204020203" pitchFamily="34" charset="0"/>
               </a:rPr>
-              <a:t>It is difficult </a:t>
-            </a:r>
-            <a:r>
-              <a:rPr lang="en-US" dirty="0" smtClean="0">
-                <a:latin typeface="Segoe UI Light" panose="020B0502040204020203" pitchFamily="34" charset="0"/>
-              </a:rPr>
-              <a:t>to </a:t>
+              <a:t>It is difficult to </a:t>
             </a:r>
             <a:r>
               <a:rPr lang="en-US" dirty="0">
@@ -27499,16 +27481,7 @@
                 </a:solidFill>
                 <a:latin typeface="Segoe UI Light" panose="020B0502040204020203" pitchFamily="34" charset="0"/>
               </a:rPr>
-              <a:t>Searching </a:t>
-            </a:r>
-            <a:r>
-              <a:rPr lang="en-US" dirty="0" smtClean="0">
-                <a:solidFill>
-                  <a:srgbClr val="000000"/>
-                </a:solidFill>
-                <a:latin typeface="Segoe UI Light" panose="020B0502040204020203" pitchFamily="34" charset="0"/>
-              </a:rPr>
-              <a:t>online data portals:</a:t>
+              <a:t>Searching online data portals:</a:t>
             </a:r>
           </a:p>
           <a:p>
@@ -27659,7 +27632,23 @@
                 </a:solidFill>
                 <a:latin typeface="Segoe UI Light" panose="020B0502040204020203" pitchFamily="34" charset="0"/>
               </a:rPr>
-              <a:t>Self-service Data </a:t>
+              <a:t>Self-service Data Provisioning: Several companies like Microsoft integrates data with</a:t>
+            </a:r>
+            <a:r>
+              <a:rPr lang="en-US" dirty="0" smtClean="0">
+                <a:latin typeface="Segoe UI Light" panose="020B0502040204020203" pitchFamily="34" charset="0"/>
+              </a:rPr>
+              <a:t> </a:t>
+            </a:r>
+            <a:r>
+              <a:rPr lang="en-US" dirty="0">
+                <a:solidFill>
+                  <a:srgbClr val="000000"/>
+                </a:solidFill>
+                <a:latin typeface="Segoe UI Light" panose="020B0502040204020203" pitchFamily="34" charset="0"/>
+                <a:hlinkClick r:id="rId7"/>
+              </a:rPr>
+              <a:t>Power </a:t>
             </a:r>
             <a:r>
               <a:rPr lang="en-US" dirty="0" smtClean="0">
@@ -27667,8 +27656,15 @@
                   <a:srgbClr val="000000"/>
                 </a:solidFill>
                 <a:latin typeface="Segoe UI Light" panose="020B0502040204020203" pitchFamily="34" charset="0"/>
-              </a:rPr>
-              <a:t>Provisioning: Several companies like Microsoft integrates </a:t>
+                <a:hlinkClick r:id="rId7"/>
+              </a:rPr>
+              <a:t>Query</a:t>
+            </a:r>
+            <a:r>
+              <a:rPr lang="en-US" dirty="0" smtClean="0">
+                <a:latin typeface="Segoe UI Light" panose="020B0502040204020203" pitchFamily="34" charset="0"/>
+              </a:rPr>
+              <a:t> </a:t>
             </a:r>
             <a:r>
               <a:rPr lang="en-US" dirty="0" smtClean="0">
@@ -27677,64 +27673,8 @@
                 </a:solidFill>
                 <a:latin typeface="Segoe UI Light" panose="020B0502040204020203" pitchFamily="34" charset="0"/>
               </a:rPr>
-              <a:t>data with</a:t>
-            </a:r>
-            <a:r>
-              <a:rPr lang="en-US" dirty="0" smtClean="0">
-                <a:latin typeface="Segoe UI Light" panose="020B0502040204020203" pitchFamily="34" charset="0"/>
-              </a:rPr>
-              <a:t> </a:t>
-            </a:r>
-            <a:r>
-              <a:rPr lang="en-US" dirty="0">
-                <a:solidFill>
-                  <a:srgbClr val="000000"/>
-                </a:solidFill>
-                <a:latin typeface="Segoe UI Light" panose="020B0502040204020203" pitchFamily="34" charset="0"/>
-                <a:hlinkClick r:id="rId7"/>
-              </a:rPr>
-              <a:t>Power </a:t>
-            </a:r>
-            <a:r>
-              <a:rPr lang="en-US" dirty="0" smtClean="0">
-                <a:solidFill>
-                  <a:srgbClr val="000000"/>
-                </a:solidFill>
-                <a:latin typeface="Segoe UI Light" panose="020B0502040204020203" pitchFamily="34" charset="0"/>
-                <a:hlinkClick r:id="rId7"/>
-              </a:rPr>
-              <a:t>Query</a:t>
-            </a:r>
-            <a:r>
-              <a:rPr lang="en-US" dirty="0" smtClean="0">
-                <a:latin typeface="Segoe UI Light" panose="020B0502040204020203" pitchFamily="34" charset="0"/>
-              </a:rPr>
-              <a:t> </a:t>
-            </a:r>
-            <a:r>
-              <a:rPr lang="en-US" dirty="0" smtClean="0">
-                <a:solidFill>
-                  <a:srgbClr val="000000"/>
-                </a:solidFill>
-                <a:latin typeface="Segoe UI Light" panose="020B0502040204020203" pitchFamily="34" charset="0"/>
-              </a:rPr>
-              <a:t>from different </a:t>
-            </a:r>
-            <a:r>
-              <a:rPr lang="en-US" dirty="0" smtClean="0">
-                <a:solidFill>
-                  <a:srgbClr val="000000"/>
-                </a:solidFill>
-                <a:latin typeface="Segoe UI Light" panose="020B0502040204020203" pitchFamily="34" charset="0"/>
-              </a:rPr>
-              <a:t>sources</a:t>
-            </a:r>
-            <a:endParaRPr lang="en-US" dirty="0" smtClean="0">
-              <a:solidFill>
-                <a:srgbClr val="000000"/>
-              </a:solidFill>
-              <a:latin typeface="Segoe UI Light" panose="020B0502040204020203" pitchFamily="34" charset="0"/>
-            </a:endParaRPr>
+              <a:t>from different sources</a:t>
+            </a:r>
           </a:p>
         </p:txBody>
       </p:sp>
@@ -27762,7 +27702,7 @@
               <a:rPr lang="en-US" dirty="0" smtClean="0">
                 <a:latin typeface="Segoe UI Light" panose="020B0502040204020203" pitchFamily="34" charset="0"/>
               </a:rPr>
-              <a:t>Related Work</a:t>
+              <a:t>Motivation</a:t>
             </a:r>
             <a:endParaRPr lang="en-US" b="0" dirty="0">
               <a:latin typeface="Segoe UI Light" panose="020B0502040204020203" pitchFamily="34" charset="0"/>

--- a/Progress Reports CIFRE & Workplans/PhD Interim Report/presentation/Self-Service Data Provisioning through Semantic Enrichment of Data - Updated.pptx
+++ b/Progress Reports CIFRE & Workplans/PhD Interim Report/presentation/Self-Service Data Provisioning through Semantic Enrichment of Data - Updated.pptx
@@ -5,10 +5,10 @@
     <p:sldMasterId id="2147483660" r:id="rId1"/>
   </p:sldMasterIdLst>
   <p:notesMasterIdLst>
-    <p:notesMasterId r:id="rId34"/>
+    <p:notesMasterId r:id="rId36"/>
   </p:notesMasterIdLst>
   <p:handoutMasterIdLst>
-    <p:handoutMasterId r:id="rId35"/>
+    <p:handoutMasterId r:id="rId37"/>
   </p:handoutMasterIdLst>
   <p:sldIdLst>
     <p:sldId id="353" r:id="rId2"/>
@@ -38,11 +38,13 @@
     <p:sldId id="402" r:id="rId26"/>
     <p:sldId id="403" r:id="rId27"/>
     <p:sldId id="387" r:id="rId28"/>
-    <p:sldId id="405" r:id="rId29"/>
-    <p:sldId id="406" r:id="rId30"/>
-    <p:sldId id="359" r:id="rId31"/>
-    <p:sldId id="265" r:id="rId32"/>
-    <p:sldId id="339" r:id="rId33"/>
+    <p:sldId id="409" r:id="rId29"/>
+    <p:sldId id="405" r:id="rId30"/>
+    <p:sldId id="406" r:id="rId31"/>
+    <p:sldId id="407" r:id="rId32"/>
+    <p:sldId id="359" r:id="rId33"/>
+    <p:sldId id="265" r:id="rId34"/>
+    <p:sldId id="339" r:id="rId35"/>
   </p:sldIdLst>
   <p:sldSz cx="9144000" cy="6858000" type="screen4x3"/>
   <p:notesSz cx="6858000" cy="9144000"/>
@@ -312,11 +314,11 @@
           <c:showBubbleSize val="0"/>
         </c:dLbls>
         <c:gapWidth val="150"/>
-        <c:axId val="255747584"/>
-        <c:axId val="255749120"/>
+        <c:axId val="226323840"/>
+        <c:axId val="226337920"/>
       </c:barChart>
       <c:catAx>
-        <c:axId val="255747584"/>
+        <c:axId val="226323840"/>
         <c:scaling>
           <c:orientation val="minMax"/>
         </c:scaling>
@@ -325,7 +327,7 @@
         <c:majorTickMark val="out"/>
         <c:minorTickMark val="none"/>
         <c:tickLblPos val="nextTo"/>
-        <c:crossAx val="255749120"/>
+        <c:crossAx val="226337920"/>
         <c:crosses val="autoZero"/>
         <c:auto val="1"/>
         <c:lblAlgn val="ctr"/>
@@ -333,7 +335,7 @@
         <c:noMultiLvlLbl val="0"/>
       </c:catAx>
       <c:valAx>
-        <c:axId val="255749120"/>
+        <c:axId val="226337920"/>
         <c:scaling>
           <c:orientation val="minMax"/>
         </c:scaling>
@@ -344,7 +346,7 @@
         <c:majorTickMark val="out"/>
         <c:minorTickMark val="none"/>
         <c:tickLblPos val="nextTo"/>
-        <c:crossAx val="255747584"/>
+        <c:crossAx val="226323840"/>
         <c:crosses val="autoZero"/>
         <c:crossBetween val="between"/>
       </c:valAx>
@@ -1826,7 +1828,7 @@
             <a:fld id="{7D8C2C35-2B8A-446E-BEC0-FD36716C29AC}" type="slidenum">
               <a:rPr lang="en-US" smtClean="0"/>
               <a:pPr/>
-              <a:t>29</a:t>
+              <a:t>28</a:t>
             </a:fld>
             <a:endParaRPr lang="en-US" dirty="0"/>
           </a:p>
@@ -1906,11 +1908,11 @@
           <a:lstStyle/>
           <a:p>
             <a:fld id="{7D8C2C35-2B8A-446E-BEC0-FD36716C29AC}" type="slidenum">
-              <a:rPr lang="de-DE" smtClean="0"/>
+              <a:rPr lang="en-US" smtClean="0"/>
               <a:pPr/>
               <a:t>30</a:t>
             </a:fld>
-            <a:endParaRPr lang="de-DE" dirty="0"/>
+            <a:endParaRPr lang="en-US" dirty="0"/>
           </a:p>
         </p:txBody>
       </p:sp>
@@ -1923,88 +1925,6 @@
 </file>
 
 <file path=ppt/notesSlides/notesSlide23.xml><?xml version="1.0" encoding="utf-8"?>
-<p:notes xmlns:a="http://schemas.openxmlformats.org/drawingml/2006/main" xmlns:r="http://schemas.openxmlformats.org/officeDocument/2006/relationships" xmlns:p="http://schemas.openxmlformats.org/presentationml/2006/main">
-  <p:cSld>
-    <p:spTree>
-      <p:nvGrpSpPr>
-        <p:cNvPr id="1" name=""/>
-        <p:cNvGrpSpPr/>
-        <p:nvPr/>
-      </p:nvGrpSpPr>
-      <p:grpSpPr>
-        <a:xfrm>
-          <a:off x="0" y="0"/>
-          <a:ext cx="0" cy="0"/>
-          <a:chOff x="0" y="0"/>
-          <a:chExt cx="0" cy="0"/>
-        </a:xfrm>
-      </p:grpSpPr>
-      <p:sp>
-        <p:nvSpPr>
-          <p:cNvPr id="4" name="Slide Number Placeholder 3"/>
-          <p:cNvSpPr>
-            <a:spLocks noGrp="1"/>
-          </p:cNvSpPr>
-          <p:nvPr>
-            <p:ph type="sldNum" sz="quarter" idx="10"/>
-          </p:nvPr>
-        </p:nvSpPr>
-        <p:spPr/>
-        <p:txBody>
-          <a:bodyPr/>
-          <a:lstStyle/>
-          <a:p>
-            <a:fld id="{7D8C2C35-2B8A-446E-BEC0-FD36716C29AC}" type="slidenum">
-              <a:rPr lang="en-US" smtClean="0"/>
-              <a:pPr/>
-              <a:t>31</a:t>
-            </a:fld>
-            <a:endParaRPr lang="en-US" dirty="0"/>
-          </a:p>
-        </p:txBody>
-      </p:sp>
-      <p:sp>
-        <p:nvSpPr>
-          <p:cNvPr id="15" name="Slide Image Placeholder 14"/>
-          <p:cNvSpPr>
-            <a:spLocks noGrp="1" noRot="1" noChangeAspect="1"/>
-          </p:cNvSpPr>
-          <p:nvPr>
-            <p:ph type="sldImg"/>
-          </p:nvPr>
-        </p:nvSpPr>
-        <p:spPr/>
-      </p:sp>
-      <p:sp>
-        <p:nvSpPr>
-          <p:cNvPr id="16" name="Notes Placeholder 15"/>
-          <p:cNvSpPr>
-            <a:spLocks noGrp="1"/>
-          </p:cNvSpPr>
-          <p:nvPr>
-            <p:ph type="body" idx="1"/>
-          </p:nvPr>
-        </p:nvSpPr>
-        <p:spPr/>
-        <p:txBody>
-          <a:bodyPr>
-            <a:normAutofit/>
-          </a:bodyPr>
-          <a:lstStyle/>
-          <a:p>
-            <a:endParaRPr lang="en-US" dirty="0"/>
-          </a:p>
-        </p:txBody>
-      </p:sp>
-    </p:spTree>
-  </p:cSld>
-  <p:clrMapOvr>
-    <a:masterClrMapping/>
-  </p:clrMapOvr>
-</p:notes>
-</file>
-
-<file path=ppt/notesSlides/notesSlide24.xml><?xml version="1.0" encoding="utf-8"?>
 <p:notes xmlns:a="http://schemas.openxmlformats.org/drawingml/2006/main" xmlns:r="http://schemas.openxmlformats.org/officeDocument/2006/relationships" xmlns:p="http://schemas.openxmlformats.org/presentationml/2006/main">
   <p:cSld>
     <p:spTree>
@@ -2070,9 +1990,173 @@
           <a:lstStyle/>
           <a:p>
             <a:fld id="{7D8C2C35-2B8A-446E-BEC0-FD36716C29AC}" type="slidenum">
+              <a:rPr lang="de-DE" smtClean="0"/>
+              <a:pPr/>
+              <a:t>32</a:t>
+            </a:fld>
+            <a:endParaRPr lang="de-DE" dirty="0"/>
+          </a:p>
+        </p:txBody>
+      </p:sp>
+    </p:spTree>
+  </p:cSld>
+  <p:clrMapOvr>
+    <a:masterClrMapping/>
+  </p:clrMapOvr>
+</p:notes>
+</file>
+
+<file path=ppt/notesSlides/notesSlide24.xml><?xml version="1.0" encoding="utf-8"?>
+<p:notes xmlns:a="http://schemas.openxmlformats.org/drawingml/2006/main" xmlns:r="http://schemas.openxmlformats.org/officeDocument/2006/relationships" xmlns:p="http://schemas.openxmlformats.org/presentationml/2006/main">
+  <p:cSld>
+    <p:spTree>
+      <p:nvGrpSpPr>
+        <p:cNvPr id="1" name=""/>
+        <p:cNvGrpSpPr/>
+        <p:nvPr/>
+      </p:nvGrpSpPr>
+      <p:grpSpPr>
+        <a:xfrm>
+          <a:off x="0" y="0"/>
+          <a:ext cx="0" cy="0"/>
+          <a:chOff x="0" y="0"/>
+          <a:chExt cx="0" cy="0"/>
+        </a:xfrm>
+      </p:grpSpPr>
+      <p:sp>
+        <p:nvSpPr>
+          <p:cNvPr id="4" name="Slide Number Placeholder 3"/>
+          <p:cNvSpPr>
+            <a:spLocks noGrp="1"/>
+          </p:cNvSpPr>
+          <p:nvPr>
+            <p:ph type="sldNum" sz="quarter" idx="10"/>
+          </p:nvPr>
+        </p:nvSpPr>
+        <p:spPr/>
+        <p:txBody>
+          <a:bodyPr/>
+          <a:lstStyle/>
+          <a:p>
+            <a:fld id="{7D8C2C35-2B8A-446E-BEC0-FD36716C29AC}" type="slidenum">
               <a:rPr lang="en-US" smtClean="0"/>
               <a:pPr/>
-              <a:t>32</a:t>
+              <a:t>33</a:t>
+            </a:fld>
+            <a:endParaRPr lang="en-US" dirty="0"/>
+          </a:p>
+        </p:txBody>
+      </p:sp>
+      <p:sp>
+        <p:nvSpPr>
+          <p:cNvPr id="15" name="Slide Image Placeholder 14"/>
+          <p:cNvSpPr>
+            <a:spLocks noGrp="1" noRot="1" noChangeAspect="1"/>
+          </p:cNvSpPr>
+          <p:nvPr>
+            <p:ph type="sldImg"/>
+          </p:nvPr>
+        </p:nvSpPr>
+        <p:spPr/>
+      </p:sp>
+      <p:sp>
+        <p:nvSpPr>
+          <p:cNvPr id="16" name="Notes Placeholder 15"/>
+          <p:cNvSpPr>
+            <a:spLocks noGrp="1"/>
+          </p:cNvSpPr>
+          <p:nvPr>
+            <p:ph type="body" idx="1"/>
+          </p:nvPr>
+        </p:nvSpPr>
+        <p:spPr/>
+        <p:txBody>
+          <a:bodyPr>
+            <a:normAutofit/>
+          </a:bodyPr>
+          <a:lstStyle/>
+          <a:p>
+            <a:endParaRPr lang="en-US" dirty="0"/>
+          </a:p>
+        </p:txBody>
+      </p:sp>
+    </p:spTree>
+  </p:cSld>
+  <p:clrMapOvr>
+    <a:masterClrMapping/>
+  </p:clrMapOvr>
+</p:notes>
+</file>
+
+<file path=ppt/notesSlides/notesSlide25.xml><?xml version="1.0" encoding="utf-8"?>
+<p:notes xmlns:a="http://schemas.openxmlformats.org/drawingml/2006/main" xmlns:r="http://schemas.openxmlformats.org/officeDocument/2006/relationships" xmlns:p="http://schemas.openxmlformats.org/presentationml/2006/main">
+  <p:cSld>
+    <p:spTree>
+      <p:nvGrpSpPr>
+        <p:cNvPr id="1" name=""/>
+        <p:cNvGrpSpPr/>
+        <p:nvPr/>
+      </p:nvGrpSpPr>
+      <p:grpSpPr>
+        <a:xfrm>
+          <a:off x="0" y="0"/>
+          <a:ext cx="0" cy="0"/>
+          <a:chOff x="0" y="0"/>
+          <a:chExt cx="0" cy="0"/>
+        </a:xfrm>
+      </p:grpSpPr>
+      <p:sp>
+        <p:nvSpPr>
+          <p:cNvPr id="2" name="Slide Image Placeholder 1"/>
+          <p:cNvSpPr>
+            <a:spLocks noGrp="1" noRot="1" noChangeAspect="1"/>
+          </p:cNvSpPr>
+          <p:nvPr>
+            <p:ph type="sldImg"/>
+          </p:nvPr>
+        </p:nvSpPr>
+        <p:spPr/>
+      </p:sp>
+      <p:sp>
+        <p:nvSpPr>
+          <p:cNvPr id="3" name="Notes Placeholder 2"/>
+          <p:cNvSpPr>
+            <a:spLocks noGrp="1"/>
+          </p:cNvSpPr>
+          <p:nvPr>
+            <p:ph type="body" idx="1"/>
+          </p:nvPr>
+        </p:nvSpPr>
+        <p:spPr/>
+        <p:txBody>
+          <a:bodyPr>
+            <a:normAutofit/>
+          </a:bodyPr>
+          <a:lstStyle/>
+          <a:p>
+            <a:endParaRPr lang="en-US" dirty="0"/>
+          </a:p>
+        </p:txBody>
+      </p:sp>
+      <p:sp>
+        <p:nvSpPr>
+          <p:cNvPr id="4" name="Slide Number Placeholder 3"/>
+          <p:cNvSpPr>
+            <a:spLocks noGrp="1"/>
+          </p:cNvSpPr>
+          <p:nvPr>
+            <p:ph type="sldNum" sz="quarter" idx="10"/>
+          </p:nvPr>
+        </p:nvSpPr>
+        <p:spPr/>
+        <p:txBody>
+          <a:bodyPr/>
+          <a:lstStyle/>
+          <a:p>
+            <a:fld id="{7D8C2C35-2B8A-446E-BEC0-FD36716C29AC}" type="slidenum">
+              <a:rPr lang="en-US" smtClean="0"/>
+              <a:pPr/>
+              <a:t>34</a:t>
             </a:fld>
             <a:endParaRPr lang="en-US" dirty="0"/>
           </a:p>
@@ -12879,23 +12963,7 @@
                   <a:ea typeface="Arial Unicode MS" pitchFamily="34" charset="-128"/>
                   <a:cs typeface="Arial Unicode MS" pitchFamily="34" charset="-128"/>
                 </a:rPr>
-                <a:t> </a:t>
-              </a:r>
-              <a:r>
-                <a:rPr lang="en-US" sz="1200" kern="0" dirty="0" smtClean="0">
-                  <a:latin typeface="Segoe UI Light" panose="020B0502040204020203" pitchFamily="34" charset="0"/>
-                  <a:ea typeface="Arial Unicode MS" pitchFamily="34" charset="-128"/>
-                  <a:cs typeface="Arial Unicode MS" pitchFamily="34" charset="-128"/>
-                </a:rPr>
-                <a:t>70</a:t>
-              </a:r>
-              <a:r>
-                <a:rPr lang="en-US" sz="1200" kern="0" dirty="0" smtClean="0">
-                  <a:latin typeface="Segoe UI Light" panose="020B0502040204020203" pitchFamily="34" charset="0"/>
-                  <a:ea typeface="Arial Unicode MS" pitchFamily="34" charset="-128"/>
-                  <a:cs typeface="Arial Unicode MS" pitchFamily="34" charset="-128"/>
-                </a:rPr>
-                <a:t>%</a:t>
+                <a:t> 70%</a:t>
               </a:r>
             </a:p>
           </p:txBody>
@@ -24584,13 +24652,13 @@
           <a:lstStyle/>
           <a:p>
             <a:r>
-              <a:rPr lang="en-US" dirty="0" smtClean="0">
-                <a:latin typeface="Segoe UI Light" panose="020B0502040204020203" pitchFamily="34" charset="0"/>
-              </a:rPr>
-              <a:t>Conclusion &amp; Future Work</a:t>
-            </a:r>
-            <a:endParaRPr lang="en-US" sz="2000" b="0" dirty="0">
-              <a:latin typeface="Segoe UI" panose="020B0502040204020203" pitchFamily="34" charset="0"/>
+              <a:rPr lang="en-US" dirty="0">
+                <a:latin typeface="Segoe UI Light" panose="020B0502040204020203" pitchFamily="34" charset="0"/>
+              </a:rPr>
+              <a:t>Architecture and Development Progress</a:t>
+            </a:r>
+            <a:endParaRPr lang="en-US" sz="2000" dirty="0">
+              <a:latin typeface="Segoe UI Light" panose="020B0502040204020203" pitchFamily="34" charset="0"/>
               <a:ea typeface="Segoe UI" panose="020B0502040204020203" pitchFamily="34" charset="0"/>
               <a:cs typeface="Segoe UI" panose="020B0502040204020203" pitchFamily="34" charset="0"/>
             </a:endParaRPr>
@@ -27458,6 +27526,332 @@
           <a:chExt cx="0" cy="0"/>
         </a:xfrm>
       </p:grpSpPr>
+      <p:sp>
+        <p:nvSpPr>
+          <p:cNvPr id="3" name="Text Placeholder 2"/>
+          <p:cNvSpPr>
+            <a:spLocks noGrp="1"/>
+          </p:cNvSpPr>
+          <p:nvPr>
+            <p:ph type="body" sz="quarter" idx="10"/>
+          </p:nvPr>
+        </p:nvSpPr>
+        <p:spPr>
+          <a:xfrm>
+            <a:off x="324002" y="1690687"/>
+            <a:ext cx="4226734" cy="4391026"/>
+          </a:xfrm>
+        </p:spPr>
+        <p:txBody>
+          <a:bodyPr/>
+          <a:lstStyle/>
+          <a:p>
+            <a:pPr marL="285750" indent="-285750">
+              <a:buFont typeface="Arial" panose="020B0604020202020204" pitchFamily="34" charset="0"/>
+              <a:buChar char="•"/>
+            </a:pPr>
+            <a:r>
+              <a:rPr lang="en-US" sz="1600" b="0" dirty="0" smtClean="0">
+                <a:latin typeface="Segoe UI Light" panose="020B0502040204020203" pitchFamily="34" charset="0"/>
+                <a:ea typeface="Segoe UI" panose="020B0502040204020203" pitchFamily="34" charset="0"/>
+                <a:cs typeface="Segoe UI" panose="020B0502040204020203" pitchFamily="34" charset="0"/>
+              </a:rPr>
+              <a:t>The </a:t>
+            </a:r>
+            <a:r>
+              <a:rPr lang="en-US" sz="1600" dirty="0" smtClean="0">
+                <a:latin typeface="Segoe UI Light" panose="020B0502040204020203" pitchFamily="34" charset="0"/>
+                <a:ea typeface="Segoe UI" panose="020B0502040204020203" pitchFamily="34" charset="0"/>
+                <a:cs typeface="Segoe UI" panose="020B0502040204020203" pitchFamily="34" charset="0"/>
+              </a:rPr>
+              <a:t>B</a:t>
+            </a:r>
+            <a:r>
+              <a:rPr lang="en-US" sz="1600" b="0" dirty="0" smtClean="0">
+                <a:latin typeface="Segoe UI Light" panose="020B0502040204020203" pitchFamily="34" charset="0"/>
+                <a:ea typeface="Segoe UI" panose="020B0502040204020203" pitchFamily="34" charset="0"/>
+                <a:cs typeface="Segoe UI" panose="020B0502040204020203" pitchFamily="34" charset="0"/>
+              </a:rPr>
+              <a:t>usiness </a:t>
+            </a:r>
+            <a:r>
+              <a:rPr lang="en-US" sz="1600" dirty="0" smtClean="0">
+                <a:latin typeface="Segoe UI Light" panose="020B0502040204020203" pitchFamily="34" charset="0"/>
+                <a:ea typeface="Segoe UI" panose="020B0502040204020203" pitchFamily="34" charset="0"/>
+                <a:cs typeface="Segoe UI" panose="020B0502040204020203" pitchFamily="34" charset="0"/>
+              </a:rPr>
+              <a:t>I</a:t>
+            </a:r>
+            <a:r>
+              <a:rPr lang="en-US" sz="1600" b="0" dirty="0" smtClean="0">
+                <a:latin typeface="Segoe UI Light" panose="020B0502040204020203" pitchFamily="34" charset="0"/>
+                <a:ea typeface="Segoe UI" panose="020B0502040204020203" pitchFamily="34" charset="0"/>
+                <a:cs typeface="Segoe UI" panose="020B0502040204020203" pitchFamily="34" charset="0"/>
+              </a:rPr>
+              <a:t>ntelligence </a:t>
+            </a:r>
+            <a:r>
+              <a:rPr lang="en-US" sz="1600" dirty="0" smtClean="0">
+                <a:latin typeface="Segoe UI Light" panose="020B0502040204020203" pitchFamily="34" charset="0"/>
+                <a:ea typeface="Segoe UI" panose="020B0502040204020203" pitchFamily="34" charset="0"/>
+                <a:cs typeface="Segoe UI" panose="020B0502040204020203" pitchFamily="34" charset="0"/>
+              </a:rPr>
+              <a:t>G</a:t>
+            </a:r>
+            <a:r>
+              <a:rPr lang="en-US" sz="1600" b="0" dirty="0" smtClean="0">
+                <a:latin typeface="Segoe UI Light" panose="020B0502040204020203" pitchFamily="34" charset="0"/>
+                <a:ea typeface="Segoe UI" panose="020B0502040204020203" pitchFamily="34" charset="0"/>
+                <a:cs typeface="Segoe UI" panose="020B0502040204020203" pitchFamily="34" charset="0"/>
+              </a:rPr>
+              <a:t>raph (</a:t>
+            </a:r>
+            <a:r>
+              <a:rPr lang="en-US" sz="1600" dirty="0" smtClean="0">
+                <a:latin typeface="Segoe UI Light" panose="020B0502040204020203" pitchFamily="34" charset="0"/>
+                <a:ea typeface="Segoe UI" panose="020B0502040204020203" pitchFamily="34" charset="0"/>
+                <a:cs typeface="Segoe UI" panose="020B0502040204020203" pitchFamily="34" charset="0"/>
+              </a:rPr>
+              <a:t>BIG</a:t>
+            </a:r>
+            <a:r>
+              <a:rPr lang="en-US" sz="1600" b="0" dirty="0" smtClean="0">
+                <a:latin typeface="Segoe UI Light" panose="020B0502040204020203" pitchFamily="34" charset="0"/>
+                <a:ea typeface="Segoe UI" panose="020B0502040204020203" pitchFamily="34" charset="0"/>
+                <a:cs typeface="Segoe UI" panose="020B0502040204020203" pitchFamily="34" charset="0"/>
+              </a:rPr>
+              <a:t>) is a </a:t>
+            </a:r>
+            <a:r>
+              <a:rPr lang="en-US" sz="1600" b="0" dirty="0">
+                <a:latin typeface="Segoe UI Light" panose="020B0502040204020203" pitchFamily="34" charset="0"/>
+                <a:ea typeface="Segoe UI" panose="020B0502040204020203" pitchFamily="34" charset="0"/>
+                <a:cs typeface="Segoe UI" panose="020B0502040204020203" pitchFamily="34" charset="0"/>
+              </a:rPr>
+              <a:t>set of foundation services for BI applications such as SAP Lumira to </a:t>
+            </a:r>
+            <a:r>
+              <a:rPr lang="en-US" sz="1600" b="0" dirty="0" smtClean="0">
+                <a:latin typeface="Segoe UI Light" panose="020B0502040204020203" pitchFamily="34" charset="0"/>
+                <a:ea typeface="Segoe UI" panose="020B0502040204020203" pitchFamily="34" charset="0"/>
+                <a:cs typeface="Segoe UI" panose="020B0502040204020203" pitchFamily="34" charset="0"/>
+              </a:rPr>
+              <a:t>facilitate quick and relevant access to analytical content for Decision </a:t>
+            </a:r>
+            <a:r>
+              <a:rPr lang="en-US" sz="1600" b="0" dirty="0">
+                <a:latin typeface="Segoe UI Light" panose="020B0502040204020203" pitchFamily="34" charset="0"/>
+                <a:ea typeface="Segoe UI" panose="020B0502040204020203" pitchFamily="34" charset="0"/>
+                <a:cs typeface="Segoe UI" panose="020B0502040204020203" pitchFamily="34" charset="0"/>
+              </a:rPr>
+              <a:t>Makers and </a:t>
+            </a:r>
+            <a:r>
+              <a:rPr lang="en-US" sz="1600" b="0" dirty="0" smtClean="0">
+                <a:latin typeface="Segoe UI Light" panose="020B0502040204020203" pitchFamily="34" charset="0"/>
+                <a:ea typeface="Segoe UI" panose="020B0502040204020203" pitchFamily="34" charset="0"/>
+                <a:cs typeface="Segoe UI" panose="020B0502040204020203" pitchFamily="34" charset="0"/>
+              </a:rPr>
+              <a:t>Analysts</a:t>
+            </a:r>
+          </a:p>
+          <a:p>
+            <a:pPr marL="285750" indent="-285750">
+              <a:buFont typeface="Arial" panose="020B0604020202020204" pitchFamily="34" charset="0"/>
+              <a:buChar char="•"/>
+            </a:pPr>
+            <a:r>
+              <a:rPr lang="en-US" sz="1600" b="0" dirty="0" smtClean="0">
+                <a:latin typeface="Segoe UI Light" panose="020B0502040204020203" pitchFamily="34" charset="0"/>
+                <a:ea typeface="Segoe UI" panose="020B0502040204020203" pitchFamily="34" charset="0"/>
+                <a:cs typeface="Segoe UI" panose="020B0502040204020203" pitchFamily="34" charset="0"/>
+              </a:rPr>
+              <a:t>Data </a:t>
+            </a:r>
+            <a:r>
+              <a:rPr lang="en-US" sz="1600" b="0" dirty="0">
+                <a:latin typeface="Segoe UI Light" panose="020B0502040204020203" pitchFamily="34" charset="0"/>
+                <a:ea typeface="Segoe UI" panose="020B0502040204020203" pitchFamily="34" charset="0"/>
+                <a:cs typeface="Segoe UI" panose="020B0502040204020203" pitchFamily="34" charset="0"/>
+              </a:rPr>
+              <a:t>residing in external repositories (data hubs, structured data in web pages, Linked Open Data, etc.) can bring new insights and enhance decision making </a:t>
+            </a:r>
+            <a:r>
+              <a:rPr lang="en-US" sz="1600" b="0" dirty="0" smtClean="0">
+                <a:latin typeface="Segoe UI Light" panose="020B0502040204020203" pitchFamily="34" charset="0"/>
+                <a:ea typeface="Segoe UI" panose="020B0502040204020203" pitchFamily="34" charset="0"/>
+                <a:cs typeface="Segoe UI" panose="020B0502040204020203" pitchFamily="34" charset="0"/>
+              </a:rPr>
+              <a:t>process</a:t>
+            </a:r>
+          </a:p>
+          <a:p>
+            <a:pPr marL="285750" indent="-285750">
+              <a:buFont typeface="Arial" panose="020B0604020202020204" pitchFamily="34" charset="0"/>
+              <a:buChar char="•"/>
+            </a:pPr>
+            <a:r>
+              <a:rPr lang="en-US" sz="1600" b="0" dirty="0">
+                <a:latin typeface="Segoe UI Light" panose="020B0502040204020203" pitchFamily="34" charset="0"/>
+                <a:ea typeface="Segoe UI" panose="020B0502040204020203" pitchFamily="34" charset="0"/>
+                <a:cs typeface="Segoe UI" panose="020B0502040204020203" pitchFamily="34" charset="0"/>
+              </a:rPr>
+              <a:t>BIG will be fed with the rich datasets descriptions generated by our framework</a:t>
+            </a:r>
+          </a:p>
+          <a:p>
+            <a:pPr marL="285750" indent="-285750">
+              <a:buFont typeface="Arial" panose="020B0604020202020204" pitchFamily="34" charset="0"/>
+              <a:buChar char="•"/>
+            </a:pPr>
+            <a:endParaRPr lang="en-US" sz="1600" b="0" dirty="0" smtClean="0">
+              <a:latin typeface="Segoe UI Light" panose="020B0502040204020203" pitchFamily="34" charset="0"/>
+              <a:ea typeface="Segoe UI" panose="020B0502040204020203" pitchFamily="34" charset="0"/>
+              <a:cs typeface="Segoe UI" panose="020B0502040204020203" pitchFamily="34" charset="0"/>
+            </a:endParaRPr>
+          </a:p>
+        </p:txBody>
+      </p:sp>
+      <p:sp>
+        <p:nvSpPr>
+          <p:cNvPr id="6" name="Title 1"/>
+          <p:cNvSpPr>
+            <a:spLocks noGrp="1"/>
+          </p:cNvSpPr>
+          <p:nvPr>
+            <p:ph type="title"/>
+          </p:nvPr>
+        </p:nvSpPr>
+        <p:spPr>
+          <a:xfrm>
+            <a:off x="324000" y="324000"/>
+            <a:ext cx="8496000" cy="756000"/>
+          </a:xfrm>
+        </p:spPr>
+        <p:txBody>
+          <a:bodyPr/>
+          <a:lstStyle/>
+          <a:p>
+            <a:r>
+              <a:rPr lang="en-US" dirty="0" smtClean="0">
+                <a:latin typeface="Segoe UI Light" panose="020B0502040204020203" pitchFamily="34" charset="0"/>
+              </a:rPr>
+              <a:t>Use Case</a:t>
+            </a:r>
+            <a:r>
+              <a:rPr lang="en-US" b="0" dirty="0" smtClean="0">
+                <a:latin typeface="Segoe UI Light" panose="020B0502040204020203" pitchFamily="34" charset="0"/>
+              </a:rPr>
+              <a:t/>
+            </a:r>
+            <a:br>
+              <a:rPr lang="en-US" b="0" dirty="0" smtClean="0">
+                <a:latin typeface="Segoe UI Light" panose="020B0502040204020203" pitchFamily="34" charset="0"/>
+              </a:rPr>
+            </a:br>
+            <a:r>
+              <a:rPr lang="en-US" b="0" dirty="0" smtClean="0">
+                <a:latin typeface="Segoe UI Light" panose="020B0502040204020203" pitchFamily="34" charset="0"/>
+              </a:rPr>
+              <a:t>Business Intelligence Graph (</a:t>
+            </a:r>
+            <a:r>
+              <a:rPr lang="en-US" dirty="0" smtClean="0">
+                <a:latin typeface="Segoe UI Light" panose="020B0502040204020203" pitchFamily="34" charset="0"/>
+              </a:rPr>
+              <a:t>BIG</a:t>
+            </a:r>
+            <a:r>
+              <a:rPr lang="en-US" b="0" dirty="0" smtClean="0">
+                <a:latin typeface="Segoe UI Light" panose="020B0502040204020203" pitchFamily="34" charset="0"/>
+              </a:rPr>
+              <a:t>)</a:t>
+            </a:r>
+            <a:endParaRPr lang="en-US" b="0" dirty="0">
+              <a:latin typeface="Segoe UI Light" panose="020B0502040204020203" pitchFamily="34" charset="0"/>
+            </a:endParaRPr>
+          </a:p>
+        </p:txBody>
+      </p:sp>
+      <p:pic>
+        <p:nvPicPr>
+          <p:cNvPr id="1026" name="Picture 2" descr="http://unfilled.org/images/knowledge-graph.png"/>
+          <p:cNvPicPr>
+            <a:picLocks noChangeAspect="1" noChangeArrowheads="1"/>
+          </p:cNvPicPr>
+          <p:nvPr/>
+        </p:nvPicPr>
+        <p:blipFill>
+          <a:blip r:embed="rId3" cstate="print">
+            <a:extLst>
+              <a:ext uri="{28A0092B-C50C-407E-A947-70E740481C1C}">
+                <a14:useLocalDpi xmlns:a14="http://schemas.microsoft.com/office/drawing/2010/main" val="0"/>
+              </a:ext>
+            </a:extLst>
+          </a:blip>
+          <a:srcRect/>
+          <a:stretch>
+            <a:fillRect/>
+          </a:stretch>
+        </p:blipFill>
+        <p:spPr bwMode="auto">
+          <a:xfrm>
+            <a:off x="4917809" y="1246612"/>
+            <a:ext cx="3896582" cy="3207508"/>
+          </a:xfrm>
+          <a:prstGeom prst="rect">
+            <a:avLst/>
+          </a:prstGeom>
+          <a:noFill/>
+          <a:extLst>
+            <a:ext uri="{909E8E84-426E-40DD-AFC4-6F175D3DCCD1}">
+              <a14:hiddenFill xmlns:a14="http://schemas.microsoft.com/office/drawing/2010/main">
+                <a:solidFill>
+                  <a:srgbClr val="FFFFFF"/>
+                </a:solidFill>
+              </a14:hiddenFill>
+            </a:ext>
+          </a:extLst>
+        </p:spPr>
+      </p:pic>
+    </p:spTree>
+    <p:extLst>
+      <p:ext uri="{BB962C8B-B14F-4D97-AF65-F5344CB8AC3E}">
+        <p14:creationId xmlns:p14="http://schemas.microsoft.com/office/powerpoint/2010/main" val="2874497512"/>
+      </p:ext>
+    </p:extLst>
+  </p:cSld>
+  <p:clrMapOvr>
+    <a:masterClrMapping/>
+  </p:clrMapOvr>
+  <p:transition spd="med"/>
+  <p:timing>
+    <p:tnLst>
+      <p:par>
+        <p:cTn id="1" dur="indefinite" restart="never" nodeType="tmRoot"/>
+      </p:par>
+    </p:tnLst>
+  </p:timing>
+</p:sld>
+</file>
+
+<file path=ppt/slides/slide29.xml><?xml version="1.0" encoding="utf-8"?>
+<p:sld xmlns:a="http://schemas.openxmlformats.org/drawingml/2006/main" xmlns:r="http://schemas.openxmlformats.org/officeDocument/2006/relationships" xmlns:p="http://schemas.openxmlformats.org/presentationml/2006/main">
+  <p:cSld>
+    <p:spTree>
+      <p:nvGrpSpPr>
+        <p:cNvPr id="1" name=""/>
+        <p:cNvGrpSpPr/>
+        <p:nvPr/>
+      </p:nvGrpSpPr>
+      <p:grpSpPr>
+        <a:xfrm>
+          <a:off x="0" y="0"/>
+          <a:ext cx="0" cy="0"/>
+          <a:chOff x="0" y="0"/>
+          <a:chExt cx="0" cy="0"/>
+        </a:xfrm>
+      </p:grpSpPr>
       <p:pic>
         <p:nvPicPr>
           <p:cNvPr id="2050" name="Picture 2"/>
@@ -27572,17 +27966,6 @@
               </a:rPr>
               <a:t>Accidents Cost by Region</a:t>
             </a:r>
-            <a:endParaRPr lang="en-US" sz="1600" b="1" kern="0" dirty="0" smtClean="0">
-              <a:solidFill>
-                <a:schemeClr val="tx1">
-                  <a:lumMod val="50000"/>
-                  <a:lumOff val="50000"/>
-                </a:schemeClr>
-              </a:solidFill>
-              <a:latin typeface="Segoe UI Light" panose="020B0502040204020203" pitchFamily="34" charset="0"/>
-              <a:ea typeface="Arial Unicode MS" pitchFamily="34" charset="-128"/>
-              <a:cs typeface="Arial Unicode MS" pitchFamily="34" charset="-128"/>
-            </a:endParaRPr>
           </a:p>
         </p:txBody>
       </p:sp>
@@ -27750,17 +28133,6 @@
               </a:rPr>
               <a:t>Chemicals driving accidents</a:t>
             </a:r>
-            <a:endParaRPr lang="en-US" sz="1100" b="1" kern="0" dirty="0" smtClean="0">
-              <a:solidFill>
-                <a:schemeClr val="tx1">
-                  <a:lumMod val="50000"/>
-                  <a:lumOff val="50000"/>
-                </a:schemeClr>
-              </a:solidFill>
-              <a:latin typeface="Segoe UI Light" panose="020B0502040204020203" pitchFamily="34" charset="0"/>
-              <a:ea typeface="Arial Unicode MS" pitchFamily="34" charset="-128"/>
-              <a:cs typeface="Arial Unicode MS" pitchFamily="34" charset="-128"/>
-            </a:endParaRPr>
           </a:p>
         </p:txBody>
       </p:sp>
@@ -27871,17 +28243,6 @@
               </a:rPr>
               <a:t>Related Datasets</a:t>
             </a:r>
-            <a:endParaRPr lang="en-US" sz="1400" b="1" kern="0" dirty="0" smtClean="0">
-              <a:solidFill>
-                <a:schemeClr val="tx1">
-                  <a:lumMod val="50000"/>
-                  <a:lumOff val="50000"/>
-                </a:schemeClr>
-              </a:solidFill>
-              <a:latin typeface="Segoe UI Light" panose="020B0502040204020203" pitchFamily="34" charset="0"/>
-              <a:ea typeface="Arial Unicode MS" pitchFamily="34" charset="-128"/>
-              <a:cs typeface="Arial Unicode MS" pitchFamily="34" charset="-128"/>
-            </a:endParaRPr>
           </a:p>
         </p:txBody>
       </p:sp>
@@ -31083,212 +31444,6 @@
 </p:sld>
 </file>
 
-<file path=ppt/slides/slide29.xml><?xml version="1.0" encoding="utf-8"?>
-<p:sld xmlns:a="http://schemas.openxmlformats.org/drawingml/2006/main" xmlns:r="http://schemas.openxmlformats.org/officeDocument/2006/relationships" xmlns:p="http://schemas.openxmlformats.org/presentationml/2006/main">
-  <p:cSld>
-    <p:spTree>
-      <p:nvGrpSpPr>
-        <p:cNvPr id="1" name=""/>
-        <p:cNvGrpSpPr/>
-        <p:nvPr/>
-      </p:nvGrpSpPr>
-      <p:grpSpPr>
-        <a:xfrm>
-          <a:off x="0" y="0"/>
-          <a:ext cx="0" cy="0"/>
-          <a:chOff x="0" y="0"/>
-          <a:chExt cx="0" cy="0"/>
-        </a:xfrm>
-      </p:grpSpPr>
-      <p:sp>
-        <p:nvSpPr>
-          <p:cNvPr id="10" name="Title 1"/>
-          <p:cNvSpPr>
-            <a:spLocks noGrp="1"/>
-          </p:cNvSpPr>
-          <p:nvPr>
-            <p:ph type="title"/>
-          </p:nvPr>
-        </p:nvSpPr>
-        <p:spPr>
-          <a:xfrm>
-            <a:off x="324000" y="324000"/>
-            <a:ext cx="8496000" cy="490508"/>
-          </a:xfrm>
-        </p:spPr>
-        <p:txBody>
-          <a:bodyPr/>
-          <a:lstStyle/>
-          <a:p>
-            <a:r>
-              <a:rPr lang="en-US" dirty="0" smtClean="0">
-                <a:latin typeface="Segoe UI Light" panose="020B0502040204020203" pitchFamily="34" charset="0"/>
-              </a:rPr>
-              <a:t>Conclusion</a:t>
-            </a:r>
-            <a:endParaRPr lang="en-US" sz="2000" b="0" dirty="0">
-              <a:latin typeface="Segoe UI" panose="020B0502040204020203" pitchFamily="34" charset="0"/>
-              <a:ea typeface="Segoe UI" panose="020B0502040204020203" pitchFamily="34" charset="0"/>
-              <a:cs typeface="Segoe UI" panose="020B0502040204020203" pitchFamily="34" charset="0"/>
-            </a:endParaRPr>
-          </a:p>
-        </p:txBody>
-      </p:sp>
-      <p:sp>
-        <p:nvSpPr>
-          <p:cNvPr id="4" name="TextBox 3"/>
-          <p:cNvSpPr txBox="1"/>
-          <p:nvPr/>
-        </p:nvSpPr>
-        <p:spPr>
-          <a:xfrm>
-            <a:off x="363415" y="1397977"/>
-            <a:ext cx="8525608" cy="3600986"/>
-          </a:xfrm>
-          <a:prstGeom prst="rect">
-            <a:avLst/>
-          </a:prstGeom>
-          <a:noFill/>
-        </p:spPr>
-        <p:txBody>
-          <a:bodyPr wrap="square" lIns="0" tIns="0" rIns="0" bIns="0" rtlCol="0">
-            <a:spAutoFit/>
-          </a:bodyPr>
-          <a:lstStyle/>
-          <a:p>
-            <a:pPr marL="285750" indent="-285750">
-              <a:buFont typeface="Arial" panose="020B0604020202020204" pitchFamily="34" charset="0"/>
-              <a:buChar char="•"/>
-            </a:pPr>
-            <a:r>
-              <a:rPr lang="en-US" dirty="0" smtClean="0">
-                <a:latin typeface="Segoe UI Light" panose="020B0502040204020203" pitchFamily="34" charset="0"/>
-              </a:rPr>
-              <a:t>We have identified three main components that are needed to build a Self-Service Data Provisioning framework:</a:t>
-            </a:r>
-          </a:p>
-          <a:p>
-            <a:pPr marL="285750" indent="-285750">
-              <a:buFont typeface="Arial" panose="020B0604020202020204" pitchFamily="34" charset="0"/>
-              <a:buChar char="•"/>
-            </a:pPr>
-            <a:endParaRPr lang="en-US" dirty="0" smtClean="0">
-              <a:latin typeface="Segoe UI Light" panose="020B0502040204020203" pitchFamily="34" charset="0"/>
-            </a:endParaRPr>
-          </a:p>
-          <a:p>
-            <a:pPr marL="742950" lvl="1" indent="-285750">
-              <a:buFont typeface="Arial" panose="020B0604020202020204" pitchFamily="34" charset="0"/>
-              <a:buChar char="•"/>
-            </a:pPr>
-            <a:r>
-              <a:rPr lang="en-US" b="1" dirty="0" smtClean="0">
-                <a:latin typeface="Segoe UI Light" panose="020B0502040204020203" pitchFamily="34" charset="0"/>
-              </a:rPr>
-              <a:t>Dataset Integration and Enrichment</a:t>
-            </a:r>
-            <a:r>
-              <a:rPr lang="en-US" dirty="0" smtClean="0">
-                <a:latin typeface="Segoe UI Light" panose="020B0502040204020203" pitchFamily="34" charset="0"/>
-              </a:rPr>
-              <a:t>: Uses semantic annotations to tag and enrich data. These can be used to enhance schema matching, data integration and augmentation</a:t>
-            </a:r>
-            <a:endParaRPr lang="en-US" dirty="0">
-              <a:latin typeface="Segoe UI Light" panose="020B0502040204020203" pitchFamily="34" charset="0"/>
-            </a:endParaRPr>
-          </a:p>
-          <a:p>
-            <a:pPr marL="742950" lvl="1" indent="-285750">
-              <a:buFont typeface="Arial" panose="020B0604020202020204" pitchFamily="34" charset="0"/>
-              <a:buChar char="•"/>
-            </a:pPr>
-            <a:r>
-              <a:rPr lang="en-US" b="1" dirty="0" smtClean="0">
-                <a:latin typeface="Segoe UI Light" panose="020B0502040204020203" pitchFamily="34" charset="0"/>
-              </a:rPr>
-              <a:t>Dataset Discovery</a:t>
-            </a:r>
-            <a:r>
-              <a:rPr lang="en-US" dirty="0" smtClean="0">
-                <a:latin typeface="Segoe UI Light" panose="020B0502040204020203" pitchFamily="34" charset="0"/>
-              </a:rPr>
-              <a:t>: Provides easy access to a unified view of publicly available datasets </a:t>
-            </a:r>
-            <a:endParaRPr lang="en-US" dirty="0">
-              <a:latin typeface="Segoe UI Light" panose="020B0502040204020203" pitchFamily="34" charset="0"/>
-            </a:endParaRPr>
-          </a:p>
-          <a:p>
-            <a:pPr marL="742950" lvl="1" indent="-285750">
-              <a:buFont typeface="Arial" panose="020B0604020202020204" pitchFamily="34" charset="0"/>
-              <a:buChar char="•"/>
-            </a:pPr>
-            <a:r>
-              <a:rPr lang="en-US" b="1" dirty="0" smtClean="0">
-                <a:latin typeface="Segoe UI Light" panose="020B0502040204020203" pitchFamily="34" charset="0"/>
-              </a:rPr>
-              <a:t>Dataset Quality Control</a:t>
-            </a:r>
-            <a:r>
-              <a:rPr lang="en-US" dirty="0" smtClean="0">
-                <a:latin typeface="Segoe UI Light" panose="020B0502040204020203" pitchFamily="34" charset="0"/>
-              </a:rPr>
-              <a:t>: Provides comprehensive quality metrics that are helpful in ranking datasets</a:t>
-            </a:r>
-          </a:p>
-          <a:p>
-            <a:pPr marL="742950" lvl="1" indent="-285750">
-              <a:buFont typeface="Arial" panose="020B0604020202020204" pitchFamily="34" charset="0"/>
-              <a:buChar char="•"/>
-            </a:pPr>
-            <a:endParaRPr lang="en-US" dirty="0">
-              <a:latin typeface="Segoe UI Light" panose="020B0502040204020203" pitchFamily="34" charset="0"/>
-            </a:endParaRPr>
-          </a:p>
-          <a:p>
-            <a:pPr marL="285750" indent="-285750">
-              <a:buFont typeface="Arial" panose="020B0604020202020204" pitchFamily="34" charset="0"/>
-              <a:buChar char="•"/>
-            </a:pPr>
-            <a:endParaRPr lang="en-US" dirty="0">
-              <a:latin typeface="Segoe UI Light" panose="020B0502040204020203" pitchFamily="34" charset="0"/>
-            </a:endParaRPr>
-          </a:p>
-          <a:p>
-            <a:pPr marL="285750" indent="-285750">
-              <a:buFont typeface="Arial" panose="020B0604020202020204" pitchFamily="34" charset="0"/>
-              <a:buChar char="•"/>
-            </a:pPr>
-            <a:endParaRPr lang="en-US" dirty="0" smtClean="0">
-              <a:solidFill>
-                <a:srgbClr val="000000"/>
-              </a:solidFill>
-              <a:latin typeface="Segoe UI Light" panose="020B0502040204020203" pitchFamily="34" charset="0"/>
-            </a:endParaRPr>
-          </a:p>
-        </p:txBody>
-      </p:sp>
-    </p:spTree>
-    <p:extLst>
-      <p:ext uri="{BB962C8B-B14F-4D97-AF65-F5344CB8AC3E}">
-        <p14:creationId xmlns:p14="http://schemas.microsoft.com/office/powerpoint/2010/main" val="58538897"/>
-      </p:ext>
-    </p:extLst>
-  </p:cSld>
-  <p:clrMapOvr>
-    <a:masterClrMapping/>
-  </p:clrMapOvr>
-  <p:transition spd="med"/>
-  <p:timing>
-    <p:tnLst>
-      <p:par>
-        <p:cTn id="1" dur="indefinite" restart="never" nodeType="tmRoot"/>
-      </p:par>
-    </p:tnLst>
-  </p:timing>
-</p:sld>
-</file>
-
 <file path=ppt/slides/slide3.xml><?xml version="1.0" encoding="utf-8"?>
 <p:sld xmlns:a="http://schemas.openxmlformats.org/drawingml/2006/main" xmlns:r="http://schemas.openxmlformats.org/officeDocument/2006/relationships" xmlns:p="http://schemas.openxmlformats.org/presentationml/2006/main">
   <p:cSld>
@@ -31306,179 +31461,159 @@
           <a:chExt cx="0" cy="0"/>
         </a:xfrm>
       </p:grpSpPr>
-      <p:grpSp>
-        <p:nvGrpSpPr>
-          <p:cNvPr id="5" name="Group 4"/>
-          <p:cNvGrpSpPr/>
+      <p:pic>
+        <p:nvPicPr>
+          <p:cNvPr id="1026" name="Picture 2"/>
+          <p:cNvPicPr>
+            <a:picLocks noChangeAspect="1" noChangeArrowheads="1"/>
+          </p:cNvPicPr>
           <p:nvPr/>
-        </p:nvGrpSpPr>
-        <p:grpSpPr>
-          <a:xfrm>
-            <a:off x="204787" y="1522426"/>
-            <a:ext cx="4729163" cy="928147"/>
-            <a:chOff x="319087" y="1522427"/>
-            <a:chExt cx="4729163" cy="928147"/>
-          </a:xfrm>
-        </p:grpSpPr>
-        <p:pic>
-          <p:nvPicPr>
-            <p:cNvPr id="3" name="Picture 3"/>
-            <p:cNvPicPr>
-              <a:picLocks noChangeAspect="1" noChangeArrowheads="1"/>
-            </p:cNvPicPr>
-            <p:nvPr/>
-          </p:nvPicPr>
-          <p:blipFill>
-            <a:blip r:embed="rId2">
-              <a:extLst>
-                <a:ext uri="{28A0092B-C50C-407E-A947-70E740481C1C}">
-                  <a14:useLocalDpi xmlns:a14="http://schemas.microsoft.com/office/drawing/2010/main" val="0"/>
-                </a:ext>
-              </a:extLst>
-            </a:blip>
-            <a:srcRect/>
-            <a:stretch>
-              <a:fillRect/>
-            </a:stretch>
-          </p:blipFill>
-          <p:spPr bwMode="auto">
-            <a:xfrm>
-              <a:off x="319087" y="1522427"/>
-              <a:ext cx="661987" cy="928147"/>
-            </a:xfrm>
-            <a:prstGeom prst="rect">
-              <a:avLst/>
-            </a:prstGeom>
-            <a:noFill/>
-            <a:ln>
-              <a:noFill/>
-            </a:ln>
-            <a:effectLst/>
+        </p:nvPicPr>
+        <p:blipFill>
+          <a:blip r:embed="rId2">
             <a:extLst>
-              <a:ext uri="{909E8E84-426E-40DD-AFC4-6F175D3DCCD1}">
-                <a14:hiddenFill xmlns:a14="http://schemas.microsoft.com/office/drawing/2010/main">
-                  <a:solidFill>
-                    <a:schemeClr val="accent1"/>
-                  </a:solidFill>
-                </a14:hiddenFill>
-              </a:ext>
-              <a:ext uri="{91240B29-F687-4F45-9708-019B960494DF}">
-                <a14:hiddenLine xmlns:a14="http://schemas.microsoft.com/office/drawing/2010/main" w="9525">
-                  <a:solidFill>
-                    <a:schemeClr val="tx1"/>
-                  </a:solidFill>
-                  <a:miter lim="800000"/>
-                  <a:headEnd/>
-                  <a:tailEnd/>
-                </a14:hiddenLine>
-              </a:ext>
-              <a:ext uri="{AF507438-7753-43E0-B8FC-AC1667EBCBE1}">
-                <a14:hiddenEffects xmlns:a14="http://schemas.microsoft.com/office/drawing/2010/main">
-                  <a:effectLst>
-                    <a:outerShdw dist="35921" dir="2700000" algn="ctr" rotWithShape="0">
-                      <a:schemeClr val="bg2"/>
-                    </a:outerShdw>
-                  </a:effectLst>
-                </a14:hiddenEffects>
+              <a:ext uri="{28A0092B-C50C-407E-A947-70E740481C1C}">
+                <a14:useLocalDpi xmlns:a14="http://schemas.microsoft.com/office/drawing/2010/main" val="0"/>
               </a:ext>
             </a:extLst>
-          </p:spPr>
-        </p:pic>
-        <p:sp>
-          <p:nvSpPr>
-            <p:cNvPr id="4" name="TextBox 3"/>
-            <p:cNvSpPr txBox="1"/>
-            <p:nvPr/>
-          </p:nvSpPr>
-          <p:spPr>
-            <a:xfrm>
-              <a:off x="981075" y="1668007"/>
-              <a:ext cx="4067175" cy="707886"/>
-            </a:xfrm>
-            <a:prstGeom prst="rect">
-              <a:avLst/>
-            </a:prstGeom>
+          </a:blip>
+          <a:srcRect/>
+          <a:stretch>
+            <a:fillRect/>
+          </a:stretch>
+        </p:blipFill>
+        <p:spPr bwMode="auto">
+          <a:xfrm>
+            <a:off x="0" y="1475887"/>
+            <a:ext cx="1171575" cy="1057275"/>
+          </a:xfrm>
+          <a:prstGeom prst="rect">
+            <a:avLst/>
+          </a:prstGeom>
+          <a:noFill/>
+          <a:ln>
             <a:noFill/>
-          </p:spPr>
-          <p:txBody>
-            <a:bodyPr wrap="square" lIns="0" tIns="0" rIns="0" bIns="0" rtlCol="0">
-              <a:spAutoFit/>
-            </a:bodyPr>
-            <a:lstStyle/>
-            <a:p>
-              <a:pPr fontAlgn="base">
-                <a:spcBef>
-                  <a:spcPts val="600"/>
-                </a:spcBef>
-                <a:spcAft>
-                  <a:spcPct val="0"/>
-                </a:spcAft>
-                <a:buClr>
-                  <a:srgbClr val="F0AB00"/>
-                </a:buClr>
-                <a:buSzPct val="80000"/>
-              </a:pPr>
-              <a:r>
-                <a:rPr lang="en-US" sz="1200" kern="0" dirty="0" smtClean="0">
-                  <a:latin typeface="Segoe UI Light" panose="020B0502040204020203" pitchFamily="34" charset="0"/>
-                  <a:ea typeface="Arial Unicode MS" pitchFamily="34" charset="-128"/>
-                  <a:cs typeface="Arial Unicode MS" pitchFamily="34" charset="-128"/>
-                </a:rPr>
-                <a:t>Fabien Martins</a:t>
-              </a:r>
-            </a:p>
-            <a:p>
-              <a:pPr fontAlgn="base">
-                <a:spcBef>
-                  <a:spcPts val="600"/>
-                </a:spcBef>
-                <a:spcAft>
-                  <a:spcPct val="0"/>
-                </a:spcAft>
-                <a:buClr>
-                  <a:srgbClr val="F0AB00"/>
-                </a:buClr>
-                <a:buSzPct val="80000"/>
-              </a:pPr>
-              <a:r>
-                <a:rPr lang="en-US" sz="1200" b="1" kern="0" dirty="0" smtClean="0">
-                  <a:latin typeface="Segoe UI Light" panose="020B0502040204020203" pitchFamily="34" charset="0"/>
-                  <a:ea typeface="Arial Unicode MS" pitchFamily="34" charset="-128"/>
-                  <a:cs typeface="Arial Unicode MS" pitchFamily="34" charset="-128"/>
-                </a:rPr>
-                <a:t>Business Analyst</a:t>
-              </a:r>
-            </a:p>
-            <a:p>
-              <a:pPr fontAlgn="base">
-                <a:spcBef>
-                  <a:spcPts val="600"/>
-                </a:spcBef>
-                <a:spcAft>
-                  <a:spcPct val="0"/>
-                </a:spcAft>
-                <a:buClr>
-                  <a:srgbClr val="F0AB00"/>
-                </a:buClr>
-                <a:buSzPct val="80000"/>
-              </a:pPr>
-              <a:r>
-                <a:rPr lang="en-US" sz="1200" kern="0" dirty="0" smtClean="0">
-                  <a:latin typeface="Segoe UI Light" panose="020B0502040204020203" pitchFamily="34" charset="0"/>
-                  <a:ea typeface="Arial Unicode MS" pitchFamily="34" charset="-128"/>
-                  <a:cs typeface="Arial Unicode MS" pitchFamily="34" charset="-128"/>
-                </a:rPr>
-                <a:t>Department of Transport - France</a:t>
-              </a:r>
-              <a:endParaRPr lang="en-US" sz="1200" kern="0" dirty="0" smtClean="0">
+          </a:ln>
+          <a:effectLst/>
+          <a:extLst>
+            <a:ext uri="{909E8E84-426E-40DD-AFC4-6F175D3DCCD1}">
+              <a14:hiddenFill xmlns:a14="http://schemas.microsoft.com/office/drawing/2010/main">
+                <a:solidFill>
+                  <a:schemeClr val="accent1"/>
+                </a:solidFill>
+              </a14:hiddenFill>
+            </a:ext>
+            <a:ext uri="{91240B29-F687-4F45-9708-019B960494DF}">
+              <a14:hiddenLine xmlns:a14="http://schemas.microsoft.com/office/drawing/2010/main" w="9525">
+                <a:solidFill>
+                  <a:schemeClr val="tx1"/>
+                </a:solidFill>
+                <a:miter lim="800000"/>
+                <a:headEnd/>
+                <a:tailEnd/>
+              </a14:hiddenLine>
+            </a:ext>
+            <a:ext uri="{AF507438-7753-43E0-B8FC-AC1667EBCBE1}">
+              <a14:hiddenEffects xmlns:a14="http://schemas.microsoft.com/office/drawing/2010/main">
+                <a:effectLst>
+                  <a:outerShdw dist="35921" dir="2700000" algn="ctr" rotWithShape="0">
+                    <a:schemeClr val="bg2"/>
+                  </a:outerShdw>
+                </a:effectLst>
+              </a14:hiddenEffects>
+            </a:ext>
+          </a:extLst>
+        </p:spPr>
+      </p:pic>
+      <p:sp>
+        <p:nvSpPr>
+          <p:cNvPr id="4" name="TextBox 3"/>
+          <p:cNvSpPr txBox="1"/>
+          <p:nvPr/>
+        </p:nvSpPr>
+        <p:spPr>
+          <a:xfrm>
+            <a:off x="1104900" y="1668006"/>
+            <a:ext cx="4067175" cy="707886"/>
+          </a:xfrm>
+          <a:prstGeom prst="rect">
+            <a:avLst/>
+          </a:prstGeom>
+          <a:noFill/>
+        </p:spPr>
+        <p:txBody>
+          <a:bodyPr wrap="square" lIns="0" tIns="0" rIns="0" bIns="0" rtlCol="0">
+            <a:spAutoFit/>
+          </a:bodyPr>
+          <a:lstStyle/>
+          <a:p>
+            <a:pPr fontAlgn="base">
+              <a:spcBef>
+                <a:spcPts val="600"/>
+              </a:spcBef>
+              <a:spcAft>
+                <a:spcPct val="0"/>
+              </a:spcAft>
+              <a:buClr>
+                <a:srgbClr val="F0AB00"/>
+              </a:buClr>
+              <a:buSzPct val="80000"/>
+            </a:pPr>
+            <a:r>
+              <a:rPr lang="en-US" sz="1200" kern="0" dirty="0" smtClean="0">
                 <a:latin typeface="Segoe UI Light" panose="020B0502040204020203" pitchFamily="34" charset="0"/>
                 <a:ea typeface="Arial Unicode MS" pitchFamily="34" charset="-128"/>
                 <a:cs typeface="Arial Unicode MS" pitchFamily="34" charset="-128"/>
-              </a:endParaRPr>
-            </a:p>
-          </p:txBody>
-        </p:sp>
-      </p:grpSp>
+              </a:rPr>
+              <a:t>Fabien Martins</a:t>
+            </a:r>
+          </a:p>
+          <a:p>
+            <a:pPr fontAlgn="base">
+              <a:spcBef>
+                <a:spcPts val="600"/>
+              </a:spcBef>
+              <a:spcAft>
+                <a:spcPct val="0"/>
+              </a:spcAft>
+              <a:buClr>
+                <a:srgbClr val="F0AB00"/>
+              </a:buClr>
+              <a:buSzPct val="80000"/>
+            </a:pPr>
+            <a:r>
+              <a:rPr lang="en-US" sz="1200" b="1" kern="0" dirty="0" smtClean="0">
+                <a:latin typeface="Segoe UI Light" panose="020B0502040204020203" pitchFamily="34" charset="0"/>
+                <a:ea typeface="Arial Unicode MS" pitchFamily="34" charset="-128"/>
+                <a:cs typeface="Arial Unicode MS" pitchFamily="34" charset="-128"/>
+              </a:rPr>
+              <a:t>Business Analyst</a:t>
+            </a:r>
+          </a:p>
+          <a:p>
+            <a:pPr fontAlgn="base">
+              <a:spcBef>
+                <a:spcPts val="600"/>
+              </a:spcBef>
+              <a:spcAft>
+                <a:spcPct val="0"/>
+              </a:spcAft>
+              <a:buClr>
+                <a:srgbClr val="F0AB00"/>
+              </a:buClr>
+              <a:buSzPct val="80000"/>
+            </a:pPr>
+            <a:r>
+              <a:rPr lang="en-US" sz="1100" kern="0" dirty="0" smtClean="0">
+                <a:latin typeface="Segoe UI Light" panose="020B0502040204020203" pitchFamily="34" charset="0"/>
+                <a:ea typeface="Arial Unicode MS" pitchFamily="34" charset="-128"/>
+                <a:cs typeface="Arial Unicode MS" pitchFamily="34" charset="-128"/>
+              </a:rPr>
+              <a:t>Department of Transport - France</a:t>
+            </a:r>
+          </a:p>
+        </p:txBody>
+      </p:sp>
       <p:sp>
         <p:nvSpPr>
           <p:cNvPr id="8" name="Title 1"/>
@@ -31504,12 +31639,6 @@
                 <a:latin typeface="Segoe UI Light" panose="020B0502040204020203" pitchFamily="34" charset="0"/>
               </a:rPr>
               <a:t>Research Questions</a:t>
-            </a:r>
-            <a:r>
-              <a:rPr lang="en-US" dirty="0" smtClean="0">
-                <a:latin typeface="Segoe UI Light" panose="020B0502040204020203" pitchFamily="34" charset="0"/>
-              </a:rPr>
-              <a:t/>
             </a:r>
             <a:br>
               <a:rPr lang="en-US" dirty="0" smtClean="0">
@@ -31637,7 +31766,7 @@
         <p:spPr>
           <a:xfrm>
             <a:off x="866774" y="2990850"/>
-            <a:ext cx="7791451" cy="830997"/>
+            <a:ext cx="7791451" cy="779381"/>
           </a:xfrm>
           <a:prstGeom prst="rect">
             <a:avLst/>
@@ -31678,25 +31807,88 @@
                 <a:ea typeface="Arial Unicode MS" pitchFamily="34" charset="-128"/>
                 <a:cs typeface="Arial Unicode MS" pitchFamily="34" charset="-128"/>
               </a:rPr>
-              <a:t>We want to compare the number of accidents </a:t>
-            </a:r>
-            <a:r>
-              <a:rPr lang="en-US" kern="0" dirty="0">
+              <a:t>Fabien wants to compare the number of accidents that happened last year which </a:t>
+            </a:r>
+            <a:r>
+              <a:rPr lang="en-US" kern="0" dirty="0" smtClean="0">
                 <a:latin typeface="Segoe UI Light" panose="020B0502040204020203" pitchFamily="34" charset="0"/>
                 <a:ea typeface="Arial Unicode MS" pitchFamily="34" charset="-128"/>
                 <a:cs typeface="Arial Unicode MS" pitchFamily="34" charset="-128"/>
               </a:rPr>
-              <a:t>involving consumption of illegal chemicals </a:t>
-            </a:r>
-            <a:r>
-              <a:rPr lang="en-US" sz="1800" kern="0" dirty="0" smtClean="0">
+              <a:t>involve </a:t>
+            </a:r>
+            <a:r>
+              <a:rPr lang="en-US" kern="0" dirty="0">
                 <a:latin typeface="Segoe UI Light" panose="020B0502040204020203" pitchFamily="34" charset="0"/>
                 <a:ea typeface="Arial Unicode MS" pitchFamily="34" charset="-128"/>
                 <a:cs typeface="Arial Unicode MS" pitchFamily="34" charset="-128"/>
               </a:rPr>
-              <a:t>to other countries</a:t>
-            </a:r>
-            <a:endParaRPr lang="en-US" sz="1800" kern="0" dirty="0" smtClean="0">
+              <a:t>consumption of illegal chemicals </a:t>
+            </a:r>
+            <a:r>
+              <a:rPr lang="en-US" sz="1800" kern="0" dirty="0" smtClean="0">
+                <a:latin typeface="Segoe UI Light" panose="020B0502040204020203" pitchFamily="34" charset="0"/>
+                <a:ea typeface="Arial Unicode MS" pitchFamily="34" charset="-128"/>
+                <a:cs typeface="Arial Unicode MS" pitchFamily="34" charset="-128"/>
+              </a:rPr>
+              <a:t>with those in the United States</a:t>
+            </a:r>
+          </a:p>
+        </p:txBody>
+      </p:sp>
+      <p:sp>
+        <p:nvSpPr>
+          <p:cNvPr id="2" name="TextBox 1"/>
+          <p:cNvSpPr txBox="1"/>
+          <p:nvPr/>
+        </p:nvSpPr>
+        <p:spPr>
+          <a:xfrm>
+            <a:off x="7600950" y="1475887"/>
+            <a:ext cx="809625" cy="138499"/>
+          </a:xfrm>
+          <a:prstGeom prst="rect">
+            <a:avLst/>
+          </a:prstGeom>
+          <a:solidFill>
+            <a:schemeClr val="bg1"/>
+          </a:solidFill>
+        </p:spPr>
+        <p:txBody>
+          <a:bodyPr wrap="square" lIns="0" tIns="0" rIns="0" bIns="0" rtlCol="0">
+            <a:spAutoFit/>
+          </a:bodyPr>
+          <a:lstStyle/>
+          <a:p>
+            <a:pPr fontAlgn="base">
+              <a:spcBef>
+                <a:spcPts val="600"/>
+              </a:spcBef>
+              <a:spcAft>
+                <a:spcPct val="0"/>
+              </a:spcAft>
+              <a:buClr>
+                <a:srgbClr val="F0AB00"/>
+              </a:buClr>
+              <a:buSzPct val="80000"/>
+            </a:pPr>
+            <a:r>
+              <a:rPr lang="en-US" sz="900" kern="0" dirty="0">
+                <a:latin typeface="Segoe UI Light" panose="020B0502040204020203" pitchFamily="34" charset="0"/>
+                <a:ea typeface="Arial Unicode MS" pitchFamily="34" charset="-128"/>
+                <a:cs typeface="Arial Unicode MS" pitchFamily="34" charset="-128"/>
+              </a:rPr>
+              <a:t>Fabien </a:t>
+            </a:r>
+            <a:r>
+              <a:rPr lang="en-US" sz="900" kern="0" dirty="0" smtClean="0">
+                <a:latin typeface="Segoe UI Light" panose="020B0502040204020203" pitchFamily="34" charset="0"/>
+                <a:ea typeface="Arial Unicode MS" pitchFamily="34" charset="-128"/>
+                <a:cs typeface="Arial Unicode MS" pitchFamily="34" charset="-128"/>
+              </a:rPr>
+              <a:t>Martins</a:t>
+            </a:r>
+            <a:endParaRPr lang="en-US" sz="900" kern="0" dirty="0">
               <a:latin typeface="Segoe UI Light" panose="020B0502040204020203" pitchFamily="34" charset="0"/>
               <a:ea typeface="Arial Unicode MS" pitchFamily="34" charset="-128"/>
               <a:cs typeface="Arial Unicode MS" pitchFamily="34" charset="-128"/>
@@ -31928,6 +32120,342 @@
       </p:grpSpPr>
       <p:sp>
         <p:nvSpPr>
+          <p:cNvPr id="10" name="Title 1"/>
+          <p:cNvSpPr>
+            <a:spLocks noGrp="1"/>
+          </p:cNvSpPr>
+          <p:nvPr>
+            <p:ph type="title"/>
+          </p:nvPr>
+        </p:nvSpPr>
+        <p:spPr>
+          <a:xfrm>
+            <a:off x="324000" y="324000"/>
+            <a:ext cx="8496000" cy="490508"/>
+          </a:xfrm>
+        </p:spPr>
+        <p:txBody>
+          <a:bodyPr/>
+          <a:lstStyle/>
+          <a:p>
+            <a:r>
+              <a:rPr lang="en-US" dirty="0" smtClean="0">
+                <a:latin typeface="Segoe UI Light" panose="020B0502040204020203" pitchFamily="34" charset="0"/>
+              </a:rPr>
+              <a:t>Conclusion</a:t>
+            </a:r>
+            <a:endParaRPr lang="en-US" sz="2000" b="0" dirty="0">
+              <a:latin typeface="Segoe UI" panose="020B0502040204020203" pitchFamily="34" charset="0"/>
+              <a:ea typeface="Segoe UI" panose="020B0502040204020203" pitchFamily="34" charset="0"/>
+              <a:cs typeface="Segoe UI" panose="020B0502040204020203" pitchFamily="34" charset="0"/>
+            </a:endParaRPr>
+          </a:p>
+        </p:txBody>
+      </p:sp>
+      <p:sp>
+        <p:nvSpPr>
+          <p:cNvPr id="4" name="TextBox 3"/>
+          <p:cNvSpPr txBox="1"/>
+          <p:nvPr/>
+        </p:nvSpPr>
+        <p:spPr>
+          <a:xfrm>
+            <a:off x="363415" y="1397977"/>
+            <a:ext cx="8525608" cy="3600986"/>
+          </a:xfrm>
+          <a:prstGeom prst="rect">
+            <a:avLst/>
+          </a:prstGeom>
+          <a:noFill/>
+        </p:spPr>
+        <p:txBody>
+          <a:bodyPr wrap="square" lIns="0" tIns="0" rIns="0" bIns="0" rtlCol="0">
+            <a:spAutoFit/>
+          </a:bodyPr>
+          <a:lstStyle/>
+          <a:p>
+            <a:pPr marL="285750" indent="-285750">
+              <a:buFont typeface="Arial" panose="020B0604020202020204" pitchFamily="34" charset="0"/>
+              <a:buChar char="•"/>
+            </a:pPr>
+            <a:r>
+              <a:rPr lang="en-US" dirty="0" smtClean="0">
+                <a:latin typeface="Segoe UI Light" panose="020B0502040204020203" pitchFamily="34" charset="0"/>
+              </a:rPr>
+              <a:t>We have identified three main components that are needed to build a Self-Service Data Provisioning framework:</a:t>
+            </a:r>
+          </a:p>
+          <a:p>
+            <a:pPr marL="285750" indent="-285750">
+              <a:buFont typeface="Arial" panose="020B0604020202020204" pitchFamily="34" charset="0"/>
+              <a:buChar char="•"/>
+            </a:pPr>
+            <a:endParaRPr lang="en-US" dirty="0" smtClean="0">
+              <a:latin typeface="Segoe UI Light" panose="020B0502040204020203" pitchFamily="34" charset="0"/>
+            </a:endParaRPr>
+          </a:p>
+          <a:p>
+            <a:pPr marL="742950" lvl="1" indent="-285750">
+              <a:buFont typeface="Arial" panose="020B0604020202020204" pitchFamily="34" charset="0"/>
+              <a:buChar char="•"/>
+            </a:pPr>
+            <a:r>
+              <a:rPr lang="en-US" b="1" dirty="0" smtClean="0">
+                <a:latin typeface="Segoe UI Light" panose="020B0502040204020203" pitchFamily="34" charset="0"/>
+              </a:rPr>
+              <a:t>Dataset Integration and Enrichment</a:t>
+            </a:r>
+            <a:r>
+              <a:rPr lang="en-US" dirty="0" smtClean="0">
+                <a:latin typeface="Segoe UI Light" panose="020B0502040204020203" pitchFamily="34" charset="0"/>
+              </a:rPr>
+              <a:t>: Uses semantic annotations to tag and enrich data. These can be used to enhance schema matching, data integration and augmentation</a:t>
+            </a:r>
+            <a:endParaRPr lang="en-US" dirty="0">
+              <a:latin typeface="Segoe UI Light" panose="020B0502040204020203" pitchFamily="34" charset="0"/>
+            </a:endParaRPr>
+          </a:p>
+          <a:p>
+            <a:pPr marL="742950" lvl="1" indent="-285750">
+              <a:buFont typeface="Arial" panose="020B0604020202020204" pitchFamily="34" charset="0"/>
+              <a:buChar char="•"/>
+            </a:pPr>
+            <a:r>
+              <a:rPr lang="en-US" b="1" dirty="0" smtClean="0">
+                <a:latin typeface="Segoe UI Light" panose="020B0502040204020203" pitchFamily="34" charset="0"/>
+              </a:rPr>
+              <a:t>Dataset Discovery</a:t>
+            </a:r>
+            <a:r>
+              <a:rPr lang="en-US" dirty="0" smtClean="0">
+                <a:latin typeface="Segoe UI Light" panose="020B0502040204020203" pitchFamily="34" charset="0"/>
+              </a:rPr>
+              <a:t>: Provides easy access to a unified view of publicly available datasets </a:t>
+            </a:r>
+            <a:endParaRPr lang="en-US" dirty="0">
+              <a:latin typeface="Segoe UI Light" panose="020B0502040204020203" pitchFamily="34" charset="0"/>
+            </a:endParaRPr>
+          </a:p>
+          <a:p>
+            <a:pPr marL="742950" lvl="1" indent="-285750">
+              <a:buFont typeface="Arial" panose="020B0604020202020204" pitchFamily="34" charset="0"/>
+              <a:buChar char="•"/>
+            </a:pPr>
+            <a:r>
+              <a:rPr lang="en-US" b="1" dirty="0" smtClean="0">
+                <a:latin typeface="Segoe UI Light" panose="020B0502040204020203" pitchFamily="34" charset="0"/>
+              </a:rPr>
+              <a:t>Dataset Quality Control</a:t>
+            </a:r>
+            <a:r>
+              <a:rPr lang="en-US" dirty="0" smtClean="0">
+                <a:latin typeface="Segoe UI Light" panose="020B0502040204020203" pitchFamily="34" charset="0"/>
+              </a:rPr>
+              <a:t>: Provides comprehensive quality metrics that are helpful in ranking datasets</a:t>
+            </a:r>
+          </a:p>
+          <a:p>
+            <a:pPr marL="742950" lvl="1" indent="-285750">
+              <a:buFont typeface="Arial" panose="020B0604020202020204" pitchFamily="34" charset="0"/>
+              <a:buChar char="•"/>
+            </a:pPr>
+            <a:endParaRPr lang="en-US" dirty="0">
+              <a:latin typeface="Segoe UI Light" panose="020B0502040204020203" pitchFamily="34" charset="0"/>
+            </a:endParaRPr>
+          </a:p>
+          <a:p>
+            <a:pPr marL="285750" indent="-285750">
+              <a:buFont typeface="Arial" panose="020B0604020202020204" pitchFamily="34" charset="0"/>
+              <a:buChar char="•"/>
+            </a:pPr>
+            <a:endParaRPr lang="en-US" dirty="0">
+              <a:latin typeface="Segoe UI Light" panose="020B0502040204020203" pitchFamily="34" charset="0"/>
+            </a:endParaRPr>
+          </a:p>
+          <a:p>
+            <a:pPr marL="285750" indent="-285750">
+              <a:buFont typeface="Arial" panose="020B0604020202020204" pitchFamily="34" charset="0"/>
+              <a:buChar char="•"/>
+            </a:pPr>
+            <a:endParaRPr lang="en-US" dirty="0" smtClean="0">
+              <a:solidFill>
+                <a:srgbClr val="000000"/>
+              </a:solidFill>
+              <a:latin typeface="Segoe UI Light" panose="020B0502040204020203" pitchFamily="34" charset="0"/>
+            </a:endParaRPr>
+          </a:p>
+        </p:txBody>
+      </p:sp>
+    </p:spTree>
+    <p:extLst>
+      <p:ext uri="{BB962C8B-B14F-4D97-AF65-F5344CB8AC3E}">
+        <p14:creationId xmlns:p14="http://schemas.microsoft.com/office/powerpoint/2010/main" val="58538897"/>
+      </p:ext>
+    </p:extLst>
+  </p:cSld>
+  <p:clrMapOvr>
+    <a:masterClrMapping/>
+  </p:clrMapOvr>
+  <p:transition spd="med"/>
+  <p:timing>
+    <p:tnLst>
+      <p:par>
+        <p:cTn id="1" dur="indefinite" restart="never" nodeType="tmRoot"/>
+      </p:par>
+    </p:tnLst>
+  </p:timing>
+</p:sld>
+</file>
+
+<file path=ppt/slides/slide31.xml><?xml version="1.0" encoding="utf-8"?>
+<p:sld xmlns:a="http://schemas.openxmlformats.org/drawingml/2006/main" xmlns:r="http://schemas.openxmlformats.org/officeDocument/2006/relationships" xmlns:p="http://schemas.openxmlformats.org/presentationml/2006/main">
+  <p:cSld>
+    <p:spTree>
+      <p:nvGrpSpPr>
+        <p:cNvPr id="1" name=""/>
+        <p:cNvGrpSpPr/>
+        <p:nvPr/>
+      </p:nvGrpSpPr>
+      <p:grpSpPr>
+        <a:xfrm>
+          <a:off x="0" y="0"/>
+          <a:ext cx="0" cy="0"/>
+          <a:chOff x="0" y="0"/>
+          <a:chExt cx="0" cy="0"/>
+        </a:xfrm>
+      </p:grpSpPr>
+      <p:sp>
+        <p:nvSpPr>
+          <p:cNvPr id="2" name="Title 1"/>
+          <p:cNvSpPr>
+            <a:spLocks noGrp="1"/>
+          </p:cNvSpPr>
+          <p:nvPr>
+            <p:ph type="title"/>
+          </p:nvPr>
+        </p:nvSpPr>
+        <p:spPr/>
+        <p:txBody>
+          <a:bodyPr/>
+          <a:lstStyle/>
+          <a:p>
+            <a:r>
+              <a:rPr lang="en-US" dirty="0" smtClean="0">
+                <a:latin typeface="Segoe UI Light" panose="020B0502040204020203" pitchFamily="34" charset="0"/>
+              </a:rPr>
+              <a:t>Future Work</a:t>
+            </a:r>
+            <a:endParaRPr lang="en-US" dirty="0">
+              <a:latin typeface="Segoe UI Light" panose="020B0502040204020203" pitchFamily="34" charset="0"/>
+            </a:endParaRPr>
+          </a:p>
+        </p:txBody>
+      </p:sp>
+      <p:sp>
+        <p:nvSpPr>
+          <p:cNvPr id="3" name="Text Placeholder 2"/>
+          <p:cNvSpPr>
+            <a:spLocks noGrp="1"/>
+          </p:cNvSpPr>
+          <p:nvPr>
+            <p:ph type="body" sz="quarter" idx="10"/>
+          </p:nvPr>
+        </p:nvSpPr>
+        <p:spPr>
+          <a:xfrm>
+            <a:off x="324000" y="1419225"/>
+            <a:ext cx="8494713" cy="4662488"/>
+          </a:xfrm>
+        </p:spPr>
+        <p:txBody>
+          <a:bodyPr/>
+          <a:lstStyle/>
+          <a:p>
+            <a:pPr marL="285750" indent="-285750">
+              <a:buFont typeface="Arial" panose="020B0604020202020204" pitchFamily="34" charset="0"/>
+              <a:buChar char="•"/>
+            </a:pPr>
+            <a:r>
+              <a:rPr lang="en-US" b="0" dirty="0" smtClean="0">
+                <a:latin typeface="Segoe UI Light" panose="020B0502040204020203" pitchFamily="34" charset="0"/>
+              </a:rPr>
+              <a:t>Build a data crawler for public data hubs, that will be able to generate enhanced DCAT descriptions with the semantic concepts and topics generated from </a:t>
+            </a:r>
+            <a:r>
+              <a:rPr lang="en-US" b="0" dirty="0" smtClean="0">
+                <a:latin typeface="Segoe UI Light" panose="020B0502040204020203" pitchFamily="34" charset="0"/>
+              </a:rPr>
+              <a:t>our tools</a:t>
+            </a:r>
+          </a:p>
+          <a:p>
+            <a:pPr marL="285750" indent="-285750">
+              <a:buFont typeface="Arial" panose="020B0604020202020204" pitchFamily="34" charset="0"/>
+              <a:buChar char="•"/>
+            </a:pPr>
+            <a:r>
+              <a:rPr lang="en-US" b="0" dirty="0" smtClean="0">
+                <a:latin typeface="Segoe UI Light" panose="020B0502040204020203" pitchFamily="34" charset="0"/>
+              </a:rPr>
+              <a:t>Build a Wikipedia table extractor that will be able to transform tabular data found in Wikipedia articles into Linked Data</a:t>
+            </a:r>
+          </a:p>
+          <a:p>
+            <a:pPr marL="285750" indent="-285750">
+              <a:buFont typeface="Arial" panose="020B0604020202020204" pitchFamily="34" charset="0"/>
+              <a:buChar char="•"/>
+            </a:pPr>
+            <a:r>
+              <a:rPr lang="en-US" b="0" dirty="0" smtClean="0">
+                <a:latin typeface="Segoe UI Light" panose="020B0502040204020203" pitchFamily="34" charset="0"/>
+              </a:rPr>
+              <a:t>Build a simple comprehensive data quality tool and add a quality metric to datasets description</a:t>
+            </a:r>
+            <a:endParaRPr lang="en-US" b="0" dirty="0">
+              <a:latin typeface="Segoe UI Light" panose="020B0502040204020203" pitchFamily="34" charset="0"/>
+            </a:endParaRPr>
+          </a:p>
+        </p:txBody>
+      </p:sp>
+    </p:spTree>
+    <p:extLst>
+      <p:ext uri="{BB962C8B-B14F-4D97-AF65-F5344CB8AC3E}">
+        <p14:creationId xmlns:p14="http://schemas.microsoft.com/office/powerpoint/2010/main" val="1617089566"/>
+      </p:ext>
+    </p:extLst>
+  </p:cSld>
+  <p:clrMapOvr>
+    <a:masterClrMapping/>
+  </p:clrMapOvr>
+  <p:timing>
+    <p:tnLst>
+      <p:par>
+        <p:cTn id="1" dur="indefinite" restart="never" nodeType="tmRoot"/>
+      </p:par>
+    </p:tnLst>
+  </p:timing>
+</p:sld>
+</file>
+
+<file path=ppt/slides/slide32.xml><?xml version="1.0" encoding="utf-8"?>
+<p:sld xmlns:a="http://schemas.openxmlformats.org/drawingml/2006/main" xmlns:r="http://schemas.openxmlformats.org/officeDocument/2006/relationships" xmlns:p="http://schemas.openxmlformats.org/presentationml/2006/main">
+  <p:cSld>
+    <p:spTree>
+      <p:nvGrpSpPr>
+        <p:cNvPr id="1" name=""/>
+        <p:cNvGrpSpPr/>
+        <p:nvPr/>
+      </p:nvGrpSpPr>
+      <p:grpSpPr>
+        <a:xfrm>
+          <a:off x="0" y="0"/>
+          <a:ext cx="0" cy="0"/>
+          <a:chOff x="0" y="0"/>
+          <a:chExt cx="0" cy="0"/>
+        </a:xfrm>
+      </p:grpSpPr>
+      <p:sp>
+        <p:nvSpPr>
           <p:cNvPr id="5" name="Title 4"/>
           <p:cNvSpPr>
             <a:spLocks noGrp="1"/>
@@ -32074,7 +32602,7 @@
 </p:sld>
 </file>
 
-<file path=ppt/slides/slide31.xml><?xml version="1.0" encoding="utf-8"?>
+<file path=ppt/slides/slide33.xml><?xml version="1.0" encoding="utf-8"?>
 <p:sld xmlns:a="http://schemas.openxmlformats.org/drawingml/2006/main" xmlns:r="http://schemas.openxmlformats.org/officeDocument/2006/relationships" xmlns:p="http://schemas.openxmlformats.org/presentationml/2006/main" show="0">
   <p:cSld>
     <p:spTree>
@@ -32107,7 +32635,7 @@
 </p:sld>
 </file>
 
-<file path=ppt/slides/slide32.xml><?xml version="1.0" encoding="utf-8"?>
+<file path=ppt/slides/slide34.xml><?xml version="1.0" encoding="utf-8"?>
 <p:sld xmlns:a="http://schemas.openxmlformats.org/drawingml/2006/main" xmlns:r="http://schemas.openxmlformats.org/officeDocument/2006/relationships" xmlns:p="http://schemas.openxmlformats.org/presentationml/2006/main" show="0">
   <p:cSld>
     <p:spTree>
@@ -32194,12 +32722,6 @@
               </a:rPr>
               <a:t>Research Questions</a:t>
             </a:r>
-            <a:r>
-              <a:rPr lang="en-US" dirty="0" smtClean="0">
-                <a:latin typeface="Segoe UI Light" panose="020B0502040204020203" pitchFamily="34" charset="0"/>
-              </a:rPr>
-              <a:t/>
-            </a:r>
             <a:br>
               <a:rPr lang="en-US" dirty="0" smtClean="0">
                 <a:latin typeface="Segoe UI Light" panose="020B0502040204020203" pitchFamily="34" charset="0"/>
@@ -32220,7 +32742,7 @@
         <p:spPr>
           <a:xfrm>
             <a:off x="247650" y="1533525"/>
-            <a:ext cx="8572499" cy="3431709"/>
+            <a:ext cx="8572499" cy="4062651"/>
           </a:xfrm>
           <a:prstGeom prst="rect">
             <a:avLst/>
@@ -32232,6 +32754,54 @@
             <a:spAutoFit/>
           </a:bodyPr>
           <a:lstStyle/>
+          <a:p>
+            <a:pPr marL="285750" indent="-285750" fontAlgn="base">
+              <a:spcBef>
+                <a:spcPts val="600"/>
+              </a:spcBef>
+              <a:spcAft>
+                <a:spcPct val="0"/>
+              </a:spcAft>
+              <a:buClr>
+                <a:srgbClr val="F0AB00"/>
+              </a:buClr>
+              <a:buSzPct val="80000"/>
+              <a:buFont typeface="Arial" panose="020B0604020202020204" pitchFamily="34" charset="0"/>
+              <a:buChar char="•"/>
+            </a:pPr>
+            <a:r>
+              <a:rPr lang="en-US" kern="0" dirty="0">
+                <a:latin typeface="Segoe UI Light" panose="020B0502040204020203" pitchFamily="34" charset="0"/>
+                <a:ea typeface="Arial Unicode MS" pitchFamily="34" charset="-128"/>
+                <a:cs typeface="Arial Unicode MS" pitchFamily="34" charset="-128"/>
+              </a:rPr>
+              <a:t>Fabien only </a:t>
+            </a:r>
+            <a:r>
+              <a:rPr lang="en-US" kern="0" dirty="0" smtClean="0">
+                <a:latin typeface="Segoe UI Light" panose="020B0502040204020203" pitchFamily="34" charset="0"/>
+                <a:ea typeface="Arial Unicode MS" pitchFamily="34" charset="-128"/>
+                <a:cs typeface="Arial Unicode MS" pitchFamily="34" charset="-128"/>
+              </a:rPr>
+              <a:t>managed </a:t>
+            </a:r>
+            <a:r>
+              <a:rPr lang="en-US" kern="0" dirty="0">
+                <a:latin typeface="Segoe UI Light" panose="020B0502040204020203" pitchFamily="34" charset="0"/>
+                <a:ea typeface="Arial Unicode MS" pitchFamily="34" charset="-128"/>
+                <a:cs typeface="Arial Unicode MS" pitchFamily="34" charset="-128"/>
+              </a:rPr>
+              <a:t>to </a:t>
+            </a:r>
+            <a:r>
+              <a:rPr lang="en-US" kern="0" dirty="0" smtClean="0">
+                <a:latin typeface="Segoe UI Light" panose="020B0502040204020203" pitchFamily="34" charset="0"/>
+                <a:ea typeface="Arial Unicode MS" pitchFamily="34" charset="-128"/>
+                <a:cs typeface="Arial Unicode MS" pitchFamily="34" charset="-128"/>
+              </a:rPr>
+              <a:t>find accident reports in France. The Department of Transport doesn’t keep records of accidents in other countries</a:t>
+            </a:r>
+          </a:p>
           <a:p>
             <a:pPr marL="285750" indent="-285750" fontAlgn="base">
               <a:spcBef>
@@ -32442,32 +33012,17 @@
               <a:buChar char="•"/>
             </a:pPr>
             <a:r>
-              <a:rPr lang="en-US" dirty="0" smtClean="0">
-                <a:solidFill>
-                  <a:srgbClr val="000000"/>
-                </a:solidFill>
-                <a:latin typeface="Segoe UI Light" panose="020B0502040204020203" pitchFamily="34" charset="0"/>
-              </a:rPr>
-              <a:t>We have identified several gaps in the areas of </a:t>
-            </a:r>
-            <a:r>
-              <a:rPr lang="en-US" dirty="0" smtClean="0">
-                <a:solidFill>
-                  <a:srgbClr val="000000"/>
-                </a:solidFill>
-                <a:latin typeface="Segoe UI Light" panose="020B0502040204020203" pitchFamily="34" charset="0"/>
-              </a:rPr>
-              <a:t>Information Retrieval, Semantic </a:t>
-            </a:r>
-            <a:r>
-              <a:rPr lang="en-US" dirty="0" smtClean="0">
-                <a:solidFill>
-                  <a:srgbClr val="000000"/>
-                </a:solidFill>
-                <a:latin typeface="Segoe UI Light" panose="020B0502040204020203" pitchFamily="34" charset="0"/>
-              </a:rPr>
-              <a:t>enrichment, entity and properties ranking and Semantic dataset search</a:t>
-            </a:r>
+              <a:rPr lang="en-US" dirty="0">
+                <a:latin typeface="Segoe UI Light" panose="020B0502040204020203" pitchFamily="34" charset="0"/>
+              </a:rPr>
+              <a:t>We have identified several gaps in the areas of semantic search, data integration, entity and property ranking and semantic enrichment</a:t>
+            </a:r>
+            <a:endParaRPr lang="en-US" dirty="0">
+              <a:solidFill>
+                <a:srgbClr val="000000"/>
+              </a:solidFill>
+              <a:latin typeface="Segoe UI Light" panose="020B0502040204020203" pitchFamily="34" charset="0"/>
+            </a:endParaRPr>
           </a:p>
           <a:p>
             <a:pPr marL="285750" indent="-285750">
@@ -32584,16 +33139,7 @@
                 </a:solidFill>
                 <a:latin typeface="Segoe UI Light" panose="020B0502040204020203" pitchFamily="34" charset="0"/>
               </a:rPr>
-              <a:t> that provide search interfaces on top of their data </a:t>
-            </a:r>
-            <a:r>
-              <a:rPr lang="en-US" dirty="0" smtClean="0">
-                <a:solidFill>
-                  <a:srgbClr val="000000"/>
-                </a:solidFill>
-                <a:latin typeface="Segoe UI Light" panose="020B0502040204020203" pitchFamily="34" charset="0"/>
-              </a:rPr>
-              <a:t>repository</a:t>
+              <a:t> that provide search interfaces on top of their data repository</a:t>
             </a:r>
           </a:p>
           <a:p>
@@ -32638,23 +33184,8 @@
                 </a:solidFill>
                 <a:latin typeface="Segoe UI Light" panose="020B0502040204020203" pitchFamily="34" charset="0"/>
               </a:rPr>
-              <a:t>data supplied by the publisher, whereas private portals manually curate and annotate their </a:t>
-            </a:r>
-            <a:r>
-              <a:rPr lang="en-US" dirty="0" smtClean="0">
-                <a:solidFill>
-                  <a:srgbClr val="000000"/>
-                </a:solidFill>
-                <a:latin typeface="Segoe UI Light" panose="020B0502040204020203" pitchFamily="34" charset="0"/>
-              </a:rPr>
-              <a:t>data</a:t>
-            </a:r>
-            <a:endParaRPr lang="en-US" dirty="0" smtClean="0">
-              <a:solidFill>
-                <a:srgbClr val="000000"/>
-              </a:solidFill>
-              <a:latin typeface="Segoe UI Light" panose="020B0502040204020203" pitchFamily="34" charset="0"/>
-            </a:endParaRPr>
+              <a:t>data supplied by the publisher, whereas private portals manually curate and annotate their data</a:t>
+            </a:r>
           </a:p>
         </p:txBody>
       </p:sp>
@@ -32788,7 +33319,7 @@
               <a:rPr lang="en-US" dirty="0" smtClean="0">
                 <a:latin typeface="Segoe UI Light" panose="020B0502040204020203" pitchFamily="34" charset="0"/>
               </a:rPr>
-              <a:t>ata Integration requires techniques that can automatically annotate datasets with rich semantic tags. This includes:</a:t>
+              <a:t>ata Integration requires techniques that can automatically annotate datasets with rich semantic concepts. This includes:</a:t>
             </a:r>
           </a:p>
           <a:p>
@@ -35307,33 +35838,15 @@
                                   </p:childTnLst>
                                 </p:cTn>
                               </p:par>
-                            </p:childTnLst>
-                          </p:cTn>
-                        </p:par>
-                      </p:childTnLst>
-                    </p:cTn>
-                  </p:par>
-                  <p:par>
-                    <p:cTn id="8" fill="hold">
-                      <p:stCondLst>
-                        <p:cond delay="indefinite"/>
-                      </p:stCondLst>
-                      <p:childTnLst>
-                        <p:par>
-                          <p:cTn id="9" fill="hold">
-                            <p:stCondLst>
-                              <p:cond delay="0"/>
-                            </p:stCondLst>
-                            <p:childTnLst>
                               <p:par>
-                                <p:cTn id="10" presetID="10" presetClass="entr" presetSubtype="0" fill="hold" nodeType="clickEffect">
+                                <p:cTn id="8" presetID="10" presetClass="entr" presetSubtype="0" fill="hold" nodeType="withEffect">
                                   <p:stCondLst>
                                     <p:cond delay="0"/>
                                   </p:stCondLst>
                                   <p:childTnLst>
                                     <p:set>
                                       <p:cBhvr>
-                                        <p:cTn id="11" dur="1" fill="hold">
+                                        <p:cTn id="9" dur="1" fill="hold">
                                           <p:stCondLst>
                                             <p:cond delay="0"/>
                                           </p:stCondLst>
@@ -35351,7 +35864,7 @@
                                     </p:set>
                                     <p:animEffect transition="in" filter="fade">
                                       <p:cBhvr>
-                                        <p:cTn id="12" dur="500"/>
+                                        <p:cTn id="10" dur="500"/>
                                         <p:tgtEl>
                                           <p:spTgt spid="12"/>
                                         </p:tgtEl>
@@ -35367,26 +35880,96 @@
                     </p:cTn>
                   </p:par>
                   <p:par>
-                    <p:cTn id="13" fill="hold">
+                    <p:cTn id="11" fill="hold">
                       <p:stCondLst>
                         <p:cond delay="indefinite"/>
                       </p:stCondLst>
                       <p:childTnLst>
                         <p:par>
-                          <p:cTn id="14" fill="hold">
+                          <p:cTn id="12" fill="hold">
                             <p:stCondLst>
                               <p:cond delay="0"/>
                             </p:stCondLst>
                             <p:childTnLst>
                               <p:par>
-                                <p:cTn id="15" presetID="10" presetClass="entr" presetSubtype="0" fill="hold" nodeType="clickEffect">
+                                <p:cTn id="13" presetID="10" presetClass="entr" presetSubtype="0" fill="hold" nodeType="clickEffect">
                                   <p:stCondLst>
                                     <p:cond delay="0"/>
                                   </p:stCondLst>
                                   <p:childTnLst>
                                     <p:set>
                                       <p:cBhvr>
-                                        <p:cTn id="16" dur="1" fill="hold">
+                                        <p:cTn id="14" dur="1" fill="hold">
+                                          <p:stCondLst>
+                                            <p:cond delay="0"/>
+                                          </p:stCondLst>
+                                        </p:cTn>
+                                        <p:tgtEl>
+                                          <p:spTgt spid="38"/>
+                                        </p:tgtEl>
+                                        <p:attrNameLst>
+                                          <p:attrName>style.visibility</p:attrName>
+                                        </p:attrNameLst>
+                                      </p:cBhvr>
+                                      <p:to>
+                                        <p:strVal val="visible"/>
+                                      </p:to>
+                                    </p:set>
+                                    <p:animEffect transition="in" filter="fade">
+                                      <p:cBhvr>
+                                        <p:cTn id="15" dur="500"/>
+                                        <p:tgtEl>
+                                          <p:spTgt spid="38"/>
+                                        </p:tgtEl>
+                                      </p:cBhvr>
+                                    </p:animEffect>
+                                  </p:childTnLst>
+                                </p:cTn>
+                              </p:par>
+                              <p:par>
+                                <p:cTn id="16" presetID="10" presetClass="entr" presetSubtype="0" fill="hold" grpId="0" nodeType="withEffect">
+                                  <p:stCondLst>
+                                    <p:cond delay="0"/>
+                                  </p:stCondLst>
+                                  <p:childTnLst>
+                                    <p:set>
+                                      <p:cBhvr>
+                                        <p:cTn id="17" dur="1" fill="hold">
+                                          <p:stCondLst>
+                                            <p:cond delay="0"/>
+                                          </p:stCondLst>
+                                        </p:cTn>
+                                        <p:tgtEl>
+                                          <p:spTgt spid="30"/>
+                                        </p:tgtEl>
+                                        <p:attrNameLst>
+                                          <p:attrName>style.visibility</p:attrName>
+                                        </p:attrNameLst>
+                                      </p:cBhvr>
+                                      <p:to>
+                                        <p:strVal val="visible"/>
+                                      </p:to>
+                                    </p:set>
+                                    <p:animEffect transition="in" filter="fade">
+                                      <p:cBhvr>
+                                        <p:cTn id="18" dur="500"/>
+                                        <p:tgtEl>
+                                          <p:spTgt spid="30"/>
+                                        </p:tgtEl>
+                                      </p:cBhvr>
+                                    </p:animEffect>
+                                  </p:childTnLst>
+                                </p:cTn>
+                              </p:par>
+                              <p:par>
+                                <p:cTn id="19" presetID="10" presetClass="entr" presetSubtype="0" fill="hold" nodeType="withEffect">
+                                  <p:stCondLst>
+                                    <p:cond delay="0"/>
+                                  </p:stCondLst>
+                                  <p:childTnLst>
+                                    <p:set>
+                                      <p:cBhvr>
+                                        <p:cTn id="20" dur="1" fill="hold">
                                           <p:stCondLst>
                                             <p:cond delay="0"/>
                                           </p:stCondLst>
@@ -35404,7 +35987,7 @@
                                     </p:set>
                                     <p:animEffect transition="in" filter="fade">
                                       <p:cBhvr>
-                                        <p:cTn id="17" dur="500"/>
+                                        <p:cTn id="21" dur="500"/>
                                         <p:tgtEl>
                                           <p:spTgt spid="60"/>
                                         </p:tgtEl>
@@ -35413,103 +35996,15 @@
                                   </p:childTnLst>
                                 </p:cTn>
                               </p:par>
-                            </p:childTnLst>
-                          </p:cTn>
-                        </p:par>
-                      </p:childTnLst>
-                    </p:cTn>
-                  </p:par>
-                  <p:par>
-                    <p:cTn id="18" fill="hold">
-                      <p:stCondLst>
-                        <p:cond delay="indefinite"/>
-                      </p:stCondLst>
-                      <p:childTnLst>
-                        <p:par>
-                          <p:cTn id="19" fill="hold">
-                            <p:stCondLst>
-                              <p:cond delay="0"/>
-                            </p:stCondLst>
-                            <p:childTnLst>
                               <p:par>
-                                <p:cTn id="20" presetID="10" presetClass="entr" presetSubtype="0" fill="hold" nodeType="clickEffect">
+                                <p:cTn id="22" presetID="10" presetClass="entr" presetSubtype="0" fill="hold" nodeType="withEffect">
                                   <p:stCondLst>
                                     <p:cond delay="0"/>
                                   </p:stCondLst>
                                   <p:childTnLst>
                                     <p:set>
                                       <p:cBhvr>
-                                        <p:cTn id="21" dur="1" fill="hold">
-                                          <p:stCondLst>
-                                            <p:cond delay="0"/>
-                                          </p:stCondLst>
-                                        </p:cTn>
-                                        <p:tgtEl>
-                                          <p:spTgt spid="38"/>
-                                        </p:tgtEl>
-                                        <p:attrNameLst>
-                                          <p:attrName>style.visibility</p:attrName>
-                                        </p:attrNameLst>
-                                      </p:cBhvr>
-                                      <p:to>
-                                        <p:strVal val="visible"/>
-                                      </p:to>
-                                    </p:set>
-                                    <p:animEffect transition="in" filter="fade">
-                                      <p:cBhvr>
-                                        <p:cTn id="22" dur="500"/>
-                                        <p:tgtEl>
-                                          <p:spTgt spid="38"/>
-                                        </p:tgtEl>
-                                      </p:cBhvr>
-                                    </p:animEffect>
-                                  </p:childTnLst>
-                                </p:cTn>
-                              </p:par>
-                              <p:par>
-                                <p:cTn id="23" presetID="10" presetClass="entr" presetSubtype="0" fill="hold" grpId="0" nodeType="withEffect">
-                                  <p:stCondLst>
-                                    <p:cond delay="0"/>
-                                  </p:stCondLst>
-                                  <p:childTnLst>
-                                    <p:set>
-                                      <p:cBhvr>
-                                        <p:cTn id="24" dur="1" fill="hold">
-                                          <p:stCondLst>
-                                            <p:cond delay="0"/>
-                                          </p:stCondLst>
-                                        </p:cTn>
-                                        <p:tgtEl>
-                                          <p:spTgt spid="30"/>
-                                        </p:tgtEl>
-                                        <p:attrNameLst>
-                                          <p:attrName>style.visibility</p:attrName>
-                                        </p:attrNameLst>
-                                      </p:cBhvr>
-                                      <p:to>
-                                        <p:strVal val="visible"/>
-                                      </p:to>
-                                    </p:set>
-                                    <p:animEffect transition="in" filter="fade">
-                                      <p:cBhvr>
-                                        <p:cTn id="25" dur="500"/>
-                                        <p:tgtEl>
-                                          <p:spTgt spid="30"/>
-                                        </p:tgtEl>
-                                      </p:cBhvr>
-                                    </p:animEffect>
-                                  </p:childTnLst>
-                                </p:cTn>
-                              </p:par>
-                              <p:par>
-                                <p:cTn id="26" presetID="10" presetClass="entr" presetSubtype="0" fill="hold" nodeType="withEffect">
-                                  <p:stCondLst>
-                                    <p:cond delay="0"/>
-                                  </p:stCondLst>
-                                  <p:childTnLst>
-                                    <p:set>
-                                      <p:cBhvr>
-                                        <p:cTn id="27" dur="1" fill="hold">
+                                        <p:cTn id="23" dur="1" fill="hold">
                                           <p:stCondLst>
                                             <p:cond delay="0"/>
                                           </p:stCondLst>
@@ -35527,7 +36022,7 @@
                                     </p:set>
                                     <p:animEffect transition="in" filter="fade">
                                       <p:cBhvr>
-                                        <p:cTn id="28" dur="500"/>
+                                        <p:cTn id="24" dur="500"/>
                                         <p:tgtEl>
                                           <p:spTgt spid="6"/>
                                         </p:tgtEl>
@@ -35543,26 +36038,26 @@
                     </p:cTn>
                   </p:par>
                   <p:par>
-                    <p:cTn id="29" fill="hold">
+                    <p:cTn id="25" fill="hold">
                       <p:stCondLst>
                         <p:cond delay="indefinite"/>
                       </p:stCondLst>
                       <p:childTnLst>
                         <p:par>
-                          <p:cTn id="30" fill="hold">
+                          <p:cTn id="26" fill="hold">
                             <p:stCondLst>
                               <p:cond delay="0"/>
                             </p:stCondLst>
                             <p:childTnLst>
                               <p:par>
-                                <p:cTn id="31" presetID="10" presetClass="entr" presetSubtype="0" fill="hold" nodeType="clickEffect">
+                                <p:cTn id="27" presetID="10" presetClass="entr" presetSubtype="0" fill="hold" nodeType="clickEffect">
                                   <p:stCondLst>
                                     <p:cond delay="0"/>
                                   </p:stCondLst>
                                   <p:childTnLst>
                                     <p:set>
                                       <p:cBhvr>
-                                        <p:cTn id="32" dur="1" fill="hold">
+                                        <p:cTn id="28" dur="1" fill="hold">
                                           <p:stCondLst>
                                             <p:cond delay="0"/>
                                           </p:stCondLst>
@@ -35580,7 +36075,7 @@
                                     </p:set>
                                     <p:animEffect transition="in" filter="fade">
                                       <p:cBhvr>
-                                        <p:cTn id="33" dur="500"/>
+                                        <p:cTn id="29" dur="500"/>
                                         <p:tgtEl>
                                           <p:spTgt spid="57"/>
                                         </p:tgtEl>
@@ -35589,33 +36084,15 @@
                                   </p:childTnLst>
                                 </p:cTn>
                               </p:par>
-                            </p:childTnLst>
-                          </p:cTn>
-                        </p:par>
-                      </p:childTnLst>
-                    </p:cTn>
-                  </p:par>
-                  <p:par>
-                    <p:cTn id="34" fill="hold">
-                      <p:stCondLst>
-                        <p:cond delay="indefinite"/>
-                      </p:stCondLst>
-                      <p:childTnLst>
-                        <p:par>
-                          <p:cTn id="35" fill="hold">
-                            <p:stCondLst>
-                              <p:cond delay="0"/>
-                            </p:stCondLst>
-                            <p:childTnLst>
                               <p:par>
-                                <p:cTn id="36" presetID="10" presetClass="entr" presetSubtype="0" fill="hold" nodeType="clickEffect">
+                                <p:cTn id="30" presetID="10" presetClass="entr" presetSubtype="0" fill="hold" nodeType="withEffect">
                                   <p:stCondLst>
                                     <p:cond delay="0"/>
                                   </p:stCondLst>
                                   <p:childTnLst>
                                     <p:set>
                                       <p:cBhvr>
-                                        <p:cTn id="37" dur="1" fill="hold">
+                                        <p:cTn id="31" dur="1" fill="hold">
                                           <p:stCondLst>
                                             <p:cond delay="0"/>
                                           </p:stCondLst>
@@ -35633,9 +36110,79 @@
                                     </p:set>
                                     <p:animEffect transition="in" filter="fade">
                                       <p:cBhvr>
+                                        <p:cTn id="32" dur="500"/>
+                                        <p:tgtEl>
+                                          <p:spTgt spid="28"/>
+                                        </p:tgtEl>
+                                      </p:cBhvr>
+                                    </p:animEffect>
+                                  </p:childTnLst>
+                                </p:cTn>
+                              </p:par>
+                              <p:par>
+                                <p:cTn id="33" presetID="10" presetClass="entr" presetSubtype="0" fill="hold" nodeType="withEffect">
+                                  <p:stCondLst>
+                                    <p:cond delay="0"/>
+                                  </p:stCondLst>
+                                  <p:childTnLst>
+                                    <p:set>
+                                      <p:cBhvr>
+                                        <p:cTn id="34" dur="1" fill="hold">
+                                          <p:stCondLst>
+                                            <p:cond delay="0"/>
+                                          </p:stCondLst>
+                                        </p:cTn>
+                                        <p:tgtEl>
+                                          <p:spTgt spid="7"/>
+                                        </p:tgtEl>
+                                        <p:attrNameLst>
+                                          <p:attrName>style.visibility</p:attrName>
+                                        </p:attrNameLst>
+                                      </p:cBhvr>
+                                      <p:to>
+                                        <p:strVal val="visible"/>
+                                      </p:to>
+                                    </p:set>
+                                    <p:animEffect transition="in" filter="fade">
+                                      <p:cBhvr>
+                                        <p:cTn id="35" dur="500"/>
+                                        <p:tgtEl>
+                                          <p:spTgt spid="7"/>
+                                        </p:tgtEl>
+                                      </p:cBhvr>
+                                    </p:animEffect>
+                                  </p:childTnLst>
+                                </p:cTn>
+                              </p:par>
+                              <p:par>
+                                <p:cTn id="36" presetID="10" presetClass="entr" presetSubtype="0" fill="hold" nodeType="withEffect">
+                                  <p:stCondLst>
+                                    <p:cond delay="0"/>
+                                  </p:stCondLst>
+                                  <p:childTnLst>
+                                    <p:set>
+                                      <p:cBhvr>
+                                        <p:cTn id="37" dur="1" fill="hold">
+                                          <p:stCondLst>
+                                            <p:cond delay="0"/>
+                                          </p:stCondLst>
+                                        </p:cTn>
+                                        <p:tgtEl>
+                                          <p:spTgt spid="22"/>
+                                        </p:tgtEl>
+                                        <p:attrNameLst>
+                                          <p:attrName>style.visibility</p:attrName>
+                                        </p:attrNameLst>
+                                      </p:cBhvr>
+                                      <p:to>
+                                        <p:strVal val="visible"/>
+                                      </p:to>
+                                    </p:set>
+                                    <p:animEffect transition="in" filter="fade">
+                                      <p:cBhvr>
                                         <p:cTn id="38" dur="500"/>
                                         <p:tgtEl>
-                                          <p:spTgt spid="28"/>
+                                          <p:spTgt spid="22"/>
                                         </p:tgtEl>
                                       </p:cBhvr>
                                     </p:animEffect>
@@ -35656,7 +36203,7 @@
                                           </p:stCondLst>
                                         </p:cTn>
                                         <p:tgtEl>
-                                          <p:spTgt spid="7"/>
+                                          <p:spTgt spid="21"/>
                                         </p:tgtEl>
                                         <p:attrNameLst>
                                           <p:attrName>style.visibility</p:attrName>
@@ -35670,7 +36217,7 @@
                                       <p:cBhvr>
                                         <p:cTn id="41" dur="500"/>
                                         <p:tgtEl>
-                                          <p:spTgt spid="7"/>
+                                          <p:spTgt spid="21"/>
                                         </p:tgtEl>
                                       </p:cBhvr>
                                     </p:animEffect>
@@ -35691,7 +36238,7 @@
                                           </p:stCondLst>
                                         </p:cTn>
                                         <p:tgtEl>
-                                          <p:spTgt spid="22"/>
+                                          <p:spTgt spid="23"/>
                                         </p:tgtEl>
                                         <p:attrNameLst>
                                           <p:attrName>style.visibility</p:attrName>
@@ -35705,7 +36252,7 @@
                                       <p:cBhvr>
                                         <p:cTn id="44" dur="500"/>
                                         <p:tgtEl>
-                                          <p:spTgt spid="22"/>
+                                          <p:spTgt spid="23"/>
                                         </p:tgtEl>
                                       </p:cBhvr>
                                     </p:animEffect>
@@ -35726,7 +36273,7 @@
                                           </p:stCondLst>
                                         </p:cTn>
                                         <p:tgtEl>
-                                          <p:spTgt spid="21"/>
+                                          <p:spTgt spid="19"/>
                                         </p:tgtEl>
                                         <p:attrNameLst>
                                           <p:attrName>style.visibility</p:attrName>
@@ -35740,7 +36287,7 @@
                                       <p:cBhvr>
                                         <p:cTn id="47" dur="500"/>
                                         <p:tgtEl>
-                                          <p:spTgt spid="21"/>
+                                          <p:spTgt spid="19"/>
                                         </p:tgtEl>
                                       </p:cBhvr>
                                     </p:animEffect>
@@ -35761,7 +36308,7 @@
                                           </p:stCondLst>
                                         </p:cTn>
                                         <p:tgtEl>
-                                          <p:spTgt spid="23"/>
+                                          <p:spTgt spid="24"/>
                                         </p:tgtEl>
                                         <p:attrNameLst>
                                           <p:attrName>style.visibility</p:attrName>
@@ -35775,7 +36322,7 @@
                                       <p:cBhvr>
                                         <p:cTn id="50" dur="500"/>
                                         <p:tgtEl>
-                                          <p:spTgt spid="23"/>
+                                          <p:spTgt spid="24"/>
                                         </p:tgtEl>
                                       </p:cBhvr>
                                     </p:animEffect>
@@ -35796,7 +36343,7 @@
                                           </p:stCondLst>
                                         </p:cTn>
                                         <p:tgtEl>
-                                          <p:spTgt spid="19"/>
+                                          <p:spTgt spid="51"/>
                                         </p:tgtEl>
                                         <p:attrNameLst>
                                           <p:attrName>style.visibility</p:attrName>
@@ -35810,7 +36357,7 @@
                                       <p:cBhvr>
                                         <p:cTn id="53" dur="500"/>
                                         <p:tgtEl>
-                                          <p:spTgt spid="19"/>
+                                          <p:spTgt spid="51"/>
                                         </p:tgtEl>
                                       </p:cBhvr>
                                     </p:animEffect>
@@ -35831,7 +36378,7 @@
                                           </p:stCondLst>
                                         </p:cTn>
                                         <p:tgtEl>
-                                          <p:spTgt spid="24"/>
+                                          <p:spTgt spid="13"/>
                                         </p:tgtEl>
                                         <p:attrNameLst>
                                           <p:attrName>style.visibility</p:attrName>
@@ -35844,76 +36391,6 @@
                                     <p:animEffect transition="in" filter="fade">
                                       <p:cBhvr>
                                         <p:cTn id="56" dur="500"/>
-                                        <p:tgtEl>
-                                          <p:spTgt spid="24"/>
-                                        </p:tgtEl>
-                                      </p:cBhvr>
-                                    </p:animEffect>
-                                  </p:childTnLst>
-                                </p:cTn>
-                              </p:par>
-                              <p:par>
-                                <p:cTn id="57" presetID="10" presetClass="entr" presetSubtype="0" fill="hold" nodeType="withEffect">
-                                  <p:stCondLst>
-                                    <p:cond delay="0"/>
-                                  </p:stCondLst>
-                                  <p:childTnLst>
-                                    <p:set>
-                                      <p:cBhvr>
-                                        <p:cTn id="58" dur="1" fill="hold">
-                                          <p:stCondLst>
-                                            <p:cond delay="0"/>
-                                          </p:stCondLst>
-                                        </p:cTn>
-                                        <p:tgtEl>
-                                          <p:spTgt spid="51"/>
-                                        </p:tgtEl>
-                                        <p:attrNameLst>
-                                          <p:attrName>style.visibility</p:attrName>
-                                        </p:attrNameLst>
-                                      </p:cBhvr>
-                                      <p:to>
-                                        <p:strVal val="visible"/>
-                                      </p:to>
-                                    </p:set>
-                                    <p:animEffect transition="in" filter="fade">
-                                      <p:cBhvr>
-                                        <p:cTn id="59" dur="500"/>
-                                        <p:tgtEl>
-                                          <p:spTgt spid="51"/>
-                                        </p:tgtEl>
-                                      </p:cBhvr>
-                                    </p:animEffect>
-                                  </p:childTnLst>
-                                </p:cTn>
-                              </p:par>
-                              <p:par>
-                                <p:cTn id="60" presetID="10" presetClass="entr" presetSubtype="0" fill="hold" nodeType="withEffect">
-                                  <p:stCondLst>
-                                    <p:cond delay="0"/>
-                                  </p:stCondLst>
-                                  <p:childTnLst>
-                                    <p:set>
-                                      <p:cBhvr>
-                                        <p:cTn id="61" dur="1" fill="hold">
-                                          <p:stCondLst>
-                                            <p:cond delay="0"/>
-                                          </p:stCondLst>
-                                        </p:cTn>
-                                        <p:tgtEl>
-                                          <p:spTgt spid="13"/>
-                                        </p:tgtEl>
-                                        <p:attrNameLst>
-                                          <p:attrName>style.visibility</p:attrName>
-                                        </p:attrNameLst>
-                                      </p:cBhvr>
-                                      <p:to>
-                                        <p:strVal val="visible"/>
-                                      </p:to>
-                                    </p:set>
-                                    <p:animEffect transition="in" filter="fade">
-                                      <p:cBhvr>
-                                        <p:cTn id="62" dur="500"/>
                                         <p:tgtEl>
                                           <p:spTgt spid="13"/>
                                         </p:tgtEl>

--- a/Progress Reports CIFRE & Workplans/PhD Interim Report/presentation/Self-Service Data Provisioning through Semantic Enrichment of Data - Updated.pptx
+++ b/Progress Reports CIFRE & Workplans/PhD Interim Report/presentation/Self-Service Data Provisioning through Semantic Enrichment of Data - Updated.pptx
@@ -172,25 +172,13 @@
 
 <file path=ppt/charts/chart1.xml><?xml version="1.0" encoding="utf-8"?>
 <c:chartSpace xmlns:c="http://schemas.openxmlformats.org/drawingml/2006/chart" xmlns:a="http://schemas.openxmlformats.org/drawingml/2006/main" xmlns:r="http://schemas.openxmlformats.org/officeDocument/2006/relationships">
-  <c:date1904 val="0"/>
   <c:lang val="en-US"/>
-  <c:roundedCorners val="0"/>
-  <mc:AlternateContent xmlns:mc="http://schemas.openxmlformats.org/markup-compatibility/2006">
-    <mc:Choice xmlns:c14="http://schemas.microsoft.com/office/drawing/2007/8/2/chart" Requires="c14">
-      <c14:style val="102"/>
-    </mc:Choice>
-    <mc:Fallback>
-      <c:style val="2"/>
-    </mc:Fallback>
-  </mc:AlternateContent>
   <c:chart>
-    <c:autoTitleDeleted val="0"/>
     <c:plotArea>
       <c:layout/>
       <c:barChart>
         <c:barDir val="col"/>
         <c:grouping val="clustered"/>
-        <c:varyColors val="0"/>
         <c:ser>
           <c:idx val="0"/>
           <c:order val="0"/>
@@ -205,7 +193,6 @@
               </c:strCache>
             </c:strRef>
           </c:tx>
-          <c:invertIfNegative val="0"/>
           <c:cat>
             <c:strRef>
               <c:f>'All Matchers'!$J$9:$M$9</c:f>
@@ -233,13 +220,13 @@
                 <c:formatCode>General</c:formatCode>
                 <c:ptCount val="4"/>
                 <c:pt idx="0">
-                  <c:v>0.68180934545454541</c:v>
+                  <c:v>0.68180934545454563</c:v>
                 </c:pt>
                 <c:pt idx="1">
-                  <c:v>0.75200506363636377</c:v>
+                  <c:v>0.75200506363636388</c:v>
                 </c:pt>
                 <c:pt idx="2">
-                  <c:v>0.80377357818181816</c:v>
+                  <c:v>0.80377357818181827</c:v>
                 </c:pt>
                 <c:pt idx="3">
                   <c:v>0.76776128363636365</c:v>
@@ -262,7 +249,6 @@
               </c:strCache>
             </c:strRef>
           </c:tx>
-          <c:invertIfNegative val="0"/>
           <c:cat>
             <c:strRef>
               <c:f>'All Matchers'!$J$9:$M$9</c:f>
@@ -290,7 +276,7 @@
                 <c:formatCode>General</c:formatCode>
                 <c:ptCount val="4"/>
                 <c:pt idx="0">
-                  <c:v>0.83</c:v>
+                  <c:v>0.83000000000000007</c:v>
                 </c:pt>
                 <c:pt idx="1">
                   <c:v>0.8</c:v>
@@ -299,54 +285,39 @@
                   <c:v>0.93</c:v>
                 </c:pt>
                 <c:pt idx="3">
-                  <c:v>0.83</c:v>
+                  <c:v>0.83000000000000007</c:v>
                 </c:pt>
               </c:numCache>
             </c:numRef>
           </c:val>
         </c:ser>
-        <c:dLbls>
-          <c:showLegendKey val="0"/>
-          <c:showVal val="0"/>
-          <c:showCatName val="0"/>
-          <c:showSerName val="0"/>
-          <c:showPercent val="0"/>
-          <c:showBubbleSize val="0"/>
-        </c:dLbls>
-        <c:gapWidth val="150"/>
-        <c:axId val="226323840"/>
-        <c:axId val="226337920"/>
+        <c:dLbls/>
+        <c:axId val="65741184"/>
+        <c:axId val="65742720"/>
       </c:barChart>
       <c:catAx>
-        <c:axId val="226323840"/>
+        <c:axId val="65741184"/>
         <c:scaling>
           <c:orientation val="minMax"/>
         </c:scaling>
-        <c:delete val="0"/>
         <c:axPos val="b"/>
-        <c:majorTickMark val="out"/>
-        <c:minorTickMark val="none"/>
         <c:tickLblPos val="nextTo"/>
-        <c:crossAx val="226337920"/>
+        <c:crossAx val="65742720"/>
         <c:crosses val="autoZero"/>
         <c:auto val="1"/>
         <c:lblAlgn val="ctr"/>
         <c:lblOffset val="100"/>
-        <c:noMultiLvlLbl val="0"/>
       </c:catAx>
       <c:valAx>
-        <c:axId val="226337920"/>
+        <c:axId val="65742720"/>
         <c:scaling>
           <c:orientation val="minMax"/>
         </c:scaling>
-        <c:delete val="0"/>
         <c:axPos val="l"/>
         <c:majorGridlines/>
         <c:numFmt formatCode="General" sourceLinked="1"/>
-        <c:majorTickMark val="out"/>
-        <c:minorTickMark val="none"/>
         <c:tickLblPos val="nextTo"/>
-        <c:crossAx val="226323840"/>
+        <c:crossAx val="65741184"/>
         <c:crosses val="autoZero"/>
         <c:crossBetween val="between"/>
       </c:valAx>
@@ -354,15 +325,11 @@
     <c:legend>
       <c:legendPos val="r"/>
       <c:layout/>
-      <c:overlay val="0"/>
     </c:legend>
     <c:plotVisOnly val="1"/>
     <c:dispBlanksAs val="gap"/>
-    <c:showDLblsOverMax val="0"/>
   </c:chart>
-  <c:externalData r:id="rId1">
-    <c:autoUpdate val="0"/>
-  </c:externalData>
+  <c:externalData r:id="rId1"/>
 </c:chartSpace>
 </file>
 
@@ -428,7 +395,7 @@
     </p:spTree>
     <p:extLst>
       <p:ext uri="{BB962C8B-B14F-4D97-AF65-F5344CB8AC3E}">
-        <p14:creationId xmlns:p14="http://schemas.microsoft.com/office/powerpoint/2010/main" val="3780670118"/>
+        <p14:creationId xmlns:p14="http://schemas.microsoft.com/office/powerpoint/2010/main" xmlns="" val="3780670118"/>
       </p:ext>
     </p:extLst>
   </p:cSld>
@@ -577,7 +544,7 @@
     </p:spTree>
     <p:extLst>
       <p:ext uri="{BB962C8B-B14F-4D97-AF65-F5344CB8AC3E}">
-        <p14:creationId xmlns:p14="http://schemas.microsoft.com/office/powerpoint/2010/main" val="1908748421"/>
+        <p14:creationId xmlns:p14="http://schemas.microsoft.com/office/powerpoint/2010/main" xmlns="" val="1908748421"/>
       </p:ext>
     </p:extLst>
   </p:cSld>
@@ -3010,7 +2977,7 @@
           <a:blip r:embed="rId2" cstate="screen">
             <a:extLst>
               <a:ext uri="{28A0092B-C50C-407E-A947-70E740481C1C}">
-                <a14:useLocalDpi xmlns:a14="http://schemas.microsoft.com/office/drawing/2010/main"/>
+                <a14:useLocalDpi xmlns:a14="http://schemas.microsoft.com/office/drawing/2010/main" xmlns=""/>
               </a:ext>
             </a:extLst>
           </a:blip>
@@ -4940,7 +4907,7 @@
           <a:blip r:embed="rId2" cstate="screen">
             <a:extLst>
               <a:ext uri="{28A0092B-C50C-407E-A947-70E740481C1C}">
-                <a14:useLocalDpi xmlns:a14="http://schemas.microsoft.com/office/drawing/2010/main"/>
+                <a14:useLocalDpi xmlns:a14="http://schemas.microsoft.com/office/drawing/2010/main" xmlns=""/>
               </a:ext>
             </a:extLst>
           </a:blip>
@@ -6083,7 +6050,7 @@
           <a:blip r:embed="rId2" cstate="screen">
             <a:extLst>
               <a:ext uri="{28A0092B-C50C-407E-A947-70E740481C1C}">
-                <a14:useLocalDpi xmlns:a14="http://schemas.microsoft.com/office/drawing/2010/main"/>
+                <a14:useLocalDpi xmlns:a14="http://schemas.microsoft.com/office/drawing/2010/main" xmlns=""/>
               </a:ext>
             </a:extLst>
           </a:blip>
@@ -6340,7 +6307,7 @@
           <a:blip r:embed="rId2" cstate="screen">
             <a:extLst>
               <a:ext uri="{28A0092B-C50C-407E-A947-70E740481C1C}">
-                <a14:useLocalDpi xmlns:a14="http://schemas.microsoft.com/office/drawing/2010/main"/>
+                <a14:useLocalDpi xmlns:a14="http://schemas.microsoft.com/office/drawing/2010/main" xmlns=""/>
               </a:ext>
             </a:extLst>
           </a:blip>
@@ -6773,7 +6740,7 @@
           <a:blip r:embed="rId2" cstate="screen">
             <a:extLst>
               <a:ext uri="{28A0092B-C50C-407E-A947-70E740481C1C}">
-                <a14:useLocalDpi xmlns:a14="http://schemas.microsoft.com/office/drawing/2010/main"/>
+                <a14:useLocalDpi xmlns:a14="http://schemas.microsoft.com/office/drawing/2010/main" xmlns=""/>
               </a:ext>
             </a:extLst>
           </a:blip>
@@ -7001,7 +6968,7 @@
           <a:blip r:embed="rId2" cstate="screen">
             <a:extLst>
               <a:ext uri="{28A0092B-C50C-407E-A947-70E740481C1C}">
-                <a14:useLocalDpi xmlns:a14="http://schemas.microsoft.com/office/drawing/2010/main"/>
+                <a14:useLocalDpi xmlns:a14="http://schemas.microsoft.com/office/drawing/2010/main" xmlns=""/>
               </a:ext>
             </a:extLst>
           </a:blip>
@@ -7221,7 +7188,7 @@
           <a:blip r:embed="rId2" cstate="screen">
             <a:extLst>
               <a:ext uri="{28A0092B-C50C-407E-A947-70E740481C1C}">
-                <a14:useLocalDpi xmlns:a14="http://schemas.microsoft.com/office/drawing/2010/main"/>
+                <a14:useLocalDpi xmlns:a14="http://schemas.microsoft.com/office/drawing/2010/main" xmlns=""/>
               </a:ext>
             </a:extLst>
           </a:blip>
@@ -8272,7 +8239,7 @@
           <a:blip r:embed="rId3" cstate="screen">
             <a:extLst>
               <a:ext uri="{28A0092B-C50C-407E-A947-70E740481C1C}">
-                <a14:useLocalDpi xmlns:a14="http://schemas.microsoft.com/office/drawing/2010/main"/>
+                <a14:useLocalDpi xmlns:a14="http://schemas.microsoft.com/office/drawing/2010/main" xmlns=""/>
               </a:ext>
             </a:extLst>
           </a:blip>
@@ -8290,7 +8257,7 @@
           <a:noFill/>
           <a:extLst>
             <a:ext uri="{909E8E84-426E-40DD-AFC4-6F175D3DCCD1}">
-              <a14:hiddenFill xmlns:a14="http://schemas.microsoft.com/office/drawing/2010/main">
+              <a14:hiddenFill xmlns:a14="http://schemas.microsoft.com/office/drawing/2010/main" xmlns="">
                 <a:solidFill>
                   <a:srgbClr val="FFFFFF"/>
                 </a:solidFill>
@@ -8371,7 +8338,7 @@
           <a:blip r:embed="rId4" cstate="screen">
             <a:extLst>
               <a:ext uri="{28A0092B-C50C-407E-A947-70E740481C1C}">
-                <a14:useLocalDpi xmlns:a14="http://schemas.microsoft.com/office/drawing/2010/main"/>
+                <a14:useLocalDpi xmlns:a14="http://schemas.microsoft.com/office/drawing/2010/main" xmlns=""/>
               </a:ext>
             </a:extLst>
           </a:blip>
@@ -8699,7 +8666,7 @@
           <a:blip r:embed="rId5" cstate="print">
             <a:extLst>
               <a:ext uri="{28A0092B-C50C-407E-A947-70E740481C1C}">
-                <a14:useLocalDpi xmlns:a14="http://schemas.microsoft.com/office/drawing/2010/main" val="0"/>
+                <a14:useLocalDpi xmlns:a14="http://schemas.microsoft.com/office/drawing/2010/main" xmlns="" val="0"/>
               </a:ext>
             </a:extLst>
           </a:blip>
@@ -8719,7 +8686,7 @@
           <a:noFill/>
           <a:extLst>
             <a:ext uri="{909E8E84-426E-40DD-AFC4-6F175D3DCCD1}">
-              <a14:hiddenFill xmlns:a14="http://schemas.microsoft.com/office/drawing/2010/main">
+              <a14:hiddenFill xmlns:a14="http://schemas.microsoft.com/office/drawing/2010/main" xmlns="">
                 <a:solidFill>
                   <a:srgbClr val="FFFFFF"/>
                 </a:solidFill>
@@ -8731,7 +8698,7 @@
     </p:spTree>
     <p:extLst>
       <p:ext uri="{BB962C8B-B14F-4D97-AF65-F5344CB8AC3E}">
-        <p14:creationId xmlns:p14="http://schemas.microsoft.com/office/powerpoint/2010/main" val="2113660080"/>
+        <p14:creationId xmlns:p14="http://schemas.microsoft.com/office/powerpoint/2010/main" xmlns="" val="2113660080"/>
       </p:ext>
     </p:extLst>
   </p:cSld>
@@ -8856,7 +8823,7 @@
             <a:blip r:embed="rId3" cstate="print">
               <a:extLst>
                 <a:ext uri="{28A0092B-C50C-407E-A947-70E740481C1C}">
-                  <a14:useLocalDpi xmlns:a14="http://schemas.microsoft.com/office/drawing/2010/main" val="0"/>
+                  <a14:useLocalDpi xmlns:a14="http://schemas.microsoft.com/office/drawing/2010/main" xmlns="" val="0"/>
                 </a:ext>
               </a:extLst>
             </a:blip>
@@ -8880,14 +8847,14 @@
             <a:effectLst/>
             <a:extLst>
               <a:ext uri="{909E8E84-426E-40DD-AFC4-6F175D3DCCD1}">
-                <a14:hiddenFill xmlns:a14="http://schemas.microsoft.com/office/drawing/2010/main">
+                <a14:hiddenFill xmlns:a14="http://schemas.microsoft.com/office/drawing/2010/main" xmlns="">
                   <a:solidFill>
                     <a:schemeClr val="accent1"/>
                   </a:solidFill>
                 </a14:hiddenFill>
               </a:ext>
               <a:ext uri="{91240B29-F687-4F45-9708-019B960494DF}">
-                <a14:hiddenLine xmlns:a14="http://schemas.microsoft.com/office/drawing/2010/main" w="9525">
+                <a14:hiddenLine xmlns:a14="http://schemas.microsoft.com/office/drawing/2010/main" xmlns="" w="9525">
                   <a:solidFill>
                     <a:schemeClr val="tx1"/>
                   </a:solidFill>
@@ -8897,7 +8864,7 @@
                 </a14:hiddenLine>
               </a:ext>
               <a:ext uri="{AF507438-7753-43E0-B8FC-AC1667EBCBE1}">
-                <a14:hiddenEffects xmlns:a14="http://schemas.microsoft.com/office/drawing/2010/main">
+                <a14:hiddenEffects xmlns:a14="http://schemas.microsoft.com/office/drawing/2010/main" xmlns="">
                   <a:effectLst>
                     <a:outerShdw dist="35921" dir="2700000" algn="ctr" rotWithShape="0">
                       <a:schemeClr val="bg2"/>
@@ -8917,10 +8884,10 @@
             <p:nvPr/>
           </p:nvPicPr>
           <p:blipFill>
-            <a:blip r:embed="rId4">
+            <a:blip r:embed="rId4" cstate="print">
               <a:extLst>
                 <a:ext uri="{28A0092B-C50C-407E-A947-70E740481C1C}">
-                  <a14:useLocalDpi xmlns:a14="http://schemas.microsoft.com/office/drawing/2010/main" val="0"/>
+                  <a14:useLocalDpi xmlns:a14="http://schemas.microsoft.com/office/drawing/2010/main" xmlns="" val="0"/>
                 </a:ext>
               </a:extLst>
             </a:blip>
@@ -8944,14 +8911,14 @@
             <a:effectLst/>
             <a:extLst>
               <a:ext uri="{909E8E84-426E-40DD-AFC4-6F175D3DCCD1}">
-                <a14:hiddenFill xmlns:a14="http://schemas.microsoft.com/office/drawing/2010/main">
+                <a14:hiddenFill xmlns:a14="http://schemas.microsoft.com/office/drawing/2010/main" xmlns="">
                   <a:solidFill>
                     <a:schemeClr val="accent1"/>
                   </a:solidFill>
                 </a14:hiddenFill>
               </a:ext>
               <a:ext uri="{91240B29-F687-4F45-9708-019B960494DF}">
-                <a14:hiddenLine xmlns:a14="http://schemas.microsoft.com/office/drawing/2010/main" w="9525">
+                <a14:hiddenLine xmlns:a14="http://schemas.microsoft.com/office/drawing/2010/main" xmlns="" w="9525">
                   <a:solidFill>
                     <a:schemeClr val="tx1"/>
                   </a:solidFill>
@@ -8961,7 +8928,7 @@
                 </a14:hiddenLine>
               </a:ext>
               <a:ext uri="{AF507438-7753-43E0-B8FC-AC1667EBCBE1}">
-                <a14:hiddenEffects xmlns:a14="http://schemas.microsoft.com/office/drawing/2010/main">
+                <a14:hiddenEffects xmlns:a14="http://schemas.microsoft.com/office/drawing/2010/main" xmlns="">
                   <a:effectLst>
                     <a:outerShdw dist="35921" dir="2700000" algn="ctr" rotWithShape="0">
                       <a:schemeClr val="bg2"/>
@@ -9315,7 +9282,7 @@
           <p:nvPr>
             <p:extLst>
               <p:ext uri="{D42A27DB-BD31-4B8C-83A1-F6EECF244321}">
-                <p14:modId xmlns:p14="http://schemas.microsoft.com/office/powerpoint/2010/main" val="1917374078"/>
+                <p14:modId xmlns:p14="http://schemas.microsoft.com/office/powerpoint/2010/main" xmlns="" val="1917374078"/>
               </p:ext>
             </p:extLst>
           </p:nvPr>
@@ -9677,7 +9644,7 @@
     </p:spTree>
     <p:extLst>
       <p:ext uri="{BB962C8B-B14F-4D97-AF65-F5344CB8AC3E}">
-        <p14:creationId xmlns:p14="http://schemas.microsoft.com/office/powerpoint/2010/main" val="1166442949"/>
+        <p14:creationId xmlns:p14="http://schemas.microsoft.com/office/powerpoint/2010/main" xmlns="" val="1166442949"/>
       </p:ext>
     </p:extLst>
   </p:cSld>
@@ -9780,7 +9747,7 @@
           <p:nvPr>
             <p:extLst>
               <p:ext uri="{D42A27DB-BD31-4B8C-83A1-F6EECF244321}">
-                <p14:modId xmlns:p14="http://schemas.microsoft.com/office/powerpoint/2010/main" val="2361642984"/>
+                <p14:modId xmlns:p14="http://schemas.microsoft.com/office/powerpoint/2010/main" xmlns="" val="2361642984"/>
               </p:ext>
             </p:extLst>
           </p:nvPr>
@@ -10089,7 +10056,7 @@
     </p:spTree>
     <p:extLst>
       <p:ext uri="{BB962C8B-B14F-4D97-AF65-F5344CB8AC3E}">
-        <p14:creationId xmlns:p14="http://schemas.microsoft.com/office/powerpoint/2010/main" val="3095259969"/>
+        <p14:creationId xmlns:p14="http://schemas.microsoft.com/office/powerpoint/2010/main" xmlns="" val="3095259969"/>
       </p:ext>
     </p:extLst>
   </p:cSld>
@@ -10534,7 +10501,7 @@
     </p:spTree>
     <p:extLst>
       <p:ext uri="{BB962C8B-B14F-4D97-AF65-F5344CB8AC3E}">
-        <p14:creationId xmlns:p14="http://schemas.microsoft.com/office/powerpoint/2010/main" val="3477016502"/>
+        <p14:creationId xmlns:p14="http://schemas.microsoft.com/office/powerpoint/2010/main" xmlns="" val="3477016502"/>
       </p:ext>
     </p:extLst>
   </p:cSld>
@@ -12298,7 +12265,7 @@
           <a:blip r:embed="rId3" cstate="print">
             <a:extLst>
               <a:ext uri="{28A0092B-C50C-407E-A947-70E740481C1C}">
-                <a14:useLocalDpi xmlns:a14="http://schemas.microsoft.com/office/drawing/2010/main" val="0"/>
+                <a14:useLocalDpi xmlns:a14="http://schemas.microsoft.com/office/drawing/2010/main" xmlns="" val="0"/>
               </a:ext>
             </a:extLst>
           </a:blip>
@@ -12318,7 +12285,7 @@
           <a:noFill/>
           <a:extLst>
             <a:ext uri="{909E8E84-426E-40DD-AFC4-6F175D3DCCD1}">
-              <a14:hiddenFill xmlns:a14="http://schemas.microsoft.com/office/drawing/2010/main">
+              <a14:hiddenFill xmlns:a14="http://schemas.microsoft.com/office/drawing/2010/main" xmlns="">
                 <a:solidFill>
                   <a:srgbClr val="FFFFFF"/>
                 </a:solidFill>
@@ -12972,7 +12939,7 @@
     </p:spTree>
     <p:extLst>
       <p:ext uri="{BB962C8B-B14F-4D97-AF65-F5344CB8AC3E}">
-        <p14:creationId xmlns:p14="http://schemas.microsoft.com/office/powerpoint/2010/main" val="240339265"/>
+        <p14:creationId xmlns:p14="http://schemas.microsoft.com/office/powerpoint/2010/main" xmlns="" val="240339265"/>
       </p:ext>
     </p:extLst>
   </p:cSld>
@@ -13225,10 +13192,10 @@
           <p:nvPr/>
         </p:nvPicPr>
         <p:blipFill>
-          <a:blip r:embed="rId2">
+          <a:blip r:embed="rId2" cstate="print">
             <a:extLst>
               <a:ext uri="{28A0092B-C50C-407E-A947-70E740481C1C}">
-                <a14:useLocalDpi xmlns:a14="http://schemas.microsoft.com/office/drawing/2010/main" val="0"/>
+                <a14:useLocalDpi xmlns:a14="http://schemas.microsoft.com/office/drawing/2010/main" xmlns="" val="0"/>
               </a:ext>
             </a:extLst>
           </a:blip>
@@ -13252,14 +13219,14 @@
           <a:effectLst/>
           <a:extLst>
             <a:ext uri="{909E8E84-426E-40DD-AFC4-6F175D3DCCD1}">
-              <a14:hiddenFill xmlns:a14="http://schemas.microsoft.com/office/drawing/2010/main">
+              <a14:hiddenFill xmlns:a14="http://schemas.microsoft.com/office/drawing/2010/main" xmlns="">
                 <a:solidFill>
                   <a:schemeClr val="accent1"/>
                 </a:solidFill>
               </a14:hiddenFill>
             </a:ext>
             <a:ext uri="{91240B29-F687-4F45-9708-019B960494DF}">
-              <a14:hiddenLine xmlns:a14="http://schemas.microsoft.com/office/drawing/2010/main" w="9525">
+              <a14:hiddenLine xmlns:a14="http://schemas.microsoft.com/office/drawing/2010/main" xmlns="" w="9525">
                 <a:solidFill>
                   <a:schemeClr val="tx1"/>
                 </a:solidFill>
@@ -13269,7 +13236,7 @@
               </a14:hiddenLine>
             </a:ext>
             <a:ext uri="{AF507438-7753-43E0-B8FC-AC1667EBCBE1}">
-              <a14:hiddenEffects xmlns:a14="http://schemas.microsoft.com/office/drawing/2010/main">
+              <a14:hiddenEffects xmlns:a14="http://schemas.microsoft.com/office/drawing/2010/main" xmlns="">
                 <a:effectLst>
                   <a:outerShdw dist="35921" dir="2700000" algn="ctr" rotWithShape="0">
                     <a:schemeClr val="bg2"/>
@@ -13292,7 +13259,7 @@
           <a:blip r:embed="rId3" cstate="print">
             <a:extLst>
               <a:ext uri="{28A0092B-C50C-407E-A947-70E740481C1C}">
-                <a14:useLocalDpi xmlns:a14="http://schemas.microsoft.com/office/drawing/2010/main" val="0"/>
+                <a14:useLocalDpi xmlns:a14="http://schemas.microsoft.com/office/drawing/2010/main" xmlns="" val="0"/>
               </a:ext>
             </a:extLst>
           </a:blip>
@@ -13316,14 +13283,14 @@
           <a:effectLst/>
           <a:extLst>
             <a:ext uri="{909E8E84-426E-40DD-AFC4-6F175D3DCCD1}">
-              <a14:hiddenFill xmlns:a14="http://schemas.microsoft.com/office/drawing/2010/main">
+              <a14:hiddenFill xmlns:a14="http://schemas.microsoft.com/office/drawing/2010/main" xmlns="">
                 <a:solidFill>
                   <a:schemeClr val="accent1"/>
                 </a:solidFill>
               </a14:hiddenFill>
             </a:ext>
             <a:ext uri="{91240B29-F687-4F45-9708-019B960494DF}">
-              <a14:hiddenLine xmlns:a14="http://schemas.microsoft.com/office/drawing/2010/main" w="9525">
+              <a14:hiddenLine xmlns:a14="http://schemas.microsoft.com/office/drawing/2010/main" xmlns="" w="9525">
                 <a:solidFill>
                   <a:schemeClr val="tx1"/>
                 </a:solidFill>
@@ -13333,7 +13300,7 @@
               </a14:hiddenLine>
             </a:ext>
             <a:ext uri="{AF507438-7753-43E0-B8FC-AC1667EBCBE1}">
-              <a14:hiddenEffects xmlns:a14="http://schemas.microsoft.com/office/drawing/2010/main">
+              <a14:hiddenEffects xmlns:a14="http://schemas.microsoft.com/office/drawing/2010/main" xmlns="">
                 <a:effectLst>
                   <a:outerShdw dist="35921" dir="2700000" algn="ctr" rotWithShape="0">
                     <a:schemeClr val="bg2"/>
@@ -13347,7 +13314,7 @@
     </p:spTree>
     <p:extLst>
       <p:ext uri="{BB962C8B-B14F-4D97-AF65-F5344CB8AC3E}">
-        <p14:creationId xmlns:p14="http://schemas.microsoft.com/office/powerpoint/2010/main" val="2470899453"/>
+        <p14:creationId xmlns:p14="http://schemas.microsoft.com/office/powerpoint/2010/main" xmlns="" val="2470899453"/>
       </p:ext>
     </p:extLst>
   </p:cSld>
@@ -13844,7 +13811,7 @@
     </p:spTree>
     <p:extLst>
       <p:ext uri="{BB962C8B-B14F-4D97-AF65-F5344CB8AC3E}">
-        <p14:creationId xmlns:p14="http://schemas.microsoft.com/office/powerpoint/2010/main" val="3833768114"/>
+        <p14:creationId xmlns:p14="http://schemas.microsoft.com/office/powerpoint/2010/main" xmlns="" val="3833768114"/>
       </p:ext>
     </p:extLst>
   </p:cSld>
@@ -15625,7 +15592,7 @@
           <a:blip r:embed="rId3" cstate="print">
             <a:extLst>
               <a:ext uri="{28A0092B-C50C-407E-A947-70E740481C1C}">
-                <a14:useLocalDpi xmlns:a14="http://schemas.microsoft.com/office/drawing/2010/main" val="0"/>
+                <a14:useLocalDpi xmlns:a14="http://schemas.microsoft.com/office/drawing/2010/main" xmlns="" val="0"/>
               </a:ext>
             </a:extLst>
           </a:blip>
@@ -15645,7 +15612,7 @@
           <a:noFill/>
           <a:extLst>
             <a:ext uri="{909E8E84-426E-40DD-AFC4-6F175D3DCCD1}">
-              <a14:hiddenFill xmlns:a14="http://schemas.microsoft.com/office/drawing/2010/main">
+              <a14:hiddenFill xmlns:a14="http://schemas.microsoft.com/office/drawing/2010/main" xmlns="">
                 <a:solidFill>
                   <a:srgbClr val="FFFFFF"/>
                 </a:solidFill>
@@ -15666,7 +15633,7 @@
           <a:blip r:embed="rId3" cstate="print">
             <a:extLst>
               <a:ext uri="{28A0092B-C50C-407E-A947-70E740481C1C}">
-                <a14:useLocalDpi xmlns:a14="http://schemas.microsoft.com/office/drawing/2010/main" val="0"/>
+                <a14:useLocalDpi xmlns:a14="http://schemas.microsoft.com/office/drawing/2010/main" xmlns="" val="0"/>
               </a:ext>
             </a:extLst>
           </a:blip>
@@ -15686,7 +15653,7 @@
           <a:noFill/>
           <a:extLst>
             <a:ext uri="{909E8E84-426E-40DD-AFC4-6F175D3DCCD1}">
-              <a14:hiddenFill xmlns:a14="http://schemas.microsoft.com/office/drawing/2010/main">
+              <a14:hiddenFill xmlns:a14="http://schemas.microsoft.com/office/drawing/2010/main" xmlns="">
                 <a:solidFill>
                   <a:srgbClr val="FFFFFF"/>
                 </a:solidFill>
@@ -16340,7 +16307,7 @@
     </p:spTree>
     <p:extLst>
       <p:ext uri="{BB962C8B-B14F-4D97-AF65-F5344CB8AC3E}">
-        <p14:creationId xmlns:p14="http://schemas.microsoft.com/office/powerpoint/2010/main" val="3601679413"/>
+        <p14:creationId xmlns:p14="http://schemas.microsoft.com/office/powerpoint/2010/main" xmlns="" val="3601679413"/>
       </p:ext>
     </p:extLst>
   </p:cSld>
@@ -16777,7 +16744,7 @@
     </p:spTree>
     <p:extLst>
       <p:ext uri="{BB962C8B-B14F-4D97-AF65-F5344CB8AC3E}">
-        <p14:creationId xmlns:p14="http://schemas.microsoft.com/office/powerpoint/2010/main" val="2821641039"/>
+        <p14:creationId xmlns:p14="http://schemas.microsoft.com/office/powerpoint/2010/main" xmlns="" val="2821641039"/>
       </p:ext>
     </p:extLst>
   </p:cSld>
@@ -18534,7 +18501,7 @@
           <a:blip r:embed="rId3" cstate="print">
             <a:extLst>
               <a:ext uri="{28A0092B-C50C-407E-A947-70E740481C1C}">
-                <a14:useLocalDpi xmlns:a14="http://schemas.microsoft.com/office/drawing/2010/main" val="0"/>
+                <a14:useLocalDpi xmlns:a14="http://schemas.microsoft.com/office/drawing/2010/main" xmlns="" val="0"/>
               </a:ext>
             </a:extLst>
           </a:blip>
@@ -18554,7 +18521,7 @@
           <a:noFill/>
           <a:extLst>
             <a:ext uri="{909E8E84-426E-40DD-AFC4-6F175D3DCCD1}">
-              <a14:hiddenFill xmlns:a14="http://schemas.microsoft.com/office/drawing/2010/main">
+              <a14:hiddenFill xmlns:a14="http://schemas.microsoft.com/office/drawing/2010/main" xmlns="">
                 <a:solidFill>
                   <a:srgbClr val="FFFFFF"/>
                 </a:solidFill>
@@ -18575,7 +18542,7 @@
           <a:blip r:embed="rId3" cstate="print">
             <a:extLst>
               <a:ext uri="{28A0092B-C50C-407E-A947-70E740481C1C}">
-                <a14:useLocalDpi xmlns:a14="http://schemas.microsoft.com/office/drawing/2010/main" val="0"/>
+                <a14:useLocalDpi xmlns:a14="http://schemas.microsoft.com/office/drawing/2010/main" xmlns="" val="0"/>
               </a:ext>
             </a:extLst>
           </a:blip>
@@ -18595,7 +18562,7 @@
           <a:noFill/>
           <a:extLst>
             <a:ext uri="{909E8E84-426E-40DD-AFC4-6F175D3DCCD1}">
-              <a14:hiddenFill xmlns:a14="http://schemas.microsoft.com/office/drawing/2010/main">
+              <a14:hiddenFill xmlns:a14="http://schemas.microsoft.com/office/drawing/2010/main" xmlns="">
                 <a:solidFill>
                   <a:srgbClr val="FFFFFF"/>
                 </a:solidFill>
@@ -18887,7 +18854,7 @@
           <a:blip r:embed="rId4" cstate="print">
             <a:extLst>
               <a:ext uri="{28A0092B-C50C-407E-A947-70E740481C1C}">
-                <a14:useLocalDpi xmlns:a14="http://schemas.microsoft.com/office/drawing/2010/main" val="0"/>
+                <a14:useLocalDpi xmlns:a14="http://schemas.microsoft.com/office/drawing/2010/main" xmlns="" val="0"/>
               </a:ext>
             </a:extLst>
           </a:blip>
@@ -18907,7 +18874,7 @@
           <a:noFill/>
           <a:extLst>
             <a:ext uri="{909E8E84-426E-40DD-AFC4-6F175D3DCCD1}">
-              <a14:hiddenFill xmlns:a14="http://schemas.microsoft.com/office/drawing/2010/main">
+              <a14:hiddenFill xmlns:a14="http://schemas.microsoft.com/office/drawing/2010/main" xmlns="">
                 <a:solidFill>
                   <a:srgbClr val="FFFFFF"/>
                 </a:solidFill>
@@ -19290,7 +19257,7 @@
     </p:spTree>
     <p:extLst>
       <p:ext uri="{BB962C8B-B14F-4D97-AF65-F5344CB8AC3E}">
-        <p14:creationId xmlns:p14="http://schemas.microsoft.com/office/powerpoint/2010/main" val="791487505"/>
+        <p14:creationId xmlns:p14="http://schemas.microsoft.com/office/powerpoint/2010/main" xmlns="" val="791487505"/>
       </p:ext>
     </p:extLst>
   </p:cSld>
@@ -19622,7 +19589,7 @@
     </p:spTree>
     <p:extLst>
       <p:ext uri="{BB962C8B-B14F-4D97-AF65-F5344CB8AC3E}">
-        <p14:creationId xmlns:p14="http://schemas.microsoft.com/office/powerpoint/2010/main" val="4038042518"/>
+        <p14:creationId xmlns:p14="http://schemas.microsoft.com/office/powerpoint/2010/main" xmlns="" val="4038042518"/>
       </p:ext>
     </p:extLst>
   </p:cSld>
@@ -20251,7 +20218,7 @@
     </p:spTree>
     <p:extLst>
       <p:ext uri="{BB962C8B-B14F-4D97-AF65-F5344CB8AC3E}">
-        <p14:creationId xmlns:p14="http://schemas.microsoft.com/office/powerpoint/2010/main" val="4038849371"/>
+        <p14:creationId xmlns:p14="http://schemas.microsoft.com/office/powerpoint/2010/main" xmlns="" val="4038849371"/>
       </p:ext>
     </p:extLst>
   </p:cSld>
@@ -20558,7 +20525,7 @@
     </p:spTree>
     <p:extLst>
       <p:ext uri="{BB962C8B-B14F-4D97-AF65-F5344CB8AC3E}">
-        <p14:creationId xmlns:p14="http://schemas.microsoft.com/office/powerpoint/2010/main" val="708587349"/>
+        <p14:creationId xmlns:p14="http://schemas.microsoft.com/office/powerpoint/2010/main" xmlns="" val="708587349"/>
       </p:ext>
     </p:extLst>
   </p:cSld>
@@ -20925,7 +20892,7 @@
     </p:spTree>
     <p:extLst>
       <p:ext uri="{BB962C8B-B14F-4D97-AF65-F5344CB8AC3E}">
-        <p14:creationId xmlns:p14="http://schemas.microsoft.com/office/powerpoint/2010/main" val="3771569975"/>
+        <p14:creationId xmlns:p14="http://schemas.microsoft.com/office/powerpoint/2010/main" xmlns="" val="3771569975"/>
       </p:ext>
     </p:extLst>
   </p:cSld>
@@ -21274,7 +21241,7 @@
     </p:spTree>
     <p:extLst>
       <p:ext uri="{BB962C8B-B14F-4D97-AF65-F5344CB8AC3E}">
-        <p14:creationId xmlns:p14="http://schemas.microsoft.com/office/powerpoint/2010/main" val="3505513639"/>
+        <p14:creationId xmlns:p14="http://schemas.microsoft.com/office/powerpoint/2010/main" xmlns="" val="3505513639"/>
       </p:ext>
     </p:extLst>
   </p:cSld>
@@ -22951,7 +22918,7 @@
           <a:blip r:embed="rId3" cstate="print">
             <a:extLst>
               <a:ext uri="{28A0092B-C50C-407E-A947-70E740481C1C}">
-                <a14:useLocalDpi xmlns:a14="http://schemas.microsoft.com/office/drawing/2010/main" val="0"/>
+                <a14:useLocalDpi xmlns:a14="http://schemas.microsoft.com/office/drawing/2010/main" xmlns="" val="0"/>
               </a:ext>
             </a:extLst>
           </a:blip>
@@ -22971,7 +22938,7 @@
           <a:noFill/>
           <a:extLst>
             <a:ext uri="{909E8E84-426E-40DD-AFC4-6F175D3DCCD1}">
-              <a14:hiddenFill xmlns:a14="http://schemas.microsoft.com/office/drawing/2010/main">
+              <a14:hiddenFill xmlns:a14="http://schemas.microsoft.com/office/drawing/2010/main" xmlns="">
                 <a:solidFill>
                   <a:srgbClr val="FFFFFF"/>
                 </a:solidFill>
@@ -22992,7 +22959,7 @@
           <a:blip r:embed="rId3" cstate="print">
             <a:extLst>
               <a:ext uri="{28A0092B-C50C-407E-A947-70E740481C1C}">
-                <a14:useLocalDpi xmlns:a14="http://schemas.microsoft.com/office/drawing/2010/main" val="0"/>
+                <a14:useLocalDpi xmlns:a14="http://schemas.microsoft.com/office/drawing/2010/main" xmlns="" val="0"/>
               </a:ext>
             </a:extLst>
           </a:blip>
@@ -23012,7 +22979,7 @@
           <a:noFill/>
           <a:extLst>
             <a:ext uri="{909E8E84-426E-40DD-AFC4-6F175D3DCCD1}">
-              <a14:hiddenFill xmlns:a14="http://schemas.microsoft.com/office/drawing/2010/main">
+              <a14:hiddenFill xmlns:a14="http://schemas.microsoft.com/office/drawing/2010/main" xmlns="">
                 <a:solidFill>
                   <a:srgbClr val="FFFFFF"/>
                 </a:solidFill>
@@ -23209,7 +23176,7 @@
           <a:blip r:embed="rId4" cstate="print">
             <a:extLst>
               <a:ext uri="{28A0092B-C50C-407E-A947-70E740481C1C}">
-                <a14:useLocalDpi xmlns:a14="http://schemas.microsoft.com/office/drawing/2010/main" val="0"/>
+                <a14:useLocalDpi xmlns:a14="http://schemas.microsoft.com/office/drawing/2010/main" xmlns="" val="0"/>
               </a:ext>
             </a:extLst>
           </a:blip>
@@ -23229,7 +23196,7 @@
           <a:noFill/>
           <a:extLst>
             <a:ext uri="{909E8E84-426E-40DD-AFC4-6F175D3DCCD1}">
-              <a14:hiddenFill xmlns:a14="http://schemas.microsoft.com/office/drawing/2010/main">
+              <a14:hiddenFill xmlns:a14="http://schemas.microsoft.com/office/drawing/2010/main" xmlns="">
                 <a:solidFill>
                   <a:srgbClr val="FFFFFF"/>
                 </a:solidFill>
@@ -23521,7 +23488,7 @@
           <a:blip r:embed="rId4" cstate="print">
             <a:extLst>
               <a:ext uri="{28A0092B-C50C-407E-A947-70E740481C1C}">
-                <a14:useLocalDpi xmlns:a14="http://schemas.microsoft.com/office/drawing/2010/main" val="0"/>
+                <a14:useLocalDpi xmlns:a14="http://schemas.microsoft.com/office/drawing/2010/main" xmlns="" val="0"/>
               </a:ext>
             </a:extLst>
           </a:blip>
@@ -23541,7 +23508,7 @@
           <a:noFill/>
           <a:extLst>
             <a:ext uri="{909E8E84-426E-40DD-AFC4-6F175D3DCCD1}">
-              <a14:hiddenFill xmlns:a14="http://schemas.microsoft.com/office/drawing/2010/main">
+              <a14:hiddenFill xmlns:a14="http://schemas.microsoft.com/office/drawing/2010/main" xmlns="">
                 <a:solidFill>
                   <a:srgbClr val="FFFFFF"/>
                 </a:solidFill>
@@ -23975,7 +23942,7 @@
     </p:spTree>
     <p:extLst>
       <p:ext uri="{BB962C8B-B14F-4D97-AF65-F5344CB8AC3E}">
-        <p14:creationId xmlns:p14="http://schemas.microsoft.com/office/powerpoint/2010/main" val="4253446923"/>
+        <p14:creationId xmlns:p14="http://schemas.microsoft.com/office/powerpoint/2010/main" xmlns="" val="4253446923"/>
       </p:ext>
     </p:extLst>
   </p:cSld>
@@ -24221,7 +24188,7 @@
     </p:spTree>
     <p:extLst>
       <p:ext uri="{BB962C8B-B14F-4D97-AF65-F5344CB8AC3E}">
-        <p14:creationId xmlns:p14="http://schemas.microsoft.com/office/powerpoint/2010/main" val="357821086"/>
+        <p14:creationId xmlns:p14="http://schemas.microsoft.com/office/powerpoint/2010/main" xmlns="" val="357821086"/>
       </p:ext>
     </p:extLst>
   </p:cSld>
@@ -24538,7 +24505,7 @@
     </p:spTree>
     <p:extLst>
       <p:ext uri="{BB962C8B-B14F-4D97-AF65-F5344CB8AC3E}">
-        <p14:creationId xmlns:p14="http://schemas.microsoft.com/office/powerpoint/2010/main" val="812009092"/>
+        <p14:creationId xmlns:p14="http://schemas.microsoft.com/office/powerpoint/2010/main" xmlns="" val="812009092"/>
       </p:ext>
     </p:extLst>
   </p:cSld>
@@ -26258,7 +26225,7 @@
           <a:blip r:embed="rId3" cstate="print">
             <a:extLst>
               <a:ext uri="{28A0092B-C50C-407E-A947-70E740481C1C}">
-                <a14:useLocalDpi xmlns:a14="http://schemas.microsoft.com/office/drawing/2010/main" val="0"/>
+                <a14:useLocalDpi xmlns:a14="http://schemas.microsoft.com/office/drawing/2010/main" xmlns="" val="0"/>
               </a:ext>
             </a:extLst>
           </a:blip>
@@ -26278,7 +26245,7 @@
           <a:noFill/>
           <a:extLst>
             <a:ext uri="{909E8E84-426E-40DD-AFC4-6F175D3DCCD1}">
-              <a14:hiddenFill xmlns:a14="http://schemas.microsoft.com/office/drawing/2010/main">
+              <a14:hiddenFill xmlns:a14="http://schemas.microsoft.com/office/drawing/2010/main" xmlns="">
                 <a:solidFill>
                   <a:srgbClr val="FFFFFF"/>
                 </a:solidFill>
@@ -26299,7 +26266,7 @@
           <a:blip r:embed="rId3" cstate="print">
             <a:extLst>
               <a:ext uri="{28A0092B-C50C-407E-A947-70E740481C1C}">
-                <a14:useLocalDpi xmlns:a14="http://schemas.microsoft.com/office/drawing/2010/main" val="0"/>
+                <a14:useLocalDpi xmlns:a14="http://schemas.microsoft.com/office/drawing/2010/main" xmlns="" val="0"/>
               </a:ext>
             </a:extLst>
           </a:blip>
@@ -26319,7 +26286,7 @@
           <a:noFill/>
           <a:extLst>
             <a:ext uri="{909E8E84-426E-40DD-AFC4-6F175D3DCCD1}">
-              <a14:hiddenFill xmlns:a14="http://schemas.microsoft.com/office/drawing/2010/main">
+              <a14:hiddenFill xmlns:a14="http://schemas.microsoft.com/office/drawing/2010/main" xmlns="">
                 <a:solidFill>
                   <a:srgbClr val="FFFFFF"/>
                 </a:solidFill>
@@ -26516,7 +26483,7 @@
           <a:blip r:embed="rId4" cstate="print">
             <a:extLst>
               <a:ext uri="{28A0092B-C50C-407E-A947-70E740481C1C}">
-                <a14:useLocalDpi xmlns:a14="http://schemas.microsoft.com/office/drawing/2010/main" val="0"/>
+                <a14:useLocalDpi xmlns:a14="http://schemas.microsoft.com/office/drawing/2010/main" xmlns="" val="0"/>
               </a:ext>
             </a:extLst>
           </a:blip>
@@ -26536,7 +26503,7 @@
           <a:noFill/>
           <a:extLst>
             <a:ext uri="{909E8E84-426E-40DD-AFC4-6F175D3DCCD1}">
-              <a14:hiddenFill xmlns:a14="http://schemas.microsoft.com/office/drawing/2010/main">
+              <a14:hiddenFill xmlns:a14="http://schemas.microsoft.com/office/drawing/2010/main" xmlns="">
                 <a:solidFill>
                   <a:srgbClr val="FFFFFF"/>
                 </a:solidFill>
@@ -27006,7 +26973,7 @@
           <a:blip r:embed="rId4" cstate="print">
             <a:extLst>
               <a:ext uri="{28A0092B-C50C-407E-A947-70E740481C1C}">
-                <a14:useLocalDpi xmlns:a14="http://schemas.microsoft.com/office/drawing/2010/main" val="0"/>
+                <a14:useLocalDpi xmlns:a14="http://schemas.microsoft.com/office/drawing/2010/main" xmlns="" val="0"/>
               </a:ext>
             </a:extLst>
           </a:blip>
@@ -27026,7 +26993,7 @@
           <a:noFill/>
           <a:extLst>
             <a:ext uri="{909E8E84-426E-40DD-AFC4-6F175D3DCCD1}">
-              <a14:hiddenFill xmlns:a14="http://schemas.microsoft.com/office/drawing/2010/main">
+              <a14:hiddenFill xmlns:a14="http://schemas.microsoft.com/office/drawing/2010/main" xmlns="">
                 <a:solidFill>
                   <a:srgbClr val="FFFFFF"/>
                 </a:solidFill>
@@ -27047,7 +27014,7 @@
           <a:blip r:embed="rId4" cstate="print">
             <a:extLst>
               <a:ext uri="{28A0092B-C50C-407E-A947-70E740481C1C}">
-                <a14:useLocalDpi xmlns:a14="http://schemas.microsoft.com/office/drawing/2010/main" val="0"/>
+                <a14:useLocalDpi xmlns:a14="http://schemas.microsoft.com/office/drawing/2010/main" xmlns="" val="0"/>
               </a:ext>
             </a:extLst>
           </a:blip>
@@ -27067,7 +27034,7 @@
           <a:noFill/>
           <a:extLst>
             <a:ext uri="{909E8E84-426E-40DD-AFC4-6F175D3DCCD1}">
-              <a14:hiddenFill xmlns:a14="http://schemas.microsoft.com/office/drawing/2010/main">
+              <a14:hiddenFill xmlns:a14="http://schemas.microsoft.com/office/drawing/2010/main" xmlns="">
                 <a:solidFill>
                   <a:srgbClr val="FFFFFF"/>
                 </a:solidFill>
@@ -27088,7 +27055,7 @@
           <a:blip r:embed="rId4" cstate="print">
             <a:extLst>
               <a:ext uri="{28A0092B-C50C-407E-A947-70E740481C1C}">
-                <a14:useLocalDpi xmlns:a14="http://schemas.microsoft.com/office/drawing/2010/main" val="0"/>
+                <a14:useLocalDpi xmlns:a14="http://schemas.microsoft.com/office/drawing/2010/main" xmlns="" val="0"/>
               </a:ext>
             </a:extLst>
           </a:blip>
@@ -27108,7 +27075,7 @@
           <a:noFill/>
           <a:extLst>
             <a:ext uri="{909E8E84-426E-40DD-AFC4-6F175D3DCCD1}">
-              <a14:hiddenFill xmlns:a14="http://schemas.microsoft.com/office/drawing/2010/main">
+              <a14:hiddenFill xmlns:a14="http://schemas.microsoft.com/office/drawing/2010/main" xmlns="">
                 <a:solidFill>
                   <a:srgbClr val="FFFFFF"/>
                 </a:solidFill>
@@ -27491,7 +27458,7 @@
     </p:spTree>
     <p:extLst>
       <p:ext uri="{BB962C8B-B14F-4D97-AF65-F5344CB8AC3E}">
-        <p14:creationId xmlns:p14="http://schemas.microsoft.com/office/powerpoint/2010/main" val="548145660"/>
+        <p14:creationId xmlns:p14="http://schemas.microsoft.com/office/powerpoint/2010/main" xmlns="" val="548145660"/>
       </p:ext>
     </p:extLst>
   </p:cSld>
@@ -27736,7 +27703,7 @@
               <a:rPr lang="en-US" dirty="0" smtClean="0">
                 <a:latin typeface="Segoe UI Light" panose="020B0502040204020203" pitchFamily="34" charset="0"/>
               </a:rPr>
-              <a:t>Use Case</a:t>
+              <a:t>Contributing to the SAP</a:t>
             </a:r>
             <a:r>
               <a:rPr lang="en-US" b="0" dirty="0" smtClean="0">
@@ -27785,7 +27752,7 @@
           <a:blip r:embed="rId3" cstate="print">
             <a:extLst>
               <a:ext uri="{28A0092B-C50C-407E-A947-70E740481C1C}">
-                <a14:useLocalDpi xmlns:a14="http://schemas.microsoft.com/office/drawing/2010/main" val="0"/>
+                <a14:useLocalDpi xmlns:a14="http://schemas.microsoft.com/office/drawing/2010/main" xmlns="" val="0"/>
               </a:ext>
             </a:extLst>
           </a:blip>
@@ -27805,7 +27772,7 @@
           <a:noFill/>
           <a:extLst>
             <a:ext uri="{909E8E84-426E-40DD-AFC4-6F175D3DCCD1}">
-              <a14:hiddenFill xmlns:a14="http://schemas.microsoft.com/office/drawing/2010/main">
+              <a14:hiddenFill xmlns:a14="http://schemas.microsoft.com/office/drawing/2010/main" xmlns="">
                 <a:solidFill>
                   <a:srgbClr val="FFFFFF"/>
                 </a:solidFill>
@@ -27817,7 +27784,7 @@
     </p:spTree>
     <p:extLst>
       <p:ext uri="{BB962C8B-B14F-4D97-AF65-F5344CB8AC3E}">
-        <p14:creationId xmlns:p14="http://schemas.microsoft.com/office/powerpoint/2010/main" val="2874497512"/>
+        <p14:creationId xmlns:p14="http://schemas.microsoft.com/office/powerpoint/2010/main" xmlns="" val="2874497512"/>
       </p:ext>
     </p:extLst>
   </p:cSld>
@@ -27861,10 +27828,10 @@
           <p:nvPr/>
         </p:nvPicPr>
         <p:blipFill>
-          <a:blip r:embed="rId2">
+          <a:blip r:embed="rId2" cstate="print">
             <a:extLst>
               <a:ext uri="{28A0092B-C50C-407E-A947-70E740481C1C}">
-                <a14:useLocalDpi xmlns:a14="http://schemas.microsoft.com/office/drawing/2010/main" val="0"/>
+                <a14:useLocalDpi xmlns:a14="http://schemas.microsoft.com/office/drawing/2010/main" xmlns="" val="0"/>
               </a:ext>
             </a:extLst>
           </a:blip>
@@ -27888,14 +27855,14 @@
           <a:effectLst/>
           <a:extLst>
             <a:ext uri="{909E8E84-426E-40DD-AFC4-6F175D3DCCD1}">
-              <a14:hiddenFill xmlns:a14="http://schemas.microsoft.com/office/drawing/2010/main">
+              <a14:hiddenFill xmlns:a14="http://schemas.microsoft.com/office/drawing/2010/main" xmlns="">
                 <a:solidFill>
                   <a:schemeClr val="accent1"/>
                 </a:solidFill>
               </a14:hiddenFill>
             </a:ext>
             <a:ext uri="{91240B29-F687-4F45-9708-019B960494DF}">
-              <a14:hiddenLine xmlns:a14="http://schemas.microsoft.com/office/drawing/2010/main" w="9525">
+              <a14:hiddenLine xmlns:a14="http://schemas.microsoft.com/office/drawing/2010/main" xmlns="" w="9525">
                 <a:solidFill>
                   <a:schemeClr val="tx1"/>
                 </a:solidFill>
@@ -27905,7 +27872,7 @@
               </a14:hiddenLine>
             </a:ext>
             <a:ext uri="{AF507438-7753-43E0-B8FC-AC1667EBCBE1}">
-              <a14:hiddenEffects xmlns:a14="http://schemas.microsoft.com/office/drawing/2010/main">
+              <a14:hiddenEffects xmlns:a14="http://schemas.microsoft.com/office/drawing/2010/main" xmlns="">
                 <a:effectLst>
                   <a:outerShdw dist="35921" dir="2700000" algn="ctr" rotWithShape="0">
                     <a:schemeClr val="bg2"/>
@@ -28577,10 +28544,10 @@
                   <p:nvPr/>
                 </p:nvPicPr>
                 <p:blipFill>
-                  <a:blip r:embed="rId3">
+                  <a:blip r:embed="rId3" cstate="print">
                     <a:extLst>
                       <a:ext uri="{28A0092B-C50C-407E-A947-70E740481C1C}">
-                        <a14:useLocalDpi xmlns:a14="http://schemas.microsoft.com/office/drawing/2010/main" val="0"/>
+                        <a14:useLocalDpi xmlns:a14="http://schemas.microsoft.com/office/drawing/2010/main" xmlns="" val="0"/>
                       </a:ext>
                     </a:extLst>
                   </a:blip>
@@ -28604,14 +28571,14 @@
                   <a:effectLst/>
                   <a:extLst>
                     <a:ext uri="{909E8E84-426E-40DD-AFC4-6F175D3DCCD1}">
-                      <a14:hiddenFill xmlns:a14="http://schemas.microsoft.com/office/drawing/2010/main">
+                      <a14:hiddenFill xmlns:a14="http://schemas.microsoft.com/office/drawing/2010/main" xmlns="">
                         <a:solidFill>
                           <a:schemeClr val="accent1"/>
                         </a:solidFill>
                       </a14:hiddenFill>
                     </a:ext>
                     <a:ext uri="{91240B29-F687-4F45-9708-019B960494DF}">
-                      <a14:hiddenLine xmlns:a14="http://schemas.microsoft.com/office/drawing/2010/main" w="9525">
+                      <a14:hiddenLine xmlns:a14="http://schemas.microsoft.com/office/drawing/2010/main" xmlns="" w="9525">
                         <a:solidFill>
                           <a:schemeClr val="tx1"/>
                         </a:solidFill>
@@ -28621,7 +28588,7 @@
                       </a14:hiddenLine>
                     </a:ext>
                     <a:ext uri="{AF507438-7753-43E0-B8FC-AC1667EBCBE1}">
-                      <a14:hiddenEffects xmlns:a14="http://schemas.microsoft.com/office/drawing/2010/main">
+                      <a14:hiddenEffects xmlns:a14="http://schemas.microsoft.com/office/drawing/2010/main" xmlns="">
                         <a:effectLst>
                           <a:outerShdw dist="35921" dir="2700000" algn="ctr" rotWithShape="0">
                             <a:schemeClr val="bg2"/>
@@ -28641,10 +28608,10 @@
                   <p:nvPr/>
                 </p:nvPicPr>
                 <p:blipFill>
-                  <a:blip r:embed="rId4">
+                  <a:blip r:embed="rId4" cstate="print">
                     <a:extLst>
                       <a:ext uri="{28A0092B-C50C-407E-A947-70E740481C1C}">
-                        <a14:useLocalDpi xmlns:a14="http://schemas.microsoft.com/office/drawing/2010/main" val="0"/>
+                        <a14:useLocalDpi xmlns:a14="http://schemas.microsoft.com/office/drawing/2010/main" xmlns="" val="0"/>
                       </a:ext>
                     </a:extLst>
                   </a:blip>
@@ -28668,14 +28635,14 @@
                   <a:effectLst/>
                   <a:extLst>
                     <a:ext uri="{909E8E84-426E-40DD-AFC4-6F175D3DCCD1}">
-                      <a14:hiddenFill xmlns:a14="http://schemas.microsoft.com/office/drawing/2010/main">
+                      <a14:hiddenFill xmlns:a14="http://schemas.microsoft.com/office/drawing/2010/main" xmlns="">
                         <a:solidFill>
                           <a:schemeClr val="accent1"/>
                         </a:solidFill>
                       </a14:hiddenFill>
                     </a:ext>
                     <a:ext uri="{91240B29-F687-4F45-9708-019B960494DF}">
-                      <a14:hiddenLine xmlns:a14="http://schemas.microsoft.com/office/drawing/2010/main" w="9525">
+                      <a14:hiddenLine xmlns:a14="http://schemas.microsoft.com/office/drawing/2010/main" xmlns="" w="9525">
                         <a:solidFill>
                           <a:schemeClr val="tx1"/>
                         </a:solidFill>
@@ -28685,7 +28652,7 @@
                       </a14:hiddenLine>
                     </a:ext>
                     <a:ext uri="{AF507438-7753-43E0-B8FC-AC1667EBCBE1}">
-                      <a14:hiddenEffects xmlns:a14="http://schemas.microsoft.com/office/drawing/2010/main">
+                      <a14:hiddenEffects xmlns:a14="http://schemas.microsoft.com/office/drawing/2010/main" xmlns="">
                         <a:effectLst>
                           <a:outerShdw dist="35921" dir="2700000" algn="ctr" rotWithShape="0">
                             <a:schemeClr val="bg2"/>
@@ -28750,10 +28717,10 @@
                   <p:nvPr/>
                 </p:nvPicPr>
                 <p:blipFill>
-                  <a:blip r:embed="rId5">
+                  <a:blip r:embed="rId5" cstate="print">
                     <a:extLst>
                       <a:ext uri="{28A0092B-C50C-407E-A947-70E740481C1C}">
-                        <a14:useLocalDpi xmlns:a14="http://schemas.microsoft.com/office/drawing/2010/main" val="0"/>
+                        <a14:useLocalDpi xmlns:a14="http://schemas.microsoft.com/office/drawing/2010/main" xmlns="" val="0"/>
                       </a:ext>
                     </a:extLst>
                   </a:blip>
@@ -28777,14 +28744,14 @@
                   <a:effectLst/>
                   <a:extLst>
                     <a:ext uri="{909E8E84-426E-40DD-AFC4-6F175D3DCCD1}">
-                      <a14:hiddenFill xmlns:a14="http://schemas.microsoft.com/office/drawing/2010/main">
+                      <a14:hiddenFill xmlns:a14="http://schemas.microsoft.com/office/drawing/2010/main" xmlns="">
                         <a:solidFill>
                           <a:schemeClr val="accent1"/>
                         </a:solidFill>
                       </a14:hiddenFill>
                     </a:ext>
                     <a:ext uri="{91240B29-F687-4F45-9708-019B960494DF}">
-                      <a14:hiddenLine xmlns:a14="http://schemas.microsoft.com/office/drawing/2010/main" w="9525">
+                      <a14:hiddenLine xmlns:a14="http://schemas.microsoft.com/office/drawing/2010/main" xmlns="" w="9525">
                         <a:solidFill>
                           <a:schemeClr val="tx1"/>
                         </a:solidFill>
@@ -28794,7 +28761,7 @@
                       </a14:hiddenLine>
                     </a:ext>
                     <a:ext uri="{AF507438-7753-43E0-B8FC-AC1667EBCBE1}">
-                      <a14:hiddenEffects xmlns:a14="http://schemas.microsoft.com/office/drawing/2010/main">
+                      <a14:hiddenEffects xmlns:a14="http://schemas.microsoft.com/office/drawing/2010/main" xmlns="">
                         <a:effectLst>
                           <a:outerShdw dist="35921" dir="2700000" algn="ctr" rotWithShape="0">
                             <a:schemeClr val="bg2"/>
@@ -28814,10 +28781,10 @@
                   <p:nvPr/>
                 </p:nvPicPr>
                 <p:blipFill>
-                  <a:blip r:embed="rId5">
+                  <a:blip r:embed="rId5" cstate="print">
                     <a:extLst>
                       <a:ext uri="{28A0092B-C50C-407E-A947-70E740481C1C}">
-                        <a14:useLocalDpi xmlns:a14="http://schemas.microsoft.com/office/drawing/2010/main" val="0"/>
+                        <a14:useLocalDpi xmlns:a14="http://schemas.microsoft.com/office/drawing/2010/main" xmlns="" val="0"/>
                       </a:ext>
                     </a:extLst>
                   </a:blip>
@@ -28841,14 +28808,14 @@
                   <a:effectLst/>
                   <a:extLst>
                     <a:ext uri="{909E8E84-426E-40DD-AFC4-6F175D3DCCD1}">
-                      <a14:hiddenFill xmlns:a14="http://schemas.microsoft.com/office/drawing/2010/main">
+                      <a14:hiddenFill xmlns:a14="http://schemas.microsoft.com/office/drawing/2010/main" xmlns="">
                         <a:solidFill>
                           <a:schemeClr val="accent1"/>
                         </a:solidFill>
                       </a14:hiddenFill>
                     </a:ext>
                     <a:ext uri="{91240B29-F687-4F45-9708-019B960494DF}">
-                      <a14:hiddenLine xmlns:a14="http://schemas.microsoft.com/office/drawing/2010/main" w="9525">
+                      <a14:hiddenLine xmlns:a14="http://schemas.microsoft.com/office/drawing/2010/main" xmlns="" w="9525">
                         <a:solidFill>
                           <a:schemeClr val="tx1"/>
                         </a:solidFill>
@@ -28858,7 +28825,7 @@
                       </a14:hiddenLine>
                     </a:ext>
                     <a:ext uri="{AF507438-7753-43E0-B8FC-AC1667EBCBE1}">
-                      <a14:hiddenEffects xmlns:a14="http://schemas.microsoft.com/office/drawing/2010/main">
+                      <a14:hiddenEffects xmlns:a14="http://schemas.microsoft.com/office/drawing/2010/main" xmlns="">
                         <a:effectLst>
                           <a:outerShdw dist="35921" dir="2700000" algn="ctr" rotWithShape="0">
                             <a:schemeClr val="bg2"/>
@@ -28878,10 +28845,10 @@
                   <p:nvPr/>
                 </p:nvPicPr>
                 <p:blipFill>
-                  <a:blip r:embed="rId5">
+                  <a:blip r:embed="rId5" cstate="print">
                     <a:extLst>
                       <a:ext uri="{28A0092B-C50C-407E-A947-70E740481C1C}">
-                        <a14:useLocalDpi xmlns:a14="http://schemas.microsoft.com/office/drawing/2010/main" val="0"/>
+                        <a14:useLocalDpi xmlns:a14="http://schemas.microsoft.com/office/drawing/2010/main" xmlns="" val="0"/>
                       </a:ext>
                     </a:extLst>
                   </a:blip>
@@ -28905,14 +28872,14 @@
                   <a:effectLst/>
                   <a:extLst>
                     <a:ext uri="{909E8E84-426E-40DD-AFC4-6F175D3DCCD1}">
-                      <a14:hiddenFill xmlns:a14="http://schemas.microsoft.com/office/drawing/2010/main">
+                      <a14:hiddenFill xmlns:a14="http://schemas.microsoft.com/office/drawing/2010/main" xmlns="">
                         <a:solidFill>
                           <a:schemeClr val="accent1"/>
                         </a:solidFill>
                       </a14:hiddenFill>
                     </a:ext>
                     <a:ext uri="{91240B29-F687-4F45-9708-019B960494DF}">
-                      <a14:hiddenLine xmlns:a14="http://schemas.microsoft.com/office/drawing/2010/main" w="9525">
+                      <a14:hiddenLine xmlns:a14="http://schemas.microsoft.com/office/drawing/2010/main" xmlns="" w="9525">
                         <a:solidFill>
                           <a:schemeClr val="tx1"/>
                         </a:solidFill>
@@ -28922,7 +28889,7 @@
                       </a14:hiddenLine>
                     </a:ext>
                     <a:ext uri="{AF507438-7753-43E0-B8FC-AC1667EBCBE1}">
-                      <a14:hiddenEffects xmlns:a14="http://schemas.microsoft.com/office/drawing/2010/main">
+                      <a14:hiddenEffects xmlns:a14="http://schemas.microsoft.com/office/drawing/2010/main" xmlns="">
                         <a:effectLst>
                           <a:outerShdw dist="35921" dir="2700000" algn="ctr" rotWithShape="0">
                             <a:schemeClr val="bg2"/>
@@ -28942,10 +28909,10 @@
                   <p:nvPr/>
                 </p:nvPicPr>
                 <p:blipFill>
-                  <a:blip r:embed="rId5">
+                  <a:blip r:embed="rId5" cstate="print">
                     <a:extLst>
                       <a:ext uri="{28A0092B-C50C-407E-A947-70E740481C1C}">
-                        <a14:useLocalDpi xmlns:a14="http://schemas.microsoft.com/office/drawing/2010/main" val="0"/>
+                        <a14:useLocalDpi xmlns:a14="http://schemas.microsoft.com/office/drawing/2010/main" xmlns="" val="0"/>
                       </a:ext>
                     </a:extLst>
                   </a:blip>
@@ -28969,14 +28936,14 @@
                   <a:effectLst/>
                   <a:extLst>
                     <a:ext uri="{909E8E84-426E-40DD-AFC4-6F175D3DCCD1}">
-                      <a14:hiddenFill xmlns:a14="http://schemas.microsoft.com/office/drawing/2010/main">
+                      <a14:hiddenFill xmlns:a14="http://schemas.microsoft.com/office/drawing/2010/main" xmlns="">
                         <a:solidFill>
                           <a:schemeClr val="accent1"/>
                         </a:solidFill>
                       </a14:hiddenFill>
                     </a:ext>
                     <a:ext uri="{91240B29-F687-4F45-9708-019B960494DF}">
-                      <a14:hiddenLine xmlns:a14="http://schemas.microsoft.com/office/drawing/2010/main" w="9525">
+                      <a14:hiddenLine xmlns:a14="http://schemas.microsoft.com/office/drawing/2010/main" xmlns="" w="9525">
                         <a:solidFill>
                           <a:schemeClr val="tx1"/>
                         </a:solidFill>
@@ -28986,7 +28953,7 @@
                       </a14:hiddenLine>
                     </a:ext>
                     <a:ext uri="{AF507438-7753-43E0-B8FC-AC1667EBCBE1}">
-                      <a14:hiddenEffects xmlns:a14="http://schemas.microsoft.com/office/drawing/2010/main">
+                      <a14:hiddenEffects xmlns:a14="http://schemas.microsoft.com/office/drawing/2010/main" xmlns="">
                         <a:effectLst>
                           <a:outerShdw dist="35921" dir="2700000" algn="ctr" rotWithShape="0">
                             <a:schemeClr val="bg2"/>
@@ -29006,10 +28973,10 @@
                   <p:nvPr/>
                 </p:nvPicPr>
                 <p:blipFill>
-                  <a:blip r:embed="rId6">
+                  <a:blip r:embed="rId6" cstate="print">
                     <a:extLst>
                       <a:ext uri="{28A0092B-C50C-407E-A947-70E740481C1C}">
-                        <a14:useLocalDpi xmlns:a14="http://schemas.microsoft.com/office/drawing/2010/main" val="0"/>
+                        <a14:useLocalDpi xmlns:a14="http://schemas.microsoft.com/office/drawing/2010/main" xmlns="" val="0"/>
                       </a:ext>
                     </a:extLst>
                   </a:blip>
@@ -29033,14 +29000,14 @@
                   <a:effectLst/>
                   <a:extLst>
                     <a:ext uri="{909E8E84-426E-40DD-AFC4-6F175D3DCCD1}">
-                      <a14:hiddenFill xmlns:a14="http://schemas.microsoft.com/office/drawing/2010/main">
+                      <a14:hiddenFill xmlns:a14="http://schemas.microsoft.com/office/drawing/2010/main" xmlns="">
                         <a:solidFill>
                           <a:schemeClr val="accent1"/>
                         </a:solidFill>
                       </a14:hiddenFill>
                     </a:ext>
                     <a:ext uri="{91240B29-F687-4F45-9708-019B960494DF}">
-                      <a14:hiddenLine xmlns:a14="http://schemas.microsoft.com/office/drawing/2010/main" w="9525">
+                      <a14:hiddenLine xmlns:a14="http://schemas.microsoft.com/office/drawing/2010/main" xmlns="" w="9525">
                         <a:solidFill>
                           <a:schemeClr val="tx1"/>
                         </a:solidFill>
@@ -29050,7 +29017,7 @@
                       </a14:hiddenLine>
                     </a:ext>
                     <a:ext uri="{AF507438-7753-43E0-B8FC-AC1667EBCBE1}">
-                      <a14:hiddenEffects xmlns:a14="http://schemas.microsoft.com/office/drawing/2010/main">
+                      <a14:hiddenEffects xmlns:a14="http://schemas.microsoft.com/office/drawing/2010/main" xmlns="">
                         <a:effectLst>
                           <a:outerShdw dist="35921" dir="2700000" algn="ctr" rotWithShape="0">
                             <a:schemeClr val="bg2"/>
@@ -29071,10 +29038,10 @@
                 <p:nvPr/>
               </p:nvPicPr>
               <p:blipFill>
-                <a:blip r:embed="rId7">
+                <a:blip r:embed="rId7" cstate="print">
                   <a:extLst>
                     <a:ext uri="{28A0092B-C50C-407E-A947-70E740481C1C}">
-                      <a14:useLocalDpi xmlns:a14="http://schemas.microsoft.com/office/drawing/2010/main" val="0"/>
+                      <a14:useLocalDpi xmlns:a14="http://schemas.microsoft.com/office/drawing/2010/main" xmlns="" val="0"/>
                     </a:ext>
                   </a:extLst>
                 </a:blip>
@@ -29098,14 +29065,14 @@
                 <a:effectLst/>
                 <a:extLst>
                   <a:ext uri="{909E8E84-426E-40DD-AFC4-6F175D3DCCD1}">
-                    <a14:hiddenFill xmlns:a14="http://schemas.microsoft.com/office/drawing/2010/main">
+                    <a14:hiddenFill xmlns:a14="http://schemas.microsoft.com/office/drawing/2010/main" xmlns="">
                       <a:solidFill>
                         <a:schemeClr val="accent1"/>
                       </a:solidFill>
                     </a14:hiddenFill>
                   </a:ext>
                   <a:ext uri="{91240B29-F687-4F45-9708-019B960494DF}">
-                    <a14:hiddenLine xmlns:a14="http://schemas.microsoft.com/office/drawing/2010/main" w="9525">
+                    <a14:hiddenLine xmlns:a14="http://schemas.microsoft.com/office/drawing/2010/main" xmlns="" w="9525">
                       <a:solidFill>
                         <a:schemeClr val="tx1"/>
                       </a:solidFill>
@@ -29115,7 +29082,7 @@
                     </a14:hiddenLine>
                   </a:ext>
                   <a:ext uri="{AF507438-7753-43E0-B8FC-AC1667EBCBE1}">
-                    <a14:hiddenEffects xmlns:a14="http://schemas.microsoft.com/office/drawing/2010/main">
+                    <a14:hiddenEffects xmlns:a14="http://schemas.microsoft.com/office/drawing/2010/main" xmlns="">
                       <a:effectLst>
                         <a:outerShdw dist="35921" dir="2700000" algn="ctr" rotWithShape="0">
                           <a:schemeClr val="bg2"/>
@@ -29135,10 +29102,10 @@
                 <p:nvPr/>
               </p:nvPicPr>
               <p:blipFill>
-                <a:blip r:embed="rId7">
+                <a:blip r:embed="rId7" cstate="print">
                   <a:extLst>
                     <a:ext uri="{28A0092B-C50C-407E-A947-70E740481C1C}">
-                      <a14:useLocalDpi xmlns:a14="http://schemas.microsoft.com/office/drawing/2010/main" val="0"/>
+                      <a14:useLocalDpi xmlns:a14="http://schemas.microsoft.com/office/drawing/2010/main" xmlns="" val="0"/>
                     </a:ext>
                   </a:extLst>
                 </a:blip>
@@ -29162,14 +29129,14 @@
                 <a:effectLst/>
                 <a:extLst>
                   <a:ext uri="{909E8E84-426E-40DD-AFC4-6F175D3DCCD1}">
-                    <a14:hiddenFill xmlns:a14="http://schemas.microsoft.com/office/drawing/2010/main">
+                    <a14:hiddenFill xmlns:a14="http://schemas.microsoft.com/office/drawing/2010/main" xmlns="">
                       <a:solidFill>
                         <a:schemeClr val="accent1"/>
                       </a:solidFill>
                     </a14:hiddenFill>
                   </a:ext>
                   <a:ext uri="{91240B29-F687-4F45-9708-019B960494DF}">
-                    <a14:hiddenLine xmlns:a14="http://schemas.microsoft.com/office/drawing/2010/main" w="9525">
+                    <a14:hiddenLine xmlns:a14="http://schemas.microsoft.com/office/drawing/2010/main" xmlns="" w="9525">
                       <a:solidFill>
                         <a:schemeClr val="tx1"/>
                       </a:solidFill>
@@ -29179,7 +29146,7 @@
                     </a14:hiddenLine>
                   </a:ext>
                   <a:ext uri="{AF507438-7753-43E0-B8FC-AC1667EBCBE1}">
-                    <a14:hiddenEffects xmlns:a14="http://schemas.microsoft.com/office/drawing/2010/main">
+                    <a14:hiddenEffects xmlns:a14="http://schemas.microsoft.com/office/drawing/2010/main" xmlns="">
                       <a:effectLst>
                         <a:outerShdw dist="35921" dir="2700000" algn="ctr" rotWithShape="0">
                           <a:schemeClr val="bg2"/>
@@ -29199,10 +29166,10 @@
                 <p:nvPr/>
               </p:nvPicPr>
               <p:blipFill>
-                <a:blip r:embed="rId7">
+                <a:blip r:embed="rId7" cstate="print">
                   <a:extLst>
                     <a:ext uri="{28A0092B-C50C-407E-A947-70E740481C1C}">
-                      <a14:useLocalDpi xmlns:a14="http://schemas.microsoft.com/office/drawing/2010/main" val="0"/>
+                      <a14:useLocalDpi xmlns:a14="http://schemas.microsoft.com/office/drawing/2010/main" xmlns="" val="0"/>
                     </a:ext>
                   </a:extLst>
                 </a:blip>
@@ -29226,14 +29193,14 @@
                 <a:effectLst/>
                 <a:extLst>
                   <a:ext uri="{909E8E84-426E-40DD-AFC4-6F175D3DCCD1}">
-                    <a14:hiddenFill xmlns:a14="http://schemas.microsoft.com/office/drawing/2010/main">
+                    <a14:hiddenFill xmlns:a14="http://schemas.microsoft.com/office/drawing/2010/main" xmlns="">
                       <a:solidFill>
                         <a:schemeClr val="accent1"/>
                       </a:solidFill>
                     </a14:hiddenFill>
                   </a:ext>
                   <a:ext uri="{91240B29-F687-4F45-9708-019B960494DF}">
-                    <a14:hiddenLine xmlns:a14="http://schemas.microsoft.com/office/drawing/2010/main" w="9525">
+                    <a14:hiddenLine xmlns:a14="http://schemas.microsoft.com/office/drawing/2010/main" xmlns="" w="9525">
                       <a:solidFill>
                         <a:schemeClr val="tx1"/>
                       </a:solidFill>
@@ -29243,7 +29210,7 @@
                     </a14:hiddenLine>
                   </a:ext>
                   <a:ext uri="{AF507438-7753-43E0-B8FC-AC1667EBCBE1}">
-                    <a14:hiddenEffects xmlns:a14="http://schemas.microsoft.com/office/drawing/2010/main">
+                    <a14:hiddenEffects xmlns:a14="http://schemas.microsoft.com/office/drawing/2010/main" xmlns="">
                       <a:effectLst>
                         <a:outerShdw dist="35921" dir="2700000" algn="ctr" rotWithShape="0">
                           <a:schemeClr val="bg2"/>
@@ -29263,10 +29230,10 @@
                 <p:nvPr/>
               </p:nvPicPr>
               <p:blipFill>
-                <a:blip r:embed="rId7">
+                <a:blip r:embed="rId7" cstate="print">
                   <a:extLst>
                     <a:ext uri="{28A0092B-C50C-407E-A947-70E740481C1C}">
-                      <a14:useLocalDpi xmlns:a14="http://schemas.microsoft.com/office/drawing/2010/main" val="0"/>
+                      <a14:useLocalDpi xmlns:a14="http://schemas.microsoft.com/office/drawing/2010/main" xmlns="" val="0"/>
                     </a:ext>
                   </a:extLst>
                 </a:blip>
@@ -29290,14 +29257,14 @@
                 <a:effectLst/>
                 <a:extLst>
                   <a:ext uri="{909E8E84-426E-40DD-AFC4-6F175D3DCCD1}">
-                    <a14:hiddenFill xmlns:a14="http://schemas.microsoft.com/office/drawing/2010/main">
+                    <a14:hiddenFill xmlns:a14="http://schemas.microsoft.com/office/drawing/2010/main" xmlns="">
                       <a:solidFill>
                         <a:schemeClr val="accent1"/>
                       </a:solidFill>
                     </a14:hiddenFill>
                   </a:ext>
                   <a:ext uri="{91240B29-F687-4F45-9708-019B960494DF}">
-                    <a14:hiddenLine xmlns:a14="http://schemas.microsoft.com/office/drawing/2010/main" w="9525">
+                    <a14:hiddenLine xmlns:a14="http://schemas.microsoft.com/office/drawing/2010/main" xmlns="" w="9525">
                       <a:solidFill>
                         <a:schemeClr val="tx1"/>
                       </a:solidFill>
@@ -29307,7 +29274,7 @@
                     </a14:hiddenLine>
                   </a:ext>
                   <a:ext uri="{AF507438-7753-43E0-B8FC-AC1667EBCBE1}">
-                    <a14:hiddenEffects xmlns:a14="http://schemas.microsoft.com/office/drawing/2010/main">
+                    <a14:hiddenEffects xmlns:a14="http://schemas.microsoft.com/office/drawing/2010/main" xmlns="">
                       <a:effectLst>
                         <a:outerShdw dist="35921" dir="2700000" algn="ctr" rotWithShape="0">
                           <a:schemeClr val="bg2"/>
@@ -29502,10 +29469,10 @@
                 <p:nvPr/>
               </p:nvPicPr>
               <p:blipFill>
-                <a:blip r:embed="rId4">
+                <a:blip r:embed="rId4" cstate="print">
                   <a:extLst>
                     <a:ext uri="{28A0092B-C50C-407E-A947-70E740481C1C}">
-                      <a14:useLocalDpi xmlns:a14="http://schemas.microsoft.com/office/drawing/2010/main" val="0"/>
+                      <a14:useLocalDpi xmlns:a14="http://schemas.microsoft.com/office/drawing/2010/main" xmlns="" val="0"/>
                     </a:ext>
                   </a:extLst>
                 </a:blip>
@@ -29529,14 +29496,14 @@
                 <a:effectLst/>
                 <a:extLst>
                   <a:ext uri="{909E8E84-426E-40DD-AFC4-6F175D3DCCD1}">
-                    <a14:hiddenFill xmlns:a14="http://schemas.microsoft.com/office/drawing/2010/main">
+                    <a14:hiddenFill xmlns:a14="http://schemas.microsoft.com/office/drawing/2010/main" xmlns="">
                       <a:solidFill>
                         <a:schemeClr val="accent1"/>
                       </a:solidFill>
                     </a14:hiddenFill>
                   </a:ext>
                   <a:ext uri="{91240B29-F687-4F45-9708-019B960494DF}">
-                    <a14:hiddenLine xmlns:a14="http://schemas.microsoft.com/office/drawing/2010/main" w="9525">
+                    <a14:hiddenLine xmlns:a14="http://schemas.microsoft.com/office/drawing/2010/main" xmlns="" w="9525">
                       <a:solidFill>
                         <a:schemeClr val="tx1"/>
                       </a:solidFill>
@@ -29546,7 +29513,7 @@
                     </a14:hiddenLine>
                   </a:ext>
                   <a:ext uri="{AF507438-7753-43E0-B8FC-AC1667EBCBE1}">
-                    <a14:hiddenEffects xmlns:a14="http://schemas.microsoft.com/office/drawing/2010/main">
+                    <a14:hiddenEffects xmlns:a14="http://schemas.microsoft.com/office/drawing/2010/main" xmlns="">
                       <a:effectLst>
                         <a:outerShdw dist="35921" dir="2700000" algn="ctr" rotWithShape="0">
                           <a:schemeClr val="bg2"/>
@@ -29611,10 +29578,10 @@
                 <p:nvPr/>
               </p:nvPicPr>
               <p:blipFill>
-                <a:blip r:embed="rId6">
+                <a:blip r:embed="rId6" cstate="print">
                   <a:extLst>
                     <a:ext uri="{28A0092B-C50C-407E-A947-70E740481C1C}">
-                      <a14:useLocalDpi xmlns:a14="http://schemas.microsoft.com/office/drawing/2010/main" val="0"/>
+                      <a14:useLocalDpi xmlns:a14="http://schemas.microsoft.com/office/drawing/2010/main" xmlns="" val="0"/>
                     </a:ext>
                   </a:extLst>
                 </a:blip>
@@ -29638,14 +29605,14 @@
                 <a:effectLst/>
                 <a:extLst>
                   <a:ext uri="{909E8E84-426E-40DD-AFC4-6F175D3DCCD1}">
-                    <a14:hiddenFill xmlns:a14="http://schemas.microsoft.com/office/drawing/2010/main">
+                    <a14:hiddenFill xmlns:a14="http://schemas.microsoft.com/office/drawing/2010/main" xmlns="">
                       <a:solidFill>
                         <a:schemeClr val="accent1"/>
                       </a:solidFill>
                     </a14:hiddenFill>
                   </a:ext>
                   <a:ext uri="{91240B29-F687-4F45-9708-019B960494DF}">
-                    <a14:hiddenLine xmlns:a14="http://schemas.microsoft.com/office/drawing/2010/main" w="9525">
+                    <a14:hiddenLine xmlns:a14="http://schemas.microsoft.com/office/drawing/2010/main" xmlns="" w="9525">
                       <a:solidFill>
                         <a:schemeClr val="tx1"/>
                       </a:solidFill>
@@ -29655,7 +29622,7 @@
                     </a14:hiddenLine>
                   </a:ext>
                   <a:ext uri="{AF507438-7753-43E0-B8FC-AC1667EBCBE1}">
-                    <a14:hiddenEffects xmlns:a14="http://schemas.microsoft.com/office/drawing/2010/main">
+                    <a14:hiddenEffects xmlns:a14="http://schemas.microsoft.com/office/drawing/2010/main" xmlns="">
                       <a:effectLst>
                         <a:outerShdw dist="35921" dir="2700000" algn="ctr" rotWithShape="0">
                           <a:schemeClr val="bg2"/>
@@ -29676,10 +29643,10 @@
               <p:nvPr/>
             </p:nvPicPr>
             <p:blipFill>
-              <a:blip r:embed="rId7">
+              <a:blip r:embed="rId7" cstate="print">
                 <a:extLst>
                   <a:ext uri="{28A0092B-C50C-407E-A947-70E740481C1C}">
-                    <a14:useLocalDpi xmlns:a14="http://schemas.microsoft.com/office/drawing/2010/main" val="0"/>
+                    <a14:useLocalDpi xmlns:a14="http://schemas.microsoft.com/office/drawing/2010/main" xmlns="" val="0"/>
                   </a:ext>
                 </a:extLst>
               </a:blip>
@@ -29703,14 +29670,14 @@
               <a:effectLst/>
               <a:extLst>
                 <a:ext uri="{909E8E84-426E-40DD-AFC4-6F175D3DCCD1}">
-                  <a14:hiddenFill xmlns:a14="http://schemas.microsoft.com/office/drawing/2010/main">
+                  <a14:hiddenFill xmlns:a14="http://schemas.microsoft.com/office/drawing/2010/main" xmlns="">
                     <a:solidFill>
                       <a:schemeClr val="accent1"/>
                     </a:solidFill>
                   </a14:hiddenFill>
                 </a:ext>
                 <a:ext uri="{91240B29-F687-4F45-9708-019B960494DF}">
-                  <a14:hiddenLine xmlns:a14="http://schemas.microsoft.com/office/drawing/2010/main" w="9525">
+                  <a14:hiddenLine xmlns:a14="http://schemas.microsoft.com/office/drawing/2010/main" xmlns="" w="9525">
                     <a:solidFill>
                       <a:schemeClr val="tx1"/>
                     </a:solidFill>
@@ -29720,7 +29687,7 @@
                   </a14:hiddenLine>
                 </a:ext>
                 <a:ext uri="{AF507438-7753-43E0-B8FC-AC1667EBCBE1}">
-                  <a14:hiddenEffects xmlns:a14="http://schemas.microsoft.com/office/drawing/2010/main">
+                  <a14:hiddenEffects xmlns:a14="http://schemas.microsoft.com/office/drawing/2010/main" xmlns="">
                     <a:effectLst>
                       <a:outerShdw dist="35921" dir="2700000" algn="ctr" rotWithShape="0">
                         <a:schemeClr val="bg2"/>
@@ -29740,10 +29707,10 @@
               <p:nvPr/>
             </p:nvPicPr>
             <p:blipFill>
-              <a:blip r:embed="rId7">
+              <a:blip r:embed="rId7" cstate="print">
                 <a:extLst>
                   <a:ext uri="{28A0092B-C50C-407E-A947-70E740481C1C}">
-                    <a14:useLocalDpi xmlns:a14="http://schemas.microsoft.com/office/drawing/2010/main" val="0"/>
+                    <a14:useLocalDpi xmlns:a14="http://schemas.microsoft.com/office/drawing/2010/main" xmlns="" val="0"/>
                   </a:ext>
                 </a:extLst>
               </a:blip>
@@ -29767,14 +29734,14 @@
               <a:effectLst/>
               <a:extLst>
                 <a:ext uri="{909E8E84-426E-40DD-AFC4-6F175D3DCCD1}">
-                  <a14:hiddenFill xmlns:a14="http://schemas.microsoft.com/office/drawing/2010/main">
+                  <a14:hiddenFill xmlns:a14="http://schemas.microsoft.com/office/drawing/2010/main" xmlns="">
                     <a:solidFill>
                       <a:schemeClr val="accent1"/>
                     </a:solidFill>
                   </a14:hiddenFill>
                 </a:ext>
                 <a:ext uri="{91240B29-F687-4F45-9708-019B960494DF}">
-                  <a14:hiddenLine xmlns:a14="http://schemas.microsoft.com/office/drawing/2010/main" w="9525">
+                  <a14:hiddenLine xmlns:a14="http://schemas.microsoft.com/office/drawing/2010/main" xmlns="" w="9525">
                     <a:solidFill>
                       <a:schemeClr val="tx1"/>
                     </a:solidFill>
@@ -29784,7 +29751,7 @@
                   </a14:hiddenLine>
                 </a:ext>
                 <a:ext uri="{AF507438-7753-43E0-B8FC-AC1667EBCBE1}">
-                  <a14:hiddenEffects xmlns:a14="http://schemas.microsoft.com/office/drawing/2010/main">
+                  <a14:hiddenEffects xmlns:a14="http://schemas.microsoft.com/office/drawing/2010/main" xmlns="">
                     <a:effectLst>
                       <a:outerShdw dist="35921" dir="2700000" algn="ctr" rotWithShape="0">
                         <a:schemeClr val="bg2"/>
@@ -29804,10 +29771,10 @@
               <p:nvPr/>
             </p:nvPicPr>
             <p:blipFill>
-              <a:blip r:embed="rId7">
+              <a:blip r:embed="rId7" cstate="print">
                 <a:extLst>
                   <a:ext uri="{28A0092B-C50C-407E-A947-70E740481C1C}">
-                    <a14:useLocalDpi xmlns:a14="http://schemas.microsoft.com/office/drawing/2010/main" val="0"/>
+                    <a14:useLocalDpi xmlns:a14="http://schemas.microsoft.com/office/drawing/2010/main" xmlns="" val="0"/>
                   </a:ext>
                 </a:extLst>
               </a:blip>
@@ -29831,14 +29798,14 @@
               <a:effectLst/>
               <a:extLst>
                 <a:ext uri="{909E8E84-426E-40DD-AFC4-6F175D3DCCD1}">
-                  <a14:hiddenFill xmlns:a14="http://schemas.microsoft.com/office/drawing/2010/main">
+                  <a14:hiddenFill xmlns:a14="http://schemas.microsoft.com/office/drawing/2010/main" xmlns="">
                     <a:solidFill>
                       <a:schemeClr val="accent1"/>
                     </a:solidFill>
                   </a14:hiddenFill>
                 </a:ext>
                 <a:ext uri="{91240B29-F687-4F45-9708-019B960494DF}">
-                  <a14:hiddenLine xmlns:a14="http://schemas.microsoft.com/office/drawing/2010/main" w="9525">
+                  <a14:hiddenLine xmlns:a14="http://schemas.microsoft.com/office/drawing/2010/main" xmlns="" w="9525">
                     <a:solidFill>
                       <a:schemeClr val="tx1"/>
                     </a:solidFill>
@@ -29848,7 +29815,7 @@
                   </a14:hiddenLine>
                 </a:ext>
                 <a:ext uri="{AF507438-7753-43E0-B8FC-AC1667EBCBE1}">
-                  <a14:hiddenEffects xmlns:a14="http://schemas.microsoft.com/office/drawing/2010/main">
+                  <a14:hiddenEffects xmlns:a14="http://schemas.microsoft.com/office/drawing/2010/main" xmlns="">
                     <a:effectLst>
                       <a:outerShdw dist="35921" dir="2700000" algn="ctr" rotWithShape="0">
                         <a:schemeClr val="bg2"/>
@@ -29868,10 +29835,10 @@
               <p:nvPr/>
             </p:nvPicPr>
             <p:blipFill>
-              <a:blip r:embed="rId7">
+              <a:blip r:embed="rId7" cstate="print">
                 <a:extLst>
                   <a:ext uri="{28A0092B-C50C-407E-A947-70E740481C1C}">
-                    <a14:useLocalDpi xmlns:a14="http://schemas.microsoft.com/office/drawing/2010/main" val="0"/>
+                    <a14:useLocalDpi xmlns:a14="http://schemas.microsoft.com/office/drawing/2010/main" xmlns="" val="0"/>
                   </a:ext>
                 </a:extLst>
               </a:blip>
@@ -29895,14 +29862,14 @@
               <a:effectLst/>
               <a:extLst>
                 <a:ext uri="{909E8E84-426E-40DD-AFC4-6F175D3DCCD1}">
-                  <a14:hiddenFill xmlns:a14="http://schemas.microsoft.com/office/drawing/2010/main">
+                  <a14:hiddenFill xmlns:a14="http://schemas.microsoft.com/office/drawing/2010/main" xmlns="">
                     <a:solidFill>
                       <a:schemeClr val="accent1"/>
                     </a:solidFill>
                   </a14:hiddenFill>
                 </a:ext>
                 <a:ext uri="{91240B29-F687-4F45-9708-019B960494DF}">
-                  <a14:hiddenLine xmlns:a14="http://schemas.microsoft.com/office/drawing/2010/main" w="9525">
+                  <a14:hiddenLine xmlns:a14="http://schemas.microsoft.com/office/drawing/2010/main" xmlns="" w="9525">
                     <a:solidFill>
                       <a:schemeClr val="tx1"/>
                     </a:solidFill>
@@ -29912,7 +29879,7 @@
                   </a14:hiddenLine>
                 </a:ext>
                 <a:ext uri="{AF507438-7753-43E0-B8FC-AC1667EBCBE1}">
-                  <a14:hiddenEffects xmlns:a14="http://schemas.microsoft.com/office/drawing/2010/main">
+                  <a14:hiddenEffects xmlns:a14="http://schemas.microsoft.com/office/drawing/2010/main" xmlns="">
                     <a:effectLst>
                       <a:outerShdw dist="35921" dir="2700000" algn="ctr" rotWithShape="0">
                         <a:schemeClr val="bg2"/>
@@ -30116,10 +30083,10 @@
                 <p:nvPr/>
               </p:nvPicPr>
               <p:blipFill>
-                <a:blip r:embed="rId4">
+                <a:blip r:embed="rId4" cstate="print">
                   <a:extLst>
                     <a:ext uri="{28A0092B-C50C-407E-A947-70E740481C1C}">
-                      <a14:useLocalDpi xmlns:a14="http://schemas.microsoft.com/office/drawing/2010/main" val="0"/>
+                      <a14:useLocalDpi xmlns:a14="http://schemas.microsoft.com/office/drawing/2010/main" xmlns="" val="0"/>
                     </a:ext>
                   </a:extLst>
                 </a:blip>
@@ -30143,14 +30110,14 @@
                 <a:effectLst/>
                 <a:extLst>
                   <a:ext uri="{909E8E84-426E-40DD-AFC4-6F175D3DCCD1}">
-                    <a14:hiddenFill xmlns:a14="http://schemas.microsoft.com/office/drawing/2010/main">
+                    <a14:hiddenFill xmlns:a14="http://schemas.microsoft.com/office/drawing/2010/main" xmlns="">
                       <a:solidFill>
                         <a:schemeClr val="accent1"/>
                       </a:solidFill>
                     </a14:hiddenFill>
                   </a:ext>
                   <a:ext uri="{91240B29-F687-4F45-9708-019B960494DF}">
-                    <a14:hiddenLine xmlns:a14="http://schemas.microsoft.com/office/drawing/2010/main" w="9525">
+                    <a14:hiddenLine xmlns:a14="http://schemas.microsoft.com/office/drawing/2010/main" xmlns="" w="9525">
                       <a:solidFill>
                         <a:schemeClr val="tx1"/>
                       </a:solidFill>
@@ -30160,7 +30127,7 @@
                     </a14:hiddenLine>
                   </a:ext>
                   <a:ext uri="{AF507438-7753-43E0-B8FC-AC1667EBCBE1}">
-                    <a14:hiddenEffects xmlns:a14="http://schemas.microsoft.com/office/drawing/2010/main">
+                    <a14:hiddenEffects xmlns:a14="http://schemas.microsoft.com/office/drawing/2010/main" xmlns="">
                       <a:effectLst>
                         <a:outerShdw dist="35921" dir="2700000" algn="ctr" rotWithShape="0">
                           <a:schemeClr val="bg2"/>
@@ -30225,10 +30192,10 @@
                 <p:nvPr/>
               </p:nvPicPr>
               <p:blipFill>
-                <a:blip r:embed="rId6">
+                <a:blip r:embed="rId6" cstate="print">
                   <a:extLst>
                     <a:ext uri="{28A0092B-C50C-407E-A947-70E740481C1C}">
-                      <a14:useLocalDpi xmlns:a14="http://schemas.microsoft.com/office/drawing/2010/main" val="0"/>
+                      <a14:useLocalDpi xmlns:a14="http://schemas.microsoft.com/office/drawing/2010/main" xmlns="" val="0"/>
                     </a:ext>
                   </a:extLst>
                 </a:blip>
@@ -30252,14 +30219,14 @@
                 <a:effectLst/>
                 <a:extLst>
                   <a:ext uri="{909E8E84-426E-40DD-AFC4-6F175D3DCCD1}">
-                    <a14:hiddenFill xmlns:a14="http://schemas.microsoft.com/office/drawing/2010/main">
+                    <a14:hiddenFill xmlns:a14="http://schemas.microsoft.com/office/drawing/2010/main" xmlns="">
                       <a:solidFill>
                         <a:schemeClr val="accent1"/>
                       </a:solidFill>
                     </a14:hiddenFill>
                   </a:ext>
                   <a:ext uri="{91240B29-F687-4F45-9708-019B960494DF}">
-                    <a14:hiddenLine xmlns:a14="http://schemas.microsoft.com/office/drawing/2010/main" w="9525">
+                    <a14:hiddenLine xmlns:a14="http://schemas.microsoft.com/office/drawing/2010/main" xmlns="" w="9525">
                       <a:solidFill>
                         <a:schemeClr val="tx1"/>
                       </a:solidFill>
@@ -30269,7 +30236,7 @@
                     </a14:hiddenLine>
                   </a:ext>
                   <a:ext uri="{AF507438-7753-43E0-B8FC-AC1667EBCBE1}">
-                    <a14:hiddenEffects xmlns:a14="http://schemas.microsoft.com/office/drawing/2010/main">
+                    <a14:hiddenEffects xmlns:a14="http://schemas.microsoft.com/office/drawing/2010/main" xmlns="">
                       <a:effectLst>
                         <a:outerShdw dist="35921" dir="2700000" algn="ctr" rotWithShape="0">
                           <a:schemeClr val="bg2"/>
@@ -30290,10 +30257,10 @@
               <p:nvPr/>
             </p:nvPicPr>
             <p:blipFill>
-              <a:blip r:embed="rId7">
+              <a:blip r:embed="rId7" cstate="print">
                 <a:extLst>
                   <a:ext uri="{28A0092B-C50C-407E-A947-70E740481C1C}">
-                    <a14:useLocalDpi xmlns:a14="http://schemas.microsoft.com/office/drawing/2010/main" val="0"/>
+                    <a14:useLocalDpi xmlns:a14="http://schemas.microsoft.com/office/drawing/2010/main" xmlns="" val="0"/>
                   </a:ext>
                 </a:extLst>
               </a:blip>
@@ -30317,14 +30284,14 @@
               <a:effectLst/>
               <a:extLst>
                 <a:ext uri="{909E8E84-426E-40DD-AFC4-6F175D3DCCD1}">
-                  <a14:hiddenFill xmlns:a14="http://schemas.microsoft.com/office/drawing/2010/main">
+                  <a14:hiddenFill xmlns:a14="http://schemas.microsoft.com/office/drawing/2010/main" xmlns="">
                     <a:solidFill>
                       <a:schemeClr val="accent1"/>
                     </a:solidFill>
                   </a14:hiddenFill>
                 </a:ext>
                 <a:ext uri="{91240B29-F687-4F45-9708-019B960494DF}">
-                  <a14:hiddenLine xmlns:a14="http://schemas.microsoft.com/office/drawing/2010/main" w="9525">
+                  <a14:hiddenLine xmlns:a14="http://schemas.microsoft.com/office/drawing/2010/main" xmlns="" w="9525">
                     <a:solidFill>
                       <a:schemeClr val="tx1"/>
                     </a:solidFill>
@@ -30334,7 +30301,7 @@
                   </a14:hiddenLine>
                 </a:ext>
                 <a:ext uri="{AF507438-7753-43E0-B8FC-AC1667EBCBE1}">
-                  <a14:hiddenEffects xmlns:a14="http://schemas.microsoft.com/office/drawing/2010/main">
+                  <a14:hiddenEffects xmlns:a14="http://schemas.microsoft.com/office/drawing/2010/main" xmlns="">
                     <a:effectLst>
                       <a:outerShdw dist="35921" dir="2700000" algn="ctr" rotWithShape="0">
                         <a:schemeClr val="bg2"/>
@@ -30354,10 +30321,10 @@
               <p:nvPr/>
             </p:nvPicPr>
             <p:blipFill>
-              <a:blip r:embed="rId7">
+              <a:blip r:embed="rId7" cstate="print">
                 <a:extLst>
                   <a:ext uri="{28A0092B-C50C-407E-A947-70E740481C1C}">
-                    <a14:useLocalDpi xmlns:a14="http://schemas.microsoft.com/office/drawing/2010/main" val="0"/>
+                    <a14:useLocalDpi xmlns:a14="http://schemas.microsoft.com/office/drawing/2010/main" xmlns="" val="0"/>
                   </a:ext>
                 </a:extLst>
               </a:blip>
@@ -30381,14 +30348,14 @@
               <a:effectLst/>
               <a:extLst>
                 <a:ext uri="{909E8E84-426E-40DD-AFC4-6F175D3DCCD1}">
-                  <a14:hiddenFill xmlns:a14="http://schemas.microsoft.com/office/drawing/2010/main">
+                  <a14:hiddenFill xmlns:a14="http://schemas.microsoft.com/office/drawing/2010/main" xmlns="">
                     <a:solidFill>
                       <a:schemeClr val="accent1"/>
                     </a:solidFill>
                   </a14:hiddenFill>
                 </a:ext>
                 <a:ext uri="{91240B29-F687-4F45-9708-019B960494DF}">
-                  <a14:hiddenLine xmlns:a14="http://schemas.microsoft.com/office/drawing/2010/main" w="9525">
+                  <a14:hiddenLine xmlns:a14="http://schemas.microsoft.com/office/drawing/2010/main" xmlns="" w="9525">
                     <a:solidFill>
                       <a:schemeClr val="tx1"/>
                     </a:solidFill>
@@ -30398,7 +30365,7 @@
                   </a14:hiddenLine>
                 </a:ext>
                 <a:ext uri="{AF507438-7753-43E0-B8FC-AC1667EBCBE1}">
-                  <a14:hiddenEffects xmlns:a14="http://schemas.microsoft.com/office/drawing/2010/main">
+                  <a14:hiddenEffects xmlns:a14="http://schemas.microsoft.com/office/drawing/2010/main" xmlns="">
                     <a:effectLst>
                       <a:outerShdw dist="35921" dir="2700000" algn="ctr" rotWithShape="0">
                         <a:schemeClr val="bg2"/>
@@ -30418,10 +30385,10 @@
               <p:nvPr/>
             </p:nvPicPr>
             <p:blipFill>
-              <a:blip r:embed="rId7">
+              <a:blip r:embed="rId7" cstate="print">
                 <a:extLst>
                   <a:ext uri="{28A0092B-C50C-407E-A947-70E740481C1C}">
-                    <a14:useLocalDpi xmlns:a14="http://schemas.microsoft.com/office/drawing/2010/main" val="0"/>
+                    <a14:useLocalDpi xmlns:a14="http://schemas.microsoft.com/office/drawing/2010/main" xmlns="" val="0"/>
                   </a:ext>
                 </a:extLst>
               </a:blip>
@@ -30445,14 +30412,14 @@
               <a:effectLst/>
               <a:extLst>
                 <a:ext uri="{909E8E84-426E-40DD-AFC4-6F175D3DCCD1}">
-                  <a14:hiddenFill xmlns:a14="http://schemas.microsoft.com/office/drawing/2010/main">
+                  <a14:hiddenFill xmlns:a14="http://schemas.microsoft.com/office/drawing/2010/main" xmlns="">
                     <a:solidFill>
                       <a:schemeClr val="accent1"/>
                     </a:solidFill>
                   </a14:hiddenFill>
                 </a:ext>
                 <a:ext uri="{91240B29-F687-4F45-9708-019B960494DF}">
-                  <a14:hiddenLine xmlns:a14="http://schemas.microsoft.com/office/drawing/2010/main" w="9525">
+                  <a14:hiddenLine xmlns:a14="http://schemas.microsoft.com/office/drawing/2010/main" xmlns="" w="9525">
                     <a:solidFill>
                       <a:schemeClr val="tx1"/>
                     </a:solidFill>
@@ -30462,7 +30429,7 @@
                   </a14:hiddenLine>
                 </a:ext>
                 <a:ext uri="{AF507438-7753-43E0-B8FC-AC1667EBCBE1}">
-                  <a14:hiddenEffects xmlns:a14="http://schemas.microsoft.com/office/drawing/2010/main">
+                  <a14:hiddenEffects xmlns:a14="http://schemas.microsoft.com/office/drawing/2010/main" xmlns="">
                     <a:effectLst>
                       <a:outerShdw dist="35921" dir="2700000" algn="ctr" rotWithShape="0">
                         <a:schemeClr val="bg2"/>
@@ -30483,10 +30450,10 @@
             <p:nvPr/>
           </p:nvPicPr>
           <p:blipFill>
-            <a:blip r:embed="rId8">
+            <a:blip r:embed="rId8" cstate="print">
               <a:extLst>
                 <a:ext uri="{28A0092B-C50C-407E-A947-70E740481C1C}">
-                  <a14:useLocalDpi xmlns:a14="http://schemas.microsoft.com/office/drawing/2010/main" val="0"/>
+                  <a14:useLocalDpi xmlns:a14="http://schemas.microsoft.com/office/drawing/2010/main" xmlns="" val="0"/>
                 </a:ext>
               </a:extLst>
             </a:blip>
@@ -30510,14 +30477,14 @@
             <a:effectLst/>
             <a:extLst>
               <a:ext uri="{909E8E84-426E-40DD-AFC4-6F175D3DCCD1}">
-                <a14:hiddenFill xmlns:a14="http://schemas.microsoft.com/office/drawing/2010/main">
+                <a14:hiddenFill xmlns:a14="http://schemas.microsoft.com/office/drawing/2010/main" xmlns="">
                   <a:solidFill>
                     <a:schemeClr val="accent1"/>
                   </a:solidFill>
                 </a14:hiddenFill>
               </a:ext>
               <a:ext uri="{91240B29-F687-4F45-9708-019B960494DF}">
-                <a14:hiddenLine xmlns:a14="http://schemas.microsoft.com/office/drawing/2010/main" w="9525">
+                <a14:hiddenLine xmlns:a14="http://schemas.microsoft.com/office/drawing/2010/main" xmlns="" w="9525">
                   <a:solidFill>
                     <a:schemeClr val="tx1"/>
                   </a:solidFill>
@@ -30527,7 +30494,7 @@
                 </a14:hiddenLine>
               </a:ext>
               <a:ext uri="{AF507438-7753-43E0-B8FC-AC1667EBCBE1}">
-                <a14:hiddenEffects xmlns:a14="http://schemas.microsoft.com/office/drawing/2010/main">
+                <a14:hiddenEffects xmlns:a14="http://schemas.microsoft.com/office/drawing/2010/main" xmlns="">
                   <a:effectLst>
                     <a:outerShdw dist="35921" dir="2700000" algn="ctr" rotWithShape="0">
                       <a:schemeClr val="bg2"/>
@@ -30547,10 +30514,10 @@
             <p:nvPr/>
           </p:nvPicPr>
           <p:blipFill>
-            <a:blip r:embed="rId7">
+            <a:blip r:embed="rId7" cstate="print">
               <a:extLst>
                 <a:ext uri="{28A0092B-C50C-407E-A947-70E740481C1C}">
-                  <a14:useLocalDpi xmlns:a14="http://schemas.microsoft.com/office/drawing/2010/main" val="0"/>
+                  <a14:useLocalDpi xmlns:a14="http://schemas.microsoft.com/office/drawing/2010/main" xmlns="" val="0"/>
                 </a:ext>
               </a:extLst>
             </a:blip>
@@ -30574,14 +30541,14 @@
             <a:effectLst/>
             <a:extLst>
               <a:ext uri="{909E8E84-426E-40DD-AFC4-6F175D3DCCD1}">
-                <a14:hiddenFill xmlns:a14="http://schemas.microsoft.com/office/drawing/2010/main">
+                <a14:hiddenFill xmlns:a14="http://schemas.microsoft.com/office/drawing/2010/main" xmlns="">
                   <a:solidFill>
                     <a:schemeClr val="accent1"/>
                   </a:solidFill>
                 </a14:hiddenFill>
               </a:ext>
               <a:ext uri="{91240B29-F687-4F45-9708-019B960494DF}">
-                <a14:hiddenLine xmlns:a14="http://schemas.microsoft.com/office/drawing/2010/main" w="9525">
+                <a14:hiddenLine xmlns:a14="http://schemas.microsoft.com/office/drawing/2010/main" xmlns="" w="9525">
                   <a:solidFill>
                     <a:schemeClr val="tx1"/>
                   </a:solidFill>
@@ -30591,7 +30558,7 @@
                 </a14:hiddenLine>
               </a:ext>
               <a:ext uri="{AF507438-7753-43E0-B8FC-AC1667EBCBE1}">
-                <a14:hiddenEffects xmlns:a14="http://schemas.microsoft.com/office/drawing/2010/main">
+                <a14:hiddenEffects xmlns:a14="http://schemas.microsoft.com/office/drawing/2010/main" xmlns="">
                   <a:effectLst>
                     <a:outerShdw dist="35921" dir="2700000" algn="ctr" rotWithShape="0">
                       <a:schemeClr val="bg2"/>
@@ -30611,10 +30578,10 @@
             <p:nvPr/>
           </p:nvPicPr>
           <p:blipFill>
-            <a:blip r:embed="rId3">
+            <a:blip r:embed="rId3" cstate="print">
               <a:extLst>
                 <a:ext uri="{28A0092B-C50C-407E-A947-70E740481C1C}">
-                  <a14:useLocalDpi xmlns:a14="http://schemas.microsoft.com/office/drawing/2010/main" val="0"/>
+                  <a14:useLocalDpi xmlns:a14="http://schemas.microsoft.com/office/drawing/2010/main" xmlns="" val="0"/>
                 </a:ext>
               </a:extLst>
             </a:blip>
@@ -30638,14 +30605,14 @@
             <a:effectLst/>
             <a:extLst>
               <a:ext uri="{909E8E84-426E-40DD-AFC4-6F175D3DCCD1}">
-                <a14:hiddenFill xmlns:a14="http://schemas.microsoft.com/office/drawing/2010/main">
+                <a14:hiddenFill xmlns:a14="http://schemas.microsoft.com/office/drawing/2010/main" xmlns="">
                   <a:solidFill>
                     <a:schemeClr val="accent1"/>
                   </a:solidFill>
                 </a14:hiddenFill>
               </a:ext>
               <a:ext uri="{91240B29-F687-4F45-9708-019B960494DF}">
-                <a14:hiddenLine xmlns:a14="http://schemas.microsoft.com/office/drawing/2010/main" w="9525">
+                <a14:hiddenLine xmlns:a14="http://schemas.microsoft.com/office/drawing/2010/main" xmlns="" w="9525">
                   <a:solidFill>
                     <a:schemeClr val="tx1"/>
                   </a:solidFill>
@@ -30655,7 +30622,7 @@
                 </a14:hiddenLine>
               </a:ext>
               <a:ext uri="{AF507438-7753-43E0-B8FC-AC1667EBCBE1}">
-                <a14:hiddenEffects xmlns:a14="http://schemas.microsoft.com/office/drawing/2010/main">
+                <a14:hiddenEffects xmlns:a14="http://schemas.microsoft.com/office/drawing/2010/main" xmlns="">
                   <a:effectLst>
                     <a:outerShdw dist="35921" dir="2700000" algn="ctr" rotWithShape="0">
                       <a:schemeClr val="bg2"/>
@@ -30858,10 +30825,10 @@
                 <p:nvPr/>
               </p:nvPicPr>
               <p:blipFill>
-                <a:blip r:embed="rId3">
+                <a:blip r:embed="rId3" cstate="print">
                   <a:extLst>
                     <a:ext uri="{28A0092B-C50C-407E-A947-70E740481C1C}">
-                      <a14:useLocalDpi xmlns:a14="http://schemas.microsoft.com/office/drawing/2010/main" val="0"/>
+                      <a14:useLocalDpi xmlns:a14="http://schemas.microsoft.com/office/drawing/2010/main" xmlns="" val="0"/>
                     </a:ext>
                   </a:extLst>
                 </a:blip>
@@ -30885,14 +30852,14 @@
                 <a:effectLst/>
                 <a:extLst>
                   <a:ext uri="{909E8E84-426E-40DD-AFC4-6F175D3DCCD1}">
-                    <a14:hiddenFill xmlns:a14="http://schemas.microsoft.com/office/drawing/2010/main">
+                    <a14:hiddenFill xmlns:a14="http://schemas.microsoft.com/office/drawing/2010/main" xmlns="">
                       <a:solidFill>
                         <a:schemeClr val="accent1"/>
                       </a:solidFill>
                     </a14:hiddenFill>
                   </a:ext>
                   <a:ext uri="{91240B29-F687-4F45-9708-019B960494DF}">
-                    <a14:hiddenLine xmlns:a14="http://schemas.microsoft.com/office/drawing/2010/main" w="9525">
+                    <a14:hiddenLine xmlns:a14="http://schemas.microsoft.com/office/drawing/2010/main" xmlns="" w="9525">
                       <a:solidFill>
                         <a:schemeClr val="tx1"/>
                       </a:solidFill>
@@ -30902,7 +30869,7 @@
                     </a14:hiddenLine>
                   </a:ext>
                   <a:ext uri="{AF507438-7753-43E0-B8FC-AC1667EBCBE1}">
-                    <a14:hiddenEffects xmlns:a14="http://schemas.microsoft.com/office/drawing/2010/main">
+                    <a14:hiddenEffects xmlns:a14="http://schemas.microsoft.com/office/drawing/2010/main" xmlns="">
                       <a:effectLst>
                         <a:outerShdw dist="35921" dir="2700000" algn="ctr" rotWithShape="0">
                           <a:schemeClr val="bg2"/>
@@ -30922,10 +30889,10 @@
                 <p:nvPr/>
               </p:nvPicPr>
               <p:blipFill>
-                <a:blip r:embed="rId4">
+                <a:blip r:embed="rId4" cstate="print">
                   <a:extLst>
                     <a:ext uri="{28A0092B-C50C-407E-A947-70E740481C1C}">
-                      <a14:useLocalDpi xmlns:a14="http://schemas.microsoft.com/office/drawing/2010/main" val="0"/>
+                      <a14:useLocalDpi xmlns:a14="http://schemas.microsoft.com/office/drawing/2010/main" xmlns="" val="0"/>
                     </a:ext>
                   </a:extLst>
                 </a:blip>
@@ -30949,14 +30916,14 @@
                 <a:effectLst/>
                 <a:extLst>
                   <a:ext uri="{909E8E84-426E-40DD-AFC4-6F175D3DCCD1}">
-                    <a14:hiddenFill xmlns:a14="http://schemas.microsoft.com/office/drawing/2010/main">
+                    <a14:hiddenFill xmlns:a14="http://schemas.microsoft.com/office/drawing/2010/main" xmlns="">
                       <a:solidFill>
                         <a:schemeClr val="accent1"/>
                       </a:solidFill>
                     </a14:hiddenFill>
                   </a:ext>
                   <a:ext uri="{91240B29-F687-4F45-9708-019B960494DF}">
-                    <a14:hiddenLine xmlns:a14="http://schemas.microsoft.com/office/drawing/2010/main" w="9525">
+                    <a14:hiddenLine xmlns:a14="http://schemas.microsoft.com/office/drawing/2010/main" xmlns="" w="9525">
                       <a:solidFill>
                         <a:schemeClr val="tx1"/>
                       </a:solidFill>
@@ -30966,7 +30933,7 @@
                     </a14:hiddenLine>
                   </a:ext>
                   <a:ext uri="{AF507438-7753-43E0-B8FC-AC1667EBCBE1}">
-                    <a14:hiddenEffects xmlns:a14="http://schemas.microsoft.com/office/drawing/2010/main">
+                    <a14:hiddenEffects xmlns:a14="http://schemas.microsoft.com/office/drawing/2010/main" xmlns="">
                       <a:effectLst>
                         <a:outerShdw dist="35921" dir="2700000" algn="ctr" rotWithShape="0">
                           <a:schemeClr val="bg2"/>
@@ -31046,10 +31013,10 @@
                 <p:nvPr/>
               </p:nvPicPr>
               <p:blipFill>
-                <a:blip r:embed="rId7">
+                <a:blip r:embed="rId7" cstate="print">
                   <a:extLst>
                     <a:ext uri="{28A0092B-C50C-407E-A947-70E740481C1C}">
-                      <a14:useLocalDpi xmlns:a14="http://schemas.microsoft.com/office/drawing/2010/main" val="0"/>
+                      <a14:useLocalDpi xmlns:a14="http://schemas.microsoft.com/office/drawing/2010/main" xmlns="" val="0"/>
                     </a:ext>
                   </a:extLst>
                 </a:blip>
@@ -31073,14 +31040,14 @@
                 <a:effectLst/>
                 <a:extLst>
                   <a:ext uri="{909E8E84-426E-40DD-AFC4-6F175D3DCCD1}">
-                    <a14:hiddenFill xmlns:a14="http://schemas.microsoft.com/office/drawing/2010/main">
+                    <a14:hiddenFill xmlns:a14="http://schemas.microsoft.com/office/drawing/2010/main" xmlns="">
                       <a:solidFill>
                         <a:schemeClr val="accent1"/>
                       </a:solidFill>
                     </a14:hiddenFill>
                   </a:ext>
                   <a:ext uri="{91240B29-F687-4F45-9708-019B960494DF}">
-                    <a14:hiddenLine xmlns:a14="http://schemas.microsoft.com/office/drawing/2010/main" w="9525">
+                    <a14:hiddenLine xmlns:a14="http://schemas.microsoft.com/office/drawing/2010/main" xmlns="" w="9525">
                       <a:solidFill>
                         <a:schemeClr val="tx1"/>
                       </a:solidFill>
@@ -31090,7 +31057,7 @@
                     </a14:hiddenLine>
                   </a:ext>
                   <a:ext uri="{AF507438-7753-43E0-B8FC-AC1667EBCBE1}">
-                    <a14:hiddenEffects xmlns:a14="http://schemas.microsoft.com/office/drawing/2010/main">
+                    <a14:hiddenEffects xmlns:a14="http://schemas.microsoft.com/office/drawing/2010/main" xmlns="">
                       <a:effectLst>
                         <a:outerShdw dist="35921" dir="2700000" algn="ctr" rotWithShape="0">
                           <a:schemeClr val="bg2"/>
@@ -31110,10 +31077,10 @@
                 <p:nvPr/>
               </p:nvPicPr>
               <p:blipFill>
-                <a:blip r:embed="rId7">
+                <a:blip r:embed="rId7" cstate="print">
                   <a:extLst>
                     <a:ext uri="{28A0092B-C50C-407E-A947-70E740481C1C}">
-                      <a14:useLocalDpi xmlns:a14="http://schemas.microsoft.com/office/drawing/2010/main" val="0"/>
+                      <a14:useLocalDpi xmlns:a14="http://schemas.microsoft.com/office/drawing/2010/main" xmlns="" val="0"/>
                     </a:ext>
                   </a:extLst>
                 </a:blip>
@@ -31137,14 +31104,14 @@
                 <a:effectLst/>
                 <a:extLst>
                   <a:ext uri="{909E8E84-426E-40DD-AFC4-6F175D3DCCD1}">
-                    <a14:hiddenFill xmlns:a14="http://schemas.microsoft.com/office/drawing/2010/main">
+                    <a14:hiddenFill xmlns:a14="http://schemas.microsoft.com/office/drawing/2010/main" xmlns="">
                       <a:solidFill>
                         <a:schemeClr val="accent1"/>
                       </a:solidFill>
                     </a14:hiddenFill>
                   </a:ext>
                   <a:ext uri="{91240B29-F687-4F45-9708-019B960494DF}">
-                    <a14:hiddenLine xmlns:a14="http://schemas.microsoft.com/office/drawing/2010/main" w="9525">
+                    <a14:hiddenLine xmlns:a14="http://schemas.microsoft.com/office/drawing/2010/main" xmlns="" w="9525">
                       <a:solidFill>
                         <a:schemeClr val="tx1"/>
                       </a:solidFill>
@@ -31154,7 +31121,7 @@
                     </a14:hiddenLine>
                   </a:ext>
                   <a:ext uri="{AF507438-7753-43E0-B8FC-AC1667EBCBE1}">
-                    <a14:hiddenEffects xmlns:a14="http://schemas.microsoft.com/office/drawing/2010/main">
+                    <a14:hiddenEffects xmlns:a14="http://schemas.microsoft.com/office/drawing/2010/main" xmlns="">
                       <a:effectLst>
                         <a:outerShdw dist="35921" dir="2700000" algn="ctr" rotWithShape="0">
                           <a:schemeClr val="bg2"/>
@@ -31174,10 +31141,10 @@
                 <p:nvPr/>
               </p:nvPicPr>
               <p:blipFill>
-                <a:blip r:embed="rId6">
+                <a:blip r:embed="rId6" cstate="print">
                   <a:extLst>
                     <a:ext uri="{28A0092B-C50C-407E-A947-70E740481C1C}">
-                      <a14:useLocalDpi xmlns:a14="http://schemas.microsoft.com/office/drawing/2010/main" val="0"/>
+                      <a14:useLocalDpi xmlns:a14="http://schemas.microsoft.com/office/drawing/2010/main" xmlns="" val="0"/>
                     </a:ext>
                   </a:extLst>
                 </a:blip>
@@ -31201,14 +31168,14 @@
                 <a:effectLst/>
                 <a:extLst>
                   <a:ext uri="{909E8E84-426E-40DD-AFC4-6F175D3DCCD1}">
-                    <a14:hiddenFill xmlns:a14="http://schemas.microsoft.com/office/drawing/2010/main">
+                    <a14:hiddenFill xmlns:a14="http://schemas.microsoft.com/office/drawing/2010/main" xmlns="">
                       <a:solidFill>
                         <a:schemeClr val="accent1"/>
                       </a:solidFill>
                     </a14:hiddenFill>
                   </a:ext>
                   <a:ext uri="{91240B29-F687-4F45-9708-019B960494DF}">
-                    <a14:hiddenLine xmlns:a14="http://schemas.microsoft.com/office/drawing/2010/main" w="9525">
+                    <a14:hiddenLine xmlns:a14="http://schemas.microsoft.com/office/drawing/2010/main" xmlns="" w="9525">
                       <a:solidFill>
                         <a:schemeClr val="tx1"/>
                       </a:solidFill>
@@ -31218,7 +31185,7 @@
                     </a14:hiddenLine>
                   </a:ext>
                   <a:ext uri="{AF507438-7753-43E0-B8FC-AC1667EBCBE1}">
-                    <a14:hiddenEffects xmlns:a14="http://schemas.microsoft.com/office/drawing/2010/main">
+                    <a14:hiddenEffects xmlns:a14="http://schemas.microsoft.com/office/drawing/2010/main" xmlns="">
                       <a:effectLst>
                         <a:outerShdw dist="35921" dir="2700000" algn="ctr" rotWithShape="0">
                           <a:schemeClr val="bg2"/>
@@ -31238,10 +31205,10 @@
                 <p:nvPr/>
               </p:nvPicPr>
               <p:blipFill>
-                <a:blip r:embed="rId6">
+                <a:blip r:embed="rId6" cstate="print">
                   <a:extLst>
                     <a:ext uri="{28A0092B-C50C-407E-A947-70E740481C1C}">
-                      <a14:useLocalDpi xmlns:a14="http://schemas.microsoft.com/office/drawing/2010/main" val="0"/>
+                      <a14:useLocalDpi xmlns:a14="http://schemas.microsoft.com/office/drawing/2010/main" xmlns="" val="0"/>
                     </a:ext>
                   </a:extLst>
                 </a:blip>
@@ -31265,14 +31232,14 @@
                 <a:effectLst/>
                 <a:extLst>
                   <a:ext uri="{909E8E84-426E-40DD-AFC4-6F175D3DCCD1}">
-                    <a14:hiddenFill xmlns:a14="http://schemas.microsoft.com/office/drawing/2010/main">
+                    <a14:hiddenFill xmlns:a14="http://schemas.microsoft.com/office/drawing/2010/main" xmlns="">
                       <a:solidFill>
                         <a:schemeClr val="accent1"/>
                       </a:solidFill>
                     </a14:hiddenFill>
                   </a:ext>
                   <a:ext uri="{91240B29-F687-4F45-9708-019B960494DF}">
-                    <a14:hiddenLine xmlns:a14="http://schemas.microsoft.com/office/drawing/2010/main" w="9525">
+                    <a14:hiddenLine xmlns:a14="http://schemas.microsoft.com/office/drawing/2010/main" xmlns="" w="9525">
                       <a:solidFill>
                         <a:schemeClr val="tx1"/>
                       </a:solidFill>
@@ -31282,7 +31249,7 @@
                     </a14:hiddenLine>
                   </a:ext>
                   <a:ext uri="{AF507438-7753-43E0-B8FC-AC1667EBCBE1}">
-                    <a14:hiddenEffects xmlns:a14="http://schemas.microsoft.com/office/drawing/2010/main">
+                    <a14:hiddenEffects xmlns:a14="http://schemas.microsoft.com/office/drawing/2010/main" xmlns="">
                       <a:effectLst>
                         <a:outerShdw dist="35921" dir="2700000" algn="ctr" rotWithShape="0">
                           <a:schemeClr val="bg2"/>
@@ -31302,10 +31269,10 @@
                 <p:nvPr/>
               </p:nvPicPr>
               <p:blipFill>
-                <a:blip r:embed="rId6">
+                <a:blip r:embed="rId6" cstate="print">
                   <a:extLst>
                     <a:ext uri="{28A0092B-C50C-407E-A947-70E740481C1C}">
-                      <a14:useLocalDpi xmlns:a14="http://schemas.microsoft.com/office/drawing/2010/main" val="0"/>
+                      <a14:useLocalDpi xmlns:a14="http://schemas.microsoft.com/office/drawing/2010/main" xmlns="" val="0"/>
                     </a:ext>
                   </a:extLst>
                 </a:blip>
@@ -31329,14 +31296,14 @@
                 <a:effectLst/>
                 <a:extLst>
                   <a:ext uri="{909E8E84-426E-40DD-AFC4-6F175D3DCCD1}">
-                    <a14:hiddenFill xmlns:a14="http://schemas.microsoft.com/office/drawing/2010/main">
+                    <a14:hiddenFill xmlns:a14="http://schemas.microsoft.com/office/drawing/2010/main" xmlns="">
                       <a:solidFill>
                         <a:schemeClr val="accent1"/>
                       </a:solidFill>
                     </a14:hiddenFill>
                   </a:ext>
                   <a:ext uri="{91240B29-F687-4F45-9708-019B960494DF}">
-                    <a14:hiddenLine xmlns:a14="http://schemas.microsoft.com/office/drawing/2010/main" w="9525">
+                    <a14:hiddenLine xmlns:a14="http://schemas.microsoft.com/office/drawing/2010/main" xmlns="" w="9525">
                       <a:solidFill>
                         <a:schemeClr val="tx1"/>
                       </a:solidFill>
@@ -31346,7 +31313,7 @@
                     </a14:hiddenLine>
                   </a:ext>
                   <a:ext uri="{AF507438-7753-43E0-B8FC-AC1667EBCBE1}">
-                    <a14:hiddenEffects xmlns:a14="http://schemas.microsoft.com/office/drawing/2010/main">
+                    <a14:hiddenEffects xmlns:a14="http://schemas.microsoft.com/office/drawing/2010/main" xmlns="">
                       <a:effectLst>
                         <a:outerShdw dist="35921" dir="2700000" algn="ctr" rotWithShape="0">
                           <a:schemeClr val="bg2"/>
@@ -31368,10 +31335,10 @@
             <p:nvPr/>
           </p:nvPicPr>
           <p:blipFill>
-            <a:blip r:embed="rId6">
+            <a:blip r:embed="rId6" cstate="print">
               <a:extLst>
                 <a:ext uri="{28A0092B-C50C-407E-A947-70E740481C1C}">
-                  <a14:useLocalDpi xmlns:a14="http://schemas.microsoft.com/office/drawing/2010/main" val="0"/>
+                  <a14:useLocalDpi xmlns:a14="http://schemas.microsoft.com/office/drawing/2010/main" xmlns="" val="0"/>
                 </a:ext>
               </a:extLst>
             </a:blip>
@@ -31395,14 +31362,14 @@
             <a:effectLst/>
             <a:extLst>
               <a:ext uri="{909E8E84-426E-40DD-AFC4-6F175D3DCCD1}">
-                <a14:hiddenFill xmlns:a14="http://schemas.microsoft.com/office/drawing/2010/main">
+                <a14:hiddenFill xmlns:a14="http://schemas.microsoft.com/office/drawing/2010/main" xmlns="">
                   <a:solidFill>
                     <a:schemeClr val="accent1"/>
                   </a:solidFill>
                 </a14:hiddenFill>
               </a:ext>
               <a:ext uri="{91240B29-F687-4F45-9708-019B960494DF}">
-                <a14:hiddenLine xmlns:a14="http://schemas.microsoft.com/office/drawing/2010/main" w="9525">
+                <a14:hiddenLine xmlns:a14="http://schemas.microsoft.com/office/drawing/2010/main" xmlns="" w="9525">
                   <a:solidFill>
                     <a:schemeClr val="tx1"/>
                   </a:solidFill>
@@ -31412,7 +31379,7 @@
                 </a14:hiddenLine>
               </a:ext>
               <a:ext uri="{AF507438-7753-43E0-B8FC-AC1667EBCBE1}">
-                <a14:hiddenEffects xmlns:a14="http://schemas.microsoft.com/office/drawing/2010/main">
+                <a14:hiddenEffects xmlns:a14="http://schemas.microsoft.com/office/drawing/2010/main" xmlns="">
                   <a:effectLst>
                     <a:outerShdw dist="35921" dir="2700000" algn="ctr" rotWithShape="0">
                       <a:schemeClr val="bg2"/>
@@ -31427,7 +31394,7 @@
     </p:spTree>
     <p:extLst>
       <p:ext uri="{BB962C8B-B14F-4D97-AF65-F5344CB8AC3E}">
-        <p14:creationId xmlns:p14="http://schemas.microsoft.com/office/powerpoint/2010/main" val="1968421232"/>
+        <p14:creationId xmlns:p14="http://schemas.microsoft.com/office/powerpoint/2010/main" xmlns="" val="1968421232"/>
       </p:ext>
     </p:extLst>
   </p:cSld>
@@ -31470,10 +31437,10 @@
           <p:nvPr/>
         </p:nvPicPr>
         <p:blipFill>
-          <a:blip r:embed="rId2">
+          <a:blip r:embed="rId2" cstate="print">
             <a:extLst>
               <a:ext uri="{28A0092B-C50C-407E-A947-70E740481C1C}">
-                <a14:useLocalDpi xmlns:a14="http://schemas.microsoft.com/office/drawing/2010/main" val="0"/>
+                <a14:useLocalDpi xmlns:a14="http://schemas.microsoft.com/office/drawing/2010/main" xmlns="" val="0"/>
               </a:ext>
             </a:extLst>
           </a:blip>
@@ -31497,14 +31464,14 @@
           <a:effectLst/>
           <a:extLst>
             <a:ext uri="{909E8E84-426E-40DD-AFC4-6F175D3DCCD1}">
-              <a14:hiddenFill xmlns:a14="http://schemas.microsoft.com/office/drawing/2010/main">
+              <a14:hiddenFill xmlns:a14="http://schemas.microsoft.com/office/drawing/2010/main" xmlns="">
                 <a:solidFill>
                   <a:schemeClr val="accent1"/>
                 </a:solidFill>
               </a14:hiddenFill>
             </a:ext>
             <a:ext uri="{91240B29-F687-4F45-9708-019B960494DF}">
-              <a14:hiddenLine xmlns:a14="http://schemas.microsoft.com/office/drawing/2010/main" w="9525">
+              <a14:hiddenLine xmlns:a14="http://schemas.microsoft.com/office/drawing/2010/main" xmlns="" w="9525">
                 <a:solidFill>
                   <a:schemeClr val="tx1"/>
                 </a:solidFill>
@@ -31514,7 +31481,7 @@
               </a14:hiddenLine>
             </a:ext>
             <a:ext uri="{AF507438-7753-43E0-B8FC-AC1667EBCBE1}">
-              <a14:hiddenEffects xmlns:a14="http://schemas.microsoft.com/office/drawing/2010/main">
+              <a14:hiddenEffects xmlns:a14="http://schemas.microsoft.com/office/drawing/2010/main" xmlns="">
                 <a:effectLst>
                   <a:outerShdw dist="35921" dir="2700000" algn="ctr" rotWithShape="0">
                     <a:schemeClr val="bg2"/>
@@ -31666,10 +31633,10 @@
           <p:nvPr/>
         </p:nvPicPr>
         <p:blipFill>
-          <a:blip r:embed="rId3">
+          <a:blip r:embed="rId3" cstate="print">
             <a:extLst>
               <a:ext uri="{28A0092B-C50C-407E-A947-70E740481C1C}">
-                <a14:useLocalDpi xmlns:a14="http://schemas.microsoft.com/office/drawing/2010/main" val="0"/>
+                <a14:useLocalDpi xmlns:a14="http://schemas.microsoft.com/office/drawing/2010/main" xmlns="" val="0"/>
               </a:ext>
             </a:extLst>
           </a:blip>
@@ -31689,7 +31656,7 @@
           <a:noFill/>
           <a:extLst>
             <a:ext uri="{909E8E84-426E-40DD-AFC4-6F175D3DCCD1}">
-              <a14:hiddenFill xmlns:a14="http://schemas.microsoft.com/office/drawing/2010/main">
+              <a14:hiddenFill xmlns:a14="http://schemas.microsoft.com/office/drawing/2010/main" xmlns="">
                 <a:solidFill>
                   <a:srgbClr val="FFFFFF"/>
                 </a:solidFill>
@@ -31707,10 +31674,10 @@
           <p:nvPr/>
         </p:nvPicPr>
         <p:blipFill>
-          <a:blip r:embed="rId4">
+          <a:blip r:embed="rId4" cstate="print">
             <a:extLst>
               <a:ext uri="{28A0092B-C50C-407E-A947-70E740481C1C}">
-                <a14:useLocalDpi xmlns:a14="http://schemas.microsoft.com/office/drawing/2010/main" val="0"/>
+                <a14:useLocalDpi xmlns:a14="http://schemas.microsoft.com/office/drawing/2010/main" xmlns="" val="0"/>
               </a:ext>
             </a:extLst>
           </a:blip>
@@ -31739,14 +31706,14 @@
           <a:effectLst/>
           <a:extLst>
             <a:ext uri="{909E8E84-426E-40DD-AFC4-6F175D3DCCD1}">
-              <a14:hiddenFill xmlns:a14="http://schemas.microsoft.com/office/drawing/2010/main">
+              <a14:hiddenFill xmlns:a14="http://schemas.microsoft.com/office/drawing/2010/main" xmlns="">
                 <a:solidFill>
                   <a:schemeClr val="accent1"/>
                 </a:solidFill>
               </a14:hiddenFill>
             </a:ext>
             <a:ext uri="{AF507438-7753-43E0-B8FC-AC1667EBCBE1}">
-              <a14:hiddenEffects xmlns:a14="http://schemas.microsoft.com/office/drawing/2010/main">
+              <a14:hiddenEffects xmlns:a14="http://schemas.microsoft.com/office/drawing/2010/main" xmlns="">
                 <a:effectLst>
                   <a:outerShdw dist="35921" dir="2700000" algn="ctr" rotWithShape="0">
                     <a:schemeClr val="bg2"/>
@@ -31765,8 +31732,8 @@
         </p:nvSpPr>
         <p:spPr>
           <a:xfrm>
-            <a:off x="866774" y="2990850"/>
-            <a:ext cx="7791451" cy="779381"/>
+            <a:off x="504826" y="2990850"/>
+            <a:ext cx="8153400" cy="830997"/>
           </a:xfrm>
           <a:prstGeom prst="rect">
             <a:avLst/>
@@ -31807,7 +31774,23 @@
                 <a:ea typeface="Arial Unicode MS" pitchFamily="34" charset="-128"/>
                 <a:cs typeface="Arial Unicode MS" pitchFamily="34" charset="-128"/>
               </a:rPr>
-              <a:t>Fabien wants to compare the number of accidents that happened last year which </a:t>
+              <a:t>Fabien wants to compare the number of accidents that happened last </a:t>
+            </a:r>
+            <a:r>
+              <a:rPr lang="en-US" sz="1800" kern="0" dirty="0" smtClean="0">
+                <a:latin typeface="Segoe UI Light" panose="020B0502040204020203" pitchFamily="34" charset="0"/>
+                <a:ea typeface="Arial Unicode MS" pitchFamily="34" charset="-128"/>
+                <a:cs typeface="Arial Unicode MS" pitchFamily="34" charset="-128"/>
+              </a:rPr>
+              <a:t>year in France </a:t>
+            </a:r>
+            <a:r>
+              <a:rPr lang="en-US" sz="1800" kern="0" dirty="0" smtClean="0">
+                <a:latin typeface="Segoe UI Light" panose="020B0502040204020203" pitchFamily="34" charset="0"/>
+                <a:ea typeface="Arial Unicode MS" pitchFamily="34" charset="-128"/>
+                <a:cs typeface="Arial Unicode MS" pitchFamily="34" charset="-128"/>
+              </a:rPr>
+              <a:t>which </a:t>
             </a:r>
             <a:r>
               <a:rPr lang="en-US" kern="0" dirty="0" smtClean="0">
@@ -31899,7 +31882,7 @@
     </p:spTree>
     <p:extLst>
       <p:ext uri="{BB962C8B-B14F-4D97-AF65-F5344CB8AC3E}">
-        <p14:creationId xmlns:p14="http://schemas.microsoft.com/office/powerpoint/2010/main" val="2385562696"/>
+        <p14:creationId xmlns:p14="http://schemas.microsoft.com/office/powerpoint/2010/main" xmlns="" val="2385562696"/>
       </p:ext>
     </p:extLst>
   </p:cSld>
@@ -32014,6 +31997,33 @@
                                   </p:childTnLst>
                                 </p:cTn>
                               </p:par>
+                              <p:par>
+                                <p:cTn id="13" presetID="1" presetClass="entr" presetSubtype="0" fill="hold" grpId="0" nodeType="withEffect">
+                                  <p:stCondLst>
+                                    <p:cond delay="0"/>
+                                  </p:stCondLst>
+                                  <p:childTnLst>
+                                    <p:set>
+                                      <p:cBhvr>
+                                        <p:cTn id="14" dur="1" fill="hold">
+                                          <p:stCondLst>
+                                            <p:cond delay="0"/>
+                                          </p:stCondLst>
+                                        </p:cTn>
+                                        <p:tgtEl>
+                                          <p:spTgt spid="2"/>
+                                        </p:tgtEl>
+                                        <p:attrNameLst>
+                                          <p:attrName>style.visibility</p:attrName>
+                                        </p:attrNameLst>
+                                      </p:cBhvr>
+                                      <p:to>
+                                        <p:strVal val="visible"/>
+                                      </p:to>
+                                    </p:set>
+                                  </p:childTnLst>
+                                </p:cTn>
+                              </p:par>
                             </p:childTnLst>
                           </p:cTn>
                         </p:par>
@@ -32021,26 +32031,26 @@
                     </p:cTn>
                   </p:par>
                   <p:par>
-                    <p:cTn id="13" fill="hold">
+                    <p:cTn id="15" fill="hold">
                       <p:stCondLst>
                         <p:cond delay="indefinite"/>
                       </p:stCondLst>
                       <p:childTnLst>
                         <p:par>
-                          <p:cTn id="14" fill="hold">
+                          <p:cTn id="16" fill="hold">
                             <p:stCondLst>
                               <p:cond delay="0"/>
                             </p:stCondLst>
                             <p:childTnLst>
                               <p:par>
-                                <p:cTn id="15" presetID="10" presetClass="entr" presetSubtype="0" fill="hold" grpId="0" nodeType="clickEffect">
+                                <p:cTn id="17" presetID="10" presetClass="entr" presetSubtype="0" fill="hold" grpId="0" nodeType="clickEffect">
                                   <p:stCondLst>
                                     <p:cond delay="0"/>
                                   </p:stCondLst>
                                   <p:childTnLst>
                                     <p:set>
                                       <p:cBhvr>
-                                        <p:cTn id="16" dur="1" fill="hold">
+                                        <p:cTn id="18" dur="1" fill="hold">
                                           <p:stCondLst>
                                             <p:cond delay="0"/>
                                           </p:stCondLst>
@@ -32058,7 +32068,7 @@
                                     </p:set>
                                     <p:animEffect transition="in" filter="fade">
                                       <p:cBhvr>
-                                        <p:cTn id="17" dur="500"/>
+                                        <p:cTn id="19" dur="500"/>
                                         <p:tgtEl>
                                           <p:spTgt spid="6"/>
                                         </p:tgtEl>
@@ -32096,6 +32106,7 @@
     </p:tnLst>
     <p:bldLst>
       <p:bldP spid="6" grpId="0" animBg="1"/>
+      <p:bldP spid="2" grpId="0" animBg="1"/>
     </p:bldLst>
   </p:timing>
 </p:sld>
@@ -32289,7 +32300,7 @@
     </p:spTree>
     <p:extLst>
       <p:ext uri="{BB962C8B-B14F-4D97-AF65-F5344CB8AC3E}">
-        <p14:creationId xmlns:p14="http://schemas.microsoft.com/office/powerpoint/2010/main" val="58538897"/>
+        <p14:creationId xmlns:p14="http://schemas.microsoft.com/office/powerpoint/2010/main" xmlns="" val="58538897"/>
       </p:ext>
     </p:extLst>
   </p:cSld>
@@ -32379,13 +32390,7 @@
               <a:rPr lang="en-US" b="0" dirty="0" smtClean="0">
                 <a:latin typeface="Segoe UI Light" panose="020B0502040204020203" pitchFamily="34" charset="0"/>
               </a:rPr>
-              <a:t>Build a data crawler for public data hubs, that will be able to generate enhanced DCAT descriptions with the semantic concepts and topics generated from </a:t>
-            </a:r>
-            <a:r>
-              <a:rPr lang="en-US" b="0" dirty="0" smtClean="0">
-                <a:latin typeface="Segoe UI Light" panose="020B0502040204020203" pitchFamily="34" charset="0"/>
-              </a:rPr>
-              <a:t>our tools</a:t>
+              <a:t>Build a data crawler for public data hubs, that will be able to generate enhanced DCAT descriptions with the semantic concepts and topics generated from our tools</a:t>
             </a:r>
           </a:p>
           <a:p>
@@ -32409,7 +32414,25 @@
               <a:rPr lang="en-US" b="0" dirty="0" smtClean="0">
                 <a:latin typeface="Segoe UI Light" panose="020B0502040204020203" pitchFamily="34" charset="0"/>
               </a:rPr>
-              <a:t>Build a simple comprehensive data quality tool and add a quality metric to datasets description</a:t>
+              <a:t>Build a </a:t>
+            </a:r>
+            <a:r>
+              <a:rPr lang="en-US" b="0" smtClean="0">
+                <a:latin typeface="Segoe UI Light" panose="020B0502040204020203" pitchFamily="34" charset="0"/>
+              </a:rPr>
+              <a:t>simple </a:t>
+            </a:r>
+            <a:r>
+              <a:rPr lang="en-US" b="0" smtClean="0">
+                <a:latin typeface="Segoe UI Light" panose="020B0502040204020203" pitchFamily="34" charset="0"/>
+              </a:rPr>
+              <a:t>but comprehensive </a:t>
+            </a:r>
+            <a:r>
+              <a:rPr lang="en-US" b="0" dirty="0" smtClean="0">
+                <a:latin typeface="Segoe UI Light" panose="020B0502040204020203" pitchFamily="34" charset="0"/>
+              </a:rPr>
+              <a:t>data quality tool and add a quality metric to datasets description</a:t>
             </a:r>
             <a:endParaRPr lang="en-US" b="0" dirty="0">
               <a:latin typeface="Segoe UI Light" panose="020B0502040204020203" pitchFamily="34" charset="0"/>
@@ -32420,7 +32443,7 @@
     </p:spTree>
     <p:extLst>
       <p:ext uri="{BB962C8B-B14F-4D97-AF65-F5344CB8AC3E}">
-        <p14:creationId xmlns:p14="http://schemas.microsoft.com/office/powerpoint/2010/main" val="1617089566"/>
+        <p14:creationId xmlns:p14="http://schemas.microsoft.com/office/powerpoint/2010/main" xmlns="" val="1617089566"/>
       </p:ext>
     </p:extLst>
   </p:cSld>
@@ -32553,7 +32576,7 @@
           <a:blip r:embed="rId3" cstate="print">
             <a:extLst>
               <a:ext uri="{28A0092B-C50C-407E-A947-70E740481C1C}">
-                <a14:useLocalDpi xmlns:a14="http://schemas.microsoft.com/office/drawing/2010/main" val="0"/>
+                <a14:useLocalDpi xmlns:a14="http://schemas.microsoft.com/office/drawing/2010/main" xmlns="" val="0"/>
               </a:ext>
             </a:extLst>
           </a:blip>
@@ -32573,7 +32596,7 @@
           <a:noFill/>
           <a:extLst>
             <a:ext uri="{909E8E84-426E-40DD-AFC4-6F175D3DCCD1}">
-              <a14:hiddenFill xmlns:a14="http://schemas.microsoft.com/office/drawing/2010/main">
+              <a14:hiddenFill xmlns:a14="http://schemas.microsoft.com/office/drawing/2010/main" xmlns="">
                 <a:solidFill>
                   <a:srgbClr val="FFFFFF"/>
                 </a:solidFill>
@@ -32585,7 +32608,7 @@
     </p:spTree>
     <p:extLst>
       <p:ext uri="{BB962C8B-B14F-4D97-AF65-F5344CB8AC3E}">
-        <p14:creationId xmlns:p14="http://schemas.microsoft.com/office/powerpoint/2010/main" val="2987907903"/>
+        <p14:creationId xmlns:p14="http://schemas.microsoft.com/office/powerpoint/2010/main" xmlns="" val="2987907903"/>
       </p:ext>
     </p:extLst>
   </p:cSld>
@@ -32951,7 +32974,7 @@
     </p:spTree>
     <p:extLst>
       <p:ext uri="{BB962C8B-B14F-4D97-AF65-F5344CB8AC3E}">
-        <p14:creationId xmlns:p14="http://schemas.microsoft.com/office/powerpoint/2010/main" val="3684045596"/>
+        <p14:creationId xmlns:p14="http://schemas.microsoft.com/office/powerpoint/2010/main" xmlns="" val="3684045596"/>
       </p:ext>
     </p:extLst>
   </p:cSld>
@@ -33224,7 +33247,7 @@
     </p:spTree>
     <p:extLst>
       <p:ext uri="{BB962C8B-B14F-4D97-AF65-F5344CB8AC3E}">
-        <p14:creationId xmlns:p14="http://schemas.microsoft.com/office/powerpoint/2010/main" val="3157884324"/>
+        <p14:creationId xmlns:p14="http://schemas.microsoft.com/office/powerpoint/2010/main" xmlns="" val="3157884324"/>
       </p:ext>
     </p:extLst>
   </p:cSld>
@@ -33603,7 +33626,7 @@
     </p:spTree>
     <p:extLst>
       <p:ext uri="{BB962C8B-B14F-4D97-AF65-F5344CB8AC3E}">
-        <p14:creationId xmlns:p14="http://schemas.microsoft.com/office/powerpoint/2010/main" val="2290444703"/>
+        <p14:creationId xmlns:p14="http://schemas.microsoft.com/office/powerpoint/2010/main" xmlns="" val="2290444703"/>
       </p:ext>
     </p:extLst>
   </p:cSld>
@@ -35775,7 +35798,7 @@
     </p:spTree>
     <p:extLst>
       <p:ext uri="{BB962C8B-B14F-4D97-AF65-F5344CB8AC3E}">
-        <p14:creationId xmlns:p14="http://schemas.microsoft.com/office/powerpoint/2010/main" val="1894750242"/>
+        <p14:creationId xmlns:p14="http://schemas.microsoft.com/office/powerpoint/2010/main" xmlns="" val="1894750242"/>
       </p:ext>
     </p:extLst>
   </p:cSld>
@@ -38642,7 +38665,7 @@
     </p:spTree>
     <p:extLst>
       <p:ext uri="{BB962C8B-B14F-4D97-AF65-F5344CB8AC3E}">
-        <p14:creationId xmlns:p14="http://schemas.microsoft.com/office/powerpoint/2010/main" val="1279617305"/>
+        <p14:creationId xmlns:p14="http://schemas.microsoft.com/office/powerpoint/2010/main" xmlns="" val="1279617305"/>
       </p:ext>
     </p:extLst>
   </p:cSld>
@@ -38978,7 +39001,7 @@
     </p:spTree>
     <p:extLst>
       <p:ext uri="{BB962C8B-B14F-4D97-AF65-F5344CB8AC3E}">
-        <p14:creationId xmlns:p14="http://schemas.microsoft.com/office/powerpoint/2010/main" val="2658660240"/>
+        <p14:creationId xmlns:p14="http://schemas.microsoft.com/office/powerpoint/2010/main" xmlns="" val="2658660240"/>
       </p:ext>
     </p:extLst>
   </p:cSld>

--- a/Progress Reports CIFRE & Workplans/PhD Interim Report/presentation/Self-Service Data Provisioning through Semantic Enrichment of Data - Updated.pptx
+++ b/Progress Reports CIFRE & Workplans/PhD Interim Report/presentation/Self-Service Data Provisioning through Semantic Enrichment of Data - Updated.pptx
@@ -172,13 +172,25 @@
 
 <file path=ppt/charts/chart1.xml><?xml version="1.0" encoding="utf-8"?>
 <c:chartSpace xmlns:c="http://schemas.openxmlformats.org/drawingml/2006/chart" xmlns:a="http://schemas.openxmlformats.org/drawingml/2006/main" xmlns:r="http://schemas.openxmlformats.org/officeDocument/2006/relationships">
+  <c:date1904 val="0"/>
   <c:lang val="en-US"/>
+  <c:roundedCorners val="0"/>
+  <mc:AlternateContent xmlns:mc="http://schemas.openxmlformats.org/markup-compatibility/2006">
+    <mc:Choice xmlns:c14="http://schemas.microsoft.com/office/drawing/2007/8/2/chart" Requires="c14">
+      <c14:style val="102"/>
+    </mc:Choice>
+    <mc:Fallback>
+      <c:style val="2"/>
+    </mc:Fallback>
+  </mc:AlternateContent>
   <c:chart>
+    <c:autoTitleDeleted val="0"/>
     <c:plotArea>
       <c:layout/>
       <c:barChart>
         <c:barDir val="col"/>
         <c:grouping val="clustered"/>
+        <c:varyColors val="0"/>
         <c:ser>
           <c:idx val="0"/>
           <c:order val="0"/>
@@ -193,6 +205,7 @@
               </c:strCache>
             </c:strRef>
           </c:tx>
+          <c:invertIfNegative val="0"/>
           <c:cat>
             <c:strRef>
               <c:f>'All Matchers'!$J$9:$M$9</c:f>
@@ -249,6 +262,7 @@
               </c:strCache>
             </c:strRef>
           </c:tx>
+          <c:invertIfNegative val="0"/>
           <c:cat>
             <c:strRef>
               <c:f>'All Matchers'!$J$9:$M$9</c:f>
@@ -291,33 +305,48 @@
             </c:numRef>
           </c:val>
         </c:ser>
-        <c:dLbls/>
-        <c:axId val="65741184"/>
-        <c:axId val="65742720"/>
+        <c:dLbls>
+          <c:showLegendKey val="0"/>
+          <c:showVal val="0"/>
+          <c:showCatName val="0"/>
+          <c:showSerName val="0"/>
+          <c:showPercent val="0"/>
+          <c:showBubbleSize val="0"/>
+        </c:dLbls>
+        <c:gapWidth val="150"/>
+        <c:axId val="175413504"/>
+        <c:axId val="175415296"/>
       </c:barChart>
       <c:catAx>
-        <c:axId val="65741184"/>
+        <c:axId val="175413504"/>
         <c:scaling>
           <c:orientation val="minMax"/>
         </c:scaling>
+        <c:delete val="0"/>
         <c:axPos val="b"/>
+        <c:majorTickMark val="out"/>
+        <c:minorTickMark val="none"/>
         <c:tickLblPos val="nextTo"/>
-        <c:crossAx val="65742720"/>
+        <c:crossAx val="175415296"/>
         <c:crosses val="autoZero"/>
         <c:auto val="1"/>
         <c:lblAlgn val="ctr"/>
         <c:lblOffset val="100"/>
+        <c:noMultiLvlLbl val="0"/>
       </c:catAx>
       <c:valAx>
-        <c:axId val="65742720"/>
+        <c:axId val="175415296"/>
         <c:scaling>
           <c:orientation val="minMax"/>
         </c:scaling>
+        <c:delete val="0"/>
         <c:axPos val="l"/>
         <c:majorGridlines/>
         <c:numFmt formatCode="General" sourceLinked="1"/>
+        <c:majorTickMark val="out"/>
+        <c:minorTickMark val="none"/>
         <c:tickLblPos val="nextTo"/>
-        <c:crossAx val="65741184"/>
+        <c:crossAx val="175413504"/>
         <c:crosses val="autoZero"/>
         <c:crossBetween val="between"/>
       </c:valAx>
@@ -325,11 +354,15 @@
     <c:legend>
       <c:legendPos val="r"/>
       <c:layout/>
+      <c:overlay val="0"/>
     </c:legend>
     <c:plotVisOnly val="1"/>
     <c:dispBlanksAs val="gap"/>
+    <c:showDLblsOverMax val="0"/>
   </c:chart>
-  <c:externalData r:id="rId1"/>
+  <c:externalData r:id="rId1">
+    <c:autoUpdate val="0"/>
+  </c:externalData>
 </c:chartSpace>
 </file>
 
@@ -395,7 +428,7 @@
     </p:spTree>
     <p:extLst>
       <p:ext uri="{BB962C8B-B14F-4D97-AF65-F5344CB8AC3E}">
-        <p14:creationId xmlns:p14="http://schemas.microsoft.com/office/powerpoint/2010/main" xmlns="" val="3780670118"/>
+        <p14:creationId xmlns:p14="http://schemas.microsoft.com/office/powerpoint/2010/main" val="3780670118"/>
       </p:ext>
     </p:extLst>
   </p:cSld>
@@ -544,7 +577,7 @@
     </p:spTree>
     <p:extLst>
       <p:ext uri="{BB962C8B-B14F-4D97-AF65-F5344CB8AC3E}">
-        <p14:creationId xmlns:p14="http://schemas.microsoft.com/office/powerpoint/2010/main" xmlns="" val="1908748421"/>
+        <p14:creationId xmlns:p14="http://schemas.microsoft.com/office/powerpoint/2010/main" val="1908748421"/>
       </p:ext>
     </p:extLst>
   </p:cSld>
@@ -2977,7 +3010,7 @@
           <a:blip r:embed="rId2" cstate="screen">
             <a:extLst>
               <a:ext uri="{28A0092B-C50C-407E-A947-70E740481C1C}">
-                <a14:useLocalDpi xmlns:a14="http://schemas.microsoft.com/office/drawing/2010/main" xmlns=""/>
+                <a14:useLocalDpi xmlns:a14="http://schemas.microsoft.com/office/drawing/2010/main"/>
               </a:ext>
             </a:extLst>
           </a:blip>
@@ -4907,7 +4940,7 @@
           <a:blip r:embed="rId2" cstate="screen">
             <a:extLst>
               <a:ext uri="{28A0092B-C50C-407E-A947-70E740481C1C}">
-                <a14:useLocalDpi xmlns:a14="http://schemas.microsoft.com/office/drawing/2010/main" xmlns=""/>
+                <a14:useLocalDpi xmlns:a14="http://schemas.microsoft.com/office/drawing/2010/main"/>
               </a:ext>
             </a:extLst>
           </a:blip>
@@ -6050,7 +6083,7 @@
           <a:blip r:embed="rId2" cstate="screen">
             <a:extLst>
               <a:ext uri="{28A0092B-C50C-407E-A947-70E740481C1C}">
-                <a14:useLocalDpi xmlns:a14="http://schemas.microsoft.com/office/drawing/2010/main" xmlns=""/>
+                <a14:useLocalDpi xmlns:a14="http://schemas.microsoft.com/office/drawing/2010/main"/>
               </a:ext>
             </a:extLst>
           </a:blip>
@@ -6307,7 +6340,7 @@
           <a:blip r:embed="rId2" cstate="screen">
             <a:extLst>
               <a:ext uri="{28A0092B-C50C-407E-A947-70E740481C1C}">
-                <a14:useLocalDpi xmlns:a14="http://schemas.microsoft.com/office/drawing/2010/main" xmlns=""/>
+                <a14:useLocalDpi xmlns:a14="http://schemas.microsoft.com/office/drawing/2010/main"/>
               </a:ext>
             </a:extLst>
           </a:blip>
@@ -6740,7 +6773,7 @@
           <a:blip r:embed="rId2" cstate="screen">
             <a:extLst>
               <a:ext uri="{28A0092B-C50C-407E-A947-70E740481C1C}">
-                <a14:useLocalDpi xmlns:a14="http://schemas.microsoft.com/office/drawing/2010/main" xmlns=""/>
+                <a14:useLocalDpi xmlns:a14="http://schemas.microsoft.com/office/drawing/2010/main"/>
               </a:ext>
             </a:extLst>
           </a:blip>
@@ -6968,7 +7001,7 @@
           <a:blip r:embed="rId2" cstate="screen">
             <a:extLst>
               <a:ext uri="{28A0092B-C50C-407E-A947-70E740481C1C}">
-                <a14:useLocalDpi xmlns:a14="http://schemas.microsoft.com/office/drawing/2010/main" xmlns=""/>
+                <a14:useLocalDpi xmlns:a14="http://schemas.microsoft.com/office/drawing/2010/main"/>
               </a:ext>
             </a:extLst>
           </a:blip>
@@ -7188,7 +7221,7 @@
           <a:blip r:embed="rId2" cstate="screen">
             <a:extLst>
               <a:ext uri="{28A0092B-C50C-407E-A947-70E740481C1C}">
-                <a14:useLocalDpi xmlns:a14="http://schemas.microsoft.com/office/drawing/2010/main" xmlns=""/>
+                <a14:useLocalDpi xmlns:a14="http://schemas.microsoft.com/office/drawing/2010/main"/>
               </a:ext>
             </a:extLst>
           </a:blip>
@@ -8239,7 +8272,7 @@
           <a:blip r:embed="rId3" cstate="screen">
             <a:extLst>
               <a:ext uri="{28A0092B-C50C-407E-A947-70E740481C1C}">
-                <a14:useLocalDpi xmlns:a14="http://schemas.microsoft.com/office/drawing/2010/main" xmlns=""/>
+                <a14:useLocalDpi xmlns:a14="http://schemas.microsoft.com/office/drawing/2010/main"/>
               </a:ext>
             </a:extLst>
           </a:blip>
@@ -8257,7 +8290,7 @@
           <a:noFill/>
           <a:extLst>
             <a:ext uri="{909E8E84-426E-40DD-AFC4-6F175D3DCCD1}">
-              <a14:hiddenFill xmlns:a14="http://schemas.microsoft.com/office/drawing/2010/main" xmlns="">
+              <a14:hiddenFill xmlns:a14="http://schemas.microsoft.com/office/drawing/2010/main">
                 <a:solidFill>
                   <a:srgbClr val="FFFFFF"/>
                 </a:solidFill>
@@ -8338,7 +8371,7 @@
           <a:blip r:embed="rId4" cstate="screen">
             <a:extLst>
               <a:ext uri="{28A0092B-C50C-407E-A947-70E740481C1C}">
-                <a14:useLocalDpi xmlns:a14="http://schemas.microsoft.com/office/drawing/2010/main" xmlns=""/>
+                <a14:useLocalDpi xmlns:a14="http://schemas.microsoft.com/office/drawing/2010/main"/>
               </a:ext>
             </a:extLst>
           </a:blip>
@@ -8666,7 +8699,7 @@
           <a:blip r:embed="rId5" cstate="print">
             <a:extLst>
               <a:ext uri="{28A0092B-C50C-407E-A947-70E740481C1C}">
-                <a14:useLocalDpi xmlns:a14="http://schemas.microsoft.com/office/drawing/2010/main" xmlns="" val="0"/>
+                <a14:useLocalDpi xmlns:a14="http://schemas.microsoft.com/office/drawing/2010/main" val="0"/>
               </a:ext>
             </a:extLst>
           </a:blip>
@@ -8686,7 +8719,7 @@
           <a:noFill/>
           <a:extLst>
             <a:ext uri="{909E8E84-426E-40DD-AFC4-6F175D3DCCD1}">
-              <a14:hiddenFill xmlns:a14="http://schemas.microsoft.com/office/drawing/2010/main" xmlns="">
+              <a14:hiddenFill xmlns:a14="http://schemas.microsoft.com/office/drawing/2010/main">
                 <a:solidFill>
                   <a:srgbClr val="FFFFFF"/>
                 </a:solidFill>
@@ -8698,7 +8731,7 @@
     </p:spTree>
     <p:extLst>
       <p:ext uri="{BB962C8B-B14F-4D97-AF65-F5344CB8AC3E}">
-        <p14:creationId xmlns:p14="http://schemas.microsoft.com/office/powerpoint/2010/main" xmlns="" val="2113660080"/>
+        <p14:creationId xmlns:p14="http://schemas.microsoft.com/office/powerpoint/2010/main" val="2113660080"/>
       </p:ext>
     </p:extLst>
   </p:cSld>
@@ -8823,7 +8856,7 @@
             <a:blip r:embed="rId3" cstate="print">
               <a:extLst>
                 <a:ext uri="{28A0092B-C50C-407E-A947-70E740481C1C}">
-                  <a14:useLocalDpi xmlns:a14="http://schemas.microsoft.com/office/drawing/2010/main" xmlns="" val="0"/>
+                  <a14:useLocalDpi xmlns:a14="http://schemas.microsoft.com/office/drawing/2010/main" val="0"/>
                 </a:ext>
               </a:extLst>
             </a:blip>
@@ -8847,14 +8880,14 @@
             <a:effectLst/>
             <a:extLst>
               <a:ext uri="{909E8E84-426E-40DD-AFC4-6F175D3DCCD1}">
-                <a14:hiddenFill xmlns:a14="http://schemas.microsoft.com/office/drawing/2010/main" xmlns="">
+                <a14:hiddenFill xmlns:a14="http://schemas.microsoft.com/office/drawing/2010/main">
                   <a:solidFill>
                     <a:schemeClr val="accent1"/>
                   </a:solidFill>
                 </a14:hiddenFill>
               </a:ext>
               <a:ext uri="{91240B29-F687-4F45-9708-019B960494DF}">
-                <a14:hiddenLine xmlns:a14="http://schemas.microsoft.com/office/drawing/2010/main" xmlns="" w="9525">
+                <a14:hiddenLine xmlns:a14="http://schemas.microsoft.com/office/drawing/2010/main" w="9525">
                   <a:solidFill>
                     <a:schemeClr val="tx1"/>
                   </a:solidFill>
@@ -8864,7 +8897,7 @@
                 </a14:hiddenLine>
               </a:ext>
               <a:ext uri="{AF507438-7753-43E0-B8FC-AC1667EBCBE1}">
-                <a14:hiddenEffects xmlns:a14="http://schemas.microsoft.com/office/drawing/2010/main" xmlns="">
+                <a14:hiddenEffects xmlns:a14="http://schemas.microsoft.com/office/drawing/2010/main">
                   <a:effectLst>
                     <a:outerShdw dist="35921" dir="2700000" algn="ctr" rotWithShape="0">
                       <a:schemeClr val="bg2"/>
@@ -8887,7 +8920,7 @@
             <a:blip r:embed="rId4" cstate="print">
               <a:extLst>
                 <a:ext uri="{28A0092B-C50C-407E-A947-70E740481C1C}">
-                  <a14:useLocalDpi xmlns:a14="http://schemas.microsoft.com/office/drawing/2010/main" xmlns="" val="0"/>
+                  <a14:useLocalDpi xmlns:a14="http://schemas.microsoft.com/office/drawing/2010/main" val="0"/>
                 </a:ext>
               </a:extLst>
             </a:blip>
@@ -8911,14 +8944,14 @@
             <a:effectLst/>
             <a:extLst>
               <a:ext uri="{909E8E84-426E-40DD-AFC4-6F175D3DCCD1}">
-                <a14:hiddenFill xmlns:a14="http://schemas.microsoft.com/office/drawing/2010/main" xmlns="">
+                <a14:hiddenFill xmlns:a14="http://schemas.microsoft.com/office/drawing/2010/main">
                   <a:solidFill>
                     <a:schemeClr val="accent1"/>
                   </a:solidFill>
                 </a14:hiddenFill>
               </a:ext>
               <a:ext uri="{91240B29-F687-4F45-9708-019B960494DF}">
-                <a14:hiddenLine xmlns:a14="http://schemas.microsoft.com/office/drawing/2010/main" xmlns="" w="9525">
+                <a14:hiddenLine xmlns:a14="http://schemas.microsoft.com/office/drawing/2010/main" w="9525">
                   <a:solidFill>
                     <a:schemeClr val="tx1"/>
                   </a:solidFill>
@@ -8928,7 +8961,7 @@
                 </a14:hiddenLine>
               </a:ext>
               <a:ext uri="{AF507438-7753-43E0-B8FC-AC1667EBCBE1}">
-                <a14:hiddenEffects xmlns:a14="http://schemas.microsoft.com/office/drawing/2010/main" xmlns="">
+                <a14:hiddenEffects xmlns:a14="http://schemas.microsoft.com/office/drawing/2010/main">
                   <a:effectLst>
                     <a:outerShdw dist="35921" dir="2700000" algn="ctr" rotWithShape="0">
                       <a:schemeClr val="bg2"/>
@@ -9282,7 +9315,7 @@
           <p:nvPr>
             <p:extLst>
               <p:ext uri="{D42A27DB-BD31-4B8C-83A1-F6EECF244321}">
-                <p14:modId xmlns:p14="http://schemas.microsoft.com/office/powerpoint/2010/main" xmlns="" val="1917374078"/>
+                <p14:modId xmlns:p14="http://schemas.microsoft.com/office/powerpoint/2010/main" val="1917374078"/>
               </p:ext>
             </p:extLst>
           </p:nvPr>
@@ -9644,7 +9677,7 @@
     </p:spTree>
     <p:extLst>
       <p:ext uri="{BB962C8B-B14F-4D97-AF65-F5344CB8AC3E}">
-        <p14:creationId xmlns:p14="http://schemas.microsoft.com/office/powerpoint/2010/main" xmlns="" val="1166442949"/>
+        <p14:creationId xmlns:p14="http://schemas.microsoft.com/office/powerpoint/2010/main" val="1166442949"/>
       </p:ext>
     </p:extLst>
   </p:cSld>
@@ -9747,7 +9780,7 @@
           <p:nvPr>
             <p:extLst>
               <p:ext uri="{D42A27DB-BD31-4B8C-83A1-F6EECF244321}">
-                <p14:modId xmlns:p14="http://schemas.microsoft.com/office/powerpoint/2010/main" xmlns="" val="2361642984"/>
+                <p14:modId xmlns:p14="http://schemas.microsoft.com/office/powerpoint/2010/main" val="2361642984"/>
               </p:ext>
             </p:extLst>
           </p:nvPr>
@@ -9771,7 +9804,7 @@
         <p:spPr>
           <a:xfrm>
             <a:off x="301129" y="1528760"/>
-            <a:ext cx="4251314" cy="3323987"/>
+            <a:ext cx="4251314" cy="2492990"/>
           </a:xfrm>
           <a:prstGeom prst="rect">
             <a:avLst/>
@@ -9824,18 +9857,6 @@
             <a:endParaRPr lang="en-US" dirty="0">
               <a:latin typeface="Segoe UI Light" panose="020B0502040204020203" pitchFamily="34" charset="0"/>
             </a:endParaRPr>
-          </a:p>
-          <a:p>
-            <a:pPr marL="285750" indent="-285750">
-              <a:buFont typeface="Arial" panose="020B0604020202020204" pitchFamily="34" charset="0"/>
-              <a:buChar char="•"/>
-            </a:pPr>
-            <a:r>
-              <a:rPr lang="en-US" dirty="0" smtClean="0">
-                <a:latin typeface="Segoe UI Light" panose="020B0502040204020203" pitchFamily="34" charset="0"/>
-              </a:rPr>
-              <a:t>Columns now are labeled with new semantic labels that are unified across datasets with the same content types</a:t>
-            </a:r>
           </a:p>
         </p:txBody>
       </p:sp>
@@ -10056,7 +10077,7 @@
     </p:spTree>
     <p:extLst>
       <p:ext uri="{BB962C8B-B14F-4D97-AF65-F5344CB8AC3E}">
-        <p14:creationId xmlns:p14="http://schemas.microsoft.com/office/powerpoint/2010/main" xmlns="" val="3095259969"/>
+        <p14:creationId xmlns:p14="http://schemas.microsoft.com/office/powerpoint/2010/main" val="3095259969"/>
       </p:ext>
     </p:extLst>
   </p:cSld>
@@ -10501,7 +10522,7 @@
     </p:spTree>
     <p:extLst>
       <p:ext uri="{BB962C8B-B14F-4D97-AF65-F5344CB8AC3E}">
-        <p14:creationId xmlns:p14="http://schemas.microsoft.com/office/powerpoint/2010/main" xmlns="" val="3477016502"/>
+        <p14:creationId xmlns:p14="http://schemas.microsoft.com/office/powerpoint/2010/main" val="3477016502"/>
       </p:ext>
     </p:extLst>
   </p:cSld>
@@ -12265,7 +12286,7 @@
           <a:blip r:embed="rId3" cstate="print">
             <a:extLst>
               <a:ext uri="{28A0092B-C50C-407E-A947-70E740481C1C}">
-                <a14:useLocalDpi xmlns:a14="http://schemas.microsoft.com/office/drawing/2010/main" xmlns="" val="0"/>
+                <a14:useLocalDpi xmlns:a14="http://schemas.microsoft.com/office/drawing/2010/main" val="0"/>
               </a:ext>
             </a:extLst>
           </a:blip>
@@ -12285,7 +12306,7 @@
           <a:noFill/>
           <a:extLst>
             <a:ext uri="{909E8E84-426E-40DD-AFC4-6F175D3DCCD1}">
-              <a14:hiddenFill xmlns:a14="http://schemas.microsoft.com/office/drawing/2010/main" xmlns="">
+              <a14:hiddenFill xmlns:a14="http://schemas.microsoft.com/office/drawing/2010/main">
                 <a:solidFill>
                   <a:srgbClr val="FFFFFF"/>
                 </a:solidFill>
@@ -12939,7 +12960,7 @@
     </p:spTree>
     <p:extLst>
       <p:ext uri="{BB962C8B-B14F-4D97-AF65-F5344CB8AC3E}">
-        <p14:creationId xmlns:p14="http://schemas.microsoft.com/office/powerpoint/2010/main" xmlns="" val="240339265"/>
+        <p14:creationId xmlns:p14="http://schemas.microsoft.com/office/powerpoint/2010/main" val="240339265"/>
       </p:ext>
     </p:extLst>
   </p:cSld>
@@ -13103,6 +13124,33 @@
               <a:buChar char="•"/>
             </a:pPr>
             <a:r>
+              <a:rPr lang="en-US" b="1" dirty="0">
+                <a:latin typeface="Segoe UI Light" panose="020B0502040204020203" pitchFamily="34" charset="0"/>
+              </a:rPr>
+              <a:t>SNARC</a:t>
+            </a:r>
+            <a:r>
+              <a:rPr lang="en-US" dirty="0">
+                <a:latin typeface="Segoe UI Light" panose="020B0502040204020203" pitchFamily="34" charset="0"/>
+              </a:rPr>
+              <a:t> provides a uniform semantic document model for web entities, whether they are blog entries, multimedia objects or micro-posts</a:t>
+            </a:r>
+          </a:p>
+          <a:p>
+            <a:pPr marL="342900" indent="-342900">
+              <a:buFont typeface="Arial" panose="020B0604020202020204" pitchFamily="34" charset="0"/>
+              <a:buChar char="•"/>
+            </a:pPr>
+            <a:endParaRPr lang="en-US" b="1" dirty="0" smtClean="0">
+              <a:latin typeface="Segoe UI Light" panose="020B0502040204020203" pitchFamily="34" charset="0"/>
+            </a:endParaRPr>
+          </a:p>
+          <a:p>
+            <a:pPr marL="342900" indent="-342900">
+              <a:buFont typeface="Arial" panose="020B0604020202020204" pitchFamily="34" charset="0"/>
+              <a:buChar char="•"/>
+            </a:pPr>
+            <a:r>
               <a:rPr lang="en-US" b="1" dirty="0" smtClean="0">
                 <a:latin typeface="Segoe UI Light" panose="020B0502040204020203" pitchFamily="34" charset="0"/>
               </a:rPr>
@@ -13118,13 +13166,7 @@
               <a:rPr lang="en-US" dirty="0">
                 <a:latin typeface="Segoe UI Light" panose="020B0502040204020203" pitchFamily="34" charset="0"/>
               </a:rPr>
-              <a:t>enriches the user experience by allowing the user to get fresh perspective on what is happening as well as knowledge about identified </a:t>
-            </a:r>
-            <a:r>
-              <a:rPr lang="en-US" dirty="0" smtClean="0">
-                <a:latin typeface="Segoe UI Light" panose="020B0502040204020203" pitchFamily="34" charset="0"/>
-              </a:rPr>
-              <a:t>concepts</a:t>
+              <a:t>has been implemented as a Chrome extension, but we plan to integrate it with business applications</a:t>
             </a:r>
           </a:p>
           <a:p>
@@ -13133,51 +13175,6 @@
               <a:buChar char="•"/>
             </a:pPr>
             <a:endParaRPr lang="en-US" dirty="0" smtClean="0">
-              <a:latin typeface="Segoe UI Light" panose="020B0502040204020203" pitchFamily="34" charset="0"/>
-            </a:endParaRPr>
-          </a:p>
-          <a:p>
-            <a:pPr marL="342900" indent="-342900">
-              <a:buFont typeface="Arial" panose="020B0604020202020204" pitchFamily="34" charset="0"/>
-              <a:buChar char="•"/>
-            </a:pPr>
-            <a:r>
-              <a:rPr lang="en-US" b="1" dirty="0" smtClean="0">
-                <a:latin typeface="Segoe UI Light" panose="020B0502040204020203" pitchFamily="34" charset="0"/>
-              </a:rPr>
-              <a:t>SNARC</a:t>
-            </a:r>
-            <a:r>
-              <a:rPr lang="en-US" dirty="0" smtClean="0">
-                <a:latin typeface="Segoe UI Light" panose="020B0502040204020203" pitchFamily="34" charset="0"/>
-              </a:rPr>
-              <a:t> provides </a:t>
-            </a:r>
-            <a:r>
-              <a:rPr lang="en-US" dirty="0">
-                <a:latin typeface="Segoe UI Light" panose="020B0502040204020203" pitchFamily="34" charset="0"/>
-              </a:rPr>
-              <a:t>a uniform </a:t>
-            </a:r>
-            <a:r>
-              <a:rPr lang="en-US" dirty="0" smtClean="0">
-                <a:latin typeface="Segoe UI Light" panose="020B0502040204020203" pitchFamily="34" charset="0"/>
-              </a:rPr>
-              <a:t>semantic document model </a:t>
-            </a:r>
-            <a:r>
-              <a:rPr lang="en-US" dirty="0">
-                <a:latin typeface="Segoe UI Light" panose="020B0502040204020203" pitchFamily="34" charset="0"/>
-              </a:rPr>
-              <a:t>for web entities, whether they are blog entries, multimedia objects or </a:t>
-            </a:r>
-            <a:r>
-              <a:rPr lang="en-US" dirty="0" smtClean="0">
-                <a:latin typeface="Segoe UI Light" panose="020B0502040204020203" pitchFamily="34" charset="0"/>
-              </a:rPr>
-              <a:t>micro-posts</a:t>
-            </a:r>
-            <a:endParaRPr lang="en-US" dirty="0">
               <a:latin typeface="Segoe UI Light" panose="020B0502040204020203" pitchFamily="34" charset="0"/>
             </a:endParaRPr>
           </a:p>
@@ -13195,7 +13192,7 @@
           <a:blip r:embed="rId2" cstate="print">
             <a:extLst>
               <a:ext uri="{28A0092B-C50C-407E-A947-70E740481C1C}">
-                <a14:useLocalDpi xmlns:a14="http://schemas.microsoft.com/office/drawing/2010/main" xmlns="" val="0"/>
+                <a14:useLocalDpi xmlns:a14="http://schemas.microsoft.com/office/drawing/2010/main" val="0"/>
               </a:ext>
             </a:extLst>
           </a:blip>
@@ -13219,14 +13216,14 @@
           <a:effectLst/>
           <a:extLst>
             <a:ext uri="{909E8E84-426E-40DD-AFC4-6F175D3DCCD1}">
-              <a14:hiddenFill xmlns:a14="http://schemas.microsoft.com/office/drawing/2010/main" xmlns="">
+              <a14:hiddenFill xmlns:a14="http://schemas.microsoft.com/office/drawing/2010/main">
                 <a:solidFill>
                   <a:schemeClr val="accent1"/>
                 </a:solidFill>
               </a14:hiddenFill>
             </a:ext>
             <a:ext uri="{91240B29-F687-4F45-9708-019B960494DF}">
-              <a14:hiddenLine xmlns:a14="http://schemas.microsoft.com/office/drawing/2010/main" xmlns="" w="9525">
+              <a14:hiddenLine xmlns:a14="http://schemas.microsoft.com/office/drawing/2010/main" w="9525">
                 <a:solidFill>
                   <a:schemeClr val="tx1"/>
                 </a:solidFill>
@@ -13236,7 +13233,7 @@
               </a14:hiddenLine>
             </a:ext>
             <a:ext uri="{AF507438-7753-43E0-B8FC-AC1667EBCBE1}">
-              <a14:hiddenEffects xmlns:a14="http://schemas.microsoft.com/office/drawing/2010/main" xmlns="">
+              <a14:hiddenEffects xmlns:a14="http://schemas.microsoft.com/office/drawing/2010/main">
                 <a:effectLst>
                   <a:outerShdw dist="35921" dir="2700000" algn="ctr" rotWithShape="0">
                     <a:schemeClr val="bg2"/>
@@ -13259,7 +13256,7 @@
           <a:blip r:embed="rId3" cstate="print">
             <a:extLst>
               <a:ext uri="{28A0092B-C50C-407E-A947-70E740481C1C}">
-                <a14:useLocalDpi xmlns:a14="http://schemas.microsoft.com/office/drawing/2010/main" xmlns="" val="0"/>
+                <a14:useLocalDpi xmlns:a14="http://schemas.microsoft.com/office/drawing/2010/main" val="0"/>
               </a:ext>
             </a:extLst>
           </a:blip>
@@ -13283,14 +13280,14 @@
           <a:effectLst/>
           <a:extLst>
             <a:ext uri="{909E8E84-426E-40DD-AFC4-6F175D3DCCD1}">
-              <a14:hiddenFill xmlns:a14="http://schemas.microsoft.com/office/drawing/2010/main" xmlns="">
+              <a14:hiddenFill xmlns:a14="http://schemas.microsoft.com/office/drawing/2010/main">
                 <a:solidFill>
                   <a:schemeClr val="accent1"/>
                 </a:solidFill>
               </a14:hiddenFill>
             </a:ext>
             <a:ext uri="{91240B29-F687-4F45-9708-019B960494DF}">
-              <a14:hiddenLine xmlns:a14="http://schemas.microsoft.com/office/drawing/2010/main" xmlns="" w="9525">
+              <a14:hiddenLine xmlns:a14="http://schemas.microsoft.com/office/drawing/2010/main" w="9525">
                 <a:solidFill>
                   <a:schemeClr val="tx1"/>
                 </a:solidFill>
@@ -13300,7 +13297,7 @@
               </a14:hiddenLine>
             </a:ext>
             <a:ext uri="{AF507438-7753-43E0-B8FC-AC1667EBCBE1}">
-              <a14:hiddenEffects xmlns:a14="http://schemas.microsoft.com/office/drawing/2010/main" xmlns="">
+              <a14:hiddenEffects xmlns:a14="http://schemas.microsoft.com/office/drawing/2010/main">
                 <a:effectLst>
                   <a:outerShdw dist="35921" dir="2700000" algn="ctr" rotWithShape="0">
                     <a:schemeClr val="bg2"/>
@@ -13314,7 +13311,7 @@
     </p:spTree>
     <p:extLst>
       <p:ext uri="{BB962C8B-B14F-4D97-AF65-F5344CB8AC3E}">
-        <p14:creationId xmlns:p14="http://schemas.microsoft.com/office/powerpoint/2010/main" xmlns="" val="2470899453"/>
+        <p14:creationId xmlns:p14="http://schemas.microsoft.com/office/powerpoint/2010/main" val="2470899453"/>
       </p:ext>
     </p:extLst>
   </p:cSld>
@@ -13415,7 +13412,7 @@
         <p:spPr>
           <a:xfrm>
             <a:off x="304798" y="1339840"/>
-            <a:ext cx="8498959" cy="3970318"/>
+            <a:ext cx="8498959" cy="3139321"/>
           </a:xfrm>
           <a:prstGeom prst="rect">
             <a:avLst/>
@@ -13529,43 +13526,6 @@
             </a:r>
           </a:p>
           <a:p>
-            <a:pPr marL="342900" indent="-342900">
-              <a:buFont typeface="Arial" panose="020B0604020202020204" pitchFamily="34" charset="0"/>
-              <a:buChar char="•"/>
-            </a:pPr>
-            <a:endParaRPr lang="en-US" dirty="0">
-              <a:latin typeface="Segoe UI Light" panose="020B0502040204020203" pitchFamily="34" charset="0"/>
-            </a:endParaRPr>
-          </a:p>
-          <a:p>
-            <a:pPr marL="342900" indent="-342900">
-              <a:buFont typeface="Arial" panose="020B0604020202020204" pitchFamily="34" charset="0"/>
-              <a:buChar char="•"/>
-            </a:pPr>
-            <a:r>
-              <a:rPr lang="en-US" b="1" dirty="0">
-                <a:latin typeface="Segoe UI Light" panose="020B0502040204020203" pitchFamily="34" charset="0"/>
-              </a:rPr>
-              <a:t>SNARC</a:t>
-            </a:r>
-            <a:r>
-              <a:rPr lang="en-US" dirty="0">
-                <a:latin typeface="Segoe UI Light" panose="020B0502040204020203" pitchFamily="34" charset="0"/>
-              </a:rPr>
-              <a:t> has been implemented as a Chrome extension, but we plan to integrate it with business </a:t>
-            </a:r>
-            <a:r>
-              <a:rPr lang="en-US" dirty="0" smtClean="0">
-                <a:latin typeface="Segoe UI Light" panose="020B0502040204020203" pitchFamily="34" charset="0"/>
-              </a:rPr>
-              <a:t>applications</a:t>
-            </a:r>
-          </a:p>
-          <a:p>
-            <a:pPr marL="342900" indent="-342900">
-              <a:buFont typeface="Arial" panose="020B0604020202020204" pitchFamily="34" charset="0"/>
-              <a:buChar char="•"/>
-            </a:pPr>
             <a:endParaRPr lang="en-US" dirty="0">
               <a:latin typeface="Segoe UI Light" panose="020B0502040204020203" pitchFamily="34" charset="0"/>
             </a:endParaRPr>
@@ -13787,7 +13747,7 @@
               <a:buChar char="•"/>
             </a:pPr>
             <a:r>
-              <a:rPr lang="en-US" sz="1200" dirty="0">
+              <a:rPr lang="en-US" sz="1200" b="1" dirty="0">
                 <a:latin typeface="Segoe UI Light" panose="020B0502040204020203" pitchFamily="34" charset="0"/>
                 <a:ea typeface="Segoe UI" panose="020B0502040204020203" pitchFamily="34" charset="0"/>
                 <a:cs typeface="Segoe UI" panose="020B0502040204020203" pitchFamily="34" charset="0"/>
@@ -13811,7 +13771,7 @@
     </p:spTree>
     <p:extLst>
       <p:ext uri="{BB962C8B-B14F-4D97-AF65-F5344CB8AC3E}">
-        <p14:creationId xmlns:p14="http://schemas.microsoft.com/office/powerpoint/2010/main" xmlns="" val="3833768114"/>
+        <p14:creationId xmlns:p14="http://schemas.microsoft.com/office/powerpoint/2010/main" val="3833768114"/>
       </p:ext>
     </p:extLst>
   </p:cSld>
@@ -15592,7 +15552,7 @@
           <a:blip r:embed="rId3" cstate="print">
             <a:extLst>
               <a:ext uri="{28A0092B-C50C-407E-A947-70E740481C1C}">
-                <a14:useLocalDpi xmlns:a14="http://schemas.microsoft.com/office/drawing/2010/main" xmlns="" val="0"/>
+                <a14:useLocalDpi xmlns:a14="http://schemas.microsoft.com/office/drawing/2010/main" val="0"/>
               </a:ext>
             </a:extLst>
           </a:blip>
@@ -15612,7 +15572,7 @@
           <a:noFill/>
           <a:extLst>
             <a:ext uri="{909E8E84-426E-40DD-AFC4-6F175D3DCCD1}">
-              <a14:hiddenFill xmlns:a14="http://schemas.microsoft.com/office/drawing/2010/main" xmlns="">
+              <a14:hiddenFill xmlns:a14="http://schemas.microsoft.com/office/drawing/2010/main">
                 <a:solidFill>
                   <a:srgbClr val="FFFFFF"/>
                 </a:solidFill>
@@ -15633,7 +15593,7 @@
           <a:blip r:embed="rId3" cstate="print">
             <a:extLst>
               <a:ext uri="{28A0092B-C50C-407E-A947-70E740481C1C}">
-                <a14:useLocalDpi xmlns:a14="http://schemas.microsoft.com/office/drawing/2010/main" xmlns="" val="0"/>
+                <a14:useLocalDpi xmlns:a14="http://schemas.microsoft.com/office/drawing/2010/main" val="0"/>
               </a:ext>
             </a:extLst>
           </a:blip>
@@ -15653,7 +15613,7 @@
           <a:noFill/>
           <a:extLst>
             <a:ext uri="{909E8E84-426E-40DD-AFC4-6F175D3DCCD1}">
-              <a14:hiddenFill xmlns:a14="http://schemas.microsoft.com/office/drawing/2010/main" xmlns="">
+              <a14:hiddenFill xmlns:a14="http://schemas.microsoft.com/office/drawing/2010/main">
                 <a:solidFill>
                   <a:srgbClr val="FFFFFF"/>
                 </a:solidFill>
@@ -16307,7 +16267,7 @@
     </p:spTree>
     <p:extLst>
       <p:ext uri="{BB962C8B-B14F-4D97-AF65-F5344CB8AC3E}">
-        <p14:creationId xmlns:p14="http://schemas.microsoft.com/office/powerpoint/2010/main" xmlns="" val="3601679413"/>
+        <p14:creationId xmlns:p14="http://schemas.microsoft.com/office/powerpoint/2010/main" val="3601679413"/>
       </p:ext>
     </p:extLst>
   </p:cSld>
@@ -16744,7 +16704,7 @@
     </p:spTree>
     <p:extLst>
       <p:ext uri="{BB962C8B-B14F-4D97-AF65-F5344CB8AC3E}">
-        <p14:creationId xmlns:p14="http://schemas.microsoft.com/office/powerpoint/2010/main" xmlns="" val="2821641039"/>
+        <p14:creationId xmlns:p14="http://schemas.microsoft.com/office/powerpoint/2010/main" val="2821641039"/>
       </p:ext>
     </p:extLst>
   </p:cSld>
@@ -18501,7 +18461,7 @@
           <a:blip r:embed="rId3" cstate="print">
             <a:extLst>
               <a:ext uri="{28A0092B-C50C-407E-A947-70E740481C1C}">
-                <a14:useLocalDpi xmlns:a14="http://schemas.microsoft.com/office/drawing/2010/main" xmlns="" val="0"/>
+                <a14:useLocalDpi xmlns:a14="http://schemas.microsoft.com/office/drawing/2010/main" val="0"/>
               </a:ext>
             </a:extLst>
           </a:blip>
@@ -18521,7 +18481,7 @@
           <a:noFill/>
           <a:extLst>
             <a:ext uri="{909E8E84-426E-40DD-AFC4-6F175D3DCCD1}">
-              <a14:hiddenFill xmlns:a14="http://schemas.microsoft.com/office/drawing/2010/main" xmlns="">
+              <a14:hiddenFill xmlns:a14="http://schemas.microsoft.com/office/drawing/2010/main">
                 <a:solidFill>
                   <a:srgbClr val="FFFFFF"/>
                 </a:solidFill>
@@ -18542,7 +18502,7 @@
           <a:blip r:embed="rId3" cstate="print">
             <a:extLst>
               <a:ext uri="{28A0092B-C50C-407E-A947-70E740481C1C}">
-                <a14:useLocalDpi xmlns:a14="http://schemas.microsoft.com/office/drawing/2010/main" xmlns="" val="0"/>
+                <a14:useLocalDpi xmlns:a14="http://schemas.microsoft.com/office/drawing/2010/main" val="0"/>
               </a:ext>
             </a:extLst>
           </a:blip>
@@ -18562,7 +18522,7 @@
           <a:noFill/>
           <a:extLst>
             <a:ext uri="{909E8E84-426E-40DD-AFC4-6F175D3DCCD1}">
-              <a14:hiddenFill xmlns:a14="http://schemas.microsoft.com/office/drawing/2010/main" xmlns="">
+              <a14:hiddenFill xmlns:a14="http://schemas.microsoft.com/office/drawing/2010/main">
                 <a:solidFill>
                   <a:srgbClr val="FFFFFF"/>
                 </a:solidFill>
@@ -18854,7 +18814,7 @@
           <a:blip r:embed="rId4" cstate="print">
             <a:extLst>
               <a:ext uri="{28A0092B-C50C-407E-A947-70E740481C1C}">
-                <a14:useLocalDpi xmlns:a14="http://schemas.microsoft.com/office/drawing/2010/main" xmlns="" val="0"/>
+                <a14:useLocalDpi xmlns:a14="http://schemas.microsoft.com/office/drawing/2010/main" val="0"/>
               </a:ext>
             </a:extLst>
           </a:blip>
@@ -18874,7 +18834,7 @@
           <a:noFill/>
           <a:extLst>
             <a:ext uri="{909E8E84-426E-40DD-AFC4-6F175D3DCCD1}">
-              <a14:hiddenFill xmlns:a14="http://schemas.microsoft.com/office/drawing/2010/main" xmlns="">
+              <a14:hiddenFill xmlns:a14="http://schemas.microsoft.com/office/drawing/2010/main">
                 <a:solidFill>
                   <a:srgbClr val="FFFFFF"/>
                 </a:solidFill>
@@ -19257,7 +19217,7 @@
     </p:spTree>
     <p:extLst>
       <p:ext uri="{BB962C8B-B14F-4D97-AF65-F5344CB8AC3E}">
-        <p14:creationId xmlns:p14="http://schemas.microsoft.com/office/powerpoint/2010/main" xmlns="" val="791487505"/>
+        <p14:creationId xmlns:p14="http://schemas.microsoft.com/office/powerpoint/2010/main" val="791487505"/>
       </p:ext>
     </p:extLst>
   </p:cSld>
@@ -19301,7 +19261,7 @@
         <p:spPr>
           <a:xfrm>
             <a:off x="363415" y="1397977"/>
-            <a:ext cx="8525608" cy="4154984"/>
+            <a:ext cx="8525608" cy="3462486"/>
           </a:xfrm>
           <a:prstGeom prst="rect">
             <a:avLst/>
@@ -19444,28 +19404,6 @@
                 <a:cs typeface="Arial Unicode MS" pitchFamily="34" charset="-128"/>
               </a:rPr>
               <a:t>semantics</a:t>
-            </a:r>
-          </a:p>
-          <a:p>
-            <a:pPr marL="285750" indent="-285750" fontAlgn="base">
-              <a:spcBef>
-                <a:spcPct val="50000"/>
-              </a:spcBef>
-              <a:spcAft>
-                <a:spcPct val="0"/>
-              </a:spcAft>
-              <a:buClr>
-                <a:srgbClr val="F0AB00"/>
-              </a:buClr>
-              <a:buSzPct val="80000"/>
-              <a:buFont typeface="Arial" pitchFamily="34" charset="0"/>
-              <a:buChar char="•"/>
-            </a:pPr>
-            <a:r>
-              <a:rPr lang="en-US" dirty="0">
-                <a:latin typeface="Segoe UI Light" panose="020B0502040204020203" pitchFamily="34" charset="0"/>
-              </a:rPr>
-              <a:t>Openness should be accompanied with a certain level of trust or guarantees about the quality of data</a:t>
             </a:r>
           </a:p>
           <a:p>
@@ -19589,7 +19527,7 @@
     </p:spTree>
     <p:extLst>
       <p:ext uri="{BB962C8B-B14F-4D97-AF65-F5344CB8AC3E}">
-        <p14:creationId xmlns:p14="http://schemas.microsoft.com/office/powerpoint/2010/main" xmlns="" val="4038042518"/>
+        <p14:creationId xmlns:p14="http://schemas.microsoft.com/office/powerpoint/2010/main" val="4038042518"/>
       </p:ext>
     </p:extLst>
   </p:cSld>
@@ -20218,7 +20156,7 @@
     </p:spTree>
     <p:extLst>
       <p:ext uri="{BB962C8B-B14F-4D97-AF65-F5344CB8AC3E}">
-        <p14:creationId xmlns:p14="http://schemas.microsoft.com/office/powerpoint/2010/main" xmlns="" val="4038849371"/>
+        <p14:creationId xmlns:p14="http://schemas.microsoft.com/office/powerpoint/2010/main" val="4038849371"/>
       </p:ext>
     </p:extLst>
   </p:cSld>
@@ -20525,7 +20463,7 @@
     </p:spTree>
     <p:extLst>
       <p:ext uri="{BB962C8B-B14F-4D97-AF65-F5344CB8AC3E}">
-        <p14:creationId xmlns:p14="http://schemas.microsoft.com/office/powerpoint/2010/main" xmlns="" val="708587349"/>
+        <p14:creationId xmlns:p14="http://schemas.microsoft.com/office/powerpoint/2010/main" val="708587349"/>
       </p:ext>
     </p:extLst>
   </p:cSld>
@@ -20892,7 +20830,7 @@
     </p:spTree>
     <p:extLst>
       <p:ext uri="{BB962C8B-B14F-4D97-AF65-F5344CB8AC3E}">
-        <p14:creationId xmlns:p14="http://schemas.microsoft.com/office/powerpoint/2010/main" xmlns="" val="3771569975"/>
+        <p14:creationId xmlns:p14="http://schemas.microsoft.com/office/powerpoint/2010/main" val="3771569975"/>
       </p:ext>
     </p:extLst>
   </p:cSld>
@@ -21241,7 +21179,7 @@
     </p:spTree>
     <p:extLst>
       <p:ext uri="{BB962C8B-B14F-4D97-AF65-F5344CB8AC3E}">
-        <p14:creationId xmlns:p14="http://schemas.microsoft.com/office/powerpoint/2010/main" xmlns="" val="3505513639"/>
+        <p14:creationId xmlns:p14="http://schemas.microsoft.com/office/powerpoint/2010/main" val="3505513639"/>
       </p:ext>
     </p:extLst>
   </p:cSld>
@@ -22918,7 +22856,7 @@
           <a:blip r:embed="rId3" cstate="print">
             <a:extLst>
               <a:ext uri="{28A0092B-C50C-407E-A947-70E740481C1C}">
-                <a14:useLocalDpi xmlns:a14="http://schemas.microsoft.com/office/drawing/2010/main" xmlns="" val="0"/>
+                <a14:useLocalDpi xmlns:a14="http://schemas.microsoft.com/office/drawing/2010/main" val="0"/>
               </a:ext>
             </a:extLst>
           </a:blip>
@@ -22938,7 +22876,7 @@
           <a:noFill/>
           <a:extLst>
             <a:ext uri="{909E8E84-426E-40DD-AFC4-6F175D3DCCD1}">
-              <a14:hiddenFill xmlns:a14="http://schemas.microsoft.com/office/drawing/2010/main" xmlns="">
+              <a14:hiddenFill xmlns:a14="http://schemas.microsoft.com/office/drawing/2010/main">
                 <a:solidFill>
                   <a:srgbClr val="FFFFFF"/>
                 </a:solidFill>
@@ -22959,7 +22897,7 @@
           <a:blip r:embed="rId3" cstate="print">
             <a:extLst>
               <a:ext uri="{28A0092B-C50C-407E-A947-70E740481C1C}">
-                <a14:useLocalDpi xmlns:a14="http://schemas.microsoft.com/office/drawing/2010/main" xmlns="" val="0"/>
+                <a14:useLocalDpi xmlns:a14="http://schemas.microsoft.com/office/drawing/2010/main" val="0"/>
               </a:ext>
             </a:extLst>
           </a:blip>
@@ -22979,7 +22917,7 @@
           <a:noFill/>
           <a:extLst>
             <a:ext uri="{909E8E84-426E-40DD-AFC4-6F175D3DCCD1}">
-              <a14:hiddenFill xmlns:a14="http://schemas.microsoft.com/office/drawing/2010/main" xmlns="">
+              <a14:hiddenFill xmlns:a14="http://schemas.microsoft.com/office/drawing/2010/main">
                 <a:solidFill>
                   <a:srgbClr val="FFFFFF"/>
                 </a:solidFill>
@@ -23176,7 +23114,7 @@
           <a:blip r:embed="rId4" cstate="print">
             <a:extLst>
               <a:ext uri="{28A0092B-C50C-407E-A947-70E740481C1C}">
-                <a14:useLocalDpi xmlns:a14="http://schemas.microsoft.com/office/drawing/2010/main" xmlns="" val="0"/>
+                <a14:useLocalDpi xmlns:a14="http://schemas.microsoft.com/office/drawing/2010/main" val="0"/>
               </a:ext>
             </a:extLst>
           </a:blip>
@@ -23196,7 +23134,7 @@
           <a:noFill/>
           <a:extLst>
             <a:ext uri="{909E8E84-426E-40DD-AFC4-6F175D3DCCD1}">
-              <a14:hiddenFill xmlns:a14="http://schemas.microsoft.com/office/drawing/2010/main" xmlns="">
+              <a14:hiddenFill xmlns:a14="http://schemas.microsoft.com/office/drawing/2010/main">
                 <a:solidFill>
                   <a:srgbClr val="FFFFFF"/>
                 </a:solidFill>
@@ -23488,7 +23426,7 @@
           <a:blip r:embed="rId4" cstate="print">
             <a:extLst>
               <a:ext uri="{28A0092B-C50C-407E-A947-70E740481C1C}">
-                <a14:useLocalDpi xmlns:a14="http://schemas.microsoft.com/office/drawing/2010/main" xmlns="" val="0"/>
+                <a14:useLocalDpi xmlns:a14="http://schemas.microsoft.com/office/drawing/2010/main" val="0"/>
               </a:ext>
             </a:extLst>
           </a:blip>
@@ -23508,7 +23446,7 @@
           <a:noFill/>
           <a:extLst>
             <a:ext uri="{909E8E84-426E-40DD-AFC4-6F175D3DCCD1}">
-              <a14:hiddenFill xmlns:a14="http://schemas.microsoft.com/office/drawing/2010/main" xmlns="">
+              <a14:hiddenFill xmlns:a14="http://schemas.microsoft.com/office/drawing/2010/main">
                 <a:solidFill>
                   <a:srgbClr val="FFFFFF"/>
                 </a:solidFill>
@@ -23942,7 +23880,7 @@
     </p:spTree>
     <p:extLst>
       <p:ext uri="{BB962C8B-B14F-4D97-AF65-F5344CB8AC3E}">
-        <p14:creationId xmlns:p14="http://schemas.microsoft.com/office/powerpoint/2010/main" xmlns="" val="4253446923"/>
+        <p14:creationId xmlns:p14="http://schemas.microsoft.com/office/powerpoint/2010/main" val="4253446923"/>
       </p:ext>
     </p:extLst>
   </p:cSld>
@@ -24096,7 +24034,19 @@
               <a:rPr lang="en-US" dirty="0" smtClean="0">
                 <a:latin typeface="Segoe UI Light" panose="020B0502040204020203" pitchFamily="34" charset="0"/>
               </a:rPr>
-              <a:t>We identified the lack of automatic methods to annotate data sets with semantically related tags which affects as well the search quality on these datasets</a:t>
+              <a:t>We identified the lack of automatic methods to annotate data sets with semantically related </a:t>
+            </a:r>
+            <a:r>
+              <a:rPr lang="en-US" dirty="0" smtClean="0">
+                <a:latin typeface="Segoe UI Light" panose="020B0502040204020203" pitchFamily="34" charset="0"/>
+              </a:rPr>
+              <a:t>concepts which </a:t>
+            </a:r>
+            <a:r>
+              <a:rPr lang="en-US" dirty="0" smtClean="0">
+                <a:latin typeface="Segoe UI Light" panose="020B0502040204020203" pitchFamily="34" charset="0"/>
+              </a:rPr>
+              <a:t>affects as well the search quality on these datasets</a:t>
             </a:r>
           </a:p>
           <a:p>
@@ -24188,7 +24138,7 @@
     </p:spTree>
     <p:extLst>
       <p:ext uri="{BB962C8B-B14F-4D97-AF65-F5344CB8AC3E}">
-        <p14:creationId xmlns:p14="http://schemas.microsoft.com/office/powerpoint/2010/main" xmlns="" val="357821086"/>
+        <p14:creationId xmlns:p14="http://schemas.microsoft.com/office/powerpoint/2010/main" val="357821086"/>
       </p:ext>
     </p:extLst>
   </p:cSld>
@@ -24505,7 +24455,7 @@
     </p:spTree>
     <p:extLst>
       <p:ext uri="{BB962C8B-B14F-4D97-AF65-F5344CB8AC3E}">
-        <p14:creationId xmlns:p14="http://schemas.microsoft.com/office/powerpoint/2010/main" xmlns="" val="812009092"/>
+        <p14:creationId xmlns:p14="http://schemas.microsoft.com/office/powerpoint/2010/main" val="812009092"/>
       </p:ext>
     </p:extLst>
   </p:cSld>
@@ -26225,7 +26175,7 @@
           <a:blip r:embed="rId3" cstate="print">
             <a:extLst>
               <a:ext uri="{28A0092B-C50C-407E-A947-70E740481C1C}">
-                <a14:useLocalDpi xmlns:a14="http://schemas.microsoft.com/office/drawing/2010/main" xmlns="" val="0"/>
+                <a14:useLocalDpi xmlns:a14="http://schemas.microsoft.com/office/drawing/2010/main" val="0"/>
               </a:ext>
             </a:extLst>
           </a:blip>
@@ -26245,7 +26195,7 @@
           <a:noFill/>
           <a:extLst>
             <a:ext uri="{909E8E84-426E-40DD-AFC4-6F175D3DCCD1}">
-              <a14:hiddenFill xmlns:a14="http://schemas.microsoft.com/office/drawing/2010/main" xmlns="">
+              <a14:hiddenFill xmlns:a14="http://schemas.microsoft.com/office/drawing/2010/main">
                 <a:solidFill>
                   <a:srgbClr val="FFFFFF"/>
                 </a:solidFill>
@@ -26266,7 +26216,7 @@
           <a:blip r:embed="rId3" cstate="print">
             <a:extLst>
               <a:ext uri="{28A0092B-C50C-407E-A947-70E740481C1C}">
-                <a14:useLocalDpi xmlns:a14="http://schemas.microsoft.com/office/drawing/2010/main" xmlns="" val="0"/>
+                <a14:useLocalDpi xmlns:a14="http://schemas.microsoft.com/office/drawing/2010/main" val="0"/>
               </a:ext>
             </a:extLst>
           </a:blip>
@@ -26286,7 +26236,7 @@
           <a:noFill/>
           <a:extLst>
             <a:ext uri="{909E8E84-426E-40DD-AFC4-6F175D3DCCD1}">
-              <a14:hiddenFill xmlns:a14="http://schemas.microsoft.com/office/drawing/2010/main" xmlns="">
+              <a14:hiddenFill xmlns:a14="http://schemas.microsoft.com/office/drawing/2010/main">
                 <a:solidFill>
                   <a:srgbClr val="FFFFFF"/>
                 </a:solidFill>
@@ -26483,7 +26433,7 @@
           <a:blip r:embed="rId4" cstate="print">
             <a:extLst>
               <a:ext uri="{28A0092B-C50C-407E-A947-70E740481C1C}">
-                <a14:useLocalDpi xmlns:a14="http://schemas.microsoft.com/office/drawing/2010/main" xmlns="" val="0"/>
+                <a14:useLocalDpi xmlns:a14="http://schemas.microsoft.com/office/drawing/2010/main" val="0"/>
               </a:ext>
             </a:extLst>
           </a:blip>
@@ -26503,7 +26453,7 @@
           <a:noFill/>
           <a:extLst>
             <a:ext uri="{909E8E84-426E-40DD-AFC4-6F175D3DCCD1}">
-              <a14:hiddenFill xmlns:a14="http://schemas.microsoft.com/office/drawing/2010/main" xmlns="">
+              <a14:hiddenFill xmlns:a14="http://schemas.microsoft.com/office/drawing/2010/main">
                 <a:solidFill>
                   <a:srgbClr val="FFFFFF"/>
                 </a:solidFill>
@@ -26973,7 +26923,7 @@
           <a:blip r:embed="rId4" cstate="print">
             <a:extLst>
               <a:ext uri="{28A0092B-C50C-407E-A947-70E740481C1C}">
-                <a14:useLocalDpi xmlns:a14="http://schemas.microsoft.com/office/drawing/2010/main" xmlns="" val="0"/>
+                <a14:useLocalDpi xmlns:a14="http://schemas.microsoft.com/office/drawing/2010/main" val="0"/>
               </a:ext>
             </a:extLst>
           </a:blip>
@@ -26993,7 +26943,7 @@
           <a:noFill/>
           <a:extLst>
             <a:ext uri="{909E8E84-426E-40DD-AFC4-6F175D3DCCD1}">
-              <a14:hiddenFill xmlns:a14="http://schemas.microsoft.com/office/drawing/2010/main" xmlns="">
+              <a14:hiddenFill xmlns:a14="http://schemas.microsoft.com/office/drawing/2010/main">
                 <a:solidFill>
                   <a:srgbClr val="FFFFFF"/>
                 </a:solidFill>
@@ -27014,7 +26964,7 @@
           <a:blip r:embed="rId4" cstate="print">
             <a:extLst>
               <a:ext uri="{28A0092B-C50C-407E-A947-70E740481C1C}">
-                <a14:useLocalDpi xmlns:a14="http://schemas.microsoft.com/office/drawing/2010/main" xmlns="" val="0"/>
+                <a14:useLocalDpi xmlns:a14="http://schemas.microsoft.com/office/drawing/2010/main" val="0"/>
               </a:ext>
             </a:extLst>
           </a:blip>
@@ -27034,7 +26984,7 @@
           <a:noFill/>
           <a:extLst>
             <a:ext uri="{909E8E84-426E-40DD-AFC4-6F175D3DCCD1}">
-              <a14:hiddenFill xmlns:a14="http://schemas.microsoft.com/office/drawing/2010/main" xmlns="">
+              <a14:hiddenFill xmlns:a14="http://schemas.microsoft.com/office/drawing/2010/main">
                 <a:solidFill>
                   <a:srgbClr val="FFFFFF"/>
                 </a:solidFill>
@@ -27055,7 +27005,7 @@
           <a:blip r:embed="rId4" cstate="print">
             <a:extLst>
               <a:ext uri="{28A0092B-C50C-407E-A947-70E740481C1C}">
-                <a14:useLocalDpi xmlns:a14="http://schemas.microsoft.com/office/drawing/2010/main" xmlns="" val="0"/>
+                <a14:useLocalDpi xmlns:a14="http://schemas.microsoft.com/office/drawing/2010/main" val="0"/>
               </a:ext>
             </a:extLst>
           </a:blip>
@@ -27075,7 +27025,7 @@
           <a:noFill/>
           <a:extLst>
             <a:ext uri="{909E8E84-426E-40DD-AFC4-6F175D3DCCD1}">
-              <a14:hiddenFill xmlns:a14="http://schemas.microsoft.com/office/drawing/2010/main" xmlns="">
+              <a14:hiddenFill xmlns:a14="http://schemas.microsoft.com/office/drawing/2010/main">
                 <a:solidFill>
                   <a:srgbClr val="FFFFFF"/>
                 </a:solidFill>
@@ -27458,7 +27408,7 @@
     </p:spTree>
     <p:extLst>
       <p:ext uri="{BB962C8B-B14F-4D97-AF65-F5344CB8AC3E}">
-        <p14:creationId xmlns:p14="http://schemas.microsoft.com/office/powerpoint/2010/main" xmlns="" val="548145660"/>
+        <p14:creationId xmlns:p14="http://schemas.microsoft.com/office/powerpoint/2010/main" val="548145660"/>
       </p:ext>
     </p:extLst>
   </p:cSld>
@@ -27752,7 +27702,7 @@
           <a:blip r:embed="rId3" cstate="print">
             <a:extLst>
               <a:ext uri="{28A0092B-C50C-407E-A947-70E740481C1C}">
-                <a14:useLocalDpi xmlns:a14="http://schemas.microsoft.com/office/drawing/2010/main" xmlns="" val="0"/>
+                <a14:useLocalDpi xmlns:a14="http://schemas.microsoft.com/office/drawing/2010/main" val="0"/>
               </a:ext>
             </a:extLst>
           </a:blip>
@@ -27772,7 +27722,7 @@
           <a:noFill/>
           <a:extLst>
             <a:ext uri="{909E8E84-426E-40DD-AFC4-6F175D3DCCD1}">
-              <a14:hiddenFill xmlns:a14="http://schemas.microsoft.com/office/drawing/2010/main" xmlns="">
+              <a14:hiddenFill xmlns:a14="http://schemas.microsoft.com/office/drawing/2010/main">
                 <a:solidFill>
                   <a:srgbClr val="FFFFFF"/>
                 </a:solidFill>
@@ -27784,7 +27734,7 @@
     </p:spTree>
     <p:extLst>
       <p:ext uri="{BB962C8B-B14F-4D97-AF65-F5344CB8AC3E}">
-        <p14:creationId xmlns:p14="http://schemas.microsoft.com/office/powerpoint/2010/main" xmlns="" val="2874497512"/>
+        <p14:creationId xmlns:p14="http://schemas.microsoft.com/office/powerpoint/2010/main" val="2874497512"/>
       </p:ext>
     </p:extLst>
   </p:cSld>
@@ -27831,7 +27781,7 @@
           <a:blip r:embed="rId2" cstate="print">
             <a:extLst>
               <a:ext uri="{28A0092B-C50C-407E-A947-70E740481C1C}">
-                <a14:useLocalDpi xmlns:a14="http://schemas.microsoft.com/office/drawing/2010/main" xmlns="" val="0"/>
+                <a14:useLocalDpi xmlns:a14="http://schemas.microsoft.com/office/drawing/2010/main" val="0"/>
               </a:ext>
             </a:extLst>
           </a:blip>
@@ -27855,14 +27805,14 @@
           <a:effectLst/>
           <a:extLst>
             <a:ext uri="{909E8E84-426E-40DD-AFC4-6F175D3DCCD1}">
-              <a14:hiddenFill xmlns:a14="http://schemas.microsoft.com/office/drawing/2010/main" xmlns="">
+              <a14:hiddenFill xmlns:a14="http://schemas.microsoft.com/office/drawing/2010/main">
                 <a:solidFill>
                   <a:schemeClr val="accent1"/>
                 </a:solidFill>
               </a14:hiddenFill>
             </a:ext>
             <a:ext uri="{91240B29-F687-4F45-9708-019B960494DF}">
-              <a14:hiddenLine xmlns:a14="http://schemas.microsoft.com/office/drawing/2010/main" xmlns="" w="9525">
+              <a14:hiddenLine xmlns:a14="http://schemas.microsoft.com/office/drawing/2010/main" w="9525">
                 <a:solidFill>
                   <a:schemeClr val="tx1"/>
                 </a:solidFill>
@@ -27872,7 +27822,7 @@
               </a14:hiddenLine>
             </a:ext>
             <a:ext uri="{AF507438-7753-43E0-B8FC-AC1667EBCBE1}">
-              <a14:hiddenEffects xmlns:a14="http://schemas.microsoft.com/office/drawing/2010/main" xmlns="">
+              <a14:hiddenEffects xmlns:a14="http://schemas.microsoft.com/office/drawing/2010/main">
                 <a:effectLst>
                   <a:outerShdw dist="35921" dir="2700000" algn="ctr" rotWithShape="0">
                     <a:schemeClr val="bg2"/>
@@ -28547,7 +28497,7 @@
                   <a:blip r:embed="rId3" cstate="print">
                     <a:extLst>
                       <a:ext uri="{28A0092B-C50C-407E-A947-70E740481C1C}">
-                        <a14:useLocalDpi xmlns:a14="http://schemas.microsoft.com/office/drawing/2010/main" xmlns="" val="0"/>
+                        <a14:useLocalDpi xmlns:a14="http://schemas.microsoft.com/office/drawing/2010/main" val="0"/>
                       </a:ext>
                     </a:extLst>
                   </a:blip>
@@ -28571,14 +28521,14 @@
                   <a:effectLst/>
                   <a:extLst>
                     <a:ext uri="{909E8E84-426E-40DD-AFC4-6F175D3DCCD1}">
-                      <a14:hiddenFill xmlns:a14="http://schemas.microsoft.com/office/drawing/2010/main" xmlns="">
+                      <a14:hiddenFill xmlns:a14="http://schemas.microsoft.com/office/drawing/2010/main">
                         <a:solidFill>
                           <a:schemeClr val="accent1"/>
                         </a:solidFill>
                       </a14:hiddenFill>
                     </a:ext>
                     <a:ext uri="{91240B29-F687-4F45-9708-019B960494DF}">
-                      <a14:hiddenLine xmlns:a14="http://schemas.microsoft.com/office/drawing/2010/main" xmlns="" w="9525">
+                      <a14:hiddenLine xmlns:a14="http://schemas.microsoft.com/office/drawing/2010/main" w="9525">
                         <a:solidFill>
                           <a:schemeClr val="tx1"/>
                         </a:solidFill>
@@ -28588,7 +28538,7 @@
                       </a14:hiddenLine>
                     </a:ext>
                     <a:ext uri="{AF507438-7753-43E0-B8FC-AC1667EBCBE1}">
-                      <a14:hiddenEffects xmlns:a14="http://schemas.microsoft.com/office/drawing/2010/main" xmlns="">
+                      <a14:hiddenEffects xmlns:a14="http://schemas.microsoft.com/office/drawing/2010/main">
                         <a:effectLst>
                           <a:outerShdw dist="35921" dir="2700000" algn="ctr" rotWithShape="0">
                             <a:schemeClr val="bg2"/>
@@ -28611,7 +28561,7 @@
                   <a:blip r:embed="rId4" cstate="print">
                     <a:extLst>
                       <a:ext uri="{28A0092B-C50C-407E-A947-70E740481C1C}">
-                        <a14:useLocalDpi xmlns:a14="http://schemas.microsoft.com/office/drawing/2010/main" xmlns="" val="0"/>
+                        <a14:useLocalDpi xmlns:a14="http://schemas.microsoft.com/office/drawing/2010/main" val="0"/>
                       </a:ext>
                     </a:extLst>
                   </a:blip>
@@ -28635,14 +28585,14 @@
                   <a:effectLst/>
                   <a:extLst>
                     <a:ext uri="{909E8E84-426E-40DD-AFC4-6F175D3DCCD1}">
-                      <a14:hiddenFill xmlns:a14="http://schemas.microsoft.com/office/drawing/2010/main" xmlns="">
+                      <a14:hiddenFill xmlns:a14="http://schemas.microsoft.com/office/drawing/2010/main">
                         <a:solidFill>
                           <a:schemeClr val="accent1"/>
                         </a:solidFill>
                       </a14:hiddenFill>
                     </a:ext>
                     <a:ext uri="{91240B29-F687-4F45-9708-019B960494DF}">
-                      <a14:hiddenLine xmlns:a14="http://schemas.microsoft.com/office/drawing/2010/main" xmlns="" w="9525">
+                      <a14:hiddenLine xmlns:a14="http://schemas.microsoft.com/office/drawing/2010/main" w="9525">
                         <a:solidFill>
                           <a:schemeClr val="tx1"/>
                         </a:solidFill>
@@ -28652,7 +28602,7 @@
                       </a14:hiddenLine>
                     </a:ext>
                     <a:ext uri="{AF507438-7753-43E0-B8FC-AC1667EBCBE1}">
-                      <a14:hiddenEffects xmlns:a14="http://schemas.microsoft.com/office/drawing/2010/main" xmlns="">
+                      <a14:hiddenEffects xmlns:a14="http://schemas.microsoft.com/office/drawing/2010/main">
                         <a:effectLst>
                           <a:outerShdw dist="35921" dir="2700000" algn="ctr" rotWithShape="0">
                             <a:schemeClr val="bg2"/>
@@ -28720,7 +28670,7 @@
                   <a:blip r:embed="rId5" cstate="print">
                     <a:extLst>
                       <a:ext uri="{28A0092B-C50C-407E-A947-70E740481C1C}">
-                        <a14:useLocalDpi xmlns:a14="http://schemas.microsoft.com/office/drawing/2010/main" xmlns="" val="0"/>
+                        <a14:useLocalDpi xmlns:a14="http://schemas.microsoft.com/office/drawing/2010/main" val="0"/>
                       </a:ext>
                     </a:extLst>
                   </a:blip>
@@ -28744,14 +28694,14 @@
                   <a:effectLst/>
                   <a:extLst>
                     <a:ext uri="{909E8E84-426E-40DD-AFC4-6F175D3DCCD1}">
-                      <a14:hiddenFill xmlns:a14="http://schemas.microsoft.com/office/drawing/2010/main" xmlns="">
+                      <a14:hiddenFill xmlns:a14="http://schemas.microsoft.com/office/drawing/2010/main">
                         <a:solidFill>
                           <a:schemeClr val="accent1"/>
                         </a:solidFill>
                       </a14:hiddenFill>
                     </a:ext>
                     <a:ext uri="{91240B29-F687-4F45-9708-019B960494DF}">
-                      <a14:hiddenLine xmlns:a14="http://schemas.microsoft.com/office/drawing/2010/main" xmlns="" w="9525">
+                      <a14:hiddenLine xmlns:a14="http://schemas.microsoft.com/office/drawing/2010/main" w="9525">
                         <a:solidFill>
                           <a:schemeClr val="tx1"/>
                         </a:solidFill>
@@ -28761,7 +28711,7 @@
                       </a14:hiddenLine>
                     </a:ext>
                     <a:ext uri="{AF507438-7753-43E0-B8FC-AC1667EBCBE1}">
-                      <a14:hiddenEffects xmlns:a14="http://schemas.microsoft.com/office/drawing/2010/main" xmlns="">
+                      <a14:hiddenEffects xmlns:a14="http://schemas.microsoft.com/office/drawing/2010/main">
                         <a:effectLst>
                           <a:outerShdw dist="35921" dir="2700000" algn="ctr" rotWithShape="0">
                             <a:schemeClr val="bg2"/>
@@ -28784,7 +28734,7 @@
                   <a:blip r:embed="rId5" cstate="print">
                     <a:extLst>
                       <a:ext uri="{28A0092B-C50C-407E-A947-70E740481C1C}">
-                        <a14:useLocalDpi xmlns:a14="http://schemas.microsoft.com/office/drawing/2010/main" xmlns="" val="0"/>
+                        <a14:useLocalDpi xmlns:a14="http://schemas.microsoft.com/office/drawing/2010/main" val="0"/>
                       </a:ext>
                     </a:extLst>
                   </a:blip>
@@ -28808,14 +28758,14 @@
                   <a:effectLst/>
                   <a:extLst>
                     <a:ext uri="{909E8E84-426E-40DD-AFC4-6F175D3DCCD1}">
-                      <a14:hiddenFill xmlns:a14="http://schemas.microsoft.com/office/drawing/2010/main" xmlns="">
+                      <a14:hiddenFill xmlns:a14="http://schemas.microsoft.com/office/drawing/2010/main">
                         <a:solidFill>
                           <a:schemeClr val="accent1"/>
                         </a:solidFill>
                       </a14:hiddenFill>
                     </a:ext>
                     <a:ext uri="{91240B29-F687-4F45-9708-019B960494DF}">
-                      <a14:hiddenLine xmlns:a14="http://schemas.microsoft.com/office/drawing/2010/main" xmlns="" w="9525">
+                      <a14:hiddenLine xmlns:a14="http://schemas.microsoft.com/office/drawing/2010/main" w="9525">
                         <a:solidFill>
                           <a:schemeClr val="tx1"/>
                         </a:solidFill>
@@ -28825,7 +28775,7 @@
                       </a14:hiddenLine>
                     </a:ext>
                     <a:ext uri="{AF507438-7753-43E0-B8FC-AC1667EBCBE1}">
-                      <a14:hiddenEffects xmlns:a14="http://schemas.microsoft.com/office/drawing/2010/main" xmlns="">
+                      <a14:hiddenEffects xmlns:a14="http://schemas.microsoft.com/office/drawing/2010/main">
                         <a:effectLst>
                           <a:outerShdw dist="35921" dir="2700000" algn="ctr" rotWithShape="0">
                             <a:schemeClr val="bg2"/>
@@ -28848,7 +28798,7 @@
                   <a:blip r:embed="rId5" cstate="print">
                     <a:extLst>
                       <a:ext uri="{28A0092B-C50C-407E-A947-70E740481C1C}">
-                        <a14:useLocalDpi xmlns:a14="http://schemas.microsoft.com/office/drawing/2010/main" xmlns="" val="0"/>
+                        <a14:useLocalDpi xmlns:a14="http://schemas.microsoft.com/office/drawing/2010/main" val="0"/>
                       </a:ext>
                     </a:extLst>
                   </a:blip>
@@ -28872,14 +28822,14 @@
                   <a:effectLst/>
                   <a:extLst>
                     <a:ext uri="{909E8E84-426E-40DD-AFC4-6F175D3DCCD1}">
-                      <a14:hiddenFill xmlns:a14="http://schemas.microsoft.com/office/drawing/2010/main" xmlns="">
+                      <a14:hiddenFill xmlns:a14="http://schemas.microsoft.com/office/drawing/2010/main">
                         <a:solidFill>
                           <a:schemeClr val="accent1"/>
                         </a:solidFill>
                       </a14:hiddenFill>
                     </a:ext>
                     <a:ext uri="{91240B29-F687-4F45-9708-019B960494DF}">
-                      <a14:hiddenLine xmlns:a14="http://schemas.microsoft.com/office/drawing/2010/main" xmlns="" w="9525">
+                      <a14:hiddenLine xmlns:a14="http://schemas.microsoft.com/office/drawing/2010/main" w="9525">
                         <a:solidFill>
                           <a:schemeClr val="tx1"/>
                         </a:solidFill>
@@ -28889,7 +28839,7 @@
                       </a14:hiddenLine>
                     </a:ext>
                     <a:ext uri="{AF507438-7753-43E0-B8FC-AC1667EBCBE1}">
-                      <a14:hiddenEffects xmlns:a14="http://schemas.microsoft.com/office/drawing/2010/main" xmlns="">
+                      <a14:hiddenEffects xmlns:a14="http://schemas.microsoft.com/office/drawing/2010/main">
                         <a:effectLst>
                           <a:outerShdw dist="35921" dir="2700000" algn="ctr" rotWithShape="0">
                             <a:schemeClr val="bg2"/>
@@ -28912,7 +28862,7 @@
                   <a:blip r:embed="rId5" cstate="print">
                     <a:extLst>
                       <a:ext uri="{28A0092B-C50C-407E-A947-70E740481C1C}">
-                        <a14:useLocalDpi xmlns:a14="http://schemas.microsoft.com/office/drawing/2010/main" xmlns="" val="0"/>
+                        <a14:useLocalDpi xmlns:a14="http://schemas.microsoft.com/office/drawing/2010/main" val="0"/>
                       </a:ext>
                     </a:extLst>
                   </a:blip>
@@ -28936,14 +28886,14 @@
                   <a:effectLst/>
                   <a:extLst>
                     <a:ext uri="{909E8E84-426E-40DD-AFC4-6F175D3DCCD1}">
-                      <a14:hiddenFill xmlns:a14="http://schemas.microsoft.com/office/drawing/2010/main" xmlns="">
+                      <a14:hiddenFill xmlns:a14="http://schemas.microsoft.com/office/drawing/2010/main">
                         <a:solidFill>
                           <a:schemeClr val="accent1"/>
                         </a:solidFill>
                       </a14:hiddenFill>
                     </a:ext>
                     <a:ext uri="{91240B29-F687-4F45-9708-019B960494DF}">
-                      <a14:hiddenLine xmlns:a14="http://schemas.microsoft.com/office/drawing/2010/main" xmlns="" w="9525">
+                      <a14:hiddenLine xmlns:a14="http://schemas.microsoft.com/office/drawing/2010/main" w="9525">
                         <a:solidFill>
                           <a:schemeClr val="tx1"/>
                         </a:solidFill>
@@ -28953,7 +28903,7 @@
                       </a14:hiddenLine>
                     </a:ext>
                     <a:ext uri="{AF507438-7753-43E0-B8FC-AC1667EBCBE1}">
-                      <a14:hiddenEffects xmlns:a14="http://schemas.microsoft.com/office/drawing/2010/main" xmlns="">
+                      <a14:hiddenEffects xmlns:a14="http://schemas.microsoft.com/office/drawing/2010/main">
                         <a:effectLst>
                           <a:outerShdw dist="35921" dir="2700000" algn="ctr" rotWithShape="0">
                             <a:schemeClr val="bg2"/>
@@ -28976,7 +28926,7 @@
                   <a:blip r:embed="rId6" cstate="print">
                     <a:extLst>
                       <a:ext uri="{28A0092B-C50C-407E-A947-70E740481C1C}">
-                        <a14:useLocalDpi xmlns:a14="http://schemas.microsoft.com/office/drawing/2010/main" xmlns="" val="0"/>
+                        <a14:useLocalDpi xmlns:a14="http://schemas.microsoft.com/office/drawing/2010/main" val="0"/>
                       </a:ext>
                     </a:extLst>
                   </a:blip>
@@ -29000,14 +28950,14 @@
                   <a:effectLst/>
                   <a:extLst>
                     <a:ext uri="{909E8E84-426E-40DD-AFC4-6F175D3DCCD1}">
-                      <a14:hiddenFill xmlns:a14="http://schemas.microsoft.com/office/drawing/2010/main" xmlns="">
+                      <a14:hiddenFill xmlns:a14="http://schemas.microsoft.com/office/drawing/2010/main">
                         <a:solidFill>
                           <a:schemeClr val="accent1"/>
                         </a:solidFill>
                       </a14:hiddenFill>
                     </a:ext>
                     <a:ext uri="{91240B29-F687-4F45-9708-019B960494DF}">
-                      <a14:hiddenLine xmlns:a14="http://schemas.microsoft.com/office/drawing/2010/main" xmlns="" w="9525">
+                      <a14:hiddenLine xmlns:a14="http://schemas.microsoft.com/office/drawing/2010/main" w="9525">
                         <a:solidFill>
                           <a:schemeClr val="tx1"/>
                         </a:solidFill>
@@ -29017,7 +28967,7 @@
                       </a14:hiddenLine>
                     </a:ext>
                     <a:ext uri="{AF507438-7753-43E0-B8FC-AC1667EBCBE1}">
-                      <a14:hiddenEffects xmlns:a14="http://schemas.microsoft.com/office/drawing/2010/main" xmlns="">
+                      <a14:hiddenEffects xmlns:a14="http://schemas.microsoft.com/office/drawing/2010/main">
                         <a:effectLst>
                           <a:outerShdw dist="35921" dir="2700000" algn="ctr" rotWithShape="0">
                             <a:schemeClr val="bg2"/>
@@ -29041,7 +28991,7 @@
                 <a:blip r:embed="rId7" cstate="print">
                   <a:extLst>
                     <a:ext uri="{28A0092B-C50C-407E-A947-70E740481C1C}">
-                      <a14:useLocalDpi xmlns:a14="http://schemas.microsoft.com/office/drawing/2010/main" xmlns="" val="0"/>
+                      <a14:useLocalDpi xmlns:a14="http://schemas.microsoft.com/office/drawing/2010/main" val="0"/>
                     </a:ext>
                   </a:extLst>
                 </a:blip>
@@ -29065,14 +29015,14 @@
                 <a:effectLst/>
                 <a:extLst>
                   <a:ext uri="{909E8E84-426E-40DD-AFC4-6F175D3DCCD1}">
-                    <a14:hiddenFill xmlns:a14="http://schemas.microsoft.com/office/drawing/2010/main" xmlns="">
+                    <a14:hiddenFill xmlns:a14="http://schemas.microsoft.com/office/drawing/2010/main">
                       <a:solidFill>
                         <a:schemeClr val="accent1"/>
                       </a:solidFill>
                     </a14:hiddenFill>
                   </a:ext>
                   <a:ext uri="{91240B29-F687-4F45-9708-019B960494DF}">
-                    <a14:hiddenLine xmlns:a14="http://schemas.microsoft.com/office/drawing/2010/main" xmlns="" w="9525">
+                    <a14:hiddenLine xmlns:a14="http://schemas.microsoft.com/office/drawing/2010/main" w="9525">
                       <a:solidFill>
                         <a:schemeClr val="tx1"/>
                       </a:solidFill>
@@ -29082,7 +29032,7 @@
                     </a14:hiddenLine>
                   </a:ext>
                   <a:ext uri="{AF507438-7753-43E0-B8FC-AC1667EBCBE1}">
-                    <a14:hiddenEffects xmlns:a14="http://schemas.microsoft.com/office/drawing/2010/main" xmlns="">
+                    <a14:hiddenEffects xmlns:a14="http://schemas.microsoft.com/office/drawing/2010/main">
                       <a:effectLst>
                         <a:outerShdw dist="35921" dir="2700000" algn="ctr" rotWithShape="0">
                           <a:schemeClr val="bg2"/>
@@ -29105,7 +29055,7 @@
                 <a:blip r:embed="rId7" cstate="print">
                   <a:extLst>
                     <a:ext uri="{28A0092B-C50C-407E-A947-70E740481C1C}">
-                      <a14:useLocalDpi xmlns:a14="http://schemas.microsoft.com/office/drawing/2010/main" xmlns="" val="0"/>
+                      <a14:useLocalDpi xmlns:a14="http://schemas.microsoft.com/office/drawing/2010/main" val="0"/>
                     </a:ext>
                   </a:extLst>
                 </a:blip>
@@ -29129,14 +29079,14 @@
                 <a:effectLst/>
                 <a:extLst>
                   <a:ext uri="{909E8E84-426E-40DD-AFC4-6F175D3DCCD1}">
-                    <a14:hiddenFill xmlns:a14="http://schemas.microsoft.com/office/drawing/2010/main" xmlns="">
+                    <a14:hiddenFill xmlns:a14="http://schemas.microsoft.com/office/drawing/2010/main">
                       <a:solidFill>
                         <a:schemeClr val="accent1"/>
                       </a:solidFill>
                     </a14:hiddenFill>
                   </a:ext>
                   <a:ext uri="{91240B29-F687-4F45-9708-019B960494DF}">
-                    <a14:hiddenLine xmlns:a14="http://schemas.microsoft.com/office/drawing/2010/main" xmlns="" w="9525">
+                    <a14:hiddenLine xmlns:a14="http://schemas.microsoft.com/office/drawing/2010/main" w="9525">
                       <a:solidFill>
                         <a:schemeClr val="tx1"/>
                       </a:solidFill>
@@ -29146,7 +29096,7 @@
                     </a14:hiddenLine>
                   </a:ext>
                   <a:ext uri="{AF507438-7753-43E0-B8FC-AC1667EBCBE1}">
-                    <a14:hiddenEffects xmlns:a14="http://schemas.microsoft.com/office/drawing/2010/main" xmlns="">
+                    <a14:hiddenEffects xmlns:a14="http://schemas.microsoft.com/office/drawing/2010/main">
                       <a:effectLst>
                         <a:outerShdw dist="35921" dir="2700000" algn="ctr" rotWithShape="0">
                           <a:schemeClr val="bg2"/>
@@ -29169,7 +29119,7 @@
                 <a:blip r:embed="rId7" cstate="print">
                   <a:extLst>
                     <a:ext uri="{28A0092B-C50C-407E-A947-70E740481C1C}">
-                      <a14:useLocalDpi xmlns:a14="http://schemas.microsoft.com/office/drawing/2010/main" xmlns="" val="0"/>
+                      <a14:useLocalDpi xmlns:a14="http://schemas.microsoft.com/office/drawing/2010/main" val="0"/>
                     </a:ext>
                   </a:extLst>
                 </a:blip>
@@ -29193,14 +29143,14 @@
                 <a:effectLst/>
                 <a:extLst>
                   <a:ext uri="{909E8E84-426E-40DD-AFC4-6F175D3DCCD1}">
-                    <a14:hiddenFill xmlns:a14="http://schemas.microsoft.com/office/drawing/2010/main" xmlns="">
+                    <a14:hiddenFill xmlns:a14="http://schemas.microsoft.com/office/drawing/2010/main">
                       <a:solidFill>
                         <a:schemeClr val="accent1"/>
                       </a:solidFill>
                     </a14:hiddenFill>
                   </a:ext>
                   <a:ext uri="{91240B29-F687-4F45-9708-019B960494DF}">
-                    <a14:hiddenLine xmlns:a14="http://schemas.microsoft.com/office/drawing/2010/main" xmlns="" w="9525">
+                    <a14:hiddenLine xmlns:a14="http://schemas.microsoft.com/office/drawing/2010/main" w="9525">
                       <a:solidFill>
                         <a:schemeClr val="tx1"/>
                       </a:solidFill>
@@ -29210,7 +29160,7 @@
                     </a14:hiddenLine>
                   </a:ext>
                   <a:ext uri="{AF507438-7753-43E0-B8FC-AC1667EBCBE1}">
-                    <a14:hiddenEffects xmlns:a14="http://schemas.microsoft.com/office/drawing/2010/main" xmlns="">
+                    <a14:hiddenEffects xmlns:a14="http://schemas.microsoft.com/office/drawing/2010/main">
                       <a:effectLst>
                         <a:outerShdw dist="35921" dir="2700000" algn="ctr" rotWithShape="0">
                           <a:schemeClr val="bg2"/>
@@ -29233,7 +29183,7 @@
                 <a:blip r:embed="rId7" cstate="print">
                   <a:extLst>
                     <a:ext uri="{28A0092B-C50C-407E-A947-70E740481C1C}">
-                      <a14:useLocalDpi xmlns:a14="http://schemas.microsoft.com/office/drawing/2010/main" xmlns="" val="0"/>
+                      <a14:useLocalDpi xmlns:a14="http://schemas.microsoft.com/office/drawing/2010/main" val="0"/>
                     </a:ext>
                   </a:extLst>
                 </a:blip>
@@ -29257,14 +29207,14 @@
                 <a:effectLst/>
                 <a:extLst>
                   <a:ext uri="{909E8E84-426E-40DD-AFC4-6F175D3DCCD1}">
-                    <a14:hiddenFill xmlns:a14="http://schemas.microsoft.com/office/drawing/2010/main" xmlns="">
+                    <a14:hiddenFill xmlns:a14="http://schemas.microsoft.com/office/drawing/2010/main">
                       <a:solidFill>
                         <a:schemeClr val="accent1"/>
                       </a:solidFill>
                     </a14:hiddenFill>
                   </a:ext>
                   <a:ext uri="{91240B29-F687-4F45-9708-019B960494DF}">
-                    <a14:hiddenLine xmlns:a14="http://schemas.microsoft.com/office/drawing/2010/main" xmlns="" w="9525">
+                    <a14:hiddenLine xmlns:a14="http://schemas.microsoft.com/office/drawing/2010/main" w="9525">
                       <a:solidFill>
                         <a:schemeClr val="tx1"/>
                       </a:solidFill>
@@ -29274,7 +29224,7 @@
                     </a14:hiddenLine>
                   </a:ext>
                   <a:ext uri="{AF507438-7753-43E0-B8FC-AC1667EBCBE1}">
-                    <a14:hiddenEffects xmlns:a14="http://schemas.microsoft.com/office/drawing/2010/main" xmlns="">
+                    <a14:hiddenEffects xmlns:a14="http://schemas.microsoft.com/office/drawing/2010/main">
                       <a:effectLst>
                         <a:outerShdw dist="35921" dir="2700000" algn="ctr" rotWithShape="0">
                           <a:schemeClr val="bg2"/>
@@ -29472,7 +29422,7 @@
                 <a:blip r:embed="rId4" cstate="print">
                   <a:extLst>
                     <a:ext uri="{28A0092B-C50C-407E-A947-70E740481C1C}">
-                      <a14:useLocalDpi xmlns:a14="http://schemas.microsoft.com/office/drawing/2010/main" xmlns="" val="0"/>
+                      <a14:useLocalDpi xmlns:a14="http://schemas.microsoft.com/office/drawing/2010/main" val="0"/>
                     </a:ext>
                   </a:extLst>
                 </a:blip>
@@ -29496,14 +29446,14 @@
                 <a:effectLst/>
                 <a:extLst>
                   <a:ext uri="{909E8E84-426E-40DD-AFC4-6F175D3DCCD1}">
-                    <a14:hiddenFill xmlns:a14="http://schemas.microsoft.com/office/drawing/2010/main" xmlns="">
+                    <a14:hiddenFill xmlns:a14="http://schemas.microsoft.com/office/drawing/2010/main">
                       <a:solidFill>
                         <a:schemeClr val="accent1"/>
                       </a:solidFill>
                     </a14:hiddenFill>
                   </a:ext>
                   <a:ext uri="{91240B29-F687-4F45-9708-019B960494DF}">
-                    <a14:hiddenLine xmlns:a14="http://schemas.microsoft.com/office/drawing/2010/main" xmlns="" w="9525">
+                    <a14:hiddenLine xmlns:a14="http://schemas.microsoft.com/office/drawing/2010/main" w="9525">
                       <a:solidFill>
                         <a:schemeClr val="tx1"/>
                       </a:solidFill>
@@ -29513,7 +29463,7 @@
                     </a14:hiddenLine>
                   </a:ext>
                   <a:ext uri="{AF507438-7753-43E0-B8FC-AC1667EBCBE1}">
-                    <a14:hiddenEffects xmlns:a14="http://schemas.microsoft.com/office/drawing/2010/main" xmlns="">
+                    <a14:hiddenEffects xmlns:a14="http://schemas.microsoft.com/office/drawing/2010/main">
                       <a:effectLst>
                         <a:outerShdw dist="35921" dir="2700000" algn="ctr" rotWithShape="0">
                           <a:schemeClr val="bg2"/>
@@ -29581,7 +29531,7 @@
                 <a:blip r:embed="rId6" cstate="print">
                   <a:extLst>
                     <a:ext uri="{28A0092B-C50C-407E-A947-70E740481C1C}">
-                      <a14:useLocalDpi xmlns:a14="http://schemas.microsoft.com/office/drawing/2010/main" xmlns="" val="0"/>
+                      <a14:useLocalDpi xmlns:a14="http://schemas.microsoft.com/office/drawing/2010/main" val="0"/>
                     </a:ext>
                   </a:extLst>
                 </a:blip>
@@ -29605,14 +29555,14 @@
                 <a:effectLst/>
                 <a:extLst>
                   <a:ext uri="{909E8E84-426E-40DD-AFC4-6F175D3DCCD1}">
-                    <a14:hiddenFill xmlns:a14="http://schemas.microsoft.com/office/drawing/2010/main" xmlns="">
+                    <a14:hiddenFill xmlns:a14="http://schemas.microsoft.com/office/drawing/2010/main">
                       <a:solidFill>
                         <a:schemeClr val="accent1"/>
                       </a:solidFill>
                     </a14:hiddenFill>
                   </a:ext>
                   <a:ext uri="{91240B29-F687-4F45-9708-019B960494DF}">
-                    <a14:hiddenLine xmlns:a14="http://schemas.microsoft.com/office/drawing/2010/main" xmlns="" w="9525">
+                    <a14:hiddenLine xmlns:a14="http://schemas.microsoft.com/office/drawing/2010/main" w="9525">
                       <a:solidFill>
                         <a:schemeClr val="tx1"/>
                       </a:solidFill>
@@ -29622,7 +29572,7 @@
                     </a14:hiddenLine>
                   </a:ext>
                   <a:ext uri="{AF507438-7753-43E0-B8FC-AC1667EBCBE1}">
-                    <a14:hiddenEffects xmlns:a14="http://schemas.microsoft.com/office/drawing/2010/main" xmlns="">
+                    <a14:hiddenEffects xmlns:a14="http://schemas.microsoft.com/office/drawing/2010/main">
                       <a:effectLst>
                         <a:outerShdw dist="35921" dir="2700000" algn="ctr" rotWithShape="0">
                           <a:schemeClr val="bg2"/>
@@ -29646,7 +29596,7 @@
               <a:blip r:embed="rId7" cstate="print">
                 <a:extLst>
                   <a:ext uri="{28A0092B-C50C-407E-A947-70E740481C1C}">
-                    <a14:useLocalDpi xmlns:a14="http://schemas.microsoft.com/office/drawing/2010/main" xmlns="" val="0"/>
+                    <a14:useLocalDpi xmlns:a14="http://schemas.microsoft.com/office/drawing/2010/main" val="0"/>
                   </a:ext>
                 </a:extLst>
               </a:blip>
@@ -29670,14 +29620,14 @@
               <a:effectLst/>
               <a:extLst>
                 <a:ext uri="{909E8E84-426E-40DD-AFC4-6F175D3DCCD1}">
-                  <a14:hiddenFill xmlns:a14="http://schemas.microsoft.com/office/drawing/2010/main" xmlns="">
+                  <a14:hiddenFill xmlns:a14="http://schemas.microsoft.com/office/drawing/2010/main">
                     <a:solidFill>
                       <a:schemeClr val="accent1"/>
                     </a:solidFill>
                   </a14:hiddenFill>
                 </a:ext>
                 <a:ext uri="{91240B29-F687-4F45-9708-019B960494DF}">
-                  <a14:hiddenLine xmlns:a14="http://schemas.microsoft.com/office/drawing/2010/main" xmlns="" w="9525">
+                  <a14:hiddenLine xmlns:a14="http://schemas.microsoft.com/office/drawing/2010/main" w="9525">
                     <a:solidFill>
                       <a:schemeClr val="tx1"/>
                     </a:solidFill>
@@ -29687,7 +29637,7 @@
                   </a14:hiddenLine>
                 </a:ext>
                 <a:ext uri="{AF507438-7753-43E0-B8FC-AC1667EBCBE1}">
-                  <a14:hiddenEffects xmlns:a14="http://schemas.microsoft.com/office/drawing/2010/main" xmlns="">
+                  <a14:hiddenEffects xmlns:a14="http://schemas.microsoft.com/office/drawing/2010/main">
                     <a:effectLst>
                       <a:outerShdw dist="35921" dir="2700000" algn="ctr" rotWithShape="0">
                         <a:schemeClr val="bg2"/>
@@ -29710,7 +29660,7 @@
               <a:blip r:embed="rId7" cstate="print">
                 <a:extLst>
                   <a:ext uri="{28A0092B-C50C-407E-A947-70E740481C1C}">
-                    <a14:useLocalDpi xmlns:a14="http://schemas.microsoft.com/office/drawing/2010/main" xmlns="" val="0"/>
+                    <a14:useLocalDpi xmlns:a14="http://schemas.microsoft.com/office/drawing/2010/main" val="0"/>
                   </a:ext>
                 </a:extLst>
               </a:blip>
@@ -29734,14 +29684,14 @@
               <a:effectLst/>
               <a:extLst>
                 <a:ext uri="{909E8E84-426E-40DD-AFC4-6F175D3DCCD1}">
-                  <a14:hiddenFill xmlns:a14="http://schemas.microsoft.com/office/drawing/2010/main" xmlns="">
+                  <a14:hiddenFill xmlns:a14="http://schemas.microsoft.com/office/drawing/2010/main">
                     <a:solidFill>
                       <a:schemeClr val="accent1"/>
                     </a:solidFill>
                   </a14:hiddenFill>
                 </a:ext>
                 <a:ext uri="{91240B29-F687-4F45-9708-019B960494DF}">
-                  <a14:hiddenLine xmlns:a14="http://schemas.microsoft.com/office/drawing/2010/main" xmlns="" w="9525">
+                  <a14:hiddenLine xmlns:a14="http://schemas.microsoft.com/office/drawing/2010/main" w="9525">
                     <a:solidFill>
                       <a:schemeClr val="tx1"/>
                     </a:solidFill>
@@ -29751,7 +29701,7 @@
                   </a14:hiddenLine>
                 </a:ext>
                 <a:ext uri="{AF507438-7753-43E0-B8FC-AC1667EBCBE1}">
-                  <a14:hiddenEffects xmlns:a14="http://schemas.microsoft.com/office/drawing/2010/main" xmlns="">
+                  <a14:hiddenEffects xmlns:a14="http://schemas.microsoft.com/office/drawing/2010/main">
                     <a:effectLst>
                       <a:outerShdw dist="35921" dir="2700000" algn="ctr" rotWithShape="0">
                         <a:schemeClr val="bg2"/>
@@ -29774,7 +29724,7 @@
               <a:blip r:embed="rId7" cstate="print">
                 <a:extLst>
                   <a:ext uri="{28A0092B-C50C-407E-A947-70E740481C1C}">
-                    <a14:useLocalDpi xmlns:a14="http://schemas.microsoft.com/office/drawing/2010/main" xmlns="" val="0"/>
+                    <a14:useLocalDpi xmlns:a14="http://schemas.microsoft.com/office/drawing/2010/main" val="0"/>
                   </a:ext>
                 </a:extLst>
               </a:blip>
@@ -29798,14 +29748,14 @@
               <a:effectLst/>
               <a:extLst>
                 <a:ext uri="{909E8E84-426E-40DD-AFC4-6F175D3DCCD1}">
-                  <a14:hiddenFill xmlns:a14="http://schemas.microsoft.com/office/drawing/2010/main" xmlns="">
+                  <a14:hiddenFill xmlns:a14="http://schemas.microsoft.com/office/drawing/2010/main">
                     <a:solidFill>
                       <a:schemeClr val="accent1"/>
                     </a:solidFill>
                   </a14:hiddenFill>
                 </a:ext>
                 <a:ext uri="{91240B29-F687-4F45-9708-019B960494DF}">
-                  <a14:hiddenLine xmlns:a14="http://schemas.microsoft.com/office/drawing/2010/main" xmlns="" w="9525">
+                  <a14:hiddenLine xmlns:a14="http://schemas.microsoft.com/office/drawing/2010/main" w="9525">
                     <a:solidFill>
                       <a:schemeClr val="tx1"/>
                     </a:solidFill>
@@ -29815,7 +29765,7 @@
                   </a14:hiddenLine>
                 </a:ext>
                 <a:ext uri="{AF507438-7753-43E0-B8FC-AC1667EBCBE1}">
-                  <a14:hiddenEffects xmlns:a14="http://schemas.microsoft.com/office/drawing/2010/main" xmlns="">
+                  <a14:hiddenEffects xmlns:a14="http://schemas.microsoft.com/office/drawing/2010/main">
                     <a:effectLst>
                       <a:outerShdw dist="35921" dir="2700000" algn="ctr" rotWithShape="0">
                         <a:schemeClr val="bg2"/>
@@ -29838,7 +29788,7 @@
               <a:blip r:embed="rId7" cstate="print">
                 <a:extLst>
                   <a:ext uri="{28A0092B-C50C-407E-A947-70E740481C1C}">
-                    <a14:useLocalDpi xmlns:a14="http://schemas.microsoft.com/office/drawing/2010/main" xmlns="" val="0"/>
+                    <a14:useLocalDpi xmlns:a14="http://schemas.microsoft.com/office/drawing/2010/main" val="0"/>
                   </a:ext>
                 </a:extLst>
               </a:blip>
@@ -29862,14 +29812,14 @@
               <a:effectLst/>
               <a:extLst>
                 <a:ext uri="{909E8E84-426E-40DD-AFC4-6F175D3DCCD1}">
-                  <a14:hiddenFill xmlns:a14="http://schemas.microsoft.com/office/drawing/2010/main" xmlns="">
+                  <a14:hiddenFill xmlns:a14="http://schemas.microsoft.com/office/drawing/2010/main">
                     <a:solidFill>
                       <a:schemeClr val="accent1"/>
                     </a:solidFill>
                   </a14:hiddenFill>
                 </a:ext>
                 <a:ext uri="{91240B29-F687-4F45-9708-019B960494DF}">
-                  <a14:hiddenLine xmlns:a14="http://schemas.microsoft.com/office/drawing/2010/main" xmlns="" w="9525">
+                  <a14:hiddenLine xmlns:a14="http://schemas.microsoft.com/office/drawing/2010/main" w="9525">
                     <a:solidFill>
                       <a:schemeClr val="tx1"/>
                     </a:solidFill>
@@ -29879,7 +29829,7 @@
                   </a14:hiddenLine>
                 </a:ext>
                 <a:ext uri="{AF507438-7753-43E0-B8FC-AC1667EBCBE1}">
-                  <a14:hiddenEffects xmlns:a14="http://schemas.microsoft.com/office/drawing/2010/main" xmlns="">
+                  <a14:hiddenEffects xmlns:a14="http://schemas.microsoft.com/office/drawing/2010/main">
                     <a:effectLst>
                       <a:outerShdw dist="35921" dir="2700000" algn="ctr" rotWithShape="0">
                         <a:schemeClr val="bg2"/>
@@ -30086,7 +30036,7 @@
                 <a:blip r:embed="rId4" cstate="print">
                   <a:extLst>
                     <a:ext uri="{28A0092B-C50C-407E-A947-70E740481C1C}">
-                      <a14:useLocalDpi xmlns:a14="http://schemas.microsoft.com/office/drawing/2010/main" xmlns="" val="0"/>
+                      <a14:useLocalDpi xmlns:a14="http://schemas.microsoft.com/office/drawing/2010/main" val="0"/>
                     </a:ext>
                   </a:extLst>
                 </a:blip>
@@ -30110,14 +30060,14 @@
                 <a:effectLst/>
                 <a:extLst>
                   <a:ext uri="{909E8E84-426E-40DD-AFC4-6F175D3DCCD1}">
-                    <a14:hiddenFill xmlns:a14="http://schemas.microsoft.com/office/drawing/2010/main" xmlns="">
+                    <a14:hiddenFill xmlns:a14="http://schemas.microsoft.com/office/drawing/2010/main">
                       <a:solidFill>
                         <a:schemeClr val="accent1"/>
                       </a:solidFill>
                     </a14:hiddenFill>
                   </a:ext>
                   <a:ext uri="{91240B29-F687-4F45-9708-019B960494DF}">
-                    <a14:hiddenLine xmlns:a14="http://schemas.microsoft.com/office/drawing/2010/main" xmlns="" w="9525">
+                    <a14:hiddenLine xmlns:a14="http://schemas.microsoft.com/office/drawing/2010/main" w="9525">
                       <a:solidFill>
                         <a:schemeClr val="tx1"/>
                       </a:solidFill>
@@ -30127,7 +30077,7 @@
                     </a14:hiddenLine>
                   </a:ext>
                   <a:ext uri="{AF507438-7753-43E0-B8FC-AC1667EBCBE1}">
-                    <a14:hiddenEffects xmlns:a14="http://schemas.microsoft.com/office/drawing/2010/main" xmlns="">
+                    <a14:hiddenEffects xmlns:a14="http://schemas.microsoft.com/office/drawing/2010/main">
                       <a:effectLst>
                         <a:outerShdw dist="35921" dir="2700000" algn="ctr" rotWithShape="0">
                           <a:schemeClr val="bg2"/>
@@ -30195,7 +30145,7 @@
                 <a:blip r:embed="rId6" cstate="print">
                   <a:extLst>
                     <a:ext uri="{28A0092B-C50C-407E-A947-70E740481C1C}">
-                      <a14:useLocalDpi xmlns:a14="http://schemas.microsoft.com/office/drawing/2010/main" xmlns="" val="0"/>
+                      <a14:useLocalDpi xmlns:a14="http://schemas.microsoft.com/office/drawing/2010/main" val="0"/>
                     </a:ext>
                   </a:extLst>
                 </a:blip>
@@ -30219,14 +30169,14 @@
                 <a:effectLst/>
                 <a:extLst>
                   <a:ext uri="{909E8E84-426E-40DD-AFC4-6F175D3DCCD1}">
-                    <a14:hiddenFill xmlns:a14="http://schemas.microsoft.com/office/drawing/2010/main" xmlns="">
+                    <a14:hiddenFill xmlns:a14="http://schemas.microsoft.com/office/drawing/2010/main">
                       <a:solidFill>
                         <a:schemeClr val="accent1"/>
                       </a:solidFill>
                     </a14:hiddenFill>
                   </a:ext>
                   <a:ext uri="{91240B29-F687-4F45-9708-019B960494DF}">
-                    <a14:hiddenLine xmlns:a14="http://schemas.microsoft.com/office/drawing/2010/main" xmlns="" w="9525">
+                    <a14:hiddenLine xmlns:a14="http://schemas.microsoft.com/office/drawing/2010/main" w="9525">
                       <a:solidFill>
                         <a:schemeClr val="tx1"/>
                       </a:solidFill>
@@ -30236,7 +30186,7 @@
                     </a14:hiddenLine>
                   </a:ext>
                   <a:ext uri="{AF507438-7753-43E0-B8FC-AC1667EBCBE1}">
-                    <a14:hiddenEffects xmlns:a14="http://schemas.microsoft.com/office/drawing/2010/main" xmlns="">
+                    <a14:hiddenEffects xmlns:a14="http://schemas.microsoft.com/office/drawing/2010/main">
                       <a:effectLst>
                         <a:outerShdw dist="35921" dir="2700000" algn="ctr" rotWithShape="0">
                           <a:schemeClr val="bg2"/>
@@ -30260,7 +30210,7 @@
               <a:blip r:embed="rId7" cstate="print">
                 <a:extLst>
                   <a:ext uri="{28A0092B-C50C-407E-A947-70E740481C1C}">
-                    <a14:useLocalDpi xmlns:a14="http://schemas.microsoft.com/office/drawing/2010/main" xmlns="" val="0"/>
+                    <a14:useLocalDpi xmlns:a14="http://schemas.microsoft.com/office/drawing/2010/main" val="0"/>
                   </a:ext>
                 </a:extLst>
               </a:blip>
@@ -30284,14 +30234,14 @@
               <a:effectLst/>
               <a:extLst>
                 <a:ext uri="{909E8E84-426E-40DD-AFC4-6F175D3DCCD1}">
-                  <a14:hiddenFill xmlns:a14="http://schemas.microsoft.com/office/drawing/2010/main" xmlns="">
+                  <a14:hiddenFill xmlns:a14="http://schemas.microsoft.com/office/drawing/2010/main">
                     <a:solidFill>
                       <a:schemeClr val="accent1"/>
                     </a:solidFill>
                   </a14:hiddenFill>
                 </a:ext>
                 <a:ext uri="{91240B29-F687-4F45-9708-019B960494DF}">
-                  <a14:hiddenLine xmlns:a14="http://schemas.microsoft.com/office/drawing/2010/main" xmlns="" w="9525">
+                  <a14:hiddenLine xmlns:a14="http://schemas.microsoft.com/office/drawing/2010/main" w="9525">
                     <a:solidFill>
                       <a:schemeClr val="tx1"/>
                     </a:solidFill>
@@ -30301,7 +30251,7 @@
                   </a14:hiddenLine>
                 </a:ext>
                 <a:ext uri="{AF507438-7753-43E0-B8FC-AC1667EBCBE1}">
-                  <a14:hiddenEffects xmlns:a14="http://schemas.microsoft.com/office/drawing/2010/main" xmlns="">
+                  <a14:hiddenEffects xmlns:a14="http://schemas.microsoft.com/office/drawing/2010/main">
                     <a:effectLst>
                       <a:outerShdw dist="35921" dir="2700000" algn="ctr" rotWithShape="0">
                         <a:schemeClr val="bg2"/>
@@ -30324,7 +30274,7 @@
               <a:blip r:embed="rId7" cstate="print">
                 <a:extLst>
                   <a:ext uri="{28A0092B-C50C-407E-A947-70E740481C1C}">
-                    <a14:useLocalDpi xmlns:a14="http://schemas.microsoft.com/office/drawing/2010/main" xmlns="" val="0"/>
+                    <a14:useLocalDpi xmlns:a14="http://schemas.microsoft.com/office/drawing/2010/main" val="0"/>
                   </a:ext>
                 </a:extLst>
               </a:blip>
@@ -30348,14 +30298,14 @@
               <a:effectLst/>
               <a:extLst>
                 <a:ext uri="{909E8E84-426E-40DD-AFC4-6F175D3DCCD1}">
-                  <a14:hiddenFill xmlns:a14="http://schemas.microsoft.com/office/drawing/2010/main" xmlns="">
+                  <a14:hiddenFill xmlns:a14="http://schemas.microsoft.com/office/drawing/2010/main">
                     <a:solidFill>
                       <a:schemeClr val="accent1"/>
                     </a:solidFill>
                   </a14:hiddenFill>
                 </a:ext>
                 <a:ext uri="{91240B29-F687-4F45-9708-019B960494DF}">
-                  <a14:hiddenLine xmlns:a14="http://schemas.microsoft.com/office/drawing/2010/main" xmlns="" w="9525">
+                  <a14:hiddenLine xmlns:a14="http://schemas.microsoft.com/office/drawing/2010/main" w="9525">
                     <a:solidFill>
                       <a:schemeClr val="tx1"/>
                     </a:solidFill>
@@ -30365,7 +30315,7 @@
                   </a14:hiddenLine>
                 </a:ext>
                 <a:ext uri="{AF507438-7753-43E0-B8FC-AC1667EBCBE1}">
-                  <a14:hiddenEffects xmlns:a14="http://schemas.microsoft.com/office/drawing/2010/main" xmlns="">
+                  <a14:hiddenEffects xmlns:a14="http://schemas.microsoft.com/office/drawing/2010/main">
                     <a:effectLst>
                       <a:outerShdw dist="35921" dir="2700000" algn="ctr" rotWithShape="0">
                         <a:schemeClr val="bg2"/>
@@ -30388,7 +30338,7 @@
               <a:blip r:embed="rId7" cstate="print">
                 <a:extLst>
                   <a:ext uri="{28A0092B-C50C-407E-A947-70E740481C1C}">
-                    <a14:useLocalDpi xmlns:a14="http://schemas.microsoft.com/office/drawing/2010/main" xmlns="" val="0"/>
+                    <a14:useLocalDpi xmlns:a14="http://schemas.microsoft.com/office/drawing/2010/main" val="0"/>
                   </a:ext>
                 </a:extLst>
               </a:blip>
@@ -30412,14 +30362,14 @@
               <a:effectLst/>
               <a:extLst>
                 <a:ext uri="{909E8E84-426E-40DD-AFC4-6F175D3DCCD1}">
-                  <a14:hiddenFill xmlns:a14="http://schemas.microsoft.com/office/drawing/2010/main" xmlns="">
+                  <a14:hiddenFill xmlns:a14="http://schemas.microsoft.com/office/drawing/2010/main">
                     <a:solidFill>
                       <a:schemeClr val="accent1"/>
                     </a:solidFill>
                   </a14:hiddenFill>
                 </a:ext>
                 <a:ext uri="{91240B29-F687-4F45-9708-019B960494DF}">
-                  <a14:hiddenLine xmlns:a14="http://schemas.microsoft.com/office/drawing/2010/main" xmlns="" w="9525">
+                  <a14:hiddenLine xmlns:a14="http://schemas.microsoft.com/office/drawing/2010/main" w="9525">
                     <a:solidFill>
                       <a:schemeClr val="tx1"/>
                     </a:solidFill>
@@ -30429,7 +30379,7 @@
                   </a14:hiddenLine>
                 </a:ext>
                 <a:ext uri="{AF507438-7753-43E0-B8FC-AC1667EBCBE1}">
-                  <a14:hiddenEffects xmlns:a14="http://schemas.microsoft.com/office/drawing/2010/main" xmlns="">
+                  <a14:hiddenEffects xmlns:a14="http://schemas.microsoft.com/office/drawing/2010/main">
                     <a:effectLst>
                       <a:outerShdw dist="35921" dir="2700000" algn="ctr" rotWithShape="0">
                         <a:schemeClr val="bg2"/>
@@ -30453,7 +30403,7 @@
             <a:blip r:embed="rId8" cstate="print">
               <a:extLst>
                 <a:ext uri="{28A0092B-C50C-407E-A947-70E740481C1C}">
-                  <a14:useLocalDpi xmlns:a14="http://schemas.microsoft.com/office/drawing/2010/main" xmlns="" val="0"/>
+                  <a14:useLocalDpi xmlns:a14="http://schemas.microsoft.com/office/drawing/2010/main" val="0"/>
                 </a:ext>
               </a:extLst>
             </a:blip>
@@ -30477,14 +30427,14 @@
             <a:effectLst/>
             <a:extLst>
               <a:ext uri="{909E8E84-426E-40DD-AFC4-6F175D3DCCD1}">
-                <a14:hiddenFill xmlns:a14="http://schemas.microsoft.com/office/drawing/2010/main" xmlns="">
+                <a14:hiddenFill xmlns:a14="http://schemas.microsoft.com/office/drawing/2010/main">
                   <a:solidFill>
                     <a:schemeClr val="accent1"/>
                   </a:solidFill>
                 </a14:hiddenFill>
               </a:ext>
               <a:ext uri="{91240B29-F687-4F45-9708-019B960494DF}">
-                <a14:hiddenLine xmlns:a14="http://schemas.microsoft.com/office/drawing/2010/main" xmlns="" w="9525">
+                <a14:hiddenLine xmlns:a14="http://schemas.microsoft.com/office/drawing/2010/main" w="9525">
                   <a:solidFill>
                     <a:schemeClr val="tx1"/>
                   </a:solidFill>
@@ -30494,7 +30444,7 @@
                 </a14:hiddenLine>
               </a:ext>
               <a:ext uri="{AF507438-7753-43E0-B8FC-AC1667EBCBE1}">
-                <a14:hiddenEffects xmlns:a14="http://schemas.microsoft.com/office/drawing/2010/main" xmlns="">
+                <a14:hiddenEffects xmlns:a14="http://schemas.microsoft.com/office/drawing/2010/main">
                   <a:effectLst>
                     <a:outerShdw dist="35921" dir="2700000" algn="ctr" rotWithShape="0">
                       <a:schemeClr val="bg2"/>
@@ -30517,7 +30467,7 @@
             <a:blip r:embed="rId7" cstate="print">
               <a:extLst>
                 <a:ext uri="{28A0092B-C50C-407E-A947-70E740481C1C}">
-                  <a14:useLocalDpi xmlns:a14="http://schemas.microsoft.com/office/drawing/2010/main" xmlns="" val="0"/>
+                  <a14:useLocalDpi xmlns:a14="http://schemas.microsoft.com/office/drawing/2010/main" val="0"/>
                 </a:ext>
               </a:extLst>
             </a:blip>
@@ -30541,14 +30491,14 @@
             <a:effectLst/>
             <a:extLst>
               <a:ext uri="{909E8E84-426E-40DD-AFC4-6F175D3DCCD1}">
-                <a14:hiddenFill xmlns:a14="http://schemas.microsoft.com/office/drawing/2010/main" xmlns="">
+                <a14:hiddenFill xmlns:a14="http://schemas.microsoft.com/office/drawing/2010/main">
                   <a:solidFill>
                     <a:schemeClr val="accent1"/>
                   </a:solidFill>
                 </a14:hiddenFill>
               </a:ext>
               <a:ext uri="{91240B29-F687-4F45-9708-019B960494DF}">
-                <a14:hiddenLine xmlns:a14="http://schemas.microsoft.com/office/drawing/2010/main" xmlns="" w="9525">
+                <a14:hiddenLine xmlns:a14="http://schemas.microsoft.com/office/drawing/2010/main" w="9525">
                   <a:solidFill>
                     <a:schemeClr val="tx1"/>
                   </a:solidFill>
@@ -30558,7 +30508,7 @@
                 </a14:hiddenLine>
               </a:ext>
               <a:ext uri="{AF507438-7753-43E0-B8FC-AC1667EBCBE1}">
-                <a14:hiddenEffects xmlns:a14="http://schemas.microsoft.com/office/drawing/2010/main" xmlns="">
+                <a14:hiddenEffects xmlns:a14="http://schemas.microsoft.com/office/drawing/2010/main">
                   <a:effectLst>
                     <a:outerShdw dist="35921" dir="2700000" algn="ctr" rotWithShape="0">
                       <a:schemeClr val="bg2"/>
@@ -30581,7 +30531,7 @@
             <a:blip r:embed="rId3" cstate="print">
               <a:extLst>
                 <a:ext uri="{28A0092B-C50C-407E-A947-70E740481C1C}">
-                  <a14:useLocalDpi xmlns:a14="http://schemas.microsoft.com/office/drawing/2010/main" xmlns="" val="0"/>
+                  <a14:useLocalDpi xmlns:a14="http://schemas.microsoft.com/office/drawing/2010/main" val="0"/>
                 </a:ext>
               </a:extLst>
             </a:blip>
@@ -30605,14 +30555,14 @@
             <a:effectLst/>
             <a:extLst>
               <a:ext uri="{909E8E84-426E-40DD-AFC4-6F175D3DCCD1}">
-                <a14:hiddenFill xmlns:a14="http://schemas.microsoft.com/office/drawing/2010/main" xmlns="">
+                <a14:hiddenFill xmlns:a14="http://schemas.microsoft.com/office/drawing/2010/main">
                   <a:solidFill>
                     <a:schemeClr val="accent1"/>
                   </a:solidFill>
                 </a14:hiddenFill>
               </a:ext>
               <a:ext uri="{91240B29-F687-4F45-9708-019B960494DF}">
-                <a14:hiddenLine xmlns:a14="http://schemas.microsoft.com/office/drawing/2010/main" xmlns="" w="9525">
+                <a14:hiddenLine xmlns:a14="http://schemas.microsoft.com/office/drawing/2010/main" w="9525">
                   <a:solidFill>
                     <a:schemeClr val="tx1"/>
                   </a:solidFill>
@@ -30622,7 +30572,7 @@
                 </a14:hiddenLine>
               </a:ext>
               <a:ext uri="{AF507438-7753-43E0-B8FC-AC1667EBCBE1}">
-                <a14:hiddenEffects xmlns:a14="http://schemas.microsoft.com/office/drawing/2010/main" xmlns="">
+                <a14:hiddenEffects xmlns:a14="http://schemas.microsoft.com/office/drawing/2010/main">
                   <a:effectLst>
                     <a:outerShdw dist="35921" dir="2700000" algn="ctr" rotWithShape="0">
                       <a:schemeClr val="bg2"/>
@@ -30828,7 +30778,7 @@
                 <a:blip r:embed="rId3" cstate="print">
                   <a:extLst>
                     <a:ext uri="{28A0092B-C50C-407E-A947-70E740481C1C}">
-                      <a14:useLocalDpi xmlns:a14="http://schemas.microsoft.com/office/drawing/2010/main" xmlns="" val="0"/>
+                      <a14:useLocalDpi xmlns:a14="http://schemas.microsoft.com/office/drawing/2010/main" val="0"/>
                     </a:ext>
                   </a:extLst>
                 </a:blip>
@@ -30852,14 +30802,14 @@
                 <a:effectLst/>
                 <a:extLst>
                   <a:ext uri="{909E8E84-426E-40DD-AFC4-6F175D3DCCD1}">
-                    <a14:hiddenFill xmlns:a14="http://schemas.microsoft.com/office/drawing/2010/main" xmlns="">
+                    <a14:hiddenFill xmlns:a14="http://schemas.microsoft.com/office/drawing/2010/main">
                       <a:solidFill>
                         <a:schemeClr val="accent1"/>
                       </a:solidFill>
                     </a14:hiddenFill>
                   </a:ext>
                   <a:ext uri="{91240B29-F687-4F45-9708-019B960494DF}">
-                    <a14:hiddenLine xmlns:a14="http://schemas.microsoft.com/office/drawing/2010/main" xmlns="" w="9525">
+                    <a14:hiddenLine xmlns:a14="http://schemas.microsoft.com/office/drawing/2010/main" w="9525">
                       <a:solidFill>
                         <a:schemeClr val="tx1"/>
                       </a:solidFill>
@@ -30869,7 +30819,7 @@
                     </a14:hiddenLine>
                   </a:ext>
                   <a:ext uri="{AF507438-7753-43E0-B8FC-AC1667EBCBE1}">
-                    <a14:hiddenEffects xmlns:a14="http://schemas.microsoft.com/office/drawing/2010/main" xmlns="">
+                    <a14:hiddenEffects xmlns:a14="http://schemas.microsoft.com/office/drawing/2010/main">
                       <a:effectLst>
                         <a:outerShdw dist="35921" dir="2700000" algn="ctr" rotWithShape="0">
                           <a:schemeClr val="bg2"/>
@@ -30892,7 +30842,7 @@
                 <a:blip r:embed="rId4" cstate="print">
                   <a:extLst>
                     <a:ext uri="{28A0092B-C50C-407E-A947-70E740481C1C}">
-                      <a14:useLocalDpi xmlns:a14="http://schemas.microsoft.com/office/drawing/2010/main" xmlns="" val="0"/>
+                      <a14:useLocalDpi xmlns:a14="http://schemas.microsoft.com/office/drawing/2010/main" val="0"/>
                     </a:ext>
                   </a:extLst>
                 </a:blip>
@@ -30916,14 +30866,14 @@
                 <a:effectLst/>
                 <a:extLst>
                   <a:ext uri="{909E8E84-426E-40DD-AFC4-6F175D3DCCD1}">
-                    <a14:hiddenFill xmlns:a14="http://schemas.microsoft.com/office/drawing/2010/main" xmlns="">
+                    <a14:hiddenFill xmlns:a14="http://schemas.microsoft.com/office/drawing/2010/main">
                       <a:solidFill>
                         <a:schemeClr val="accent1"/>
                       </a:solidFill>
                     </a14:hiddenFill>
                   </a:ext>
                   <a:ext uri="{91240B29-F687-4F45-9708-019B960494DF}">
-                    <a14:hiddenLine xmlns:a14="http://schemas.microsoft.com/office/drawing/2010/main" xmlns="" w="9525">
+                    <a14:hiddenLine xmlns:a14="http://schemas.microsoft.com/office/drawing/2010/main" w="9525">
                       <a:solidFill>
                         <a:schemeClr val="tx1"/>
                       </a:solidFill>
@@ -30933,7 +30883,7 @@
                     </a14:hiddenLine>
                   </a:ext>
                   <a:ext uri="{AF507438-7753-43E0-B8FC-AC1667EBCBE1}">
-                    <a14:hiddenEffects xmlns:a14="http://schemas.microsoft.com/office/drawing/2010/main" xmlns="">
+                    <a14:hiddenEffects xmlns:a14="http://schemas.microsoft.com/office/drawing/2010/main">
                       <a:effectLst>
                         <a:outerShdw dist="35921" dir="2700000" algn="ctr" rotWithShape="0">
                           <a:schemeClr val="bg2"/>
@@ -31016,7 +30966,7 @@
                 <a:blip r:embed="rId7" cstate="print">
                   <a:extLst>
                     <a:ext uri="{28A0092B-C50C-407E-A947-70E740481C1C}">
-                      <a14:useLocalDpi xmlns:a14="http://schemas.microsoft.com/office/drawing/2010/main" xmlns="" val="0"/>
+                      <a14:useLocalDpi xmlns:a14="http://schemas.microsoft.com/office/drawing/2010/main" val="0"/>
                     </a:ext>
                   </a:extLst>
                 </a:blip>
@@ -31040,14 +30990,14 @@
                 <a:effectLst/>
                 <a:extLst>
                   <a:ext uri="{909E8E84-426E-40DD-AFC4-6F175D3DCCD1}">
-                    <a14:hiddenFill xmlns:a14="http://schemas.microsoft.com/office/drawing/2010/main" xmlns="">
+                    <a14:hiddenFill xmlns:a14="http://schemas.microsoft.com/office/drawing/2010/main">
                       <a:solidFill>
                         <a:schemeClr val="accent1"/>
                       </a:solidFill>
                     </a14:hiddenFill>
                   </a:ext>
                   <a:ext uri="{91240B29-F687-4F45-9708-019B960494DF}">
-                    <a14:hiddenLine xmlns:a14="http://schemas.microsoft.com/office/drawing/2010/main" xmlns="" w="9525">
+                    <a14:hiddenLine xmlns:a14="http://schemas.microsoft.com/office/drawing/2010/main" w="9525">
                       <a:solidFill>
                         <a:schemeClr val="tx1"/>
                       </a:solidFill>
@@ -31057,7 +31007,7 @@
                     </a14:hiddenLine>
                   </a:ext>
                   <a:ext uri="{AF507438-7753-43E0-B8FC-AC1667EBCBE1}">
-                    <a14:hiddenEffects xmlns:a14="http://schemas.microsoft.com/office/drawing/2010/main" xmlns="">
+                    <a14:hiddenEffects xmlns:a14="http://schemas.microsoft.com/office/drawing/2010/main">
                       <a:effectLst>
                         <a:outerShdw dist="35921" dir="2700000" algn="ctr" rotWithShape="0">
                           <a:schemeClr val="bg2"/>
@@ -31080,7 +31030,7 @@
                 <a:blip r:embed="rId7" cstate="print">
                   <a:extLst>
                     <a:ext uri="{28A0092B-C50C-407E-A947-70E740481C1C}">
-                      <a14:useLocalDpi xmlns:a14="http://schemas.microsoft.com/office/drawing/2010/main" xmlns="" val="0"/>
+                      <a14:useLocalDpi xmlns:a14="http://schemas.microsoft.com/office/drawing/2010/main" val="0"/>
                     </a:ext>
                   </a:extLst>
                 </a:blip>
@@ -31104,14 +31054,14 @@
                 <a:effectLst/>
                 <a:extLst>
                   <a:ext uri="{909E8E84-426E-40DD-AFC4-6F175D3DCCD1}">
-                    <a14:hiddenFill xmlns:a14="http://schemas.microsoft.com/office/drawing/2010/main" xmlns="">
+                    <a14:hiddenFill xmlns:a14="http://schemas.microsoft.com/office/drawing/2010/main">
                       <a:solidFill>
                         <a:schemeClr val="accent1"/>
                       </a:solidFill>
                     </a14:hiddenFill>
                   </a:ext>
                   <a:ext uri="{91240B29-F687-4F45-9708-019B960494DF}">
-                    <a14:hiddenLine xmlns:a14="http://schemas.microsoft.com/office/drawing/2010/main" xmlns="" w="9525">
+                    <a14:hiddenLine xmlns:a14="http://schemas.microsoft.com/office/drawing/2010/main" w="9525">
                       <a:solidFill>
                         <a:schemeClr val="tx1"/>
                       </a:solidFill>
@@ -31121,7 +31071,7 @@
                     </a14:hiddenLine>
                   </a:ext>
                   <a:ext uri="{AF507438-7753-43E0-B8FC-AC1667EBCBE1}">
-                    <a14:hiddenEffects xmlns:a14="http://schemas.microsoft.com/office/drawing/2010/main" xmlns="">
+                    <a14:hiddenEffects xmlns:a14="http://schemas.microsoft.com/office/drawing/2010/main">
                       <a:effectLst>
                         <a:outerShdw dist="35921" dir="2700000" algn="ctr" rotWithShape="0">
                           <a:schemeClr val="bg2"/>
@@ -31144,7 +31094,7 @@
                 <a:blip r:embed="rId6" cstate="print">
                   <a:extLst>
                     <a:ext uri="{28A0092B-C50C-407E-A947-70E740481C1C}">
-                      <a14:useLocalDpi xmlns:a14="http://schemas.microsoft.com/office/drawing/2010/main" xmlns="" val="0"/>
+                      <a14:useLocalDpi xmlns:a14="http://schemas.microsoft.com/office/drawing/2010/main" val="0"/>
                     </a:ext>
                   </a:extLst>
                 </a:blip>
@@ -31168,14 +31118,14 @@
                 <a:effectLst/>
                 <a:extLst>
                   <a:ext uri="{909E8E84-426E-40DD-AFC4-6F175D3DCCD1}">
-                    <a14:hiddenFill xmlns:a14="http://schemas.microsoft.com/office/drawing/2010/main" xmlns="">
+                    <a14:hiddenFill xmlns:a14="http://schemas.microsoft.com/office/drawing/2010/main">
                       <a:solidFill>
                         <a:schemeClr val="accent1"/>
                       </a:solidFill>
                     </a14:hiddenFill>
                   </a:ext>
                   <a:ext uri="{91240B29-F687-4F45-9708-019B960494DF}">
-                    <a14:hiddenLine xmlns:a14="http://schemas.microsoft.com/office/drawing/2010/main" xmlns="" w="9525">
+                    <a14:hiddenLine xmlns:a14="http://schemas.microsoft.com/office/drawing/2010/main" w="9525">
                       <a:solidFill>
                         <a:schemeClr val="tx1"/>
                       </a:solidFill>
@@ -31185,7 +31135,7 @@
                     </a14:hiddenLine>
                   </a:ext>
                   <a:ext uri="{AF507438-7753-43E0-B8FC-AC1667EBCBE1}">
-                    <a14:hiddenEffects xmlns:a14="http://schemas.microsoft.com/office/drawing/2010/main" xmlns="">
+                    <a14:hiddenEffects xmlns:a14="http://schemas.microsoft.com/office/drawing/2010/main">
                       <a:effectLst>
                         <a:outerShdw dist="35921" dir="2700000" algn="ctr" rotWithShape="0">
                           <a:schemeClr val="bg2"/>
@@ -31208,7 +31158,7 @@
                 <a:blip r:embed="rId6" cstate="print">
                   <a:extLst>
                     <a:ext uri="{28A0092B-C50C-407E-A947-70E740481C1C}">
-                      <a14:useLocalDpi xmlns:a14="http://schemas.microsoft.com/office/drawing/2010/main" xmlns="" val="0"/>
+                      <a14:useLocalDpi xmlns:a14="http://schemas.microsoft.com/office/drawing/2010/main" val="0"/>
                     </a:ext>
                   </a:extLst>
                 </a:blip>
@@ -31232,14 +31182,14 @@
                 <a:effectLst/>
                 <a:extLst>
                   <a:ext uri="{909E8E84-426E-40DD-AFC4-6F175D3DCCD1}">
-                    <a14:hiddenFill xmlns:a14="http://schemas.microsoft.com/office/drawing/2010/main" xmlns="">
+                    <a14:hiddenFill xmlns:a14="http://schemas.microsoft.com/office/drawing/2010/main">
                       <a:solidFill>
                         <a:schemeClr val="accent1"/>
                       </a:solidFill>
                     </a14:hiddenFill>
                   </a:ext>
                   <a:ext uri="{91240B29-F687-4F45-9708-019B960494DF}">
-                    <a14:hiddenLine xmlns:a14="http://schemas.microsoft.com/office/drawing/2010/main" xmlns="" w="9525">
+                    <a14:hiddenLine xmlns:a14="http://schemas.microsoft.com/office/drawing/2010/main" w="9525">
                       <a:solidFill>
                         <a:schemeClr val="tx1"/>
                       </a:solidFill>
@@ -31249,7 +31199,7 @@
                     </a14:hiddenLine>
                   </a:ext>
                   <a:ext uri="{AF507438-7753-43E0-B8FC-AC1667EBCBE1}">
-                    <a14:hiddenEffects xmlns:a14="http://schemas.microsoft.com/office/drawing/2010/main" xmlns="">
+                    <a14:hiddenEffects xmlns:a14="http://schemas.microsoft.com/office/drawing/2010/main">
                       <a:effectLst>
                         <a:outerShdw dist="35921" dir="2700000" algn="ctr" rotWithShape="0">
                           <a:schemeClr val="bg2"/>
@@ -31272,7 +31222,7 @@
                 <a:blip r:embed="rId6" cstate="print">
                   <a:extLst>
                     <a:ext uri="{28A0092B-C50C-407E-A947-70E740481C1C}">
-                      <a14:useLocalDpi xmlns:a14="http://schemas.microsoft.com/office/drawing/2010/main" xmlns="" val="0"/>
+                      <a14:useLocalDpi xmlns:a14="http://schemas.microsoft.com/office/drawing/2010/main" val="0"/>
                     </a:ext>
                   </a:extLst>
                 </a:blip>
@@ -31296,14 +31246,14 @@
                 <a:effectLst/>
                 <a:extLst>
                   <a:ext uri="{909E8E84-426E-40DD-AFC4-6F175D3DCCD1}">
-                    <a14:hiddenFill xmlns:a14="http://schemas.microsoft.com/office/drawing/2010/main" xmlns="">
+                    <a14:hiddenFill xmlns:a14="http://schemas.microsoft.com/office/drawing/2010/main">
                       <a:solidFill>
                         <a:schemeClr val="accent1"/>
                       </a:solidFill>
                     </a14:hiddenFill>
                   </a:ext>
                   <a:ext uri="{91240B29-F687-4F45-9708-019B960494DF}">
-                    <a14:hiddenLine xmlns:a14="http://schemas.microsoft.com/office/drawing/2010/main" xmlns="" w="9525">
+                    <a14:hiddenLine xmlns:a14="http://schemas.microsoft.com/office/drawing/2010/main" w="9525">
                       <a:solidFill>
                         <a:schemeClr val="tx1"/>
                       </a:solidFill>
@@ -31313,7 +31263,7 @@
                     </a14:hiddenLine>
                   </a:ext>
                   <a:ext uri="{AF507438-7753-43E0-B8FC-AC1667EBCBE1}">
-                    <a14:hiddenEffects xmlns:a14="http://schemas.microsoft.com/office/drawing/2010/main" xmlns="">
+                    <a14:hiddenEffects xmlns:a14="http://schemas.microsoft.com/office/drawing/2010/main">
                       <a:effectLst>
                         <a:outerShdw dist="35921" dir="2700000" algn="ctr" rotWithShape="0">
                           <a:schemeClr val="bg2"/>
@@ -31338,7 +31288,7 @@
             <a:blip r:embed="rId6" cstate="print">
               <a:extLst>
                 <a:ext uri="{28A0092B-C50C-407E-A947-70E740481C1C}">
-                  <a14:useLocalDpi xmlns:a14="http://schemas.microsoft.com/office/drawing/2010/main" xmlns="" val="0"/>
+                  <a14:useLocalDpi xmlns:a14="http://schemas.microsoft.com/office/drawing/2010/main" val="0"/>
                 </a:ext>
               </a:extLst>
             </a:blip>
@@ -31362,14 +31312,14 @@
             <a:effectLst/>
             <a:extLst>
               <a:ext uri="{909E8E84-426E-40DD-AFC4-6F175D3DCCD1}">
-                <a14:hiddenFill xmlns:a14="http://schemas.microsoft.com/office/drawing/2010/main" xmlns="">
+                <a14:hiddenFill xmlns:a14="http://schemas.microsoft.com/office/drawing/2010/main">
                   <a:solidFill>
                     <a:schemeClr val="accent1"/>
                   </a:solidFill>
                 </a14:hiddenFill>
               </a:ext>
               <a:ext uri="{91240B29-F687-4F45-9708-019B960494DF}">
-                <a14:hiddenLine xmlns:a14="http://schemas.microsoft.com/office/drawing/2010/main" xmlns="" w="9525">
+                <a14:hiddenLine xmlns:a14="http://schemas.microsoft.com/office/drawing/2010/main" w="9525">
                   <a:solidFill>
                     <a:schemeClr val="tx1"/>
                   </a:solidFill>
@@ -31379,7 +31329,7 @@
                 </a14:hiddenLine>
               </a:ext>
               <a:ext uri="{AF507438-7753-43E0-B8FC-AC1667EBCBE1}">
-                <a14:hiddenEffects xmlns:a14="http://schemas.microsoft.com/office/drawing/2010/main" xmlns="">
+                <a14:hiddenEffects xmlns:a14="http://schemas.microsoft.com/office/drawing/2010/main">
                   <a:effectLst>
                     <a:outerShdw dist="35921" dir="2700000" algn="ctr" rotWithShape="0">
                       <a:schemeClr val="bg2"/>
@@ -31391,10 +31341,70 @@
           </p:spPr>
         </p:pic>
       </p:grpSp>
+      <p:sp>
+        <p:nvSpPr>
+          <p:cNvPr id="72" name="TextBox 71"/>
+          <p:cNvSpPr txBox="1"/>
+          <p:nvPr/>
+        </p:nvSpPr>
+        <p:spPr>
+          <a:xfrm>
+            <a:off x="7472607" y="413460"/>
+            <a:ext cx="809625" cy="138499"/>
+          </a:xfrm>
+          <a:prstGeom prst="rect">
+            <a:avLst/>
+          </a:prstGeom>
+          <a:solidFill>
+            <a:schemeClr val="bg1"/>
+          </a:solidFill>
+        </p:spPr>
+        <p:txBody>
+          <a:bodyPr wrap="square" lIns="0" tIns="0" rIns="0" bIns="0" rtlCol="0">
+            <a:spAutoFit/>
+          </a:bodyPr>
+          <a:lstStyle/>
+          <a:p>
+            <a:pPr fontAlgn="base">
+              <a:spcBef>
+                <a:spcPts val="600"/>
+              </a:spcBef>
+              <a:spcAft>
+                <a:spcPct val="0"/>
+              </a:spcAft>
+              <a:buClr>
+                <a:srgbClr val="F0AB00"/>
+              </a:buClr>
+              <a:buSzPct val="80000"/>
+            </a:pPr>
+            <a:r>
+              <a:rPr lang="en-US" sz="900" kern="0" dirty="0">
+                <a:latin typeface="Segoe UI Light" panose="020B0502040204020203" pitchFamily="34" charset="0"/>
+                <a:ea typeface="Arial Unicode MS" pitchFamily="34" charset="-128"/>
+                <a:cs typeface="Arial Unicode MS" pitchFamily="34" charset="-128"/>
+              </a:rPr>
+              <a:t>Fabien </a:t>
+            </a:r>
+            <a:r>
+              <a:rPr lang="en-US" sz="900" kern="0" dirty="0" smtClean="0">
+                <a:latin typeface="Segoe UI Light" panose="020B0502040204020203" pitchFamily="34" charset="0"/>
+                <a:ea typeface="Arial Unicode MS" pitchFamily="34" charset="-128"/>
+                <a:cs typeface="Arial Unicode MS" pitchFamily="34" charset="-128"/>
+              </a:rPr>
+              <a:t>Martins</a:t>
+            </a:r>
+            <a:endParaRPr lang="en-US" sz="900" kern="0" dirty="0">
+              <a:latin typeface="Segoe UI Light" panose="020B0502040204020203" pitchFamily="34" charset="0"/>
+              <a:ea typeface="Arial Unicode MS" pitchFamily="34" charset="-128"/>
+              <a:cs typeface="Arial Unicode MS" pitchFamily="34" charset="-128"/>
+            </a:endParaRPr>
+          </a:p>
+        </p:txBody>
+      </p:sp>
     </p:spTree>
     <p:extLst>
       <p:ext uri="{BB962C8B-B14F-4D97-AF65-F5344CB8AC3E}">
-        <p14:creationId xmlns:p14="http://schemas.microsoft.com/office/powerpoint/2010/main" xmlns="" val="1968421232"/>
+        <p14:creationId xmlns:p14="http://schemas.microsoft.com/office/powerpoint/2010/main" val="1968421232"/>
       </p:ext>
     </p:extLst>
   </p:cSld>
@@ -31404,9 +31414,83 @@
   <p:timing>
     <p:tnLst>
       <p:par>
-        <p:cTn id="1" dur="indefinite" restart="never" nodeType="tmRoot"/>
+        <p:cTn id="1" dur="indefinite" restart="never" nodeType="tmRoot">
+          <p:childTnLst>
+            <p:seq concurrent="1" nextAc="seek">
+              <p:cTn id="2" dur="indefinite" nodeType="mainSeq">
+                <p:childTnLst>
+                  <p:par>
+                    <p:cTn id="3" fill="hold">
+                      <p:stCondLst>
+                        <p:cond delay="indefinite"/>
+                        <p:cond evt="onBegin" delay="0">
+                          <p:tn val="2"/>
+                        </p:cond>
+                      </p:stCondLst>
+                      <p:childTnLst>
+                        <p:par>
+                          <p:cTn id="4" fill="hold">
+                            <p:stCondLst>
+                              <p:cond delay="0"/>
+                            </p:stCondLst>
+                            <p:childTnLst>
+                              <p:par>
+                                <p:cTn id="5" presetID="1" presetClass="entr" presetSubtype="0" fill="hold" grpId="0" nodeType="withEffect">
+                                  <p:stCondLst>
+                                    <p:cond delay="0"/>
+                                  </p:stCondLst>
+                                  <p:childTnLst>
+                                    <p:set>
+                                      <p:cBhvr>
+                                        <p:cTn id="6" dur="1" fill="hold">
+                                          <p:stCondLst>
+                                            <p:cond delay="0"/>
+                                          </p:stCondLst>
+                                        </p:cTn>
+                                        <p:tgtEl>
+                                          <p:spTgt spid="72"/>
+                                        </p:tgtEl>
+                                        <p:attrNameLst>
+                                          <p:attrName>style.visibility</p:attrName>
+                                        </p:attrNameLst>
+                                      </p:cBhvr>
+                                      <p:to>
+                                        <p:strVal val="visible"/>
+                                      </p:to>
+                                    </p:set>
+                                  </p:childTnLst>
+                                </p:cTn>
+                              </p:par>
+                            </p:childTnLst>
+                          </p:cTn>
+                        </p:par>
+                      </p:childTnLst>
+                    </p:cTn>
+                  </p:par>
+                </p:childTnLst>
+              </p:cTn>
+              <p:prevCondLst>
+                <p:cond evt="onPrev" delay="0">
+                  <p:tgtEl>
+                    <p:sldTgt/>
+                  </p:tgtEl>
+                </p:cond>
+              </p:prevCondLst>
+              <p:nextCondLst>
+                <p:cond evt="onNext" delay="0">
+                  <p:tgtEl>
+                    <p:sldTgt/>
+                  </p:tgtEl>
+                </p:cond>
+              </p:nextCondLst>
+            </p:seq>
+          </p:childTnLst>
+        </p:cTn>
       </p:par>
     </p:tnLst>
+    <p:bldLst>
+      <p:bldP spid="72" grpId="0" animBg="1"/>
+    </p:bldLst>
   </p:timing>
 </p:sld>
 </file>
@@ -31440,7 +31524,7 @@
           <a:blip r:embed="rId2" cstate="print">
             <a:extLst>
               <a:ext uri="{28A0092B-C50C-407E-A947-70E740481C1C}">
-                <a14:useLocalDpi xmlns:a14="http://schemas.microsoft.com/office/drawing/2010/main" xmlns="" val="0"/>
+                <a14:useLocalDpi xmlns:a14="http://schemas.microsoft.com/office/drawing/2010/main" val="0"/>
               </a:ext>
             </a:extLst>
           </a:blip>
@@ -31464,14 +31548,14 @@
           <a:effectLst/>
           <a:extLst>
             <a:ext uri="{909E8E84-426E-40DD-AFC4-6F175D3DCCD1}">
-              <a14:hiddenFill xmlns:a14="http://schemas.microsoft.com/office/drawing/2010/main" xmlns="">
+              <a14:hiddenFill xmlns:a14="http://schemas.microsoft.com/office/drawing/2010/main">
                 <a:solidFill>
                   <a:schemeClr val="accent1"/>
                 </a:solidFill>
               </a14:hiddenFill>
             </a:ext>
             <a:ext uri="{91240B29-F687-4F45-9708-019B960494DF}">
-              <a14:hiddenLine xmlns:a14="http://schemas.microsoft.com/office/drawing/2010/main" xmlns="" w="9525">
+              <a14:hiddenLine xmlns:a14="http://schemas.microsoft.com/office/drawing/2010/main" w="9525">
                 <a:solidFill>
                   <a:schemeClr val="tx1"/>
                 </a:solidFill>
@@ -31481,7 +31565,7 @@
               </a14:hiddenLine>
             </a:ext>
             <a:ext uri="{AF507438-7753-43E0-B8FC-AC1667EBCBE1}">
-              <a14:hiddenEffects xmlns:a14="http://schemas.microsoft.com/office/drawing/2010/main" xmlns="">
+              <a14:hiddenEffects xmlns:a14="http://schemas.microsoft.com/office/drawing/2010/main">
                 <a:effectLst>
                   <a:outerShdw dist="35921" dir="2700000" algn="ctr" rotWithShape="0">
                     <a:schemeClr val="bg2"/>
@@ -31636,7 +31720,7 @@
           <a:blip r:embed="rId3" cstate="print">
             <a:extLst>
               <a:ext uri="{28A0092B-C50C-407E-A947-70E740481C1C}">
-                <a14:useLocalDpi xmlns:a14="http://schemas.microsoft.com/office/drawing/2010/main" xmlns="" val="0"/>
+                <a14:useLocalDpi xmlns:a14="http://schemas.microsoft.com/office/drawing/2010/main" val="0"/>
               </a:ext>
             </a:extLst>
           </a:blip>
@@ -31656,7 +31740,7 @@
           <a:noFill/>
           <a:extLst>
             <a:ext uri="{909E8E84-426E-40DD-AFC4-6F175D3DCCD1}">
-              <a14:hiddenFill xmlns:a14="http://schemas.microsoft.com/office/drawing/2010/main" xmlns="">
+              <a14:hiddenFill xmlns:a14="http://schemas.microsoft.com/office/drawing/2010/main">
                 <a:solidFill>
                   <a:srgbClr val="FFFFFF"/>
                 </a:solidFill>
@@ -31677,7 +31761,7 @@
           <a:blip r:embed="rId4" cstate="print">
             <a:extLst>
               <a:ext uri="{28A0092B-C50C-407E-A947-70E740481C1C}">
-                <a14:useLocalDpi xmlns:a14="http://schemas.microsoft.com/office/drawing/2010/main" xmlns="" val="0"/>
+                <a14:useLocalDpi xmlns:a14="http://schemas.microsoft.com/office/drawing/2010/main" val="0"/>
               </a:ext>
             </a:extLst>
           </a:blip>
@@ -31706,14 +31790,14 @@
           <a:effectLst/>
           <a:extLst>
             <a:ext uri="{909E8E84-426E-40DD-AFC4-6F175D3DCCD1}">
-              <a14:hiddenFill xmlns:a14="http://schemas.microsoft.com/office/drawing/2010/main" xmlns="">
+              <a14:hiddenFill xmlns:a14="http://schemas.microsoft.com/office/drawing/2010/main">
                 <a:solidFill>
                   <a:schemeClr val="accent1"/>
                 </a:solidFill>
               </a14:hiddenFill>
             </a:ext>
             <a:ext uri="{AF507438-7753-43E0-B8FC-AC1667EBCBE1}">
-              <a14:hiddenEffects xmlns:a14="http://schemas.microsoft.com/office/drawing/2010/main" xmlns="">
+              <a14:hiddenEffects xmlns:a14="http://schemas.microsoft.com/office/drawing/2010/main">
                 <a:effectLst>
                   <a:outerShdw dist="35921" dir="2700000" algn="ctr" rotWithShape="0">
                     <a:schemeClr val="bg2"/>
@@ -31774,23 +31858,7 @@
                 <a:ea typeface="Arial Unicode MS" pitchFamily="34" charset="-128"/>
                 <a:cs typeface="Arial Unicode MS" pitchFamily="34" charset="-128"/>
               </a:rPr>
-              <a:t>Fabien wants to compare the number of accidents that happened last </a:t>
-            </a:r>
-            <a:r>
-              <a:rPr lang="en-US" sz="1800" kern="0" dirty="0" smtClean="0">
-                <a:latin typeface="Segoe UI Light" panose="020B0502040204020203" pitchFamily="34" charset="0"/>
-                <a:ea typeface="Arial Unicode MS" pitchFamily="34" charset="-128"/>
-                <a:cs typeface="Arial Unicode MS" pitchFamily="34" charset="-128"/>
-              </a:rPr>
-              <a:t>year in France </a:t>
-            </a:r>
-            <a:r>
-              <a:rPr lang="en-US" sz="1800" kern="0" dirty="0" smtClean="0">
-                <a:latin typeface="Segoe UI Light" panose="020B0502040204020203" pitchFamily="34" charset="0"/>
-                <a:ea typeface="Arial Unicode MS" pitchFamily="34" charset="-128"/>
-                <a:cs typeface="Arial Unicode MS" pitchFamily="34" charset="-128"/>
-              </a:rPr>
-              <a:t>which </a:t>
+              <a:t>Fabien wants to compare the number of accidents that happened last year in France which </a:t>
             </a:r>
             <a:r>
               <a:rPr lang="en-US" kern="0" dirty="0" smtClean="0">
@@ -31882,7 +31950,7 @@
     </p:spTree>
     <p:extLst>
       <p:ext uri="{BB962C8B-B14F-4D97-AF65-F5344CB8AC3E}">
-        <p14:creationId xmlns:p14="http://schemas.microsoft.com/office/powerpoint/2010/main" xmlns="" val="2385562696"/>
+        <p14:creationId xmlns:p14="http://schemas.microsoft.com/office/powerpoint/2010/main" val="2385562696"/>
       </p:ext>
     </p:extLst>
   </p:cSld>
@@ -32300,7 +32368,7 @@
     </p:spTree>
     <p:extLst>
       <p:ext uri="{BB962C8B-B14F-4D97-AF65-F5344CB8AC3E}">
-        <p14:creationId xmlns:p14="http://schemas.microsoft.com/office/powerpoint/2010/main" xmlns="" val="58538897"/>
+        <p14:creationId xmlns:p14="http://schemas.microsoft.com/office/powerpoint/2010/main" val="58538897"/>
       </p:ext>
     </p:extLst>
   </p:cSld>
@@ -32420,13 +32488,7 @@
               <a:rPr lang="en-US" b="0" smtClean="0">
                 <a:latin typeface="Segoe UI Light" panose="020B0502040204020203" pitchFamily="34" charset="0"/>
               </a:rPr>
-              <a:t>simple </a:t>
-            </a:r>
-            <a:r>
-              <a:rPr lang="en-US" b="0" smtClean="0">
-                <a:latin typeface="Segoe UI Light" panose="020B0502040204020203" pitchFamily="34" charset="0"/>
-              </a:rPr>
-              <a:t>but comprehensive </a:t>
+              <a:t>simple but comprehensive </a:t>
             </a:r>
             <a:r>
               <a:rPr lang="en-US" b="0" dirty="0" smtClean="0">
@@ -32443,7 +32505,7 @@
     </p:spTree>
     <p:extLst>
       <p:ext uri="{BB962C8B-B14F-4D97-AF65-F5344CB8AC3E}">
-        <p14:creationId xmlns:p14="http://schemas.microsoft.com/office/powerpoint/2010/main" xmlns="" val="1617089566"/>
+        <p14:creationId xmlns:p14="http://schemas.microsoft.com/office/powerpoint/2010/main" val="1617089566"/>
       </p:ext>
     </p:extLst>
   </p:cSld>
@@ -32576,7 +32638,7 @@
           <a:blip r:embed="rId3" cstate="print">
             <a:extLst>
               <a:ext uri="{28A0092B-C50C-407E-A947-70E740481C1C}">
-                <a14:useLocalDpi xmlns:a14="http://schemas.microsoft.com/office/drawing/2010/main" xmlns="" val="0"/>
+                <a14:useLocalDpi xmlns:a14="http://schemas.microsoft.com/office/drawing/2010/main" val="0"/>
               </a:ext>
             </a:extLst>
           </a:blip>
@@ -32596,7 +32658,7 @@
           <a:noFill/>
           <a:extLst>
             <a:ext uri="{909E8E84-426E-40DD-AFC4-6F175D3DCCD1}">
-              <a14:hiddenFill xmlns:a14="http://schemas.microsoft.com/office/drawing/2010/main" xmlns="">
+              <a14:hiddenFill xmlns:a14="http://schemas.microsoft.com/office/drawing/2010/main">
                 <a:solidFill>
                   <a:srgbClr val="FFFFFF"/>
                 </a:solidFill>
@@ -32608,7 +32670,7 @@
     </p:spTree>
     <p:extLst>
       <p:ext uri="{BB962C8B-B14F-4D97-AF65-F5344CB8AC3E}">
-        <p14:creationId xmlns:p14="http://schemas.microsoft.com/office/powerpoint/2010/main" xmlns="" val="2987907903"/>
+        <p14:creationId xmlns:p14="http://schemas.microsoft.com/office/powerpoint/2010/main" val="2987907903"/>
       </p:ext>
     </p:extLst>
   </p:cSld>
@@ -32894,7 +32956,23 @@
                 <a:ea typeface="Arial Unicode MS" pitchFamily="34" charset="-128"/>
                 <a:cs typeface="Arial Unicode MS" pitchFamily="34" charset="-128"/>
               </a:rPr>
-              <a:t>Fabien needs some indicators about the quality of the data he found, he knows he can’t trust any source of information out there</a:t>
+              <a:t>Fabien needs some indicators about the quality of the data he </a:t>
+            </a:r>
+            <a:r>
+              <a:rPr lang="en-US" kern="0" dirty="0" smtClean="0">
+                <a:latin typeface="Segoe UI Light" panose="020B0502040204020203" pitchFamily="34" charset="0"/>
+                <a:ea typeface="Arial Unicode MS" pitchFamily="34" charset="-128"/>
+                <a:cs typeface="Arial Unicode MS" pitchFamily="34" charset="-128"/>
+              </a:rPr>
+              <a:t>finds, </a:t>
+            </a:r>
+            <a:r>
+              <a:rPr lang="en-US" kern="0" dirty="0" smtClean="0">
+                <a:latin typeface="Segoe UI Light" panose="020B0502040204020203" pitchFamily="34" charset="0"/>
+                <a:ea typeface="Arial Unicode MS" pitchFamily="34" charset="-128"/>
+                <a:cs typeface="Arial Unicode MS" pitchFamily="34" charset="-128"/>
+              </a:rPr>
+              <a:t>he knows he can’t trust any source of information out there</a:t>
             </a:r>
           </a:p>
           <a:p>
@@ -32974,7 +33052,7 @@
     </p:spTree>
     <p:extLst>
       <p:ext uri="{BB962C8B-B14F-4D97-AF65-F5344CB8AC3E}">
-        <p14:creationId xmlns:p14="http://schemas.microsoft.com/office/powerpoint/2010/main" xmlns="" val="3684045596"/>
+        <p14:creationId xmlns:p14="http://schemas.microsoft.com/office/powerpoint/2010/main" val="3684045596"/>
       </p:ext>
     </p:extLst>
   </p:cSld>
@@ -33247,7 +33325,7 @@
     </p:spTree>
     <p:extLst>
       <p:ext uri="{BB962C8B-B14F-4D97-AF65-F5344CB8AC3E}">
-        <p14:creationId xmlns:p14="http://schemas.microsoft.com/office/powerpoint/2010/main" xmlns="" val="3157884324"/>
+        <p14:creationId xmlns:p14="http://schemas.microsoft.com/office/powerpoint/2010/main" val="3157884324"/>
       </p:ext>
     </p:extLst>
   </p:cSld>
@@ -33626,7 +33704,7 @@
     </p:spTree>
     <p:extLst>
       <p:ext uri="{BB962C8B-B14F-4D97-AF65-F5344CB8AC3E}">
-        <p14:creationId xmlns:p14="http://schemas.microsoft.com/office/powerpoint/2010/main" xmlns="" val="2290444703"/>
+        <p14:creationId xmlns:p14="http://schemas.microsoft.com/office/powerpoint/2010/main" val="2290444703"/>
       </p:ext>
     </p:extLst>
   </p:cSld>
@@ -35798,7 +35876,7 @@
     </p:spTree>
     <p:extLst>
       <p:ext uri="{BB962C8B-B14F-4D97-AF65-F5344CB8AC3E}">
-        <p14:creationId xmlns:p14="http://schemas.microsoft.com/office/powerpoint/2010/main" xmlns="" val="1894750242"/>
+        <p14:creationId xmlns:p14="http://schemas.microsoft.com/office/powerpoint/2010/main" val="1894750242"/>
       </p:ext>
     </p:extLst>
   </p:cSld>
@@ -38665,7 +38743,7 @@
     </p:spTree>
     <p:extLst>
       <p:ext uri="{BB962C8B-B14F-4D97-AF65-F5344CB8AC3E}">
-        <p14:creationId xmlns:p14="http://schemas.microsoft.com/office/powerpoint/2010/main" xmlns="" val="1279617305"/>
+        <p14:creationId xmlns:p14="http://schemas.microsoft.com/office/powerpoint/2010/main" val="1279617305"/>
       </p:ext>
     </p:extLst>
   </p:cSld>
@@ -39001,7 +39079,7 @@
     </p:spTree>
     <p:extLst>
       <p:ext uri="{BB962C8B-B14F-4D97-AF65-F5344CB8AC3E}">
-        <p14:creationId xmlns:p14="http://schemas.microsoft.com/office/powerpoint/2010/main" xmlns="" val="2658660240"/>
+        <p14:creationId xmlns:p14="http://schemas.microsoft.com/office/powerpoint/2010/main" val="2658660240"/>
       </p:ext>
     </p:extLst>
   </p:cSld>
